--- a/Presentazione.pptx
+++ b/Presentazione.pptx
@@ -141,7 +141,7 @@
 <file path=ppt/revisionInfo.xml><?xml version="1.0" encoding="utf-8"?>
 <p1510:revInfo xmlns:a="http://schemas.openxmlformats.org/drawingml/2006/main" xmlns:r="http://schemas.openxmlformats.org/officeDocument/2006/relationships" xmlns:p1510="http://schemas.microsoft.com/office/powerpoint/2015/10/main">
   <p1510:revLst>
-    <p1510:client id="{6C59A853-BA62-4224-9BE1-2DF441724FBD}" v="5" dt="2019-11-04T22:10:40.262"/>
+    <p1510:client id="{6C59A853-BA62-4224-9BE1-2DF441724FBD}" v="26" dt="2019-11-05T16:06:14.082"/>
   </p1510:revLst>
 </p1510:revInfo>
 </file>
@@ -150,8 +150,8 @@
 <pc:chgInfo xmlns:a="http://schemas.openxmlformats.org/drawingml/2006/main" xmlns:r="http://schemas.openxmlformats.org/officeDocument/2006/relationships" xmlns:ac="http://schemas.microsoft.com/office/drawing/2013/main/command" xmlns:pc="http://schemas.microsoft.com/office/powerpoint/2013/main/command">
   <pc:docChgLst>
     <pc:chgData name="Andrei Daniel Ivan" userId="d3c4cde5a19fb9a3" providerId="LiveId" clId="{6C59A853-BA62-4224-9BE1-2DF441724FBD}"/>
-    <pc:docChg chg="undo custSel delSld modSld">
-      <pc:chgData name="Andrei Daniel Ivan" userId="d3c4cde5a19fb9a3" providerId="LiveId" clId="{6C59A853-BA62-4224-9BE1-2DF441724FBD}" dt="2019-11-04T22:11:03.587" v="172" actId="478"/>
+    <pc:docChg chg="undo redo custSel delSld modSld">
+      <pc:chgData name="Andrei Daniel Ivan" userId="d3c4cde5a19fb9a3" providerId="LiveId" clId="{6C59A853-BA62-4224-9BE1-2DF441724FBD}" dt="2019-11-05T16:06:38.516" v="310" actId="1076"/>
       <pc:docMkLst>
         <pc:docMk/>
       </pc:docMkLst>
@@ -281,7 +281,7 @@
         </pc:picChg>
       </pc:sldChg>
       <pc:sldChg chg="addSp delSp modSp">
-        <pc:chgData name="Andrei Daniel Ivan" userId="d3c4cde5a19fb9a3" providerId="LiveId" clId="{6C59A853-BA62-4224-9BE1-2DF441724FBD}" dt="2019-11-04T22:10:52.830" v="168" actId="1076"/>
+        <pc:chgData name="Andrei Daniel Ivan" userId="d3c4cde5a19fb9a3" providerId="LiveId" clId="{6C59A853-BA62-4224-9BE1-2DF441724FBD}" dt="2019-11-05T16:06:38.516" v="310" actId="1076"/>
         <pc:sldMkLst>
           <pc:docMk/>
           <pc:sldMk cId="3577249319" sldId="266"/>
@@ -292,6 +292,14 @@
             <pc:docMk/>
             <pc:sldMk cId="3577249319" sldId="266"/>
             <ac:spMk id="2" creationId="{F1DDE7A4-1A5F-4F0D-B842-7798EDC6EDA8}"/>
+          </ac:spMkLst>
+        </pc:spChg>
+        <pc:spChg chg="add mod">
+          <ac:chgData name="Andrei Daniel Ivan" userId="d3c4cde5a19fb9a3" providerId="LiveId" clId="{6C59A853-BA62-4224-9BE1-2DF441724FBD}" dt="2019-11-05T15:56:46.476" v="182" actId="1076"/>
+          <ac:spMkLst>
+            <pc:docMk/>
+            <pc:sldMk cId="3577249319" sldId="266"/>
+            <ac:spMk id="4" creationId="{51A3EC52-8BD5-4839-8BDB-B3223AA35C2B}"/>
           </ac:spMkLst>
         </pc:spChg>
         <pc:spChg chg="del">
@@ -310,6 +318,22 @@
             <ac:spMk id="7" creationId="{1C544053-6751-4420-A592-2979D732C879}"/>
           </ac:spMkLst>
         </pc:spChg>
+        <pc:spChg chg="add mod">
+          <ac:chgData name="Andrei Daniel Ivan" userId="d3c4cde5a19fb9a3" providerId="LiveId" clId="{6C59A853-BA62-4224-9BE1-2DF441724FBD}" dt="2019-11-05T15:57:59.273" v="193" actId="1076"/>
+          <ac:spMkLst>
+            <pc:docMk/>
+            <pc:sldMk cId="3577249319" sldId="266"/>
+            <ac:spMk id="7" creationId="{9CABD79C-5879-4323-8AFE-AF352F11F398}"/>
+          </ac:spMkLst>
+        </pc:spChg>
+        <pc:spChg chg="add mod">
+          <ac:chgData name="Andrei Daniel Ivan" userId="d3c4cde5a19fb9a3" providerId="LiveId" clId="{6C59A853-BA62-4224-9BE1-2DF441724FBD}" dt="2019-11-05T16:00:07.673" v="215" actId="1076"/>
+          <ac:spMkLst>
+            <pc:docMk/>
+            <pc:sldMk cId="3577249319" sldId="266"/>
+            <ac:spMk id="8" creationId="{BB620DE7-F342-4007-A94F-F75F9A7FAEB8}"/>
+          </ac:spMkLst>
+        </pc:spChg>
         <pc:spChg chg="del">
           <ac:chgData name="Andrei Daniel Ivan" userId="d3c4cde5a19fb9a3" providerId="LiveId" clId="{6C59A853-BA62-4224-9BE1-2DF441724FBD}" dt="2019-11-04T22:09:04.170" v="104" actId="478"/>
           <ac:spMkLst>
@@ -326,12 +350,36 @@
             <ac:spMk id="9" creationId="{24711185-B444-44C2-A328-45964709B321}"/>
           </ac:spMkLst>
         </pc:spChg>
+        <pc:spChg chg="add mod">
+          <ac:chgData name="Andrei Daniel Ivan" userId="d3c4cde5a19fb9a3" providerId="LiveId" clId="{6C59A853-BA62-4224-9BE1-2DF441724FBD}" dt="2019-11-05T16:02:40.282" v="232" actId="1076"/>
+          <ac:spMkLst>
+            <pc:docMk/>
+            <pc:sldMk cId="3577249319" sldId="266"/>
+            <ac:spMk id="9" creationId="{E5EE2DB2-4EE2-405A-B308-F4F6D75A644B}"/>
+          </ac:spMkLst>
+        </pc:spChg>
         <pc:spChg chg="del">
           <ac:chgData name="Andrei Daniel Ivan" userId="d3c4cde5a19fb9a3" providerId="LiveId" clId="{6C59A853-BA62-4224-9BE1-2DF441724FBD}" dt="2019-11-04T22:09:03.059" v="103" actId="478"/>
           <ac:spMkLst>
             <pc:docMk/>
             <pc:sldMk cId="3577249319" sldId="266"/>
             <ac:spMk id="10" creationId="{61234104-F01F-47B7-B03C-74022B0B1521}"/>
+          </ac:spMkLst>
+        </pc:spChg>
+        <pc:spChg chg="add mod">
+          <ac:chgData name="Andrei Daniel Ivan" userId="d3c4cde5a19fb9a3" providerId="LiveId" clId="{6C59A853-BA62-4224-9BE1-2DF441724FBD}" dt="2019-11-05T16:01:17.576" v="221" actId="20577"/>
+          <ac:spMkLst>
+            <pc:docMk/>
+            <pc:sldMk cId="3577249319" sldId="266"/>
+            <ac:spMk id="10" creationId="{D5022A66-B2AA-4F16-BD49-3EC303EB5561}"/>
+          </ac:spMkLst>
+        </pc:spChg>
+        <pc:spChg chg="add mod">
+          <ac:chgData name="Andrei Daniel Ivan" userId="d3c4cde5a19fb9a3" providerId="LiveId" clId="{6C59A853-BA62-4224-9BE1-2DF441724FBD}" dt="2019-11-05T16:02:32.028" v="231" actId="1076"/>
+          <ac:spMkLst>
+            <pc:docMk/>
+            <pc:sldMk cId="3577249319" sldId="266"/>
+            <ac:spMk id="11" creationId="{1A88782D-2F51-42E4-B3AB-3FA41CD21817}"/>
           </ac:spMkLst>
         </pc:spChg>
         <pc:spChg chg="del">
@@ -350,12 +398,36 @@
             <ac:spMk id="13" creationId="{4C5A1219-ABB8-47D2-BDAB-A9F0F8C70AC9}"/>
           </ac:spMkLst>
         </pc:spChg>
+        <pc:spChg chg="add mod">
+          <ac:chgData name="Andrei Daniel Ivan" userId="d3c4cde5a19fb9a3" providerId="LiveId" clId="{6C59A853-BA62-4224-9BE1-2DF441724FBD}" dt="2019-11-05T16:03:02.982" v="234" actId="1076"/>
+          <ac:spMkLst>
+            <pc:docMk/>
+            <pc:sldMk cId="3577249319" sldId="266"/>
+            <ac:spMk id="13" creationId="{6E92212C-F6FA-4226-8FEA-3267D5FE237A}"/>
+          </ac:spMkLst>
+        </pc:spChg>
+        <pc:spChg chg="add mod">
+          <ac:chgData name="Andrei Daniel Ivan" userId="d3c4cde5a19fb9a3" providerId="LiveId" clId="{6C59A853-BA62-4224-9BE1-2DF441724FBD}" dt="2019-11-05T16:03:16.443" v="238" actId="1076"/>
+          <ac:spMkLst>
+            <pc:docMk/>
+            <pc:sldMk cId="3577249319" sldId="266"/>
+            <ac:spMk id="14" creationId="{4560CFF0-24E7-46FB-8EFF-D23E0617F0E6}"/>
+          </ac:spMkLst>
+        </pc:spChg>
         <pc:spChg chg="del">
           <ac:chgData name="Andrei Daniel Ivan" userId="d3c4cde5a19fb9a3" providerId="LiveId" clId="{6C59A853-BA62-4224-9BE1-2DF441724FBD}" dt="2019-11-04T22:09:03.059" v="103" actId="478"/>
           <ac:spMkLst>
             <pc:docMk/>
             <pc:sldMk cId="3577249319" sldId="266"/>
             <ac:spMk id="14" creationId="{57B21165-AA57-479A-9B4F-E49A9465AADB}"/>
+          </ac:spMkLst>
+        </pc:spChg>
+        <pc:spChg chg="add mod">
+          <ac:chgData name="Andrei Daniel Ivan" userId="d3c4cde5a19fb9a3" providerId="LiveId" clId="{6C59A853-BA62-4224-9BE1-2DF441724FBD}" dt="2019-11-05T16:04:21.682" v="252" actId="1076"/>
+          <ac:spMkLst>
+            <pc:docMk/>
+            <pc:sldMk cId="3577249319" sldId="266"/>
+            <ac:spMk id="15" creationId="{7269B5AC-4709-4DFD-844A-DD9F6441DE69}"/>
           </ac:spMkLst>
         </pc:spChg>
         <pc:spChg chg="del">
@@ -374,6 +446,14 @@
             <ac:spMk id="16" creationId="{834E14CA-8869-44A2-9445-EB50B4512A60}"/>
           </ac:spMkLst>
         </pc:spChg>
+        <pc:spChg chg="add mod">
+          <ac:chgData name="Andrei Daniel Ivan" userId="d3c4cde5a19fb9a3" providerId="LiveId" clId="{6C59A853-BA62-4224-9BE1-2DF441724FBD}" dt="2019-11-05T16:05:09.804" v="258" actId="1076"/>
+          <ac:spMkLst>
+            <pc:docMk/>
+            <pc:sldMk cId="3577249319" sldId="266"/>
+            <ac:spMk id="16" creationId="{D543BCD9-4A1D-4EF5-B530-A1AB759C7046}"/>
+          </ac:spMkLst>
+        </pc:spChg>
         <pc:spChg chg="del">
           <ac:chgData name="Andrei Daniel Ivan" userId="d3c4cde5a19fb9a3" providerId="LiveId" clId="{6C59A853-BA62-4224-9BE1-2DF441724FBD}" dt="2019-11-04T22:09:03.059" v="103" actId="478"/>
           <ac:spMkLst>
@@ -382,12 +462,28 @@
             <ac:spMk id="17" creationId="{6DB36EAA-5957-4E6A-9D0B-19335C9E3288}"/>
           </ac:spMkLst>
         </pc:spChg>
+        <pc:spChg chg="add mod">
+          <ac:chgData name="Andrei Daniel Ivan" userId="d3c4cde5a19fb9a3" providerId="LiveId" clId="{6C59A853-BA62-4224-9BE1-2DF441724FBD}" dt="2019-11-05T16:05:26.260" v="263" actId="1076"/>
+          <ac:spMkLst>
+            <pc:docMk/>
+            <pc:sldMk cId="3577249319" sldId="266"/>
+            <ac:spMk id="17" creationId="{75B0951E-69C1-40C7-A3BB-78AB629923A8}"/>
+          </ac:spMkLst>
+        </pc:spChg>
         <pc:spChg chg="del">
           <ac:chgData name="Andrei Daniel Ivan" userId="d3c4cde5a19fb9a3" providerId="LiveId" clId="{6C59A853-BA62-4224-9BE1-2DF441724FBD}" dt="2019-11-04T22:09:03.059" v="103" actId="478"/>
           <ac:spMkLst>
             <pc:docMk/>
             <pc:sldMk cId="3577249319" sldId="266"/>
             <ac:spMk id="18" creationId="{96E91492-0F03-40AE-A92C-AF810161F87B}"/>
+          </ac:spMkLst>
+        </pc:spChg>
+        <pc:spChg chg="add mod">
+          <ac:chgData name="Andrei Daniel Ivan" userId="d3c4cde5a19fb9a3" providerId="LiveId" clId="{6C59A853-BA62-4224-9BE1-2DF441724FBD}" dt="2019-11-05T16:05:34.123" v="265" actId="1076"/>
+          <ac:spMkLst>
+            <pc:docMk/>
+            <pc:sldMk cId="3577249319" sldId="266"/>
+            <ac:spMk id="19" creationId="{07327DF0-1627-4FF9-BCBD-822EAB8833AC}"/>
           </ac:spMkLst>
         </pc:spChg>
         <pc:spChg chg="del">
@@ -406,12 +502,52 @@
             <ac:spMk id="20" creationId="{4589F7B9-92BE-4E30-9687-5A24749B8F60}"/>
           </ac:spMkLst>
         </pc:spChg>
-        <pc:spChg chg="add mod">
-          <ac:chgData name="Andrei Daniel Ivan" userId="d3c4cde5a19fb9a3" providerId="LiveId" clId="{6C59A853-BA62-4224-9BE1-2DF441724FBD}" dt="2019-11-04T22:10:52.830" v="168" actId="1076"/>
+        <pc:spChg chg="add del">
+          <ac:chgData name="Andrei Daniel Ivan" userId="d3c4cde5a19fb9a3" providerId="LiveId" clId="{6C59A853-BA62-4224-9BE1-2DF441724FBD}" dt="2019-11-05T16:05:39.013" v="269"/>
+          <ac:spMkLst>
+            <pc:docMk/>
+            <pc:sldMk cId="3577249319" sldId="266"/>
+            <ac:spMk id="20" creationId="{6BAB5B72-02CA-4E49-B21B-7CB7892B2355}"/>
+          </ac:spMkLst>
+        </pc:spChg>
+        <pc:spChg chg="add del mod">
+          <ac:chgData name="Andrei Daniel Ivan" userId="d3c4cde5a19fb9a3" providerId="LiveId" clId="{6C59A853-BA62-4224-9BE1-2DF441724FBD}" dt="2019-11-05T15:57:03.842" v="192" actId="478"/>
           <ac:spMkLst>
             <pc:docMk/>
             <pc:sldMk cId="3577249319" sldId="266"/>
             <ac:spMk id="21" creationId="{CBD50446-177C-43FD-8B98-E0F420548E64}"/>
+          </ac:spMkLst>
+        </pc:spChg>
+        <pc:spChg chg="add del">
+          <ac:chgData name="Andrei Daniel Ivan" userId="d3c4cde5a19fb9a3" providerId="LiveId" clId="{6C59A853-BA62-4224-9BE1-2DF441724FBD}" dt="2019-11-05T16:05:38.877" v="268"/>
+          <ac:spMkLst>
+            <pc:docMk/>
+            <pc:sldMk cId="3577249319" sldId="266"/>
+            <ac:spMk id="22" creationId="{7D156F76-37AC-46A3-9BB9-50D2DAE10D22}"/>
+          </ac:spMkLst>
+        </pc:spChg>
+        <pc:spChg chg="add mod">
+          <ac:chgData name="Andrei Daniel Ivan" userId="d3c4cde5a19fb9a3" providerId="LiveId" clId="{6C59A853-BA62-4224-9BE1-2DF441724FBD}" dt="2019-11-05T16:05:50.180" v="276" actId="1076"/>
+          <ac:spMkLst>
+            <pc:docMk/>
+            <pc:sldMk cId="3577249319" sldId="266"/>
+            <ac:spMk id="23" creationId="{2CD50850-C29E-40BF-A647-55D9FDDAC81C}"/>
+          </ac:spMkLst>
+        </pc:spChg>
+        <pc:spChg chg="add mod">
+          <ac:chgData name="Andrei Daniel Ivan" userId="d3c4cde5a19fb9a3" providerId="LiveId" clId="{6C59A853-BA62-4224-9BE1-2DF441724FBD}" dt="2019-11-05T16:06:03.652" v="278" actId="1076"/>
+          <ac:spMkLst>
+            <pc:docMk/>
+            <pc:sldMk cId="3577249319" sldId="266"/>
+            <ac:spMk id="24" creationId="{E84EB6BA-73D4-4C32-946A-30172F7647C7}"/>
+          </ac:spMkLst>
+        </pc:spChg>
+        <pc:spChg chg="add mod">
+          <ac:chgData name="Andrei Daniel Ivan" userId="d3c4cde5a19fb9a3" providerId="LiveId" clId="{6C59A853-BA62-4224-9BE1-2DF441724FBD}" dt="2019-11-05T16:06:38.516" v="310" actId="1076"/>
+          <ac:spMkLst>
+            <pc:docMk/>
+            <pc:sldMk cId="3577249319" sldId="266"/>
+            <ac:spMk id="25" creationId="{DEDF7DEB-5A6B-4602-ACFA-67CCC7049A77}"/>
           </ac:spMkLst>
         </pc:spChg>
         <pc:picChg chg="del">
@@ -423,11 +559,19 @@
           </ac:picMkLst>
         </pc:picChg>
         <pc:picChg chg="add mod">
-          <ac:chgData name="Andrei Daniel Ivan" userId="d3c4cde5a19fb9a3" providerId="LiveId" clId="{6C59A853-BA62-4224-9BE1-2DF441724FBD}" dt="2019-11-04T22:10:48.166" v="167" actId="1076"/>
+          <ac:chgData name="Andrei Daniel Ivan" userId="d3c4cde5a19fb9a3" providerId="LiveId" clId="{6C59A853-BA62-4224-9BE1-2DF441724FBD}" dt="2019-11-05T16:03:31.538" v="249" actId="1076"/>
           <ac:picMkLst>
             <pc:docMk/>
             <pc:sldMk cId="3577249319" sldId="266"/>
             <ac:picMk id="12" creationId="{453C418F-5F2B-4AEB-AA99-48DBC2CB23B9}"/>
+          </ac:picMkLst>
+        </pc:picChg>
+        <pc:picChg chg="add del">
+          <ac:chgData name="Andrei Daniel Ivan" userId="d3c4cde5a19fb9a3" providerId="LiveId" clId="{6C59A853-BA62-4224-9BE1-2DF441724FBD}" dt="2019-11-05T16:05:19.036" v="262"/>
+          <ac:picMkLst>
+            <pc:docMk/>
+            <pc:sldMk cId="3577249319" sldId="266"/>
+            <ac:picMk id="18" creationId="{5EFD2DBF-41E7-4BA4-83C0-D1FE384E5642}"/>
           </ac:picMkLst>
         </pc:picChg>
       </pc:sldChg>
@@ -569,7 +713,7 @@
           <a:p>
             <a:fld id="{227EB8F9-9849-4F1B-8247-B2B87148EF6E}" type="datetimeFigureOut">
               <a:rPr lang="it-IT" smtClean="0"/>
-              <a:t>04/11/2019</a:t>
+              <a:t>05/11/2019</a:t>
             </a:fld>
             <a:endParaRPr lang="it-IT"/>
           </a:p>
@@ -967,7 +1111,7 @@
           <a:p>
             <a:fld id="{519C5307-3A56-4F91-8FB2-60E4C7C3FF23}" type="datetime1">
               <a:rPr lang="it-IT" smtClean="0"/>
-              <a:t>04/11/2019</a:t>
+              <a:t>05/11/2019</a:t>
             </a:fld>
             <a:endParaRPr lang="it-IT"/>
           </a:p>
@@ -1138,7 +1282,7 @@
           <a:p>
             <a:fld id="{519C5307-3A56-4F91-8FB2-60E4C7C3FF23}" type="datetime1">
               <a:rPr lang="it-IT" smtClean="0"/>
-              <a:t>04/11/2019</a:t>
+              <a:t>05/11/2019</a:t>
             </a:fld>
             <a:endParaRPr lang="it-IT"/>
           </a:p>
@@ -1319,7 +1463,7 @@
           <a:p>
             <a:fld id="{519C5307-3A56-4F91-8FB2-60E4C7C3FF23}" type="datetime1">
               <a:rPr lang="it-IT" smtClean="0"/>
-              <a:t>04/11/2019</a:t>
+              <a:t>05/11/2019</a:t>
             </a:fld>
             <a:endParaRPr lang="it-IT"/>
           </a:p>
@@ -1490,7 +1634,7 @@
           <a:p>
             <a:fld id="{519C5307-3A56-4F91-8FB2-60E4C7C3FF23}" type="datetime1">
               <a:rPr lang="it-IT" smtClean="0"/>
-              <a:t>04/11/2019</a:t>
+              <a:t>05/11/2019</a:t>
             </a:fld>
             <a:endParaRPr lang="it-IT"/>
           </a:p>
@@ -1737,7 +1881,7 @@
           <a:p>
             <a:fld id="{519C5307-3A56-4F91-8FB2-60E4C7C3FF23}" type="datetime1">
               <a:rPr lang="it-IT" smtClean="0"/>
-              <a:t>04/11/2019</a:t>
+              <a:t>05/11/2019</a:t>
             </a:fld>
             <a:endParaRPr lang="it-IT"/>
           </a:p>
@@ -1970,7 +2114,7 @@
           <a:p>
             <a:fld id="{519C5307-3A56-4F91-8FB2-60E4C7C3FF23}" type="datetime1">
               <a:rPr lang="it-IT" smtClean="0"/>
-              <a:t>04/11/2019</a:t>
+              <a:t>05/11/2019</a:t>
             </a:fld>
             <a:endParaRPr lang="it-IT"/>
           </a:p>
@@ -2338,7 +2482,7 @@
           <a:p>
             <a:fld id="{519C5307-3A56-4F91-8FB2-60E4C7C3FF23}" type="datetime1">
               <a:rPr lang="it-IT" smtClean="0"/>
-              <a:t>04/11/2019</a:t>
+              <a:t>05/11/2019</a:t>
             </a:fld>
             <a:endParaRPr lang="it-IT"/>
           </a:p>
@@ -2457,7 +2601,7 @@
           <a:p>
             <a:fld id="{519C5307-3A56-4F91-8FB2-60E4C7C3FF23}" type="datetime1">
               <a:rPr lang="it-IT" smtClean="0"/>
-              <a:t>04/11/2019</a:t>
+              <a:t>05/11/2019</a:t>
             </a:fld>
             <a:endParaRPr lang="it-IT"/>
           </a:p>
@@ -2553,7 +2697,7 @@
           <a:p>
             <a:fld id="{519C5307-3A56-4F91-8FB2-60E4C7C3FF23}" type="datetime1">
               <a:rPr lang="it-IT" smtClean="0"/>
-              <a:t>04/11/2019</a:t>
+              <a:t>05/11/2019</a:t>
             </a:fld>
             <a:endParaRPr lang="it-IT"/>
           </a:p>
@@ -2831,7 +2975,7 @@
           <a:p>
             <a:fld id="{519C5307-3A56-4F91-8FB2-60E4C7C3FF23}" type="datetime1">
               <a:rPr lang="it-IT" smtClean="0"/>
-              <a:t>04/11/2019</a:t>
+              <a:t>05/11/2019</a:t>
             </a:fld>
             <a:endParaRPr lang="it-IT"/>
           </a:p>
@@ -3089,7 +3233,7 @@
           <a:p>
             <a:fld id="{519C5307-3A56-4F91-8FB2-60E4C7C3FF23}" type="datetime1">
               <a:rPr lang="it-IT" smtClean="0"/>
-              <a:t>04/11/2019</a:t>
+              <a:t>05/11/2019</a:t>
             </a:fld>
             <a:endParaRPr lang="it-IT"/>
           </a:p>
@@ -3303,7 +3447,7 @@
           <a:p>
             <a:fld id="{519C5307-3A56-4F91-8FB2-60E4C7C3FF23}" type="datetime1">
               <a:rPr lang="it-IT" smtClean="0"/>
-              <a:t>04/11/2019</a:t>
+              <a:t>05/11/2019</a:t>
             </a:fld>
             <a:endParaRPr lang="it-IT"/>
           </a:p>
@@ -4566,10 +4710,10 @@
       </p:sp>
       <p:sp>
         <p:nvSpPr>
-          <p:cNvPr id="21" name="CasellaDiTesto 20">
+          <p:cNvPr id="4" name="CasellaDiTesto 3">
             <a:extLst>
               <a:ext uri="{FF2B5EF4-FFF2-40B4-BE49-F238E27FC236}">
-                <a16:creationId xmlns:a16="http://schemas.microsoft.com/office/drawing/2014/main" id="{CBD50446-177C-43FD-8B98-E0F420548E64}"/>
+                <a16:creationId xmlns:a16="http://schemas.microsoft.com/office/drawing/2014/main" id="{51A3EC52-8BD5-4839-8BDB-B3223AA35C2B}"/>
               </a:ext>
             </a:extLst>
           </p:cNvPr>
@@ -4578,8 +4722,8 @@
         </p:nvSpPr>
         <p:spPr>
           <a:xfrm>
-            <a:off x="2567166" y="3244333"/>
-            <a:ext cx="4504631" cy="369332"/>
+            <a:off x="1938867" y="1244601"/>
+            <a:ext cx="800219" cy="369332"/>
           </a:xfrm>
           <a:prstGeom prst="rect">
             <a:avLst/>
@@ -4594,11 +4738,527 @@
           <a:p>
             <a:r>
               <a:rPr lang="it-IT" dirty="0">
-                <a:solidFill>
-                  <a:srgbClr val="00B0F0"/>
-                </a:solidFill>
+                <a:latin typeface="Avenir Next LT Pro Light" panose="020B0304020202020204" pitchFamily="34" charset="0"/>
               </a:rPr>
-              <a:t>Promemoria inserire il testo nelle varie caselle</a:t>
+              <a:t>Client</a:t>
+            </a:r>
+          </a:p>
+        </p:txBody>
+      </p:sp>
+      <p:sp>
+        <p:nvSpPr>
+          <p:cNvPr id="7" name="CasellaDiTesto 6">
+            <a:extLst>
+              <a:ext uri="{FF2B5EF4-FFF2-40B4-BE49-F238E27FC236}">
+                <a16:creationId xmlns:a16="http://schemas.microsoft.com/office/drawing/2014/main" id="{9CABD79C-5879-4323-8AFE-AF352F11F398}"/>
+              </a:ext>
+            </a:extLst>
+          </p:cNvPr>
+          <p:cNvSpPr txBox="1"/>
+          <p:nvPr/>
+        </p:nvSpPr>
+        <p:spPr>
+          <a:xfrm>
+            <a:off x="7632700" y="1244601"/>
+            <a:ext cx="846707" cy="369332"/>
+          </a:xfrm>
+          <a:prstGeom prst="rect">
+            <a:avLst/>
+          </a:prstGeom>
+          <a:noFill/>
+        </p:spPr>
+        <p:txBody>
+          <a:bodyPr wrap="none" rtlCol="0">
+            <a:spAutoFit/>
+          </a:bodyPr>
+          <a:lstStyle/>
+          <a:p>
+            <a:r>
+              <a:rPr lang="it-IT" dirty="0">
+                <a:latin typeface="Avenir Next LT Pro Light" panose="020B0304020202020204" pitchFamily="34" charset="0"/>
+              </a:rPr>
+              <a:t>Server</a:t>
+            </a:r>
+          </a:p>
+        </p:txBody>
+      </p:sp>
+      <p:sp>
+        <p:nvSpPr>
+          <p:cNvPr id="8" name="CasellaDiTesto 7">
+            <a:extLst>
+              <a:ext uri="{FF2B5EF4-FFF2-40B4-BE49-F238E27FC236}">
+                <a16:creationId xmlns:a16="http://schemas.microsoft.com/office/drawing/2014/main" id="{BB620DE7-F342-4007-A94F-F75F9A7FAEB8}"/>
+              </a:ext>
+            </a:extLst>
+          </p:cNvPr>
+          <p:cNvSpPr txBox="1"/>
+          <p:nvPr/>
+        </p:nvSpPr>
+        <p:spPr>
+          <a:xfrm>
+            <a:off x="4649560" y="1306156"/>
+            <a:ext cx="1072666" cy="307777"/>
+          </a:xfrm>
+          <a:prstGeom prst="rect">
+            <a:avLst/>
+          </a:prstGeom>
+          <a:noFill/>
+        </p:spPr>
+        <p:txBody>
+          <a:bodyPr wrap="none" rtlCol="0">
+            <a:spAutoFit/>
+          </a:bodyPr>
+          <a:lstStyle/>
+          <a:p>
+            <a:r>
+              <a:rPr lang="it-IT" sz="1400" dirty="0">
+                <a:latin typeface="Avenir Next LT Pro Light" panose="020B0304020202020204" pitchFamily="34" charset="0"/>
+              </a:rPr>
+              <a:t>Directory 2</a:t>
+            </a:r>
+          </a:p>
+        </p:txBody>
+      </p:sp>
+      <p:sp>
+        <p:nvSpPr>
+          <p:cNvPr id="9" name="CasellaDiTesto 8">
+            <a:extLst>
+              <a:ext uri="{FF2B5EF4-FFF2-40B4-BE49-F238E27FC236}">
+                <a16:creationId xmlns:a16="http://schemas.microsoft.com/office/drawing/2014/main" id="{E5EE2DB2-4EE2-405A-B308-F4F6D75A644B}"/>
+              </a:ext>
+            </a:extLst>
+          </p:cNvPr>
+          <p:cNvSpPr txBox="1"/>
+          <p:nvPr/>
+        </p:nvSpPr>
+        <p:spPr>
+          <a:xfrm>
+            <a:off x="5707392" y="2652354"/>
+            <a:ext cx="1072666" cy="307777"/>
+          </a:xfrm>
+          <a:prstGeom prst="rect">
+            <a:avLst/>
+          </a:prstGeom>
+          <a:noFill/>
+        </p:spPr>
+        <p:txBody>
+          <a:bodyPr wrap="none" rtlCol="0">
+            <a:spAutoFit/>
+          </a:bodyPr>
+          <a:lstStyle/>
+          <a:p>
+            <a:r>
+              <a:rPr lang="it-IT" sz="1400" dirty="0">
+                <a:latin typeface="Avenir Next LT Pro Light" panose="020B0304020202020204" pitchFamily="34" charset="0"/>
+              </a:rPr>
+              <a:t>Directory 1</a:t>
+            </a:r>
+          </a:p>
+        </p:txBody>
+      </p:sp>
+      <p:sp>
+        <p:nvSpPr>
+          <p:cNvPr id="10" name="CasellaDiTesto 9">
+            <a:extLst>
+              <a:ext uri="{FF2B5EF4-FFF2-40B4-BE49-F238E27FC236}">
+                <a16:creationId xmlns:a16="http://schemas.microsoft.com/office/drawing/2014/main" id="{D5022A66-B2AA-4F16-BD49-3EC303EB5561}"/>
+              </a:ext>
+            </a:extLst>
+          </p:cNvPr>
+          <p:cNvSpPr txBox="1"/>
+          <p:nvPr/>
+        </p:nvSpPr>
+        <p:spPr>
+          <a:xfrm>
+            <a:off x="7528619" y="2652355"/>
+            <a:ext cx="1072666" cy="307777"/>
+          </a:xfrm>
+          <a:prstGeom prst="rect">
+            <a:avLst/>
+          </a:prstGeom>
+          <a:noFill/>
+        </p:spPr>
+        <p:txBody>
+          <a:bodyPr wrap="none" rtlCol="0">
+            <a:spAutoFit/>
+          </a:bodyPr>
+          <a:lstStyle/>
+          <a:p>
+            <a:r>
+              <a:rPr lang="it-IT" sz="1400" dirty="0">
+                <a:latin typeface="Avenir Next LT Pro Light" panose="020B0304020202020204" pitchFamily="34" charset="0"/>
+              </a:rPr>
+              <a:t>Directory 2</a:t>
+            </a:r>
+          </a:p>
+        </p:txBody>
+      </p:sp>
+      <p:sp>
+        <p:nvSpPr>
+          <p:cNvPr id="11" name="CasellaDiTesto 10">
+            <a:extLst>
+              <a:ext uri="{FF2B5EF4-FFF2-40B4-BE49-F238E27FC236}">
+                <a16:creationId xmlns:a16="http://schemas.microsoft.com/office/drawing/2014/main" id="{1A88782D-2F51-42E4-B3AB-3FA41CD21817}"/>
+              </a:ext>
+            </a:extLst>
+          </p:cNvPr>
+          <p:cNvSpPr txBox="1"/>
+          <p:nvPr/>
+        </p:nvSpPr>
+        <p:spPr>
+          <a:xfrm>
+            <a:off x="9303855" y="2652355"/>
+            <a:ext cx="1107932" cy="307777"/>
+          </a:xfrm>
+          <a:prstGeom prst="rect">
+            <a:avLst/>
+          </a:prstGeom>
+          <a:noFill/>
+        </p:spPr>
+        <p:txBody>
+          <a:bodyPr wrap="none" rtlCol="0">
+            <a:spAutoFit/>
+          </a:bodyPr>
+          <a:lstStyle/>
+          <a:p>
+            <a:r>
+              <a:rPr lang="it-IT" sz="1400" dirty="0">
+                <a:latin typeface="Avenir Next LT Pro Light" panose="020B0304020202020204" pitchFamily="34" charset="0"/>
+              </a:rPr>
+              <a:t>Directory N</a:t>
+            </a:r>
+          </a:p>
+        </p:txBody>
+      </p:sp>
+      <p:sp>
+        <p:nvSpPr>
+          <p:cNvPr id="13" name="CasellaDiTesto 12">
+            <a:extLst>
+              <a:ext uri="{FF2B5EF4-FFF2-40B4-BE49-F238E27FC236}">
+                <a16:creationId xmlns:a16="http://schemas.microsoft.com/office/drawing/2014/main" id="{6E92212C-F6FA-4226-8FEA-3267D5FE237A}"/>
+              </a:ext>
+            </a:extLst>
+          </p:cNvPr>
+          <p:cNvSpPr txBox="1"/>
+          <p:nvPr/>
+        </p:nvSpPr>
+        <p:spPr>
+          <a:xfrm>
+            <a:off x="5718426" y="4113831"/>
+            <a:ext cx="1072666" cy="307777"/>
+          </a:xfrm>
+          <a:prstGeom prst="rect">
+            <a:avLst/>
+          </a:prstGeom>
+          <a:noFill/>
+        </p:spPr>
+        <p:txBody>
+          <a:bodyPr wrap="none" rtlCol="0">
+            <a:spAutoFit/>
+          </a:bodyPr>
+          <a:lstStyle/>
+          <a:p>
+            <a:r>
+              <a:rPr lang="it-IT" sz="1400" dirty="0">
+                <a:latin typeface="Avenir Next LT Pro Light" panose="020B0304020202020204" pitchFamily="34" charset="0"/>
+              </a:rPr>
+              <a:t>Directory 1</a:t>
+            </a:r>
+          </a:p>
+        </p:txBody>
+      </p:sp>
+      <p:sp>
+        <p:nvSpPr>
+          <p:cNvPr id="14" name="CasellaDiTesto 13">
+            <a:extLst>
+              <a:ext uri="{FF2B5EF4-FFF2-40B4-BE49-F238E27FC236}">
+                <a16:creationId xmlns:a16="http://schemas.microsoft.com/office/drawing/2014/main" id="{4560CFF0-24E7-46FB-8EFF-D23E0617F0E6}"/>
+              </a:ext>
+            </a:extLst>
+          </p:cNvPr>
+          <p:cNvSpPr txBox="1"/>
+          <p:nvPr/>
+        </p:nvSpPr>
+        <p:spPr>
+          <a:xfrm>
+            <a:off x="7519720" y="4113831"/>
+            <a:ext cx="1072666" cy="307777"/>
+          </a:xfrm>
+          <a:prstGeom prst="rect">
+            <a:avLst/>
+          </a:prstGeom>
+          <a:noFill/>
+        </p:spPr>
+        <p:txBody>
+          <a:bodyPr wrap="none" rtlCol="0">
+            <a:spAutoFit/>
+          </a:bodyPr>
+          <a:lstStyle/>
+          <a:p>
+            <a:r>
+              <a:rPr lang="it-IT" sz="1400" dirty="0">
+                <a:latin typeface="Avenir Next LT Pro Light" panose="020B0304020202020204" pitchFamily="34" charset="0"/>
+              </a:rPr>
+              <a:t>Directory 2</a:t>
+            </a:r>
+          </a:p>
+        </p:txBody>
+      </p:sp>
+      <p:sp>
+        <p:nvSpPr>
+          <p:cNvPr id="15" name="CasellaDiTesto 14">
+            <a:extLst>
+              <a:ext uri="{FF2B5EF4-FFF2-40B4-BE49-F238E27FC236}">
+                <a16:creationId xmlns:a16="http://schemas.microsoft.com/office/drawing/2014/main" id="{7269B5AC-4709-4DFD-844A-DD9F6441DE69}"/>
+              </a:ext>
+            </a:extLst>
+          </p:cNvPr>
+          <p:cNvSpPr txBox="1"/>
+          <p:nvPr/>
+        </p:nvSpPr>
+        <p:spPr>
+          <a:xfrm>
+            <a:off x="9622852" y="4118749"/>
+            <a:ext cx="469937" cy="307777"/>
+          </a:xfrm>
+          <a:prstGeom prst="rect">
+            <a:avLst/>
+          </a:prstGeom>
+          <a:noFill/>
+        </p:spPr>
+        <p:txBody>
+          <a:bodyPr wrap="none" rtlCol="0">
+            <a:spAutoFit/>
+          </a:bodyPr>
+          <a:lstStyle/>
+          <a:p>
+            <a:r>
+              <a:rPr lang="it-IT" sz="1400" dirty="0">
+                <a:latin typeface="Avenir Next LT Pro Light" panose="020B0304020202020204" pitchFamily="34" charset="0"/>
+              </a:rPr>
+              <a:t>File</a:t>
+            </a:r>
+          </a:p>
+        </p:txBody>
+      </p:sp>
+      <p:sp>
+        <p:nvSpPr>
+          <p:cNvPr id="16" name="CasellaDiTesto 15">
+            <a:extLst>
+              <a:ext uri="{FF2B5EF4-FFF2-40B4-BE49-F238E27FC236}">
+                <a16:creationId xmlns:a16="http://schemas.microsoft.com/office/drawing/2014/main" id="{D543BCD9-4A1D-4EF5-B530-A1AB759C7046}"/>
+              </a:ext>
+            </a:extLst>
+          </p:cNvPr>
+          <p:cNvSpPr txBox="1"/>
+          <p:nvPr/>
+        </p:nvSpPr>
+        <p:spPr>
+          <a:xfrm>
+            <a:off x="5662829" y="5485915"/>
+            <a:ext cx="473206" cy="307777"/>
+          </a:xfrm>
+          <a:prstGeom prst="rect">
+            <a:avLst/>
+          </a:prstGeom>
+          <a:noFill/>
+        </p:spPr>
+        <p:txBody>
+          <a:bodyPr wrap="none" rtlCol="0">
+            <a:spAutoFit/>
+          </a:bodyPr>
+          <a:lstStyle/>
+          <a:p>
+            <a:r>
+              <a:rPr lang="it-IT" sz="1400" dirty="0">
+                <a:latin typeface="Avenir Next LT Pro Light" panose="020B0304020202020204" pitchFamily="34" charset="0"/>
+              </a:rPr>
+              <a:t>DIR</a:t>
+            </a:r>
+          </a:p>
+        </p:txBody>
+      </p:sp>
+      <p:sp>
+        <p:nvSpPr>
+          <p:cNvPr id="17" name="CasellaDiTesto 16">
+            <a:extLst>
+              <a:ext uri="{FF2B5EF4-FFF2-40B4-BE49-F238E27FC236}">
+                <a16:creationId xmlns:a16="http://schemas.microsoft.com/office/drawing/2014/main" id="{75B0951E-69C1-40C7-A3BB-78AB629923A8}"/>
+              </a:ext>
+            </a:extLst>
+          </p:cNvPr>
+          <p:cNvSpPr txBox="1"/>
+          <p:nvPr/>
+        </p:nvSpPr>
+        <p:spPr>
+          <a:xfrm>
+            <a:off x="7129924" y="5485915"/>
+            <a:ext cx="473206" cy="307777"/>
+          </a:xfrm>
+          <a:prstGeom prst="rect">
+            <a:avLst/>
+          </a:prstGeom>
+          <a:noFill/>
+        </p:spPr>
+        <p:txBody>
+          <a:bodyPr wrap="none" rtlCol="0">
+            <a:spAutoFit/>
+          </a:bodyPr>
+          <a:lstStyle/>
+          <a:p>
+            <a:r>
+              <a:rPr lang="it-IT" sz="1400" dirty="0">
+                <a:latin typeface="Avenir Next LT Pro Light" panose="020B0304020202020204" pitchFamily="34" charset="0"/>
+              </a:rPr>
+              <a:t>DIR</a:t>
+            </a:r>
+          </a:p>
+        </p:txBody>
+      </p:sp>
+      <p:sp>
+        <p:nvSpPr>
+          <p:cNvPr id="19" name="CasellaDiTesto 18">
+            <a:extLst>
+              <a:ext uri="{FF2B5EF4-FFF2-40B4-BE49-F238E27FC236}">
+                <a16:creationId xmlns:a16="http://schemas.microsoft.com/office/drawing/2014/main" id="{07327DF0-1627-4FF9-BCBD-822EAB8833AC}"/>
+              </a:ext>
+            </a:extLst>
+          </p:cNvPr>
+          <p:cNvSpPr txBox="1"/>
+          <p:nvPr/>
+        </p:nvSpPr>
+        <p:spPr>
+          <a:xfrm>
+            <a:off x="8471177" y="5485914"/>
+            <a:ext cx="473206" cy="307777"/>
+          </a:xfrm>
+          <a:prstGeom prst="rect">
+            <a:avLst/>
+          </a:prstGeom>
+          <a:noFill/>
+        </p:spPr>
+        <p:txBody>
+          <a:bodyPr wrap="none" rtlCol="0">
+            <a:spAutoFit/>
+          </a:bodyPr>
+          <a:lstStyle/>
+          <a:p>
+            <a:r>
+              <a:rPr lang="it-IT" sz="1400" dirty="0">
+                <a:latin typeface="Avenir Next LT Pro Light" panose="020B0304020202020204" pitchFamily="34" charset="0"/>
+              </a:rPr>
+              <a:t>DIR</a:t>
+            </a:r>
+          </a:p>
+        </p:txBody>
+      </p:sp>
+      <p:sp>
+        <p:nvSpPr>
+          <p:cNvPr id="23" name="CasellaDiTesto 22">
+            <a:extLst>
+              <a:ext uri="{FF2B5EF4-FFF2-40B4-BE49-F238E27FC236}">
+                <a16:creationId xmlns:a16="http://schemas.microsoft.com/office/drawing/2014/main" id="{2CD50850-C29E-40BF-A647-55D9FDDAC81C}"/>
+              </a:ext>
+            </a:extLst>
+          </p:cNvPr>
+          <p:cNvSpPr txBox="1"/>
+          <p:nvPr/>
+        </p:nvSpPr>
+        <p:spPr>
+          <a:xfrm>
+            <a:off x="6306204" y="5485913"/>
+            <a:ext cx="527709" cy="307777"/>
+          </a:xfrm>
+          <a:prstGeom prst="rect">
+            <a:avLst/>
+          </a:prstGeom>
+          <a:noFill/>
+        </p:spPr>
+        <p:txBody>
+          <a:bodyPr wrap="none" rtlCol="0">
+            <a:spAutoFit/>
+          </a:bodyPr>
+          <a:lstStyle/>
+          <a:p>
+            <a:r>
+              <a:rPr lang="it-IT" sz="1400" dirty="0">
+                <a:latin typeface="Avenir Next LT Pro Light" panose="020B0304020202020204" pitchFamily="34" charset="0"/>
+              </a:rPr>
+              <a:t>FILE</a:t>
+            </a:r>
+          </a:p>
+        </p:txBody>
+      </p:sp>
+      <p:sp>
+        <p:nvSpPr>
+          <p:cNvPr id="24" name="CasellaDiTesto 23">
+            <a:extLst>
+              <a:ext uri="{FF2B5EF4-FFF2-40B4-BE49-F238E27FC236}">
+                <a16:creationId xmlns:a16="http://schemas.microsoft.com/office/drawing/2014/main" id="{E84EB6BA-73D4-4C32-946A-30172F7647C7}"/>
+              </a:ext>
+            </a:extLst>
+          </p:cNvPr>
+          <p:cNvSpPr txBox="1"/>
+          <p:nvPr/>
+        </p:nvSpPr>
+        <p:spPr>
+          <a:xfrm>
+            <a:off x="7773299" y="5485912"/>
+            <a:ext cx="527709" cy="307777"/>
+          </a:xfrm>
+          <a:prstGeom prst="rect">
+            <a:avLst/>
+          </a:prstGeom>
+          <a:noFill/>
+        </p:spPr>
+        <p:txBody>
+          <a:bodyPr wrap="none" rtlCol="0">
+            <a:spAutoFit/>
+          </a:bodyPr>
+          <a:lstStyle/>
+          <a:p>
+            <a:r>
+              <a:rPr lang="it-IT" sz="1400" dirty="0">
+                <a:latin typeface="Avenir Next LT Pro Light" panose="020B0304020202020204" pitchFamily="34" charset="0"/>
+              </a:rPr>
+              <a:t>FILE</a:t>
+            </a:r>
+          </a:p>
+        </p:txBody>
+      </p:sp>
+      <p:sp>
+        <p:nvSpPr>
+          <p:cNvPr id="25" name="CasellaDiTesto 24">
+            <a:extLst>
+              <a:ext uri="{FF2B5EF4-FFF2-40B4-BE49-F238E27FC236}">
+                <a16:creationId xmlns:a16="http://schemas.microsoft.com/office/drawing/2014/main" id="{DEDF7DEB-5A6B-4602-ACFA-67CCC7049A77}"/>
+              </a:ext>
+            </a:extLst>
+          </p:cNvPr>
+          <p:cNvSpPr txBox="1"/>
+          <p:nvPr/>
+        </p:nvSpPr>
+        <p:spPr>
+          <a:xfrm>
+            <a:off x="2815057" y="6202461"/>
+            <a:ext cx="2825902" cy="307777"/>
+          </a:xfrm>
+          <a:prstGeom prst="rect">
+            <a:avLst/>
+          </a:prstGeom>
+          <a:noFill/>
+        </p:spPr>
+        <p:txBody>
+          <a:bodyPr wrap="none" rtlCol="0">
+            <a:spAutoFit/>
+          </a:bodyPr>
+          <a:lstStyle/>
+          <a:p>
+            <a:r>
+              <a:rPr lang="it-IT" sz="1400" dirty="0">
+                <a:latin typeface="Avenir Next LT Pro Light" panose="020B0304020202020204" pitchFamily="34" charset="0"/>
+              </a:rPr>
+              <a:t>NOMI DEI DIRETTORI E DEI FILE</a:t>
             </a:r>
           </a:p>
         </p:txBody>

--- a/Presentazione.pptx
+++ b/Presentazione.pptx
@@ -141,7 +141,7 @@
 <file path=ppt/revisionInfo.xml><?xml version="1.0" encoding="utf-8"?>
 <p1510:revInfo xmlns:a="http://schemas.openxmlformats.org/drawingml/2006/main" xmlns:r="http://schemas.openxmlformats.org/officeDocument/2006/relationships" xmlns:p1510="http://schemas.microsoft.com/office/powerpoint/2015/10/main">
   <p1510:revLst>
-    <p1510:client id="{6C59A853-BA62-4224-9BE1-2DF441724FBD}" v="26" dt="2019-11-05T16:06:14.082"/>
+    <p1510:client id="{6C59A853-BA62-4224-9BE1-2DF441724FBD}" v="33" dt="2019-11-05T22:41:09.913"/>
   </p1510:revLst>
 </p1510:revInfo>
 </file>
@@ -151,7 +151,7 @@
   <pc:docChgLst>
     <pc:chgData name="Andrei Daniel Ivan" userId="d3c4cde5a19fb9a3" providerId="LiveId" clId="{6C59A853-BA62-4224-9BE1-2DF441724FBD}"/>
     <pc:docChg chg="undo redo custSel delSld modSld">
-      <pc:chgData name="Andrei Daniel Ivan" userId="d3c4cde5a19fb9a3" providerId="LiveId" clId="{6C59A853-BA62-4224-9BE1-2DF441724FBD}" dt="2019-11-05T16:06:38.516" v="310" actId="1076"/>
+      <pc:chgData name="Andrei Daniel Ivan" userId="d3c4cde5a19fb9a3" providerId="LiveId" clId="{6C59A853-BA62-4224-9BE1-2DF441724FBD}" dt="2019-11-05T22:41:09.913" v="580" actId="14826"/>
       <pc:docMkLst>
         <pc:docMk/>
       </pc:docMkLst>
@@ -185,18 +185,26 @@
           </ac:spMkLst>
         </pc:spChg>
       </pc:sldChg>
-      <pc:sldChg chg="delSp modSp">
-        <pc:chgData name="Andrei Daniel Ivan" userId="d3c4cde5a19fb9a3" providerId="LiveId" clId="{6C59A853-BA62-4224-9BE1-2DF441724FBD}" dt="2019-11-04T22:11:03.587" v="172" actId="478"/>
+      <pc:sldChg chg="addSp delSp modSp">
+        <pc:chgData name="Andrei Daniel Ivan" userId="d3c4cde5a19fb9a3" providerId="LiveId" clId="{6C59A853-BA62-4224-9BE1-2DF441724FBD}" dt="2019-11-05T22:39:06.711" v="579" actId="20577"/>
         <pc:sldMkLst>
           <pc:docMk/>
           <pc:sldMk cId="1263132891" sldId="265"/>
         </pc:sldMkLst>
         <pc:spChg chg="mod ord">
-          <ac:chgData name="Andrei Daniel Ivan" userId="d3c4cde5a19fb9a3" providerId="LiveId" clId="{6C59A853-BA62-4224-9BE1-2DF441724FBD}" dt="2019-11-04T22:10:59.920" v="171" actId="1076"/>
+          <ac:chgData name="Andrei Daniel Ivan" userId="d3c4cde5a19fb9a3" providerId="LiveId" clId="{6C59A853-BA62-4224-9BE1-2DF441724FBD}" dt="2019-11-05T22:30:27.523" v="337" actId="166"/>
           <ac:spMkLst>
             <pc:docMk/>
             <pc:sldMk cId="1263132891" sldId="265"/>
             <ac:spMk id="2" creationId="{F1DDE7A4-1A5F-4F0D-B842-7798EDC6EDA8}"/>
+          </ac:spMkLst>
+        </pc:spChg>
+        <pc:spChg chg="add mod">
+          <ac:chgData name="Andrei Daniel Ivan" userId="d3c4cde5a19fb9a3" providerId="LiveId" clId="{6C59A853-BA62-4224-9BE1-2DF441724FBD}" dt="2019-11-05T22:30:08.530" v="324" actId="1076"/>
+          <ac:spMkLst>
+            <pc:docMk/>
+            <pc:sldMk cId="1263132891" sldId="265"/>
+            <ac:spMk id="6" creationId="{D17FFA75-576A-4562-B01F-0A9C30A5BD9B}"/>
           </ac:spMkLst>
         </pc:spChg>
         <pc:spChg chg="del">
@@ -205,6 +213,22 @@
             <pc:docMk/>
             <pc:sldMk cId="1263132891" sldId="265"/>
             <ac:spMk id="7" creationId="{14760DC1-7367-45B0-9C6C-8495711F1DA8}"/>
+          </ac:spMkLst>
+        </pc:spChg>
+        <pc:spChg chg="add mod">
+          <ac:chgData name="Andrei Daniel Ivan" userId="d3c4cde5a19fb9a3" providerId="LiveId" clId="{6C59A853-BA62-4224-9BE1-2DF441724FBD}" dt="2019-11-05T22:30:19.698" v="335" actId="1076"/>
+          <ac:spMkLst>
+            <pc:docMk/>
+            <pc:sldMk cId="1263132891" sldId="265"/>
+            <ac:spMk id="7" creationId="{7980BD87-EF74-44F0-8D3C-5347AE21E997}"/>
+          </ac:spMkLst>
+        </pc:spChg>
+        <pc:spChg chg="add mod">
+          <ac:chgData name="Andrei Daniel Ivan" userId="d3c4cde5a19fb9a3" providerId="LiveId" clId="{6C59A853-BA62-4224-9BE1-2DF441724FBD}" dt="2019-11-05T22:39:06.711" v="579" actId="20577"/>
+          <ac:spMkLst>
+            <pc:docMk/>
+            <pc:sldMk cId="1263132891" sldId="265"/>
+            <ac:spMk id="8" creationId="{AEFF65AB-AB8C-488D-9D53-03A90D2C66A7}"/>
           </ac:spMkLst>
         </pc:spChg>
         <pc:spChg chg="del">
@@ -221,6 +245,22 @@
             <pc:docMk/>
             <pc:sldMk cId="1263132891" sldId="265"/>
             <ac:spMk id="9" creationId="{887B13F2-1561-460B-86FD-AAA70F059971}"/>
+          </ac:spMkLst>
+        </pc:spChg>
+        <pc:spChg chg="add mod">
+          <ac:chgData name="Andrei Daniel Ivan" userId="d3c4cde5a19fb9a3" providerId="LiveId" clId="{6C59A853-BA62-4224-9BE1-2DF441724FBD}" dt="2019-11-05T22:32:41.266" v="473" actId="1076"/>
+          <ac:spMkLst>
+            <pc:docMk/>
+            <pc:sldMk cId="1263132891" sldId="265"/>
+            <ac:spMk id="9" creationId="{E11B0CC5-D1AA-4540-8561-B3DC04E2DD88}"/>
+          </ac:spMkLst>
+        </pc:spChg>
+        <pc:spChg chg="add mod">
+          <ac:chgData name="Andrei Daniel Ivan" userId="d3c4cde5a19fb9a3" providerId="LiveId" clId="{6C59A853-BA62-4224-9BE1-2DF441724FBD}" dt="2019-11-05T22:34:08.626" v="531" actId="1076"/>
+          <ac:spMkLst>
+            <pc:docMk/>
+            <pc:sldMk cId="1263132891" sldId="265"/>
+            <ac:spMk id="10" creationId="{5F9F1DF7-A19F-4B35-A374-3865835A1D7C}"/>
           </ac:spMkLst>
         </pc:spChg>
         <pc:spChg chg="del">
@@ -271,6 +311,14 @@
             <ac:spMk id="15" creationId="{6F11B218-3F67-4A93-B748-7D1BFD0F64D4}"/>
           </ac:spMkLst>
         </pc:spChg>
+        <pc:picChg chg="add mod">
+          <ac:chgData name="Andrei Daniel Ivan" userId="d3c4cde5a19fb9a3" providerId="LiveId" clId="{6C59A853-BA62-4224-9BE1-2DF441724FBD}" dt="2019-11-05T22:36:35.795" v="572" actId="1076"/>
+          <ac:picMkLst>
+            <pc:docMk/>
+            <pc:sldMk cId="1263132891" sldId="265"/>
+            <ac:picMk id="5" creationId="{97FAD4D4-FF4D-4CDB-AFFC-631B30663A17}"/>
+          </ac:picMkLst>
+        </pc:picChg>
         <pc:picChg chg="del">
           <ac:chgData name="Andrei Daniel Ivan" userId="d3c4cde5a19fb9a3" providerId="LiveId" clId="{6C59A853-BA62-4224-9BE1-2DF441724FBD}" dt="2019-11-04T22:10:56.306" v="169" actId="478"/>
           <ac:picMkLst>
@@ -281,7 +329,7 @@
         </pc:picChg>
       </pc:sldChg>
       <pc:sldChg chg="addSp delSp modSp">
-        <pc:chgData name="Andrei Daniel Ivan" userId="d3c4cde5a19fb9a3" providerId="LiveId" clId="{6C59A853-BA62-4224-9BE1-2DF441724FBD}" dt="2019-11-05T16:06:38.516" v="310" actId="1076"/>
+        <pc:chgData name="Andrei Daniel Ivan" userId="d3c4cde5a19fb9a3" providerId="LiveId" clId="{6C59A853-BA62-4224-9BE1-2DF441724FBD}" dt="2019-11-05T22:41:09.913" v="580" actId="14826"/>
         <pc:sldMkLst>
           <pc:docMk/>
           <pc:sldMk cId="3577249319" sldId="266"/>
@@ -559,7 +607,7 @@
           </ac:picMkLst>
         </pc:picChg>
         <pc:picChg chg="add mod">
-          <ac:chgData name="Andrei Daniel Ivan" userId="d3c4cde5a19fb9a3" providerId="LiveId" clId="{6C59A853-BA62-4224-9BE1-2DF441724FBD}" dt="2019-11-05T16:03:31.538" v="249" actId="1076"/>
+          <ac:chgData name="Andrei Daniel Ivan" userId="d3c4cde5a19fb9a3" providerId="LiveId" clId="{6C59A853-BA62-4224-9BE1-2DF441724FBD}" dt="2019-11-05T22:41:09.913" v="580" actId="14826"/>
           <ac:picMkLst>
             <pc:docMk/>
             <pc:sldMk cId="3577249319" sldId="266"/>
@@ -4523,6 +4571,116 @@
           </a:p>
         </p:txBody>
       </p:sp>
+      <p:pic>
+        <p:nvPicPr>
+          <p:cNvPr id="5" name="Immagine 4" descr="Immagine che contiene orologio&#10;&#10;Descrizione generata automaticamente">
+            <a:extLst>
+              <a:ext uri="{FF2B5EF4-FFF2-40B4-BE49-F238E27FC236}">
+                <a16:creationId xmlns:a16="http://schemas.microsoft.com/office/drawing/2014/main" id="{97FAD4D4-FF4D-4CDB-AFFC-631B30663A17}"/>
+              </a:ext>
+            </a:extLst>
+          </p:cNvPr>
+          <p:cNvPicPr>
+            <a:picLocks noChangeAspect="1"/>
+          </p:cNvPicPr>
+          <p:nvPr/>
+        </p:nvPicPr>
+        <p:blipFill>
+          <a:blip r:embed="rId2">
+            <a:extLst>
+              <a:ext uri="{28A0092B-C50C-407E-A947-70E740481C1C}">
+                <a14:useLocalDpi xmlns:a14="http://schemas.microsoft.com/office/drawing/2010/main" val="0"/>
+              </a:ext>
+            </a:extLst>
+          </a:blip>
+          <a:stretch>
+            <a:fillRect/>
+          </a:stretch>
+        </p:blipFill>
+        <p:spPr>
+          <a:xfrm>
+            <a:off x="0" y="0"/>
+            <a:ext cx="12192000" cy="6857999"/>
+          </a:xfrm>
+          <a:prstGeom prst="rect">
+            <a:avLst/>
+          </a:prstGeom>
+        </p:spPr>
+      </p:pic>
+      <p:sp>
+        <p:nvSpPr>
+          <p:cNvPr id="6" name="CasellaDiTesto 5">
+            <a:extLst>
+              <a:ext uri="{FF2B5EF4-FFF2-40B4-BE49-F238E27FC236}">
+                <a16:creationId xmlns:a16="http://schemas.microsoft.com/office/drawing/2014/main" id="{D17FFA75-576A-4562-B01F-0A9C30A5BD9B}"/>
+              </a:ext>
+            </a:extLst>
+          </p:cNvPr>
+          <p:cNvSpPr txBox="1"/>
+          <p:nvPr/>
+        </p:nvSpPr>
+        <p:spPr>
+          <a:xfrm>
+            <a:off x="2948960" y="3448993"/>
+            <a:ext cx="1005403" cy="461665"/>
+          </a:xfrm>
+          <a:prstGeom prst="rect">
+            <a:avLst/>
+          </a:prstGeom>
+          <a:noFill/>
+        </p:spPr>
+        <p:txBody>
+          <a:bodyPr wrap="none" rtlCol="0">
+            <a:spAutoFit/>
+          </a:bodyPr>
+          <a:lstStyle/>
+          <a:p>
+            <a:r>
+              <a:rPr lang="it-IT" sz="2400" dirty="0">
+                <a:latin typeface="Avenir Next LT Pro Light" panose="020B0304020202020204" pitchFamily="34" charset="0"/>
+              </a:rPr>
+              <a:t>Client</a:t>
+            </a:r>
+          </a:p>
+        </p:txBody>
+      </p:sp>
+      <p:sp>
+        <p:nvSpPr>
+          <p:cNvPr id="7" name="CasellaDiTesto 6">
+            <a:extLst>
+              <a:ext uri="{FF2B5EF4-FFF2-40B4-BE49-F238E27FC236}">
+                <a16:creationId xmlns:a16="http://schemas.microsoft.com/office/drawing/2014/main" id="{7980BD87-EF74-44F0-8D3C-5347AE21E997}"/>
+              </a:ext>
+            </a:extLst>
+          </p:cNvPr>
+          <p:cNvSpPr txBox="1"/>
+          <p:nvPr/>
+        </p:nvSpPr>
+        <p:spPr>
+          <a:xfrm>
+            <a:off x="8220936" y="1847021"/>
+            <a:ext cx="1069524" cy="461665"/>
+          </a:xfrm>
+          <a:prstGeom prst="rect">
+            <a:avLst/>
+          </a:prstGeom>
+          <a:noFill/>
+        </p:spPr>
+        <p:txBody>
+          <a:bodyPr wrap="none" rtlCol="0">
+            <a:spAutoFit/>
+          </a:bodyPr>
+          <a:lstStyle/>
+          <a:p>
+            <a:r>
+              <a:rPr lang="it-IT" sz="2400" dirty="0">
+                <a:latin typeface="Avenir Next LT Pro Light" panose="020B0304020202020204" pitchFamily="34" charset="0"/>
+              </a:rPr>
+              <a:t>Server</a:t>
+            </a:r>
+          </a:p>
+        </p:txBody>
+      </p:sp>
       <p:sp>
         <p:nvSpPr>
           <p:cNvPr id="2" name="Titolo 1">
@@ -4560,6 +4718,142 @@
                 <a:latin typeface="Avenir Next LT Pro Light" panose="020B0304020202020204" pitchFamily="34" charset="0"/>
               </a:rPr>
               <a:t>Schema C/S senza connessione (UDP)</a:t>
+            </a:r>
+          </a:p>
+        </p:txBody>
+      </p:sp>
+      <p:sp>
+        <p:nvSpPr>
+          <p:cNvPr id="8" name="CasellaDiTesto 7">
+            <a:extLst>
+              <a:ext uri="{FF2B5EF4-FFF2-40B4-BE49-F238E27FC236}">
+                <a16:creationId xmlns:a16="http://schemas.microsoft.com/office/drawing/2014/main" id="{AEFF65AB-AB8C-488D-9D53-03A90D2C66A7}"/>
+              </a:ext>
+            </a:extLst>
+          </p:cNvPr>
+          <p:cNvSpPr txBox="1"/>
+          <p:nvPr/>
+        </p:nvSpPr>
+        <p:spPr>
+          <a:xfrm>
+            <a:off x="7959550" y="4743690"/>
+            <a:ext cx="1525644" cy="1015663"/>
+          </a:xfrm>
+          <a:prstGeom prst="rect">
+            <a:avLst/>
+          </a:prstGeom>
+          <a:noFill/>
+        </p:spPr>
+        <p:txBody>
+          <a:bodyPr wrap="square" rtlCol="0">
+            <a:spAutoFit/>
+          </a:bodyPr>
+          <a:lstStyle/>
+          <a:p>
+            <a:pPr algn="ctr"/>
+            <a:r>
+              <a:rPr lang="it-IT" sz="1200" dirty="0">
+                <a:latin typeface="Avenir Next LT Pro Light" panose="020B0304020202020204" pitchFamily="34" charset="0"/>
+              </a:rPr>
+              <a:t>Apertura file;</a:t>
+            </a:r>
+          </a:p>
+          <a:p>
+            <a:pPr algn="ctr"/>
+            <a:r>
+              <a:rPr lang="it-IT" sz="1200" dirty="0">
+                <a:latin typeface="Avenir Next LT Pro Light" panose="020B0304020202020204" pitchFamily="34" charset="0"/>
+              </a:rPr>
+              <a:t>eliminazione occorrenze della parola;</a:t>
+            </a:r>
+          </a:p>
+          <a:p>
+            <a:pPr algn="ctr"/>
+            <a:r>
+              <a:rPr lang="it-IT" sz="1200" dirty="0">
+                <a:latin typeface="Avenir Next LT Pro Light" panose="020B0304020202020204" pitchFamily="34" charset="0"/>
+              </a:rPr>
+              <a:t>salvataggio file</a:t>
+            </a:r>
+            <a:r>
+              <a:rPr lang="it-IT" sz="1050" dirty="0">
+                <a:latin typeface="Avenir Next LT Pro Light" panose="020B0304020202020204" pitchFamily="34" charset="0"/>
+              </a:rPr>
+              <a:t>.</a:t>
+            </a:r>
+          </a:p>
+        </p:txBody>
+      </p:sp>
+      <p:sp>
+        <p:nvSpPr>
+          <p:cNvPr id="9" name="CasellaDiTesto 8">
+            <a:extLst>
+              <a:ext uri="{FF2B5EF4-FFF2-40B4-BE49-F238E27FC236}">
+                <a16:creationId xmlns:a16="http://schemas.microsoft.com/office/drawing/2014/main" id="{E11B0CC5-D1AA-4540-8561-B3DC04E2DD88}"/>
+              </a:ext>
+            </a:extLst>
+          </p:cNvPr>
+          <p:cNvSpPr txBox="1"/>
+          <p:nvPr/>
+        </p:nvSpPr>
+        <p:spPr>
+          <a:xfrm rot="20493503">
+            <a:off x="4468895" y="2751040"/>
+            <a:ext cx="2841675" cy="276999"/>
+          </a:xfrm>
+          <a:prstGeom prst="rect">
+            <a:avLst/>
+          </a:prstGeom>
+          <a:noFill/>
+        </p:spPr>
+        <p:txBody>
+          <a:bodyPr wrap="none" rtlCol="0">
+            <a:spAutoFit/>
+          </a:bodyPr>
+          <a:lstStyle/>
+          <a:p>
+            <a:r>
+              <a:rPr lang="it-IT" sz="1200" dirty="0">
+                <a:latin typeface="Avenir Next LT Pro Light" panose="020B0304020202020204" pitchFamily="34" charset="0"/>
+              </a:rPr>
+              <a:t>NOME FILE E PAROLA DA ELIMINARE</a:t>
+            </a:r>
+          </a:p>
+        </p:txBody>
+      </p:sp>
+      <p:sp>
+        <p:nvSpPr>
+          <p:cNvPr id="10" name="CasellaDiTesto 9">
+            <a:extLst>
+              <a:ext uri="{FF2B5EF4-FFF2-40B4-BE49-F238E27FC236}">
+                <a16:creationId xmlns:a16="http://schemas.microsoft.com/office/drawing/2014/main" id="{5F9F1DF7-A19F-4B35-A374-3865835A1D7C}"/>
+              </a:ext>
+            </a:extLst>
+          </p:cNvPr>
+          <p:cNvSpPr txBox="1"/>
+          <p:nvPr/>
+        </p:nvSpPr>
+        <p:spPr>
+          <a:xfrm rot="1112277">
+            <a:off x="4668121" y="4549252"/>
+            <a:ext cx="3194208" cy="276999"/>
+          </a:xfrm>
+          <a:prstGeom prst="rect">
+            <a:avLst/>
+          </a:prstGeom>
+          <a:noFill/>
+        </p:spPr>
+        <p:txBody>
+          <a:bodyPr wrap="none" rtlCol="0">
+            <a:spAutoFit/>
+          </a:bodyPr>
+          <a:lstStyle/>
+          <a:p>
+            <a:r>
+              <a:rPr lang="it-IT" sz="1200" dirty="0">
+                <a:latin typeface="Avenir Next LT Pro Light" panose="020B0304020202020204" pitchFamily="34" charset="0"/>
+              </a:rPr>
+              <a:t>OCCORRENZE ELIMINATE DELLA PAROLA</a:t>
             </a:r>
           </a:p>
         </p:txBody>
@@ -4633,7 +4927,7 @@
       </p:sp>
       <p:pic>
         <p:nvPicPr>
-          <p:cNvPr id="12" name="Immagine 11" descr="Immagine che contiene orologio, segnale&#10;&#10;Descrizione generata automaticamente">
+          <p:cNvPr id="12" name="Immagine 11">
             <a:extLst>
               <a:ext uri="{FF2B5EF4-FFF2-40B4-BE49-F238E27FC236}">
                 <a16:creationId xmlns:a16="http://schemas.microsoft.com/office/drawing/2014/main" id="{453C418F-5F2B-4AEB-AA99-48DBC2CB23B9}"/>
@@ -4653,14 +4947,13 @@
               </a:ext>
             </a:extLst>
           </a:blip>
-          <a:stretch>
-            <a:fillRect/>
-          </a:stretch>
+          <a:srcRect/>
+          <a:stretch/>
         </p:blipFill>
         <p:spPr>
           <a:xfrm>
             <a:off x="0" y="0"/>
-            <a:ext cx="12192000" cy="6857999"/>
+            <a:ext cx="12191999" cy="6857999"/>
           </a:xfrm>
           <a:prstGeom prst="rect">
             <a:avLst/>

--- a/Presentazione.pptx
+++ b/Presentazione.pptx
@@ -5,14 +5,18 @@
     <p:sldMasterId id="2147483714" r:id="rId1"/>
   </p:sldMasterIdLst>
   <p:notesMasterIdLst>
-    <p:notesMasterId r:id="rId7"/>
+    <p:notesMasterId r:id="rId11"/>
   </p:notesMasterIdLst>
   <p:sldIdLst>
     <p:sldId id="256" r:id="rId2"/>
     <p:sldId id="264" r:id="rId3"/>
     <p:sldId id="265" r:id="rId4"/>
-    <p:sldId id="266" r:id="rId5"/>
-    <p:sldId id="267" r:id="rId6"/>
+    <p:sldId id="268" r:id="rId5"/>
+    <p:sldId id="269" r:id="rId6"/>
+    <p:sldId id="266" r:id="rId7"/>
+    <p:sldId id="271" r:id="rId8"/>
+    <p:sldId id="273" r:id="rId9"/>
+    <p:sldId id="267" r:id="rId10"/>
   </p:sldIdLst>
   <p:sldSz cx="12192000" cy="6858000"/>
   <p:notesSz cx="6858000" cy="9144000"/>
@@ -141,542 +145,9 @@
 <file path=ppt/revisionInfo.xml><?xml version="1.0" encoding="utf-8"?>
 <p1510:revInfo xmlns:a="http://schemas.openxmlformats.org/drawingml/2006/main" xmlns:r="http://schemas.openxmlformats.org/officeDocument/2006/relationships" xmlns:p1510="http://schemas.microsoft.com/office/powerpoint/2015/10/main">
   <p1510:revLst>
-    <p1510:client id="{6C59A853-BA62-4224-9BE1-2DF441724FBD}" v="33" dt="2019-11-05T22:41:09.913"/>
+    <p1510:client id="{255E8966-DA7A-4F42-BBC2-EB4277AFD265}" v="19" dt="2019-10-30T22:36:44.570"/>
   </p1510:revLst>
 </p1510:revInfo>
-</file>
-
-<file path=ppt/changesInfos/changesInfo1.xml><?xml version="1.0" encoding="utf-8"?>
-<pc:chgInfo xmlns:a="http://schemas.openxmlformats.org/drawingml/2006/main" xmlns:r="http://schemas.openxmlformats.org/officeDocument/2006/relationships" xmlns:ac="http://schemas.microsoft.com/office/drawing/2013/main/command" xmlns:pc="http://schemas.microsoft.com/office/powerpoint/2013/main/command">
-  <pc:docChgLst>
-    <pc:chgData name="Andrei Daniel Ivan" userId="d3c4cde5a19fb9a3" providerId="LiveId" clId="{6C59A853-BA62-4224-9BE1-2DF441724FBD}"/>
-    <pc:docChg chg="undo redo custSel delSld modSld">
-      <pc:chgData name="Andrei Daniel Ivan" userId="d3c4cde5a19fb9a3" providerId="LiveId" clId="{6C59A853-BA62-4224-9BE1-2DF441724FBD}" dt="2019-11-05T22:41:09.913" v="580" actId="14826"/>
-      <pc:docMkLst>
-        <pc:docMk/>
-      </pc:docMkLst>
-      <pc:sldChg chg="modSp">
-        <pc:chgData name="Andrei Daniel Ivan" userId="d3c4cde5a19fb9a3" providerId="LiveId" clId="{6C59A853-BA62-4224-9BE1-2DF441724FBD}" dt="2019-11-04T22:04:33.135" v="66" actId="255"/>
-        <pc:sldMkLst>
-          <pc:docMk/>
-          <pc:sldMk cId="364308129" sldId="256"/>
-        </pc:sldMkLst>
-        <pc:spChg chg="mod">
-          <ac:chgData name="Andrei Daniel Ivan" userId="d3c4cde5a19fb9a3" providerId="LiveId" clId="{6C59A853-BA62-4224-9BE1-2DF441724FBD}" dt="2019-11-04T22:04:33.135" v="66" actId="255"/>
-          <ac:spMkLst>
-            <pc:docMk/>
-            <pc:sldMk cId="364308129" sldId="256"/>
-            <ac:spMk id="7" creationId="{226F8118-E137-4F80-8E49-D6F670C09A00}"/>
-          </ac:spMkLst>
-        </pc:spChg>
-      </pc:sldChg>
-      <pc:sldChg chg="modSp">
-        <pc:chgData name="Andrei Daniel Ivan" userId="d3c4cde5a19fb9a3" providerId="LiveId" clId="{6C59A853-BA62-4224-9BE1-2DF441724FBD}" dt="2019-11-04T22:05:14.967" v="80" actId="207"/>
-        <pc:sldMkLst>
-          <pc:docMk/>
-          <pc:sldMk cId="148092493" sldId="264"/>
-        </pc:sldMkLst>
-        <pc:spChg chg="mod">
-          <ac:chgData name="Andrei Daniel Ivan" userId="d3c4cde5a19fb9a3" providerId="LiveId" clId="{6C59A853-BA62-4224-9BE1-2DF441724FBD}" dt="2019-11-04T22:05:14.967" v="80" actId="207"/>
-          <ac:spMkLst>
-            <pc:docMk/>
-            <pc:sldMk cId="148092493" sldId="264"/>
-            <ac:spMk id="4" creationId="{53201F81-8510-4C74-BAB4-1DBFEB2D3B79}"/>
-          </ac:spMkLst>
-        </pc:spChg>
-      </pc:sldChg>
-      <pc:sldChg chg="addSp delSp modSp">
-        <pc:chgData name="Andrei Daniel Ivan" userId="d3c4cde5a19fb9a3" providerId="LiveId" clId="{6C59A853-BA62-4224-9BE1-2DF441724FBD}" dt="2019-11-05T22:39:06.711" v="579" actId="20577"/>
-        <pc:sldMkLst>
-          <pc:docMk/>
-          <pc:sldMk cId="1263132891" sldId="265"/>
-        </pc:sldMkLst>
-        <pc:spChg chg="mod ord">
-          <ac:chgData name="Andrei Daniel Ivan" userId="d3c4cde5a19fb9a3" providerId="LiveId" clId="{6C59A853-BA62-4224-9BE1-2DF441724FBD}" dt="2019-11-05T22:30:27.523" v="337" actId="166"/>
-          <ac:spMkLst>
-            <pc:docMk/>
-            <pc:sldMk cId="1263132891" sldId="265"/>
-            <ac:spMk id="2" creationId="{F1DDE7A4-1A5F-4F0D-B842-7798EDC6EDA8}"/>
-          </ac:spMkLst>
-        </pc:spChg>
-        <pc:spChg chg="add mod">
-          <ac:chgData name="Andrei Daniel Ivan" userId="d3c4cde5a19fb9a3" providerId="LiveId" clId="{6C59A853-BA62-4224-9BE1-2DF441724FBD}" dt="2019-11-05T22:30:08.530" v="324" actId="1076"/>
-          <ac:spMkLst>
-            <pc:docMk/>
-            <pc:sldMk cId="1263132891" sldId="265"/>
-            <ac:spMk id="6" creationId="{D17FFA75-576A-4562-B01F-0A9C30A5BD9B}"/>
-          </ac:spMkLst>
-        </pc:spChg>
-        <pc:spChg chg="del">
-          <ac:chgData name="Andrei Daniel Ivan" userId="d3c4cde5a19fb9a3" providerId="LiveId" clId="{6C59A853-BA62-4224-9BE1-2DF441724FBD}" dt="2019-11-04T22:11:03.587" v="172" actId="478"/>
-          <ac:spMkLst>
-            <pc:docMk/>
-            <pc:sldMk cId="1263132891" sldId="265"/>
-            <ac:spMk id="7" creationId="{14760DC1-7367-45B0-9C6C-8495711F1DA8}"/>
-          </ac:spMkLst>
-        </pc:spChg>
-        <pc:spChg chg="add mod">
-          <ac:chgData name="Andrei Daniel Ivan" userId="d3c4cde5a19fb9a3" providerId="LiveId" clId="{6C59A853-BA62-4224-9BE1-2DF441724FBD}" dt="2019-11-05T22:30:19.698" v="335" actId="1076"/>
-          <ac:spMkLst>
-            <pc:docMk/>
-            <pc:sldMk cId="1263132891" sldId="265"/>
-            <ac:spMk id="7" creationId="{7980BD87-EF74-44F0-8D3C-5347AE21E997}"/>
-          </ac:spMkLst>
-        </pc:spChg>
-        <pc:spChg chg="add mod">
-          <ac:chgData name="Andrei Daniel Ivan" userId="d3c4cde5a19fb9a3" providerId="LiveId" clId="{6C59A853-BA62-4224-9BE1-2DF441724FBD}" dt="2019-11-05T22:39:06.711" v="579" actId="20577"/>
-          <ac:spMkLst>
-            <pc:docMk/>
-            <pc:sldMk cId="1263132891" sldId="265"/>
-            <ac:spMk id="8" creationId="{AEFF65AB-AB8C-488D-9D53-03A90D2C66A7}"/>
-          </ac:spMkLst>
-        </pc:spChg>
-        <pc:spChg chg="del">
-          <ac:chgData name="Andrei Daniel Ivan" userId="d3c4cde5a19fb9a3" providerId="LiveId" clId="{6C59A853-BA62-4224-9BE1-2DF441724FBD}" dt="2019-11-04T22:11:03.587" v="172" actId="478"/>
-          <ac:spMkLst>
-            <pc:docMk/>
-            <pc:sldMk cId="1263132891" sldId="265"/>
-            <ac:spMk id="8" creationId="{C0BF8179-F42E-40FA-8D9D-BA6422941EE4}"/>
-          </ac:spMkLst>
-        </pc:spChg>
-        <pc:spChg chg="del">
-          <ac:chgData name="Andrei Daniel Ivan" userId="d3c4cde5a19fb9a3" providerId="LiveId" clId="{6C59A853-BA62-4224-9BE1-2DF441724FBD}" dt="2019-11-04T22:11:03.587" v="172" actId="478"/>
-          <ac:spMkLst>
-            <pc:docMk/>
-            <pc:sldMk cId="1263132891" sldId="265"/>
-            <ac:spMk id="9" creationId="{887B13F2-1561-460B-86FD-AAA70F059971}"/>
-          </ac:spMkLst>
-        </pc:spChg>
-        <pc:spChg chg="add mod">
-          <ac:chgData name="Andrei Daniel Ivan" userId="d3c4cde5a19fb9a3" providerId="LiveId" clId="{6C59A853-BA62-4224-9BE1-2DF441724FBD}" dt="2019-11-05T22:32:41.266" v="473" actId="1076"/>
-          <ac:spMkLst>
-            <pc:docMk/>
-            <pc:sldMk cId="1263132891" sldId="265"/>
-            <ac:spMk id="9" creationId="{E11B0CC5-D1AA-4540-8561-B3DC04E2DD88}"/>
-          </ac:spMkLst>
-        </pc:spChg>
-        <pc:spChg chg="add mod">
-          <ac:chgData name="Andrei Daniel Ivan" userId="d3c4cde5a19fb9a3" providerId="LiveId" clId="{6C59A853-BA62-4224-9BE1-2DF441724FBD}" dt="2019-11-05T22:34:08.626" v="531" actId="1076"/>
-          <ac:spMkLst>
-            <pc:docMk/>
-            <pc:sldMk cId="1263132891" sldId="265"/>
-            <ac:spMk id="10" creationId="{5F9F1DF7-A19F-4B35-A374-3865835A1D7C}"/>
-          </ac:spMkLst>
-        </pc:spChg>
-        <pc:spChg chg="del">
-          <ac:chgData name="Andrei Daniel Ivan" userId="d3c4cde5a19fb9a3" providerId="LiveId" clId="{6C59A853-BA62-4224-9BE1-2DF441724FBD}" dt="2019-11-04T22:11:03.587" v="172" actId="478"/>
-          <ac:spMkLst>
-            <pc:docMk/>
-            <pc:sldMk cId="1263132891" sldId="265"/>
-            <ac:spMk id="10" creationId="{EB09F017-7D26-464E-ACF4-732B15EEF651}"/>
-          </ac:spMkLst>
-        </pc:spChg>
-        <pc:spChg chg="del">
-          <ac:chgData name="Andrei Daniel Ivan" userId="d3c4cde5a19fb9a3" providerId="LiveId" clId="{6C59A853-BA62-4224-9BE1-2DF441724FBD}" dt="2019-11-04T22:11:03.587" v="172" actId="478"/>
-          <ac:spMkLst>
-            <pc:docMk/>
-            <pc:sldMk cId="1263132891" sldId="265"/>
-            <ac:spMk id="11" creationId="{F8709EB3-BE0A-4540-B923-C6349E9E0860}"/>
-          </ac:spMkLst>
-        </pc:spChg>
-        <pc:spChg chg="del">
-          <ac:chgData name="Andrei Daniel Ivan" userId="d3c4cde5a19fb9a3" providerId="LiveId" clId="{6C59A853-BA62-4224-9BE1-2DF441724FBD}" dt="2019-11-04T22:11:03.587" v="172" actId="478"/>
-          <ac:spMkLst>
-            <pc:docMk/>
-            <pc:sldMk cId="1263132891" sldId="265"/>
-            <ac:spMk id="12" creationId="{6AFD7658-DE24-42CF-8463-709124F1AB3E}"/>
-          </ac:spMkLst>
-        </pc:spChg>
-        <pc:spChg chg="del">
-          <ac:chgData name="Andrei Daniel Ivan" userId="d3c4cde5a19fb9a3" providerId="LiveId" clId="{6C59A853-BA62-4224-9BE1-2DF441724FBD}" dt="2019-11-04T22:11:03.587" v="172" actId="478"/>
-          <ac:spMkLst>
-            <pc:docMk/>
-            <pc:sldMk cId="1263132891" sldId="265"/>
-            <ac:spMk id="13" creationId="{04BCECFC-7BBD-4CA2-AD41-DC483C71984C}"/>
-          </ac:spMkLst>
-        </pc:spChg>
-        <pc:spChg chg="del">
-          <ac:chgData name="Andrei Daniel Ivan" userId="d3c4cde5a19fb9a3" providerId="LiveId" clId="{6C59A853-BA62-4224-9BE1-2DF441724FBD}" dt="2019-11-04T22:11:03.587" v="172" actId="478"/>
-          <ac:spMkLst>
-            <pc:docMk/>
-            <pc:sldMk cId="1263132891" sldId="265"/>
-            <ac:spMk id="14" creationId="{A8E1ACA1-2751-47DF-9EB6-1E2F6A7BA8D9}"/>
-          </ac:spMkLst>
-        </pc:spChg>
-        <pc:spChg chg="del">
-          <ac:chgData name="Andrei Daniel Ivan" userId="d3c4cde5a19fb9a3" providerId="LiveId" clId="{6C59A853-BA62-4224-9BE1-2DF441724FBD}" dt="2019-11-04T22:11:03.587" v="172" actId="478"/>
-          <ac:spMkLst>
-            <pc:docMk/>
-            <pc:sldMk cId="1263132891" sldId="265"/>
-            <ac:spMk id="15" creationId="{6F11B218-3F67-4A93-B748-7D1BFD0F64D4}"/>
-          </ac:spMkLst>
-        </pc:spChg>
-        <pc:picChg chg="add mod">
-          <ac:chgData name="Andrei Daniel Ivan" userId="d3c4cde5a19fb9a3" providerId="LiveId" clId="{6C59A853-BA62-4224-9BE1-2DF441724FBD}" dt="2019-11-05T22:36:35.795" v="572" actId="1076"/>
-          <ac:picMkLst>
-            <pc:docMk/>
-            <pc:sldMk cId="1263132891" sldId="265"/>
-            <ac:picMk id="5" creationId="{97FAD4D4-FF4D-4CDB-AFFC-631B30663A17}"/>
-          </ac:picMkLst>
-        </pc:picChg>
-        <pc:picChg chg="del">
-          <ac:chgData name="Andrei Daniel Ivan" userId="d3c4cde5a19fb9a3" providerId="LiveId" clId="{6C59A853-BA62-4224-9BE1-2DF441724FBD}" dt="2019-11-04T22:10:56.306" v="169" actId="478"/>
-          <ac:picMkLst>
-            <pc:docMk/>
-            <pc:sldMk cId="1263132891" sldId="265"/>
-            <ac:picMk id="6" creationId="{6FB9490A-9C60-4085-B9E2-3F0996926CBD}"/>
-          </ac:picMkLst>
-        </pc:picChg>
-      </pc:sldChg>
-      <pc:sldChg chg="addSp delSp modSp">
-        <pc:chgData name="Andrei Daniel Ivan" userId="d3c4cde5a19fb9a3" providerId="LiveId" clId="{6C59A853-BA62-4224-9BE1-2DF441724FBD}" dt="2019-11-05T22:41:09.913" v="580" actId="14826"/>
-        <pc:sldMkLst>
-          <pc:docMk/>
-          <pc:sldMk cId="3577249319" sldId="266"/>
-        </pc:sldMkLst>
-        <pc:spChg chg="ord">
-          <ac:chgData name="Andrei Daniel Ivan" userId="d3c4cde5a19fb9a3" providerId="LiveId" clId="{6C59A853-BA62-4224-9BE1-2DF441724FBD}" dt="2019-11-04T22:09:32.665" v="111" actId="166"/>
-          <ac:spMkLst>
-            <pc:docMk/>
-            <pc:sldMk cId="3577249319" sldId="266"/>
-            <ac:spMk id="2" creationId="{F1DDE7A4-1A5F-4F0D-B842-7798EDC6EDA8}"/>
-          </ac:spMkLst>
-        </pc:spChg>
-        <pc:spChg chg="add mod">
-          <ac:chgData name="Andrei Daniel Ivan" userId="d3c4cde5a19fb9a3" providerId="LiveId" clId="{6C59A853-BA62-4224-9BE1-2DF441724FBD}" dt="2019-11-05T15:56:46.476" v="182" actId="1076"/>
-          <ac:spMkLst>
-            <pc:docMk/>
-            <pc:sldMk cId="3577249319" sldId="266"/>
-            <ac:spMk id="4" creationId="{51A3EC52-8BD5-4839-8BDB-B3223AA35C2B}"/>
-          </ac:spMkLst>
-        </pc:spChg>
-        <pc:spChg chg="del">
-          <ac:chgData name="Andrei Daniel Ivan" userId="d3c4cde5a19fb9a3" providerId="LiveId" clId="{6C59A853-BA62-4224-9BE1-2DF441724FBD}" dt="2019-11-04T22:09:00.795" v="102" actId="478"/>
-          <ac:spMkLst>
-            <pc:docMk/>
-            <pc:sldMk cId="3577249319" sldId="266"/>
-            <ac:spMk id="6" creationId="{9B8EB54B-0D77-4E7A-B2E9-9DB1B89A05A7}"/>
-          </ac:spMkLst>
-        </pc:spChg>
-        <pc:spChg chg="del">
-          <ac:chgData name="Andrei Daniel Ivan" userId="d3c4cde5a19fb9a3" providerId="LiveId" clId="{6C59A853-BA62-4224-9BE1-2DF441724FBD}" dt="2019-11-04T22:09:03.059" v="103" actId="478"/>
-          <ac:spMkLst>
-            <pc:docMk/>
-            <pc:sldMk cId="3577249319" sldId="266"/>
-            <ac:spMk id="7" creationId="{1C544053-6751-4420-A592-2979D732C879}"/>
-          </ac:spMkLst>
-        </pc:spChg>
-        <pc:spChg chg="add mod">
-          <ac:chgData name="Andrei Daniel Ivan" userId="d3c4cde5a19fb9a3" providerId="LiveId" clId="{6C59A853-BA62-4224-9BE1-2DF441724FBD}" dt="2019-11-05T15:57:59.273" v="193" actId="1076"/>
-          <ac:spMkLst>
-            <pc:docMk/>
-            <pc:sldMk cId="3577249319" sldId="266"/>
-            <ac:spMk id="7" creationId="{9CABD79C-5879-4323-8AFE-AF352F11F398}"/>
-          </ac:spMkLst>
-        </pc:spChg>
-        <pc:spChg chg="add mod">
-          <ac:chgData name="Andrei Daniel Ivan" userId="d3c4cde5a19fb9a3" providerId="LiveId" clId="{6C59A853-BA62-4224-9BE1-2DF441724FBD}" dt="2019-11-05T16:00:07.673" v="215" actId="1076"/>
-          <ac:spMkLst>
-            <pc:docMk/>
-            <pc:sldMk cId="3577249319" sldId="266"/>
-            <ac:spMk id="8" creationId="{BB620DE7-F342-4007-A94F-F75F9A7FAEB8}"/>
-          </ac:spMkLst>
-        </pc:spChg>
-        <pc:spChg chg="del">
-          <ac:chgData name="Andrei Daniel Ivan" userId="d3c4cde5a19fb9a3" providerId="LiveId" clId="{6C59A853-BA62-4224-9BE1-2DF441724FBD}" dt="2019-11-04T22:09:04.170" v="104" actId="478"/>
-          <ac:spMkLst>
-            <pc:docMk/>
-            <pc:sldMk cId="3577249319" sldId="266"/>
-            <ac:spMk id="8" creationId="{F05EBE76-4F37-4234-B277-19F49BA4766F}"/>
-          </ac:spMkLst>
-        </pc:spChg>
-        <pc:spChg chg="del">
-          <ac:chgData name="Andrei Daniel Ivan" userId="d3c4cde5a19fb9a3" providerId="LiveId" clId="{6C59A853-BA62-4224-9BE1-2DF441724FBD}" dt="2019-11-04T22:09:03.059" v="103" actId="478"/>
-          <ac:spMkLst>
-            <pc:docMk/>
-            <pc:sldMk cId="3577249319" sldId="266"/>
-            <ac:spMk id="9" creationId="{24711185-B444-44C2-A328-45964709B321}"/>
-          </ac:spMkLst>
-        </pc:spChg>
-        <pc:spChg chg="add mod">
-          <ac:chgData name="Andrei Daniel Ivan" userId="d3c4cde5a19fb9a3" providerId="LiveId" clId="{6C59A853-BA62-4224-9BE1-2DF441724FBD}" dt="2019-11-05T16:02:40.282" v="232" actId="1076"/>
-          <ac:spMkLst>
-            <pc:docMk/>
-            <pc:sldMk cId="3577249319" sldId="266"/>
-            <ac:spMk id="9" creationId="{E5EE2DB2-4EE2-405A-B308-F4F6D75A644B}"/>
-          </ac:spMkLst>
-        </pc:spChg>
-        <pc:spChg chg="del">
-          <ac:chgData name="Andrei Daniel Ivan" userId="d3c4cde5a19fb9a3" providerId="LiveId" clId="{6C59A853-BA62-4224-9BE1-2DF441724FBD}" dt="2019-11-04T22:09:03.059" v="103" actId="478"/>
-          <ac:spMkLst>
-            <pc:docMk/>
-            <pc:sldMk cId="3577249319" sldId="266"/>
-            <ac:spMk id="10" creationId="{61234104-F01F-47B7-B03C-74022B0B1521}"/>
-          </ac:spMkLst>
-        </pc:spChg>
-        <pc:spChg chg="add mod">
-          <ac:chgData name="Andrei Daniel Ivan" userId="d3c4cde5a19fb9a3" providerId="LiveId" clId="{6C59A853-BA62-4224-9BE1-2DF441724FBD}" dt="2019-11-05T16:01:17.576" v="221" actId="20577"/>
-          <ac:spMkLst>
-            <pc:docMk/>
-            <pc:sldMk cId="3577249319" sldId="266"/>
-            <ac:spMk id="10" creationId="{D5022A66-B2AA-4F16-BD49-3EC303EB5561}"/>
-          </ac:spMkLst>
-        </pc:spChg>
-        <pc:spChg chg="add mod">
-          <ac:chgData name="Andrei Daniel Ivan" userId="d3c4cde5a19fb9a3" providerId="LiveId" clId="{6C59A853-BA62-4224-9BE1-2DF441724FBD}" dt="2019-11-05T16:02:32.028" v="231" actId="1076"/>
-          <ac:spMkLst>
-            <pc:docMk/>
-            <pc:sldMk cId="3577249319" sldId="266"/>
-            <ac:spMk id="11" creationId="{1A88782D-2F51-42E4-B3AB-3FA41CD21817}"/>
-          </ac:spMkLst>
-        </pc:spChg>
-        <pc:spChg chg="del">
-          <ac:chgData name="Andrei Daniel Ivan" userId="d3c4cde5a19fb9a3" providerId="LiveId" clId="{6C59A853-BA62-4224-9BE1-2DF441724FBD}" dt="2019-11-04T22:09:03.059" v="103" actId="478"/>
-          <ac:spMkLst>
-            <pc:docMk/>
-            <pc:sldMk cId="3577249319" sldId="266"/>
-            <ac:spMk id="11" creationId="{C864299B-89B2-4A65-A926-E699D4636434}"/>
-          </ac:spMkLst>
-        </pc:spChg>
-        <pc:spChg chg="del">
-          <ac:chgData name="Andrei Daniel Ivan" userId="d3c4cde5a19fb9a3" providerId="LiveId" clId="{6C59A853-BA62-4224-9BE1-2DF441724FBD}" dt="2019-11-04T22:09:03.059" v="103" actId="478"/>
-          <ac:spMkLst>
-            <pc:docMk/>
-            <pc:sldMk cId="3577249319" sldId="266"/>
-            <ac:spMk id="13" creationId="{4C5A1219-ABB8-47D2-BDAB-A9F0F8C70AC9}"/>
-          </ac:spMkLst>
-        </pc:spChg>
-        <pc:spChg chg="add mod">
-          <ac:chgData name="Andrei Daniel Ivan" userId="d3c4cde5a19fb9a3" providerId="LiveId" clId="{6C59A853-BA62-4224-9BE1-2DF441724FBD}" dt="2019-11-05T16:03:02.982" v="234" actId="1076"/>
-          <ac:spMkLst>
-            <pc:docMk/>
-            <pc:sldMk cId="3577249319" sldId="266"/>
-            <ac:spMk id="13" creationId="{6E92212C-F6FA-4226-8FEA-3267D5FE237A}"/>
-          </ac:spMkLst>
-        </pc:spChg>
-        <pc:spChg chg="add mod">
-          <ac:chgData name="Andrei Daniel Ivan" userId="d3c4cde5a19fb9a3" providerId="LiveId" clId="{6C59A853-BA62-4224-9BE1-2DF441724FBD}" dt="2019-11-05T16:03:16.443" v="238" actId="1076"/>
-          <ac:spMkLst>
-            <pc:docMk/>
-            <pc:sldMk cId="3577249319" sldId="266"/>
-            <ac:spMk id="14" creationId="{4560CFF0-24E7-46FB-8EFF-D23E0617F0E6}"/>
-          </ac:spMkLst>
-        </pc:spChg>
-        <pc:spChg chg="del">
-          <ac:chgData name="Andrei Daniel Ivan" userId="d3c4cde5a19fb9a3" providerId="LiveId" clId="{6C59A853-BA62-4224-9BE1-2DF441724FBD}" dt="2019-11-04T22:09:03.059" v="103" actId="478"/>
-          <ac:spMkLst>
-            <pc:docMk/>
-            <pc:sldMk cId="3577249319" sldId="266"/>
-            <ac:spMk id="14" creationId="{57B21165-AA57-479A-9B4F-E49A9465AADB}"/>
-          </ac:spMkLst>
-        </pc:spChg>
-        <pc:spChg chg="add mod">
-          <ac:chgData name="Andrei Daniel Ivan" userId="d3c4cde5a19fb9a3" providerId="LiveId" clId="{6C59A853-BA62-4224-9BE1-2DF441724FBD}" dt="2019-11-05T16:04:21.682" v="252" actId="1076"/>
-          <ac:spMkLst>
-            <pc:docMk/>
-            <pc:sldMk cId="3577249319" sldId="266"/>
-            <ac:spMk id="15" creationId="{7269B5AC-4709-4DFD-844A-DD9F6441DE69}"/>
-          </ac:spMkLst>
-        </pc:spChg>
-        <pc:spChg chg="del">
-          <ac:chgData name="Andrei Daniel Ivan" userId="d3c4cde5a19fb9a3" providerId="LiveId" clId="{6C59A853-BA62-4224-9BE1-2DF441724FBD}" dt="2019-11-04T22:09:03.059" v="103" actId="478"/>
-          <ac:spMkLst>
-            <pc:docMk/>
-            <pc:sldMk cId="3577249319" sldId="266"/>
-            <ac:spMk id="15" creationId="{CB22CA14-4121-402A-B73E-FE97D8B3E6A0}"/>
-          </ac:spMkLst>
-        </pc:spChg>
-        <pc:spChg chg="del">
-          <ac:chgData name="Andrei Daniel Ivan" userId="d3c4cde5a19fb9a3" providerId="LiveId" clId="{6C59A853-BA62-4224-9BE1-2DF441724FBD}" dt="2019-11-04T22:09:03.059" v="103" actId="478"/>
-          <ac:spMkLst>
-            <pc:docMk/>
-            <pc:sldMk cId="3577249319" sldId="266"/>
-            <ac:spMk id="16" creationId="{834E14CA-8869-44A2-9445-EB50B4512A60}"/>
-          </ac:spMkLst>
-        </pc:spChg>
-        <pc:spChg chg="add mod">
-          <ac:chgData name="Andrei Daniel Ivan" userId="d3c4cde5a19fb9a3" providerId="LiveId" clId="{6C59A853-BA62-4224-9BE1-2DF441724FBD}" dt="2019-11-05T16:05:09.804" v="258" actId="1076"/>
-          <ac:spMkLst>
-            <pc:docMk/>
-            <pc:sldMk cId="3577249319" sldId="266"/>
-            <ac:spMk id="16" creationId="{D543BCD9-4A1D-4EF5-B530-A1AB759C7046}"/>
-          </ac:spMkLst>
-        </pc:spChg>
-        <pc:spChg chg="del">
-          <ac:chgData name="Andrei Daniel Ivan" userId="d3c4cde5a19fb9a3" providerId="LiveId" clId="{6C59A853-BA62-4224-9BE1-2DF441724FBD}" dt="2019-11-04T22:09:03.059" v="103" actId="478"/>
-          <ac:spMkLst>
-            <pc:docMk/>
-            <pc:sldMk cId="3577249319" sldId="266"/>
-            <ac:spMk id="17" creationId="{6DB36EAA-5957-4E6A-9D0B-19335C9E3288}"/>
-          </ac:spMkLst>
-        </pc:spChg>
-        <pc:spChg chg="add mod">
-          <ac:chgData name="Andrei Daniel Ivan" userId="d3c4cde5a19fb9a3" providerId="LiveId" clId="{6C59A853-BA62-4224-9BE1-2DF441724FBD}" dt="2019-11-05T16:05:26.260" v="263" actId="1076"/>
-          <ac:spMkLst>
-            <pc:docMk/>
-            <pc:sldMk cId="3577249319" sldId="266"/>
-            <ac:spMk id="17" creationId="{75B0951E-69C1-40C7-A3BB-78AB629923A8}"/>
-          </ac:spMkLst>
-        </pc:spChg>
-        <pc:spChg chg="del">
-          <ac:chgData name="Andrei Daniel Ivan" userId="d3c4cde5a19fb9a3" providerId="LiveId" clId="{6C59A853-BA62-4224-9BE1-2DF441724FBD}" dt="2019-11-04T22:09:03.059" v="103" actId="478"/>
-          <ac:spMkLst>
-            <pc:docMk/>
-            <pc:sldMk cId="3577249319" sldId="266"/>
-            <ac:spMk id="18" creationId="{96E91492-0F03-40AE-A92C-AF810161F87B}"/>
-          </ac:spMkLst>
-        </pc:spChg>
-        <pc:spChg chg="add mod">
-          <ac:chgData name="Andrei Daniel Ivan" userId="d3c4cde5a19fb9a3" providerId="LiveId" clId="{6C59A853-BA62-4224-9BE1-2DF441724FBD}" dt="2019-11-05T16:05:34.123" v="265" actId="1076"/>
-          <ac:spMkLst>
-            <pc:docMk/>
-            <pc:sldMk cId="3577249319" sldId="266"/>
-            <ac:spMk id="19" creationId="{07327DF0-1627-4FF9-BCBD-822EAB8833AC}"/>
-          </ac:spMkLst>
-        </pc:spChg>
-        <pc:spChg chg="del">
-          <ac:chgData name="Andrei Daniel Ivan" userId="d3c4cde5a19fb9a3" providerId="LiveId" clId="{6C59A853-BA62-4224-9BE1-2DF441724FBD}" dt="2019-11-04T22:09:03.059" v="103" actId="478"/>
-          <ac:spMkLst>
-            <pc:docMk/>
-            <pc:sldMk cId="3577249319" sldId="266"/>
-            <ac:spMk id="19" creationId="{52615D8C-B002-46BC-95C9-601B71A6BD12}"/>
-          </ac:spMkLst>
-        </pc:spChg>
-        <pc:spChg chg="del">
-          <ac:chgData name="Andrei Daniel Ivan" userId="d3c4cde5a19fb9a3" providerId="LiveId" clId="{6C59A853-BA62-4224-9BE1-2DF441724FBD}" dt="2019-11-04T22:09:03.059" v="103" actId="478"/>
-          <ac:spMkLst>
-            <pc:docMk/>
-            <pc:sldMk cId="3577249319" sldId="266"/>
-            <ac:spMk id="20" creationId="{4589F7B9-92BE-4E30-9687-5A24749B8F60}"/>
-          </ac:spMkLst>
-        </pc:spChg>
-        <pc:spChg chg="add del">
-          <ac:chgData name="Andrei Daniel Ivan" userId="d3c4cde5a19fb9a3" providerId="LiveId" clId="{6C59A853-BA62-4224-9BE1-2DF441724FBD}" dt="2019-11-05T16:05:39.013" v="269"/>
-          <ac:spMkLst>
-            <pc:docMk/>
-            <pc:sldMk cId="3577249319" sldId="266"/>
-            <ac:spMk id="20" creationId="{6BAB5B72-02CA-4E49-B21B-7CB7892B2355}"/>
-          </ac:spMkLst>
-        </pc:spChg>
-        <pc:spChg chg="add del mod">
-          <ac:chgData name="Andrei Daniel Ivan" userId="d3c4cde5a19fb9a3" providerId="LiveId" clId="{6C59A853-BA62-4224-9BE1-2DF441724FBD}" dt="2019-11-05T15:57:03.842" v="192" actId="478"/>
-          <ac:spMkLst>
-            <pc:docMk/>
-            <pc:sldMk cId="3577249319" sldId="266"/>
-            <ac:spMk id="21" creationId="{CBD50446-177C-43FD-8B98-E0F420548E64}"/>
-          </ac:spMkLst>
-        </pc:spChg>
-        <pc:spChg chg="add del">
-          <ac:chgData name="Andrei Daniel Ivan" userId="d3c4cde5a19fb9a3" providerId="LiveId" clId="{6C59A853-BA62-4224-9BE1-2DF441724FBD}" dt="2019-11-05T16:05:38.877" v="268"/>
-          <ac:spMkLst>
-            <pc:docMk/>
-            <pc:sldMk cId="3577249319" sldId="266"/>
-            <ac:spMk id="22" creationId="{7D156F76-37AC-46A3-9BB9-50D2DAE10D22}"/>
-          </ac:spMkLst>
-        </pc:spChg>
-        <pc:spChg chg="add mod">
-          <ac:chgData name="Andrei Daniel Ivan" userId="d3c4cde5a19fb9a3" providerId="LiveId" clId="{6C59A853-BA62-4224-9BE1-2DF441724FBD}" dt="2019-11-05T16:05:50.180" v="276" actId="1076"/>
-          <ac:spMkLst>
-            <pc:docMk/>
-            <pc:sldMk cId="3577249319" sldId="266"/>
-            <ac:spMk id="23" creationId="{2CD50850-C29E-40BF-A647-55D9FDDAC81C}"/>
-          </ac:spMkLst>
-        </pc:spChg>
-        <pc:spChg chg="add mod">
-          <ac:chgData name="Andrei Daniel Ivan" userId="d3c4cde5a19fb9a3" providerId="LiveId" clId="{6C59A853-BA62-4224-9BE1-2DF441724FBD}" dt="2019-11-05T16:06:03.652" v="278" actId="1076"/>
-          <ac:spMkLst>
-            <pc:docMk/>
-            <pc:sldMk cId="3577249319" sldId="266"/>
-            <ac:spMk id="24" creationId="{E84EB6BA-73D4-4C32-946A-30172F7647C7}"/>
-          </ac:spMkLst>
-        </pc:spChg>
-        <pc:spChg chg="add mod">
-          <ac:chgData name="Andrei Daniel Ivan" userId="d3c4cde5a19fb9a3" providerId="LiveId" clId="{6C59A853-BA62-4224-9BE1-2DF441724FBD}" dt="2019-11-05T16:06:38.516" v="310" actId="1076"/>
-          <ac:spMkLst>
-            <pc:docMk/>
-            <pc:sldMk cId="3577249319" sldId="266"/>
-            <ac:spMk id="25" creationId="{DEDF7DEB-5A6B-4602-ACFA-67CCC7049A77}"/>
-          </ac:spMkLst>
-        </pc:spChg>
-        <pc:picChg chg="del">
-          <ac:chgData name="Andrei Daniel Ivan" userId="d3c4cde5a19fb9a3" providerId="LiveId" clId="{6C59A853-BA62-4224-9BE1-2DF441724FBD}" dt="2019-11-04T22:08:57.594" v="101" actId="478"/>
-          <ac:picMkLst>
-            <pc:docMk/>
-            <pc:sldMk cId="3577249319" sldId="266"/>
-            <ac:picMk id="5" creationId="{9D59A15F-91D1-45D9-84C7-572B7462A2DC}"/>
-          </ac:picMkLst>
-        </pc:picChg>
-        <pc:picChg chg="add mod">
-          <ac:chgData name="Andrei Daniel Ivan" userId="d3c4cde5a19fb9a3" providerId="LiveId" clId="{6C59A853-BA62-4224-9BE1-2DF441724FBD}" dt="2019-11-05T22:41:09.913" v="580" actId="14826"/>
-          <ac:picMkLst>
-            <pc:docMk/>
-            <pc:sldMk cId="3577249319" sldId="266"/>
-            <ac:picMk id="12" creationId="{453C418F-5F2B-4AEB-AA99-48DBC2CB23B9}"/>
-          </ac:picMkLst>
-        </pc:picChg>
-        <pc:picChg chg="add del">
-          <ac:chgData name="Andrei Daniel Ivan" userId="d3c4cde5a19fb9a3" providerId="LiveId" clId="{6C59A853-BA62-4224-9BE1-2DF441724FBD}" dt="2019-11-05T16:05:19.036" v="262"/>
-          <ac:picMkLst>
-            <pc:docMk/>
-            <pc:sldMk cId="3577249319" sldId="266"/>
-            <ac:picMk id="18" creationId="{5EFD2DBF-41E7-4BA4-83C0-D1FE384E5642}"/>
-          </ac:picMkLst>
-        </pc:picChg>
-      </pc:sldChg>
-      <pc:sldChg chg="delSp modSp">
-        <pc:chgData name="Andrei Daniel Ivan" userId="d3c4cde5a19fb9a3" providerId="LiveId" clId="{6C59A853-BA62-4224-9BE1-2DF441724FBD}" dt="2019-11-04T22:05:47.022" v="99" actId="207"/>
-        <pc:sldMkLst>
-          <pc:docMk/>
-          <pc:sldMk cId="1080024111" sldId="267"/>
-        </pc:sldMkLst>
-        <pc:spChg chg="mod">
-          <ac:chgData name="Andrei Daniel Ivan" userId="d3c4cde5a19fb9a3" providerId="LiveId" clId="{6C59A853-BA62-4224-9BE1-2DF441724FBD}" dt="2019-11-04T22:05:47.022" v="99" actId="207"/>
-          <ac:spMkLst>
-            <pc:docMk/>
-            <pc:sldMk cId="1080024111" sldId="267"/>
-            <ac:spMk id="4" creationId="{53201F81-8510-4C74-BAB4-1DBFEB2D3B79}"/>
-          </ac:spMkLst>
-        </pc:spChg>
-        <pc:graphicFrameChg chg="del">
-          <ac:chgData name="Andrei Daniel Ivan" userId="d3c4cde5a19fb9a3" providerId="LiveId" clId="{6C59A853-BA62-4224-9BE1-2DF441724FBD}" dt="2019-11-04T22:05:38.120" v="85" actId="478"/>
-          <ac:graphicFrameMkLst>
-            <pc:docMk/>
-            <pc:sldMk cId="1080024111" sldId="267"/>
-            <ac:graphicFrameMk id="5" creationId="{CA79D04B-AC1F-476F-B7A0-1C488465314C}"/>
-          </ac:graphicFrameMkLst>
-        </pc:graphicFrameChg>
-      </pc:sldChg>
-      <pc:sldChg chg="del">
-        <pc:chgData name="Andrei Daniel Ivan" userId="d3c4cde5a19fb9a3" providerId="LiveId" clId="{6C59A853-BA62-4224-9BE1-2DF441724FBD}" dt="2019-11-04T22:05:33.650" v="84" actId="2696"/>
-        <pc:sldMkLst>
-          <pc:docMk/>
-          <pc:sldMk cId="3834406972" sldId="268"/>
-        </pc:sldMkLst>
-      </pc:sldChg>
-      <pc:sldChg chg="del">
-        <pc:chgData name="Andrei Daniel Ivan" userId="d3c4cde5a19fb9a3" providerId="LiveId" clId="{6C59A853-BA62-4224-9BE1-2DF441724FBD}" dt="2019-11-04T22:05:33.647" v="83" actId="2696"/>
-        <pc:sldMkLst>
-          <pc:docMk/>
-          <pc:sldMk cId="1629653739" sldId="269"/>
-        </pc:sldMkLst>
-      </pc:sldChg>
-      <pc:sldChg chg="del">
-        <pc:chgData name="Andrei Daniel Ivan" userId="d3c4cde5a19fb9a3" providerId="LiveId" clId="{6C59A853-BA62-4224-9BE1-2DF441724FBD}" dt="2019-11-04T22:05:33.643" v="82" actId="2696"/>
-        <pc:sldMkLst>
-          <pc:docMk/>
-          <pc:sldMk cId="502692845" sldId="271"/>
-        </pc:sldMkLst>
-      </pc:sldChg>
-      <pc:sldChg chg="del">
-        <pc:chgData name="Andrei Daniel Ivan" userId="d3c4cde5a19fb9a3" providerId="LiveId" clId="{6C59A853-BA62-4224-9BE1-2DF441724FBD}" dt="2019-11-04T22:05:33.640" v="81" actId="2696"/>
-        <pc:sldMkLst>
-          <pc:docMk/>
-          <pc:sldMk cId="143152469" sldId="273"/>
-        </pc:sldMkLst>
-      </pc:sldChg>
-    </pc:docChg>
-  </pc:docChgLst>
-</pc:chgInfo>
 </file>
 
 <file path=ppt/notesMasters/notesMaster1.xml><?xml version="1.0" encoding="utf-8"?>
@@ -761,7 +232,7 @@
           <a:p>
             <a:fld id="{227EB8F9-9849-4F1B-8247-B2B87148EF6E}" type="datetimeFigureOut">
               <a:rPr lang="it-IT" smtClean="0"/>
-              <a:t>05/11/2019</a:t>
+              <a:t>31/10/2019</a:t>
             </a:fld>
             <a:endParaRPr lang="it-IT"/>
           </a:p>
@@ -1159,7 +630,7 @@
           <a:p>
             <a:fld id="{519C5307-3A56-4F91-8FB2-60E4C7C3FF23}" type="datetime1">
               <a:rPr lang="it-IT" smtClean="0"/>
-              <a:t>05/11/2019</a:t>
+              <a:t>31/10/2019</a:t>
             </a:fld>
             <a:endParaRPr lang="it-IT"/>
           </a:p>
@@ -1330,7 +801,7 @@
           <a:p>
             <a:fld id="{519C5307-3A56-4F91-8FB2-60E4C7C3FF23}" type="datetime1">
               <a:rPr lang="it-IT" smtClean="0"/>
-              <a:t>05/11/2019</a:t>
+              <a:t>31/10/2019</a:t>
             </a:fld>
             <a:endParaRPr lang="it-IT"/>
           </a:p>
@@ -1511,7 +982,7 @@
           <a:p>
             <a:fld id="{519C5307-3A56-4F91-8FB2-60E4C7C3FF23}" type="datetime1">
               <a:rPr lang="it-IT" smtClean="0"/>
-              <a:t>05/11/2019</a:t>
+              <a:t>31/10/2019</a:t>
             </a:fld>
             <a:endParaRPr lang="it-IT"/>
           </a:p>
@@ -1682,7 +1153,7 @@
           <a:p>
             <a:fld id="{519C5307-3A56-4F91-8FB2-60E4C7C3FF23}" type="datetime1">
               <a:rPr lang="it-IT" smtClean="0"/>
-              <a:t>05/11/2019</a:t>
+              <a:t>31/10/2019</a:t>
             </a:fld>
             <a:endParaRPr lang="it-IT"/>
           </a:p>
@@ -1929,7 +1400,7 @@
           <a:p>
             <a:fld id="{519C5307-3A56-4F91-8FB2-60E4C7C3FF23}" type="datetime1">
               <a:rPr lang="it-IT" smtClean="0"/>
-              <a:t>05/11/2019</a:t>
+              <a:t>31/10/2019</a:t>
             </a:fld>
             <a:endParaRPr lang="it-IT"/>
           </a:p>
@@ -2162,7 +1633,7 @@
           <a:p>
             <a:fld id="{519C5307-3A56-4F91-8FB2-60E4C7C3FF23}" type="datetime1">
               <a:rPr lang="it-IT" smtClean="0"/>
-              <a:t>05/11/2019</a:t>
+              <a:t>31/10/2019</a:t>
             </a:fld>
             <a:endParaRPr lang="it-IT"/>
           </a:p>
@@ -2530,7 +2001,7 @@
           <a:p>
             <a:fld id="{519C5307-3A56-4F91-8FB2-60E4C7C3FF23}" type="datetime1">
               <a:rPr lang="it-IT" smtClean="0"/>
-              <a:t>05/11/2019</a:t>
+              <a:t>31/10/2019</a:t>
             </a:fld>
             <a:endParaRPr lang="it-IT"/>
           </a:p>
@@ -2649,7 +2120,7 @@
           <a:p>
             <a:fld id="{519C5307-3A56-4F91-8FB2-60E4C7C3FF23}" type="datetime1">
               <a:rPr lang="it-IT" smtClean="0"/>
-              <a:t>05/11/2019</a:t>
+              <a:t>31/10/2019</a:t>
             </a:fld>
             <a:endParaRPr lang="it-IT"/>
           </a:p>
@@ -2745,7 +2216,7 @@
           <a:p>
             <a:fld id="{519C5307-3A56-4F91-8FB2-60E4C7C3FF23}" type="datetime1">
               <a:rPr lang="it-IT" smtClean="0"/>
-              <a:t>05/11/2019</a:t>
+              <a:t>31/10/2019</a:t>
             </a:fld>
             <a:endParaRPr lang="it-IT"/>
           </a:p>
@@ -3023,7 +2494,7 @@
           <a:p>
             <a:fld id="{519C5307-3A56-4F91-8FB2-60E4C7C3FF23}" type="datetime1">
               <a:rPr lang="it-IT" smtClean="0"/>
-              <a:t>05/11/2019</a:t>
+              <a:t>31/10/2019</a:t>
             </a:fld>
             <a:endParaRPr lang="it-IT"/>
           </a:p>
@@ -3281,7 +2752,7 @@
           <a:p>
             <a:fld id="{519C5307-3A56-4F91-8FB2-60E4C7C3FF23}" type="datetime1">
               <a:rPr lang="it-IT" smtClean="0"/>
-              <a:t>05/11/2019</a:t>
+              <a:t>31/10/2019</a:t>
             </a:fld>
             <a:endParaRPr lang="it-IT"/>
           </a:p>
@@ -3495,7 +2966,7 @@
           <a:p>
             <a:fld id="{519C5307-3A56-4F91-8FB2-60E4C7C3FF23}" type="datetime1">
               <a:rPr lang="it-IT" smtClean="0"/>
-              <a:t>05/11/2019</a:t>
+              <a:t>31/10/2019</a:t>
             </a:fld>
             <a:endParaRPr lang="it-IT"/>
           </a:p>
@@ -4019,7 +3490,7 @@
         <p:spPr>
           <a:xfrm>
             <a:off x="1658679" y="2728808"/>
-            <a:ext cx="5938284" cy="1308050"/>
+            <a:ext cx="5938284" cy="1338828"/>
           </a:xfrm>
           <a:prstGeom prst="rect">
             <a:avLst/>
@@ -4040,53 +3511,29 @@
                 </a:solidFill>
                 <a:latin typeface="Avenir Next LT Pro Light" panose="020B0304020202020204" pitchFamily="34" charset="0"/>
               </a:rPr>
-              <a:t>ESERCITAZIONE 4</a:t>
+              <a:t>ESERCITAZIONE 3</a:t>
             </a:r>
           </a:p>
           <a:p>
             <a:pPr algn="ctr"/>
             <a:r>
-              <a:rPr lang="it-IT" sz="2500" dirty="0">
+              <a:rPr lang="it-IT" sz="2700" dirty="0" err="1">
                 <a:solidFill>
                   <a:schemeClr val="bg1"/>
                 </a:solidFill>
                 <a:latin typeface="Avenir Next LT Pro Light" panose="020B0304020202020204" pitchFamily="34" charset="0"/>
               </a:rPr>
-              <a:t>Server multiservizio: </a:t>
-            </a:r>
-            <a:r>
-              <a:rPr lang="it-IT" sz="2500" dirty="0" err="1">
+              <a:t>Socket</a:t>
+            </a:r>
+            <a:r>
+              <a:rPr lang="it-IT" sz="2700" dirty="0">
                 <a:solidFill>
                   <a:schemeClr val="bg1"/>
                 </a:solidFill>
                 <a:latin typeface="Avenir Next LT Pro Light" panose="020B0304020202020204" pitchFamily="34" charset="0"/>
               </a:rPr>
-              <a:t>Socket</a:t>
-            </a:r>
-            <a:r>
-              <a:rPr lang="it-IT" sz="2500" dirty="0">
-                <a:solidFill>
-                  <a:schemeClr val="bg1"/>
-                </a:solidFill>
-                <a:latin typeface="Avenir Next LT Pro Light" panose="020B0304020202020204" pitchFamily="34" charset="0"/>
-              </a:rPr>
-              <a:t> C con </a:t>
-            </a:r>
-            <a:r>
-              <a:rPr lang="it-IT" sz="2500" dirty="0" err="1">
-                <a:solidFill>
-                  <a:schemeClr val="bg1"/>
-                </a:solidFill>
-                <a:latin typeface="Avenir Next LT Pro Light" panose="020B0304020202020204" pitchFamily="34" charset="0"/>
-              </a:rPr>
-              <a:t>select</a:t>
-            </a:r>
-            <a:endParaRPr lang="it-IT" sz="2500" dirty="0">
-              <a:solidFill>
-                <a:schemeClr val="bg1"/>
-              </a:solidFill>
-              <a:latin typeface="Avenir Next LT Pro Light" panose="020B0304020202020204" pitchFamily="34" charset="0"/>
-            </a:endParaRPr>
+              <a:t> in C senza e con connessione</a:t>
+            </a:r>
           </a:p>
         </p:txBody>
       </p:sp>
@@ -4428,7 +3875,7 @@
         <p:spPr>
           <a:xfrm>
             <a:off x="838200" y="917500"/>
-            <a:ext cx="10427575" cy="461088"/>
+            <a:ext cx="10427575" cy="5447069"/>
           </a:xfrm>
           <a:prstGeom prst="rect">
             <a:avLst/>
@@ -4458,7 +3905,7 @@
                 <a:ea typeface="Calibri" panose="020F0502020204030204" pitchFamily="34" charset="0"/>
                 <a:cs typeface="Times New Roman" panose="02020603050405020304" pitchFamily="18" charset="0"/>
               </a:rPr>
-              <a:t>To </a:t>
+              <a:t>Il </a:t>
             </a:r>
             <a:r>
               <a:rPr lang="it-IT" dirty="0">
@@ -4469,7 +3916,7 @@
                 <a:ea typeface="Calibri" panose="020F0502020204030204" pitchFamily="34" charset="0"/>
                 <a:cs typeface="Times New Roman" panose="02020603050405020304" pitchFamily="18" charset="0"/>
               </a:rPr>
-              <a:t>be</a:t>
+              <a:t>Server UDP </a:t>
             </a:r>
             <a:r>
               <a:rPr lang="it-IT" dirty="0">
@@ -4480,10 +3927,20 @@
                 <a:ea typeface="Calibri" panose="020F0502020204030204" pitchFamily="34" charset="0"/>
                 <a:cs typeface="Times New Roman" panose="02020603050405020304" pitchFamily="18" charset="0"/>
               </a:rPr>
-              <a:t> </a:t>
-            </a:r>
-            <a:r>
-              <a:rPr lang="it-IT" dirty="0" err="1">
+              <a:t>è stato sviluppato inizialmente in versione sequenziale, poi è stata creata anche la versione parallela puntando a delle performance migliori.</a:t>
+            </a:r>
+          </a:p>
+          <a:p>
+            <a:pPr algn="just">
+              <a:lnSpc>
+                <a:spcPct val="150000"/>
+              </a:lnSpc>
+              <a:spcAft>
+                <a:spcPts val="0"/>
+              </a:spcAft>
+            </a:pPr>
+            <a:r>
+              <a:rPr lang="it-IT" dirty="0">
                 <a:solidFill>
                   <a:schemeClr val="bg1"/>
                 </a:solidFill>
@@ -4491,8 +3948,57 @@
                 <a:ea typeface="Calibri" panose="020F0502020204030204" pitchFamily="34" charset="0"/>
                 <a:cs typeface="Times New Roman" panose="02020603050405020304" pitchFamily="18" charset="0"/>
               </a:rPr>
-              <a:t>defined</a:t>
-            </a:r>
+              <a:t>Utilizzando un cronometro nel codice si è cercato di misurare il tempo di risposta del Server per confrontare entrambe le versioni; tuttavia sono incorsi problemi nell’ottenere dei risultati attendibili che mettessero in evidenza l’efficienza dell’uno rispetto all’altro.</a:t>
+            </a:r>
+          </a:p>
+          <a:p>
+            <a:pPr algn="just">
+              <a:lnSpc>
+                <a:spcPct val="150000"/>
+              </a:lnSpc>
+              <a:spcAft>
+                <a:spcPts val="0"/>
+              </a:spcAft>
+            </a:pPr>
+            <a:endParaRPr lang="it-IT" u="sng" dirty="0">
+              <a:solidFill>
+                <a:schemeClr val="bg1"/>
+              </a:solidFill>
+              <a:latin typeface="Avenir Next LT Pro Light" panose="020B0304020202020204" pitchFamily="34" charset="0"/>
+              <a:ea typeface="Calibri" panose="020F0502020204030204" pitchFamily="34" charset="0"/>
+              <a:cs typeface="Times New Roman" panose="02020603050405020304" pitchFamily="18" charset="0"/>
+            </a:endParaRPr>
+          </a:p>
+          <a:p>
+            <a:pPr algn="just">
+              <a:lnSpc>
+                <a:spcPct val="150000"/>
+              </a:lnSpc>
+              <a:spcAft>
+                <a:spcPts val="0"/>
+              </a:spcAft>
+            </a:pPr>
+            <a:r>
+              <a:rPr lang="it-IT" dirty="0">
+                <a:solidFill>
+                  <a:schemeClr val="bg1"/>
+                </a:solidFill>
+                <a:latin typeface="Avenir Next LT Pro Light" panose="020B0304020202020204" pitchFamily="34" charset="0"/>
+                <a:ea typeface="Calibri" panose="020F0502020204030204" pitchFamily="34" charset="0"/>
+                <a:cs typeface="Times New Roman" panose="02020603050405020304" pitchFamily="18" charset="0"/>
+              </a:rPr>
+              <a:t>Per quanto riguarda il riconoscimento delle parole il Server considera come separatore qualsiasi carattere diverso dalle lettere dell’alfabeto. Sarebbe stato possibile implementare l’aggiunta di un ulteriore argomento per definire una lista di separatori personalizzata.</a:t>
+            </a:r>
+          </a:p>
+          <a:p>
+            <a:pPr algn="just">
+              <a:lnSpc>
+                <a:spcPct val="150000"/>
+              </a:lnSpc>
+              <a:spcAft>
+                <a:spcPts val="0"/>
+              </a:spcAft>
+            </a:pPr>
             <a:endParaRPr lang="it-IT" dirty="0">
               <a:solidFill>
                 <a:schemeClr val="bg1"/>
@@ -4501,6 +4007,71 @@
               <a:ea typeface="Calibri" panose="020F0502020204030204" pitchFamily="34" charset="0"/>
               <a:cs typeface="Times New Roman" panose="02020603050405020304" pitchFamily="18" charset="0"/>
             </a:endParaRPr>
+          </a:p>
+          <a:p>
+            <a:pPr algn="just">
+              <a:lnSpc>
+                <a:spcPct val="150000"/>
+              </a:lnSpc>
+              <a:spcAft>
+                <a:spcPts val="0"/>
+              </a:spcAft>
+            </a:pPr>
+            <a:r>
+              <a:rPr lang="it-IT" dirty="0">
+                <a:solidFill>
+                  <a:schemeClr val="bg1"/>
+                </a:solidFill>
+                <a:latin typeface="Avenir Next LT Pro Light" panose="020B0304020202020204" pitchFamily="34" charset="0"/>
+                <a:ea typeface="Calibri" panose="020F0502020204030204" pitchFamily="34" charset="0"/>
+                <a:cs typeface="Times New Roman" panose="02020603050405020304" pitchFamily="18" charset="0"/>
+              </a:rPr>
+              <a:t>Il </a:t>
+            </a:r>
+            <a:r>
+              <a:rPr lang="it-IT" dirty="0">
+                <a:solidFill>
+                  <a:srgbClr val="00B0F0"/>
+                </a:solidFill>
+                <a:latin typeface="Avenir Next LT Pro Light" panose="020B0304020202020204" pitchFamily="34" charset="0"/>
+                <a:ea typeface="Calibri" panose="020F0502020204030204" pitchFamily="34" charset="0"/>
+                <a:cs typeface="Times New Roman" panose="02020603050405020304" pitchFamily="18" charset="0"/>
+              </a:rPr>
+              <a:t>Server TCP </a:t>
+            </a:r>
+            <a:r>
+              <a:rPr lang="it-IT" dirty="0">
+                <a:solidFill>
+                  <a:schemeClr val="bg1"/>
+                </a:solidFill>
+                <a:latin typeface="Avenir Next LT Pro Light" panose="020B0304020202020204" pitchFamily="34" charset="0"/>
+                <a:ea typeface="Calibri" panose="020F0502020204030204" pitchFamily="34" charset="0"/>
+                <a:cs typeface="Times New Roman" panose="02020603050405020304" pitchFamily="18" charset="0"/>
+              </a:rPr>
+              <a:t>è stato prodotto con due algoritmi di lettura differenti per testare qual è il più performante: uno legge carattere per carattere dalla </a:t>
+            </a:r>
+            <a:r>
+              <a:rPr lang="it-IT" dirty="0" err="1">
+                <a:solidFill>
+                  <a:schemeClr val="bg1"/>
+                </a:solidFill>
+                <a:latin typeface="Avenir Next LT Pro Light" panose="020B0304020202020204" pitchFamily="34" charset="0"/>
+                <a:ea typeface="Calibri" panose="020F0502020204030204" pitchFamily="34" charset="0"/>
+                <a:cs typeface="Times New Roman" panose="02020603050405020304" pitchFamily="18" charset="0"/>
+              </a:rPr>
+              <a:t>socket</a:t>
+            </a:r>
+            <a:r>
+              <a:rPr lang="it-IT" dirty="0">
+                <a:solidFill>
+                  <a:schemeClr val="bg1"/>
+                </a:solidFill>
+                <a:latin typeface="Avenir Next LT Pro Light" panose="020B0304020202020204" pitchFamily="34" charset="0"/>
+                <a:ea typeface="Calibri" panose="020F0502020204030204" pitchFamily="34" charset="0"/>
+                <a:cs typeface="Times New Roman" panose="02020603050405020304" pitchFamily="18" charset="0"/>
+              </a:rPr>
+              <a:t>, l’altro legge con un buffer di 256 caratteri.</a:t>
+            </a:r>
           </a:p>
         </p:txBody>
       </p:sp>
@@ -4544,6 +4115,47 @@
       </p:grpSpPr>
       <p:sp>
         <p:nvSpPr>
+          <p:cNvPr id="2" name="Titolo 1">
+            <a:extLst>
+              <a:ext uri="{FF2B5EF4-FFF2-40B4-BE49-F238E27FC236}">
+                <a16:creationId xmlns:a16="http://schemas.microsoft.com/office/drawing/2014/main" id="{F1DDE7A4-1A5F-4F0D-B842-7798EDC6EDA8}"/>
+              </a:ext>
+            </a:extLst>
+          </p:cNvPr>
+          <p:cNvSpPr>
+            <a:spLocks noGrp="1"/>
+          </p:cNvSpPr>
+          <p:nvPr>
+            <p:ph type="title"/>
+          </p:nvPr>
+        </p:nvSpPr>
+        <p:spPr>
+          <a:xfrm>
+            <a:off x="166048" y="92077"/>
+            <a:ext cx="11859904" cy="911224"/>
+          </a:xfrm>
+        </p:spPr>
+        <p:txBody>
+          <a:bodyPr>
+            <a:normAutofit/>
+          </a:bodyPr>
+          <a:lstStyle/>
+          <a:p>
+            <a:pPr algn="ctr"/>
+            <a:r>
+              <a:rPr lang="it-IT" dirty="0">
+                <a:solidFill>
+                  <a:schemeClr val="bg1"/>
+                </a:solidFill>
+                <a:latin typeface="Avenir Next LT Pro Light" panose="020B0304020202020204" pitchFamily="34" charset="0"/>
+              </a:rPr>
+              <a:t>Schema C/S senza connessione (UDP)</a:t>
+            </a:r>
+          </a:p>
+        </p:txBody>
+      </p:sp>
+      <p:sp>
+        <p:nvSpPr>
           <p:cNvPr id="3" name="Segnaposto numero diapositiva 2">
             <a:extLst>
               <a:ext uri="{FF2B5EF4-FFF2-40B4-BE49-F238E27FC236}">
@@ -4573,10 +4185,10 @@
       </p:sp>
       <p:pic>
         <p:nvPicPr>
-          <p:cNvPr id="5" name="Immagine 4" descr="Immagine che contiene orologio&#10;&#10;Descrizione generata automaticamente">
+          <p:cNvPr id="6" name="Immagine 5" descr="Immagine che contiene testo, segnale, orologio, luce&#10;&#10;Descrizione generata automaticamente">
             <a:extLst>
               <a:ext uri="{FF2B5EF4-FFF2-40B4-BE49-F238E27FC236}">
-                <a16:creationId xmlns:a16="http://schemas.microsoft.com/office/drawing/2014/main" id="{97FAD4D4-FF4D-4CDB-AFFC-631B30663A17}"/>
+                <a16:creationId xmlns:a16="http://schemas.microsoft.com/office/drawing/2014/main" id="{6FB9490A-9C60-4085-B9E2-3F0996926CBD}"/>
               </a:ext>
             </a:extLst>
           </p:cNvPr>
@@ -4599,8 +4211,8 @@
         </p:blipFill>
         <p:spPr>
           <a:xfrm>
-            <a:off x="0" y="0"/>
-            <a:ext cx="12192000" cy="6857999"/>
+            <a:off x="0" y="203200"/>
+            <a:ext cx="12192000" cy="6858000"/>
           </a:xfrm>
           <a:prstGeom prst="rect">
             <a:avLst/>
@@ -4609,10 +4221,10 @@
       </p:pic>
       <p:sp>
         <p:nvSpPr>
-          <p:cNvPr id="6" name="CasellaDiTesto 5">
+          <p:cNvPr id="7" name="CasellaDiTesto 6">
             <a:extLst>
               <a:ext uri="{FF2B5EF4-FFF2-40B4-BE49-F238E27FC236}">
-                <a16:creationId xmlns:a16="http://schemas.microsoft.com/office/drawing/2014/main" id="{D17FFA75-576A-4562-B01F-0A9C30A5BD9B}"/>
+                <a16:creationId xmlns:a16="http://schemas.microsoft.com/office/drawing/2014/main" id="{14760DC1-7367-45B0-9C6C-8495711F1DA8}"/>
               </a:ext>
             </a:extLst>
           </p:cNvPr>
@@ -4621,8 +4233,8 @@
         </p:nvSpPr>
         <p:spPr>
           <a:xfrm>
-            <a:off x="2948960" y="3448993"/>
-            <a:ext cx="1005403" cy="461665"/>
+            <a:off x="2513377" y="1618537"/>
+            <a:ext cx="1059906" cy="369332"/>
           </a:xfrm>
           <a:prstGeom prst="rect">
             <a:avLst/>
@@ -4636,20 +4248,20 @@
           <a:lstStyle/>
           <a:p>
             <a:r>
-              <a:rPr lang="it-IT" sz="2400" dirty="0">
+              <a:rPr lang="it-IT" dirty="0">
                 <a:latin typeface="Avenir Next LT Pro Light" panose="020B0304020202020204" pitchFamily="34" charset="0"/>
               </a:rPr>
-              <a:t>Client</a:t>
-            </a:r>
-          </a:p>
-        </p:txBody>
-      </p:sp>
-      <p:sp>
-        <p:nvSpPr>
-          <p:cNvPr id="7" name="CasellaDiTesto 6">
+              <a:t>UTENTE</a:t>
+            </a:r>
+          </a:p>
+        </p:txBody>
+      </p:sp>
+      <p:sp>
+        <p:nvSpPr>
+          <p:cNvPr id="8" name="CasellaDiTesto 7">
             <a:extLst>
               <a:ext uri="{FF2B5EF4-FFF2-40B4-BE49-F238E27FC236}">
-                <a16:creationId xmlns:a16="http://schemas.microsoft.com/office/drawing/2014/main" id="{7980BD87-EF74-44F0-8D3C-5347AE21E997}"/>
+                <a16:creationId xmlns:a16="http://schemas.microsoft.com/office/drawing/2014/main" id="{C0BF8179-F42E-40FA-8D9D-BA6422941EE4}"/>
               </a:ext>
             </a:extLst>
           </p:cNvPr>
@@ -4658,8 +4270,8 @@
         </p:nvSpPr>
         <p:spPr>
           <a:xfrm>
-            <a:off x="8220936" y="1847021"/>
-            <a:ext cx="1069524" cy="461665"/>
+            <a:off x="8670499" y="3447534"/>
+            <a:ext cx="970137" cy="369332"/>
           </a:xfrm>
           <a:prstGeom prst="rect">
             <a:avLst/>
@@ -4673,61 +4285,20 @@
           <a:lstStyle/>
           <a:p>
             <a:r>
-              <a:rPr lang="it-IT" sz="2400" dirty="0">
+              <a:rPr lang="it-IT" dirty="0">
                 <a:latin typeface="Avenir Next LT Pro Light" panose="020B0304020202020204" pitchFamily="34" charset="0"/>
               </a:rPr>
-              <a:t>Server</a:t>
-            </a:r>
-          </a:p>
-        </p:txBody>
-      </p:sp>
-      <p:sp>
-        <p:nvSpPr>
-          <p:cNvPr id="2" name="Titolo 1">
+              <a:t>CLIENT</a:t>
+            </a:r>
+          </a:p>
+        </p:txBody>
+      </p:sp>
+      <p:sp>
+        <p:nvSpPr>
+          <p:cNvPr id="9" name="CasellaDiTesto 8">
             <a:extLst>
               <a:ext uri="{FF2B5EF4-FFF2-40B4-BE49-F238E27FC236}">
-                <a16:creationId xmlns:a16="http://schemas.microsoft.com/office/drawing/2014/main" id="{F1DDE7A4-1A5F-4F0D-B842-7798EDC6EDA8}"/>
-              </a:ext>
-            </a:extLst>
-          </p:cNvPr>
-          <p:cNvSpPr>
-            <a:spLocks noGrp="1"/>
-          </p:cNvSpPr>
-          <p:nvPr>
-            <p:ph type="title"/>
-          </p:nvPr>
-        </p:nvSpPr>
-        <p:spPr>
-          <a:xfrm>
-            <a:off x="166048" y="92077"/>
-            <a:ext cx="11859904" cy="911224"/>
-          </a:xfrm>
-        </p:spPr>
-        <p:txBody>
-          <a:bodyPr>
-            <a:normAutofit/>
-          </a:bodyPr>
-          <a:lstStyle/>
-          <a:p>
-            <a:pPr algn="ctr"/>
-            <a:r>
-              <a:rPr lang="it-IT" dirty="0">
-                <a:solidFill>
-                  <a:schemeClr val="bg1"/>
-                </a:solidFill>
-                <a:latin typeface="Avenir Next LT Pro Light" panose="020B0304020202020204" pitchFamily="34" charset="0"/>
-              </a:rPr>
-              <a:t>Schema C/S senza connessione (UDP)</a:t>
-            </a:r>
-          </a:p>
-        </p:txBody>
-      </p:sp>
-      <p:sp>
-        <p:nvSpPr>
-          <p:cNvPr id="8" name="CasellaDiTesto 7">
-            <a:extLst>
-              <a:ext uri="{FF2B5EF4-FFF2-40B4-BE49-F238E27FC236}">
-                <a16:creationId xmlns:a16="http://schemas.microsoft.com/office/drawing/2014/main" id="{AEFF65AB-AB8C-488D-9D53-03A90D2C66A7}"/>
+                <a16:creationId xmlns:a16="http://schemas.microsoft.com/office/drawing/2014/main" id="{887B13F2-1561-460B-86FD-AAA70F059971}"/>
               </a:ext>
             </a:extLst>
           </p:cNvPr>
@@ -4736,8 +4307,8 @@
         </p:nvSpPr>
         <p:spPr>
           <a:xfrm>
-            <a:off x="7959550" y="4743690"/>
-            <a:ext cx="1525644" cy="1015663"/>
+            <a:off x="2542039" y="5239463"/>
+            <a:ext cx="1002582" cy="369332"/>
           </a:xfrm>
           <a:prstGeom prst="rect">
             <a:avLst/>
@@ -4745,51 +4316,26 @@
           <a:noFill/>
         </p:spPr>
         <p:txBody>
-          <a:bodyPr wrap="square" rtlCol="0">
+          <a:bodyPr wrap="none" rtlCol="0">
             <a:spAutoFit/>
           </a:bodyPr>
           <a:lstStyle/>
           <a:p>
-            <a:pPr algn="ctr"/>
-            <a:r>
-              <a:rPr lang="it-IT" sz="1200" dirty="0">
+            <a:r>
+              <a:rPr lang="it-IT" dirty="0">
                 <a:latin typeface="Avenir Next LT Pro Light" panose="020B0304020202020204" pitchFamily="34" charset="0"/>
               </a:rPr>
-              <a:t>Apertura file;</a:t>
-            </a:r>
-          </a:p>
-          <a:p>
-            <a:pPr algn="ctr"/>
-            <a:r>
-              <a:rPr lang="it-IT" sz="1200" dirty="0">
-                <a:latin typeface="Avenir Next LT Pro Light" panose="020B0304020202020204" pitchFamily="34" charset="0"/>
-              </a:rPr>
-              <a:t>eliminazione occorrenze della parola;</a:t>
-            </a:r>
-          </a:p>
-          <a:p>
-            <a:pPr algn="ctr"/>
-            <a:r>
-              <a:rPr lang="it-IT" sz="1200" dirty="0">
-                <a:latin typeface="Avenir Next LT Pro Light" panose="020B0304020202020204" pitchFamily="34" charset="0"/>
-              </a:rPr>
-              <a:t>salvataggio file</a:t>
-            </a:r>
-            <a:r>
-              <a:rPr lang="it-IT" sz="1050" dirty="0">
-                <a:latin typeface="Avenir Next LT Pro Light" panose="020B0304020202020204" pitchFamily="34" charset="0"/>
-              </a:rPr>
-              <a:t>.</a:t>
-            </a:r>
-          </a:p>
-        </p:txBody>
-      </p:sp>
-      <p:sp>
-        <p:nvSpPr>
-          <p:cNvPr id="9" name="CasellaDiTesto 8">
+              <a:t>SERVER</a:t>
+            </a:r>
+          </a:p>
+        </p:txBody>
+      </p:sp>
+      <p:sp>
+        <p:nvSpPr>
+          <p:cNvPr id="10" name="CasellaDiTesto 9">
             <a:extLst>
               <a:ext uri="{FF2B5EF4-FFF2-40B4-BE49-F238E27FC236}">
-                <a16:creationId xmlns:a16="http://schemas.microsoft.com/office/drawing/2014/main" id="{E11B0CC5-D1AA-4540-8561-B3DC04E2DD88}"/>
+                <a16:creationId xmlns:a16="http://schemas.microsoft.com/office/drawing/2014/main" id="{EB09F017-7D26-464E-ACF4-732B15EEF651}"/>
               </a:ext>
             </a:extLst>
           </p:cNvPr>
@@ -4797,9 +4343,9 @@
           <p:nvPr/>
         </p:nvSpPr>
         <p:spPr>
-          <a:xfrm rot="20493503">
-            <a:off x="4468895" y="2751040"/>
-            <a:ext cx="2841675" cy="276999"/>
+          <a:xfrm>
+            <a:off x="5765121" y="1670312"/>
+            <a:ext cx="1667444" cy="307777"/>
           </a:xfrm>
           <a:prstGeom prst="rect">
             <a:avLst/>
@@ -4813,20 +4359,20 @@
           <a:lstStyle/>
           <a:p>
             <a:r>
-              <a:rPr lang="it-IT" sz="1200" dirty="0">
+              <a:rPr lang="it-IT" sz="1400" dirty="0">
                 <a:latin typeface="Avenir Next LT Pro Light" panose="020B0304020202020204" pitchFamily="34" charset="0"/>
               </a:rPr>
-              <a:t>NOME FILE E PAROLA DA ELIMINARE</a:t>
-            </a:r>
-          </a:p>
-        </p:txBody>
-      </p:sp>
-      <p:sp>
-        <p:nvSpPr>
-          <p:cNvPr id="10" name="CasellaDiTesto 9">
+              <a:t>NOME DI UN FILE</a:t>
+            </a:r>
+          </a:p>
+        </p:txBody>
+      </p:sp>
+      <p:sp>
+        <p:nvSpPr>
+          <p:cNvPr id="11" name="CasellaDiTesto 10">
             <a:extLst>
               <a:ext uri="{FF2B5EF4-FFF2-40B4-BE49-F238E27FC236}">
-                <a16:creationId xmlns:a16="http://schemas.microsoft.com/office/drawing/2014/main" id="{5F9F1DF7-A19F-4B35-A374-3865835A1D7C}"/>
+                <a16:creationId xmlns:a16="http://schemas.microsoft.com/office/drawing/2014/main" id="{F8709EB3-BE0A-4540-B923-C6349E9E0860}"/>
               </a:ext>
             </a:extLst>
           </p:cNvPr>
@@ -4834,9 +4380,9 @@
           <p:nvPr/>
         </p:nvSpPr>
         <p:spPr>
-          <a:xfrm rot="1112277">
-            <a:off x="4668121" y="4549252"/>
-            <a:ext cx="3194208" cy="276999"/>
+          <a:xfrm>
+            <a:off x="4078127" y="3478311"/>
+            <a:ext cx="3061223" cy="307777"/>
           </a:xfrm>
           <a:prstGeom prst="rect">
             <a:avLst/>
@@ -4850,10 +4396,160 @@
           <a:lstStyle/>
           <a:p>
             <a:r>
-              <a:rPr lang="it-IT" sz="1200" dirty="0">
+              <a:rPr lang="it-IT" sz="1400" dirty="0">
                 <a:latin typeface="Avenir Next LT Pro Light" panose="020B0304020202020204" pitchFamily="34" charset="0"/>
               </a:rPr>
-              <a:t>OCCORRENZE ELIMINATE DELLA PAROLA</a:t>
+              <a:t>RICHIESTA CON IL NOME DEL FILE</a:t>
+            </a:r>
+          </a:p>
+        </p:txBody>
+      </p:sp>
+      <p:sp>
+        <p:nvSpPr>
+          <p:cNvPr id="12" name="CasellaDiTesto 11">
+            <a:extLst>
+              <a:ext uri="{FF2B5EF4-FFF2-40B4-BE49-F238E27FC236}">
+                <a16:creationId xmlns:a16="http://schemas.microsoft.com/office/drawing/2014/main" id="{6AFD7658-DE24-42CF-8463-709124F1AB3E}"/>
+              </a:ext>
+            </a:extLst>
+          </p:cNvPr>
+          <p:cNvSpPr txBox="1"/>
+          <p:nvPr/>
+        </p:nvSpPr>
+        <p:spPr>
+          <a:xfrm>
+            <a:off x="3700107" y="4682072"/>
+            <a:ext cx="756040" cy="577081"/>
+          </a:xfrm>
+          <a:prstGeom prst="rect">
+            <a:avLst/>
+          </a:prstGeom>
+          <a:noFill/>
+        </p:spPr>
+        <p:txBody>
+          <a:bodyPr wrap="square" rtlCol="0">
+            <a:spAutoFit/>
+          </a:bodyPr>
+          <a:lstStyle/>
+          <a:p>
+            <a:pPr algn="ctr"/>
+            <a:r>
+              <a:rPr lang="it-IT" sz="1050" dirty="0">
+                <a:latin typeface="Avenir Next LT Pro Light" panose="020B0304020202020204" pitchFamily="34" charset="0"/>
+              </a:rPr>
+              <a:t>IL FILE NON ESISTE</a:t>
+            </a:r>
+          </a:p>
+        </p:txBody>
+      </p:sp>
+      <p:sp>
+        <p:nvSpPr>
+          <p:cNvPr id="13" name="CasellaDiTesto 12">
+            <a:extLst>
+              <a:ext uri="{FF2B5EF4-FFF2-40B4-BE49-F238E27FC236}">
+                <a16:creationId xmlns:a16="http://schemas.microsoft.com/office/drawing/2014/main" id="{04BCECFC-7BBD-4CA2-AD41-DC483C71984C}"/>
+              </a:ext>
+            </a:extLst>
+          </p:cNvPr>
+          <p:cNvSpPr txBox="1"/>
+          <p:nvPr/>
+        </p:nvSpPr>
+        <p:spPr>
+          <a:xfrm>
+            <a:off x="3720490" y="5492509"/>
+            <a:ext cx="715274" cy="461665"/>
+          </a:xfrm>
+          <a:prstGeom prst="rect">
+            <a:avLst/>
+          </a:prstGeom>
+          <a:noFill/>
+        </p:spPr>
+        <p:txBody>
+          <a:bodyPr wrap="square" rtlCol="0">
+            <a:spAutoFit/>
+          </a:bodyPr>
+          <a:lstStyle/>
+          <a:p>
+            <a:pPr algn="ctr"/>
+            <a:r>
+              <a:rPr lang="it-IT" sz="1200" dirty="0">
+                <a:latin typeface="Avenir Next LT Pro Light" panose="020B0304020202020204" pitchFamily="34" charset="0"/>
+              </a:rPr>
+              <a:t>IL FILE ESISTE</a:t>
+            </a:r>
+          </a:p>
+        </p:txBody>
+      </p:sp>
+      <p:sp>
+        <p:nvSpPr>
+          <p:cNvPr id="14" name="CasellaDiTesto 13">
+            <a:extLst>
+              <a:ext uri="{FF2B5EF4-FFF2-40B4-BE49-F238E27FC236}">
+                <a16:creationId xmlns:a16="http://schemas.microsoft.com/office/drawing/2014/main" id="{A8E1ACA1-2751-47DF-9EB6-1E2F6A7BA8D9}"/>
+              </a:ext>
+            </a:extLst>
+          </p:cNvPr>
+          <p:cNvSpPr txBox="1"/>
+          <p:nvPr/>
+        </p:nvSpPr>
+        <p:spPr>
+          <a:xfrm>
+            <a:off x="6521939" y="4816723"/>
+            <a:ext cx="343364" cy="307777"/>
+          </a:xfrm>
+          <a:prstGeom prst="rect">
+            <a:avLst/>
+          </a:prstGeom>
+          <a:noFill/>
+        </p:spPr>
+        <p:txBody>
+          <a:bodyPr wrap="none" rtlCol="0">
+            <a:spAutoFit/>
+          </a:bodyPr>
+          <a:lstStyle/>
+          <a:p>
+            <a:r>
+              <a:rPr lang="it-IT" sz="1400" dirty="0">
+                <a:latin typeface="Avenir Next LT Pro Light" panose="020B0304020202020204" pitchFamily="34" charset="0"/>
+              </a:rPr>
+              <a:t>-1</a:t>
+            </a:r>
+          </a:p>
+        </p:txBody>
+      </p:sp>
+      <p:sp>
+        <p:nvSpPr>
+          <p:cNvPr id="15" name="CasellaDiTesto 14">
+            <a:extLst>
+              <a:ext uri="{FF2B5EF4-FFF2-40B4-BE49-F238E27FC236}">
+                <a16:creationId xmlns:a16="http://schemas.microsoft.com/office/drawing/2014/main" id="{6F11B218-3F67-4A93-B748-7D1BFD0F64D4}"/>
+              </a:ext>
+            </a:extLst>
+          </p:cNvPr>
+          <p:cNvSpPr txBox="1"/>
+          <p:nvPr/>
+        </p:nvSpPr>
+        <p:spPr>
+          <a:xfrm>
+            <a:off x="4819974" y="5631184"/>
+            <a:ext cx="4306628" cy="307777"/>
+          </a:xfrm>
+          <a:prstGeom prst="rect">
+            <a:avLst/>
+          </a:prstGeom>
+          <a:noFill/>
+        </p:spPr>
+        <p:txBody>
+          <a:bodyPr wrap="none" rtlCol="0">
+            <a:spAutoFit/>
+          </a:bodyPr>
+          <a:lstStyle/>
+          <a:p>
+            <a:r>
+              <a:rPr lang="it-IT" sz="1400" dirty="0">
+                <a:latin typeface="Avenir Next LT Pro Light" panose="020B0304020202020204" pitchFamily="34" charset="0"/>
+              </a:rPr>
+              <a:t>LUNGHEZZA DELLA PAROLA PIÙ LUNGA NEL FILE</a:t>
             </a:r>
           </a:p>
         </p:txBody>
@@ -4898,6 +4594,47 @@
       </p:grpSpPr>
       <p:sp>
         <p:nvSpPr>
+          <p:cNvPr id="2" name="Titolo 1">
+            <a:extLst>
+              <a:ext uri="{FF2B5EF4-FFF2-40B4-BE49-F238E27FC236}">
+                <a16:creationId xmlns:a16="http://schemas.microsoft.com/office/drawing/2014/main" id="{F1DDE7A4-1A5F-4F0D-B842-7798EDC6EDA8}"/>
+              </a:ext>
+            </a:extLst>
+          </p:cNvPr>
+          <p:cNvSpPr>
+            <a:spLocks noGrp="1"/>
+          </p:cNvSpPr>
+          <p:nvPr>
+            <p:ph type="title"/>
+          </p:nvPr>
+        </p:nvSpPr>
+        <p:spPr>
+          <a:xfrm>
+            <a:off x="166048" y="92077"/>
+            <a:ext cx="11859904" cy="911224"/>
+          </a:xfrm>
+        </p:spPr>
+        <p:txBody>
+          <a:bodyPr>
+            <a:normAutofit/>
+          </a:bodyPr>
+          <a:lstStyle/>
+          <a:p>
+            <a:pPr algn="ctr"/>
+            <a:r>
+              <a:rPr lang="it-IT" dirty="0">
+                <a:solidFill>
+                  <a:schemeClr val="bg1"/>
+                </a:solidFill>
+                <a:latin typeface="Avenir Next LT Pro Light" panose="020B0304020202020204" pitchFamily="34" charset="0"/>
+              </a:rPr>
+              <a:t>Codice Client UDP (1)</a:t>
+            </a:r>
+          </a:p>
+        </p:txBody>
+      </p:sp>
+      <p:sp>
+        <p:nvSpPr>
           <p:cNvPr id="3" name="Segnaposto numero diapositiva 2">
             <a:extLst>
               <a:ext uri="{FF2B5EF4-FFF2-40B4-BE49-F238E27FC236}">
@@ -4925,88 +4662,12 @@
           </a:p>
         </p:txBody>
       </p:sp>
-      <p:pic>
-        <p:nvPicPr>
-          <p:cNvPr id="12" name="Immagine 11">
+      <p:sp>
+        <p:nvSpPr>
+          <p:cNvPr id="5" name="CasellaDiTesto 4">
             <a:extLst>
               <a:ext uri="{FF2B5EF4-FFF2-40B4-BE49-F238E27FC236}">
-                <a16:creationId xmlns:a16="http://schemas.microsoft.com/office/drawing/2014/main" id="{453C418F-5F2B-4AEB-AA99-48DBC2CB23B9}"/>
-              </a:ext>
-            </a:extLst>
-          </p:cNvPr>
-          <p:cNvPicPr>
-            <a:picLocks noChangeAspect="1"/>
-          </p:cNvPicPr>
-          <p:nvPr/>
-        </p:nvPicPr>
-        <p:blipFill>
-          <a:blip r:embed="rId2">
-            <a:extLst>
-              <a:ext uri="{28A0092B-C50C-407E-A947-70E740481C1C}">
-                <a14:useLocalDpi xmlns:a14="http://schemas.microsoft.com/office/drawing/2010/main" val="0"/>
-              </a:ext>
-            </a:extLst>
-          </a:blip>
-          <a:srcRect/>
-          <a:stretch/>
-        </p:blipFill>
-        <p:spPr>
-          <a:xfrm>
-            <a:off x="0" y="0"/>
-            <a:ext cx="12191999" cy="6857999"/>
-          </a:xfrm>
-          <a:prstGeom prst="rect">
-            <a:avLst/>
-          </a:prstGeom>
-        </p:spPr>
-      </p:pic>
-      <p:sp>
-        <p:nvSpPr>
-          <p:cNvPr id="2" name="Titolo 1">
-            <a:extLst>
-              <a:ext uri="{FF2B5EF4-FFF2-40B4-BE49-F238E27FC236}">
-                <a16:creationId xmlns:a16="http://schemas.microsoft.com/office/drawing/2014/main" id="{F1DDE7A4-1A5F-4F0D-B842-7798EDC6EDA8}"/>
-              </a:ext>
-            </a:extLst>
-          </p:cNvPr>
-          <p:cNvSpPr>
-            <a:spLocks noGrp="1"/>
-          </p:cNvSpPr>
-          <p:nvPr>
-            <p:ph type="title"/>
-          </p:nvPr>
-        </p:nvSpPr>
-        <p:spPr>
-          <a:xfrm>
-            <a:off x="166048" y="92077"/>
-            <a:ext cx="11859904" cy="911224"/>
-          </a:xfrm>
-        </p:spPr>
-        <p:txBody>
-          <a:bodyPr>
-            <a:normAutofit/>
-          </a:bodyPr>
-          <a:lstStyle/>
-          <a:p>
-            <a:pPr algn="ctr"/>
-            <a:r>
-              <a:rPr lang="it-IT" dirty="0">
-                <a:solidFill>
-                  <a:schemeClr val="bg1"/>
-                </a:solidFill>
-                <a:latin typeface="Avenir Next LT Pro Light" panose="020B0304020202020204" pitchFamily="34" charset="0"/>
-              </a:rPr>
-              <a:t>Schema C/S con connessione (TCP)</a:t>
-            </a:r>
-          </a:p>
-        </p:txBody>
-      </p:sp>
-      <p:sp>
-        <p:nvSpPr>
-          <p:cNvPr id="4" name="CasellaDiTesto 3">
-            <a:extLst>
-              <a:ext uri="{FF2B5EF4-FFF2-40B4-BE49-F238E27FC236}">
-                <a16:creationId xmlns:a16="http://schemas.microsoft.com/office/drawing/2014/main" id="{51A3EC52-8BD5-4839-8BDB-B3223AA35C2B}"/>
+                <a16:creationId xmlns:a16="http://schemas.microsoft.com/office/drawing/2014/main" id="{16613504-0E07-4823-8604-71855244FD7C}"/>
               </a:ext>
             </a:extLst>
           </p:cNvPr>
@@ -5015,8 +4676,8 @@
         </p:nvSpPr>
         <p:spPr>
           <a:xfrm>
-            <a:off x="1938867" y="1244601"/>
-            <a:ext cx="800219" cy="369332"/>
+            <a:off x="503280" y="1171324"/>
+            <a:ext cx="11155320" cy="5048626"/>
           </a:xfrm>
           <a:prstGeom prst="rect">
             <a:avLst/>
@@ -5024,534 +4685,1590 @@
           <a:noFill/>
         </p:spPr>
         <p:txBody>
-          <a:bodyPr wrap="none" rtlCol="0">
+          <a:bodyPr wrap="square" rtlCol="0">
             <a:spAutoFit/>
           </a:bodyPr>
           <a:lstStyle/>
           <a:p>
-            <a:r>
-              <a:rPr lang="it-IT" dirty="0">
-                <a:latin typeface="Avenir Next LT Pro Light" panose="020B0304020202020204" pitchFamily="34" charset="0"/>
-              </a:rPr>
-              <a:t>Client</a:t>
-            </a:r>
-          </a:p>
-        </p:txBody>
-      </p:sp>
-      <p:sp>
-        <p:nvSpPr>
-          <p:cNvPr id="7" name="CasellaDiTesto 6">
+            <a:pPr>
+              <a:lnSpc>
+                <a:spcPct val="150000"/>
+              </a:lnSpc>
+              <a:spcAft>
+                <a:spcPts val="0"/>
+              </a:spcAft>
+            </a:pPr>
+            <a:r>
+              <a:rPr lang="it-IT" sz="1200" dirty="0" err="1">
+                <a:solidFill>
+                  <a:srgbClr val="DCDCAA"/>
+                </a:solidFill>
+                <a:latin typeface="Consolas" panose="020B0609020204030204" pitchFamily="49" charset="0"/>
+                <a:ea typeface="Times New Roman" panose="02020603050405020304" pitchFamily="18" charset="0"/>
+                <a:cs typeface="Times New Roman" panose="02020603050405020304" pitchFamily="18" charset="0"/>
+              </a:rPr>
+              <a:t>printf</a:t>
+            </a:r>
+            <a:r>
+              <a:rPr lang="it-IT" sz="1200" dirty="0">
+                <a:solidFill>
+                  <a:srgbClr val="D4D4D4"/>
+                </a:solidFill>
+                <a:latin typeface="Consolas" panose="020B0609020204030204" pitchFamily="49" charset="0"/>
+                <a:ea typeface="Times New Roman" panose="02020603050405020304" pitchFamily="18" charset="0"/>
+                <a:cs typeface="Times New Roman" panose="02020603050405020304" pitchFamily="18" charset="0"/>
+              </a:rPr>
+              <a:t>(</a:t>
+            </a:r>
+            <a:r>
+              <a:rPr lang="it-IT" sz="1200" dirty="0">
+                <a:solidFill>
+                  <a:srgbClr val="CE9178"/>
+                </a:solidFill>
+                <a:latin typeface="Consolas" panose="020B0609020204030204" pitchFamily="49" charset="0"/>
+                <a:ea typeface="Times New Roman" panose="02020603050405020304" pitchFamily="18" charset="0"/>
+                <a:cs typeface="Times New Roman" panose="02020603050405020304" pitchFamily="18" charset="0"/>
+              </a:rPr>
+              <a:t>"Inserire il nome di un file o EOF (CTRL + D) per terminare: "</a:t>
+            </a:r>
+            <a:r>
+              <a:rPr lang="it-IT" sz="1200" dirty="0">
+                <a:solidFill>
+                  <a:srgbClr val="D4D4D4"/>
+                </a:solidFill>
+                <a:latin typeface="Consolas" panose="020B0609020204030204" pitchFamily="49" charset="0"/>
+                <a:ea typeface="Times New Roman" panose="02020603050405020304" pitchFamily="18" charset="0"/>
+                <a:cs typeface="Times New Roman" panose="02020603050405020304" pitchFamily="18" charset="0"/>
+              </a:rPr>
+              <a:t>);</a:t>
+            </a:r>
+            <a:endParaRPr lang="it-IT" sz="1200" dirty="0">
+              <a:solidFill>
+                <a:srgbClr val="C586C0"/>
+              </a:solidFill>
+              <a:latin typeface="Consolas" panose="020B0609020204030204" pitchFamily="49" charset="0"/>
+              <a:ea typeface="Times New Roman" panose="02020603050405020304" pitchFamily="18" charset="0"/>
+              <a:cs typeface="Times New Roman" panose="02020603050405020304" pitchFamily="18" charset="0"/>
+            </a:endParaRPr>
+          </a:p>
+          <a:p>
+            <a:pPr>
+              <a:lnSpc>
+                <a:spcPct val="150000"/>
+              </a:lnSpc>
+              <a:spcAft>
+                <a:spcPts val="0"/>
+              </a:spcAft>
+            </a:pPr>
+            <a:endParaRPr lang="it-IT" sz="1200" dirty="0">
+              <a:solidFill>
+                <a:srgbClr val="C586C0"/>
+              </a:solidFill>
+              <a:latin typeface="Consolas" panose="020B0609020204030204" pitchFamily="49" charset="0"/>
+              <a:ea typeface="Times New Roman" panose="02020603050405020304" pitchFamily="18" charset="0"/>
+              <a:cs typeface="Times New Roman" panose="02020603050405020304" pitchFamily="18" charset="0"/>
+            </a:endParaRPr>
+          </a:p>
+          <a:p>
+            <a:pPr>
+              <a:lnSpc>
+                <a:spcPct val="150000"/>
+              </a:lnSpc>
+              <a:spcAft>
+                <a:spcPts val="0"/>
+              </a:spcAft>
+            </a:pPr>
+            <a:r>
+              <a:rPr lang="it-IT" sz="1200" dirty="0" err="1">
+                <a:solidFill>
+                  <a:srgbClr val="C586C0"/>
+                </a:solidFill>
+                <a:latin typeface="Consolas" panose="020B0609020204030204" pitchFamily="49" charset="0"/>
+                <a:ea typeface="Times New Roman" panose="02020603050405020304" pitchFamily="18" charset="0"/>
+                <a:cs typeface="Times New Roman" panose="02020603050405020304" pitchFamily="18" charset="0"/>
+              </a:rPr>
+              <a:t>while</a:t>
+            </a:r>
+            <a:r>
+              <a:rPr lang="it-IT" sz="1200" dirty="0">
+                <a:solidFill>
+                  <a:srgbClr val="D4D4D4"/>
+                </a:solidFill>
+                <a:latin typeface="Consolas" panose="020B0609020204030204" pitchFamily="49" charset="0"/>
+                <a:ea typeface="Times New Roman" panose="02020603050405020304" pitchFamily="18" charset="0"/>
+                <a:cs typeface="Times New Roman" panose="02020603050405020304" pitchFamily="18" charset="0"/>
+              </a:rPr>
+              <a:t> (</a:t>
+            </a:r>
+            <a:r>
+              <a:rPr lang="it-IT" sz="1200" dirty="0" err="1">
+                <a:solidFill>
+                  <a:srgbClr val="DCDCAA"/>
+                </a:solidFill>
+                <a:latin typeface="Consolas" panose="020B0609020204030204" pitchFamily="49" charset="0"/>
+                <a:ea typeface="Times New Roman" panose="02020603050405020304" pitchFamily="18" charset="0"/>
+                <a:cs typeface="Times New Roman" panose="02020603050405020304" pitchFamily="18" charset="0"/>
+              </a:rPr>
+              <a:t>gets</a:t>
+            </a:r>
+            <a:r>
+              <a:rPr lang="it-IT" sz="1200" dirty="0">
+                <a:solidFill>
+                  <a:srgbClr val="D4D4D4"/>
+                </a:solidFill>
+                <a:latin typeface="Consolas" panose="020B0609020204030204" pitchFamily="49" charset="0"/>
+                <a:ea typeface="Times New Roman" panose="02020603050405020304" pitchFamily="18" charset="0"/>
+                <a:cs typeface="Times New Roman" panose="02020603050405020304" pitchFamily="18" charset="0"/>
+              </a:rPr>
+              <a:t>(</a:t>
+            </a:r>
+            <a:r>
+              <a:rPr lang="it-IT" sz="1200" dirty="0" err="1">
+                <a:solidFill>
+                  <a:srgbClr val="D4D4D4"/>
+                </a:solidFill>
+                <a:latin typeface="Consolas" panose="020B0609020204030204" pitchFamily="49" charset="0"/>
+                <a:ea typeface="Times New Roman" panose="02020603050405020304" pitchFamily="18" charset="0"/>
+                <a:cs typeface="Times New Roman" panose="02020603050405020304" pitchFamily="18" charset="0"/>
+              </a:rPr>
+              <a:t>fileName</a:t>
+            </a:r>
+            <a:r>
+              <a:rPr lang="it-IT" sz="1200" dirty="0">
+                <a:solidFill>
+                  <a:srgbClr val="D4D4D4"/>
+                </a:solidFill>
+                <a:latin typeface="Consolas" panose="020B0609020204030204" pitchFamily="49" charset="0"/>
+                <a:ea typeface="Times New Roman" panose="02020603050405020304" pitchFamily="18" charset="0"/>
+                <a:cs typeface="Times New Roman" panose="02020603050405020304" pitchFamily="18" charset="0"/>
+              </a:rPr>
+              <a:t>)) {</a:t>
+            </a:r>
+            <a:endParaRPr lang="it-IT" sz="1200" dirty="0">
+              <a:latin typeface="Consolas" panose="020B0609020204030204" pitchFamily="49" charset="0"/>
+              <a:ea typeface="Calibri" panose="020F0502020204030204" pitchFamily="34" charset="0"/>
+              <a:cs typeface="Times New Roman" panose="02020603050405020304" pitchFamily="18" charset="0"/>
+            </a:endParaRPr>
+          </a:p>
+          <a:p>
+            <a:pPr>
+              <a:lnSpc>
+                <a:spcPct val="150000"/>
+              </a:lnSpc>
+              <a:spcAft>
+                <a:spcPts val="0"/>
+              </a:spcAft>
+            </a:pPr>
+            <a:r>
+              <a:rPr lang="it-IT" sz="1200" dirty="0">
+                <a:solidFill>
+                  <a:srgbClr val="D4D4D4"/>
+                </a:solidFill>
+                <a:latin typeface="Consolas" panose="020B0609020204030204" pitchFamily="49" charset="0"/>
+                <a:ea typeface="Times New Roman" panose="02020603050405020304" pitchFamily="18" charset="0"/>
+                <a:cs typeface="Times New Roman" panose="02020603050405020304" pitchFamily="18" charset="0"/>
+              </a:rPr>
+              <a:t>        </a:t>
+            </a:r>
+            <a:r>
+              <a:rPr lang="it-IT" sz="1200" dirty="0" err="1">
+                <a:solidFill>
+                  <a:srgbClr val="D4D4D4"/>
+                </a:solidFill>
+                <a:latin typeface="Consolas" panose="020B0609020204030204" pitchFamily="49" charset="0"/>
+                <a:ea typeface="Times New Roman" panose="02020603050405020304" pitchFamily="18" charset="0"/>
+                <a:cs typeface="Times New Roman" panose="02020603050405020304" pitchFamily="18" charset="0"/>
+              </a:rPr>
+              <a:t>nameLength</a:t>
+            </a:r>
+            <a:r>
+              <a:rPr lang="it-IT" sz="1200" dirty="0">
+                <a:solidFill>
+                  <a:srgbClr val="D4D4D4"/>
+                </a:solidFill>
+                <a:latin typeface="Consolas" panose="020B0609020204030204" pitchFamily="49" charset="0"/>
+                <a:ea typeface="Times New Roman" panose="02020603050405020304" pitchFamily="18" charset="0"/>
+                <a:cs typeface="Times New Roman" panose="02020603050405020304" pitchFamily="18" charset="0"/>
+              </a:rPr>
+              <a:t> = </a:t>
+            </a:r>
+            <a:r>
+              <a:rPr lang="it-IT" sz="1200" dirty="0" err="1">
+                <a:solidFill>
+                  <a:srgbClr val="DCDCAA"/>
+                </a:solidFill>
+                <a:latin typeface="Consolas" panose="020B0609020204030204" pitchFamily="49" charset="0"/>
+                <a:ea typeface="Times New Roman" panose="02020603050405020304" pitchFamily="18" charset="0"/>
+                <a:cs typeface="Times New Roman" panose="02020603050405020304" pitchFamily="18" charset="0"/>
+              </a:rPr>
+              <a:t>strlen</a:t>
+            </a:r>
+            <a:r>
+              <a:rPr lang="it-IT" sz="1200" dirty="0">
+                <a:solidFill>
+                  <a:srgbClr val="D4D4D4"/>
+                </a:solidFill>
+                <a:latin typeface="Consolas" panose="020B0609020204030204" pitchFamily="49" charset="0"/>
+                <a:ea typeface="Times New Roman" panose="02020603050405020304" pitchFamily="18" charset="0"/>
+                <a:cs typeface="Times New Roman" panose="02020603050405020304" pitchFamily="18" charset="0"/>
+              </a:rPr>
+              <a:t>(</a:t>
+            </a:r>
+            <a:r>
+              <a:rPr lang="it-IT" sz="1200" dirty="0" err="1">
+                <a:solidFill>
+                  <a:srgbClr val="D4D4D4"/>
+                </a:solidFill>
+                <a:latin typeface="Consolas" panose="020B0609020204030204" pitchFamily="49" charset="0"/>
+                <a:ea typeface="Times New Roman" panose="02020603050405020304" pitchFamily="18" charset="0"/>
+                <a:cs typeface="Times New Roman" panose="02020603050405020304" pitchFamily="18" charset="0"/>
+              </a:rPr>
+              <a:t>fileName</a:t>
+            </a:r>
+            <a:r>
+              <a:rPr lang="it-IT" sz="1200" dirty="0">
+                <a:solidFill>
+                  <a:srgbClr val="D4D4D4"/>
+                </a:solidFill>
+                <a:latin typeface="Consolas" panose="020B0609020204030204" pitchFamily="49" charset="0"/>
+                <a:ea typeface="Times New Roman" panose="02020603050405020304" pitchFamily="18" charset="0"/>
+                <a:cs typeface="Times New Roman" panose="02020603050405020304" pitchFamily="18" charset="0"/>
+              </a:rPr>
+              <a:t>);</a:t>
+            </a:r>
+            <a:endParaRPr lang="it-IT" sz="1200" dirty="0">
+              <a:latin typeface="Consolas" panose="020B0609020204030204" pitchFamily="49" charset="0"/>
+              <a:ea typeface="Calibri" panose="020F0502020204030204" pitchFamily="34" charset="0"/>
+              <a:cs typeface="Times New Roman" panose="02020603050405020304" pitchFamily="18" charset="0"/>
+            </a:endParaRPr>
+          </a:p>
+          <a:p>
+            <a:pPr>
+              <a:lnSpc>
+                <a:spcPct val="150000"/>
+              </a:lnSpc>
+              <a:spcAft>
+                <a:spcPts val="0"/>
+              </a:spcAft>
+            </a:pPr>
+            <a:r>
+              <a:rPr lang="it-IT" sz="1200" dirty="0">
+                <a:solidFill>
+                  <a:srgbClr val="D4D4D4"/>
+                </a:solidFill>
+                <a:latin typeface="Consolas" panose="020B0609020204030204" pitchFamily="49" charset="0"/>
+                <a:ea typeface="Times New Roman" panose="02020603050405020304" pitchFamily="18" charset="0"/>
+                <a:cs typeface="Times New Roman" panose="02020603050405020304" pitchFamily="18" charset="0"/>
+              </a:rPr>
+              <a:t>        </a:t>
+            </a:r>
+            <a:r>
+              <a:rPr lang="it-IT" sz="1200" dirty="0" err="1">
+                <a:solidFill>
+                  <a:srgbClr val="C586C0"/>
+                </a:solidFill>
+                <a:latin typeface="Consolas" panose="020B0609020204030204" pitchFamily="49" charset="0"/>
+                <a:ea typeface="Times New Roman" panose="02020603050405020304" pitchFamily="18" charset="0"/>
+                <a:cs typeface="Times New Roman" panose="02020603050405020304" pitchFamily="18" charset="0"/>
+              </a:rPr>
+              <a:t>if</a:t>
+            </a:r>
+            <a:r>
+              <a:rPr lang="it-IT" sz="1200" dirty="0">
+                <a:solidFill>
+                  <a:srgbClr val="C586C0"/>
+                </a:solidFill>
+                <a:latin typeface="Consolas" panose="020B0609020204030204" pitchFamily="49" charset="0"/>
+                <a:ea typeface="Times New Roman" panose="02020603050405020304" pitchFamily="18" charset="0"/>
+                <a:cs typeface="Times New Roman" panose="02020603050405020304" pitchFamily="18" charset="0"/>
+              </a:rPr>
+              <a:t> </a:t>
+            </a:r>
+            <a:r>
+              <a:rPr lang="it-IT" sz="1200" dirty="0">
+                <a:solidFill>
+                  <a:srgbClr val="D4D4D4"/>
+                </a:solidFill>
+                <a:latin typeface="Consolas" panose="020B0609020204030204" pitchFamily="49" charset="0"/>
+                <a:ea typeface="Times New Roman" panose="02020603050405020304" pitchFamily="18" charset="0"/>
+                <a:cs typeface="Times New Roman" panose="02020603050405020304" pitchFamily="18" charset="0"/>
+              </a:rPr>
+              <a:t>(</a:t>
+            </a:r>
+            <a:r>
+              <a:rPr lang="it-IT" sz="1200" dirty="0" err="1">
+                <a:solidFill>
+                  <a:srgbClr val="D4D4D4"/>
+                </a:solidFill>
+                <a:latin typeface="Consolas" panose="020B0609020204030204" pitchFamily="49" charset="0"/>
+                <a:ea typeface="Times New Roman" panose="02020603050405020304" pitchFamily="18" charset="0"/>
+                <a:cs typeface="Times New Roman" panose="02020603050405020304" pitchFamily="18" charset="0"/>
+              </a:rPr>
+              <a:t>nameLength</a:t>
+            </a:r>
+            <a:r>
+              <a:rPr lang="it-IT" sz="1200" dirty="0">
+                <a:solidFill>
+                  <a:srgbClr val="D4D4D4"/>
+                </a:solidFill>
+                <a:latin typeface="Consolas" panose="020B0609020204030204" pitchFamily="49" charset="0"/>
+                <a:ea typeface="Times New Roman" panose="02020603050405020304" pitchFamily="18" charset="0"/>
+                <a:cs typeface="Times New Roman" panose="02020603050405020304" pitchFamily="18" charset="0"/>
+              </a:rPr>
+              <a:t> &gt; </a:t>
+            </a:r>
+            <a:r>
+              <a:rPr lang="it-IT" sz="1200" dirty="0">
+                <a:solidFill>
+                  <a:srgbClr val="B5CEA8"/>
+                </a:solidFill>
+                <a:latin typeface="Consolas" panose="020B0609020204030204" pitchFamily="49" charset="0"/>
+                <a:ea typeface="Times New Roman" panose="02020603050405020304" pitchFamily="18" charset="0"/>
+                <a:cs typeface="Times New Roman" panose="02020603050405020304" pitchFamily="18" charset="0"/>
+              </a:rPr>
+              <a:t>4</a:t>
+            </a:r>
+            <a:endParaRPr lang="it-IT" sz="1200" dirty="0">
+              <a:latin typeface="Consolas" panose="020B0609020204030204" pitchFamily="49" charset="0"/>
+              <a:ea typeface="Calibri" panose="020F0502020204030204" pitchFamily="34" charset="0"/>
+              <a:cs typeface="Times New Roman" panose="02020603050405020304" pitchFamily="18" charset="0"/>
+            </a:endParaRPr>
+          </a:p>
+          <a:p>
+            <a:pPr>
+              <a:lnSpc>
+                <a:spcPct val="150000"/>
+              </a:lnSpc>
+              <a:spcAft>
+                <a:spcPts val="0"/>
+              </a:spcAft>
+            </a:pPr>
+            <a:r>
+              <a:rPr lang="it-IT" sz="1200" dirty="0">
+                <a:solidFill>
+                  <a:srgbClr val="D4D4D4"/>
+                </a:solidFill>
+                <a:latin typeface="Consolas" panose="020B0609020204030204" pitchFamily="49" charset="0"/>
+                <a:ea typeface="Times New Roman" panose="02020603050405020304" pitchFamily="18" charset="0"/>
+                <a:cs typeface="Times New Roman" panose="02020603050405020304" pitchFamily="18" charset="0"/>
+              </a:rPr>
+              <a:t>            &amp;&amp; </a:t>
+            </a:r>
+            <a:r>
+              <a:rPr lang="it-IT" sz="1200" dirty="0" err="1">
+                <a:solidFill>
+                  <a:srgbClr val="9CDCFE"/>
+                </a:solidFill>
+                <a:latin typeface="Consolas" panose="020B0609020204030204" pitchFamily="49" charset="0"/>
+                <a:ea typeface="Times New Roman" panose="02020603050405020304" pitchFamily="18" charset="0"/>
+                <a:cs typeface="Times New Roman" panose="02020603050405020304" pitchFamily="18" charset="0"/>
+              </a:rPr>
+              <a:t>fileName</a:t>
+            </a:r>
+            <a:r>
+              <a:rPr lang="it-IT" sz="1200" dirty="0">
+                <a:solidFill>
+                  <a:srgbClr val="D4D4D4"/>
+                </a:solidFill>
+                <a:latin typeface="Consolas" panose="020B0609020204030204" pitchFamily="49" charset="0"/>
+                <a:ea typeface="Times New Roman" panose="02020603050405020304" pitchFamily="18" charset="0"/>
+                <a:cs typeface="Times New Roman" panose="02020603050405020304" pitchFamily="18" charset="0"/>
+              </a:rPr>
+              <a:t>[nameLength-</a:t>
+            </a:r>
+            <a:r>
+              <a:rPr lang="it-IT" sz="1200" dirty="0">
+                <a:solidFill>
+                  <a:srgbClr val="B5CEA8"/>
+                </a:solidFill>
+                <a:latin typeface="Consolas" panose="020B0609020204030204" pitchFamily="49" charset="0"/>
+                <a:ea typeface="Times New Roman" panose="02020603050405020304" pitchFamily="18" charset="0"/>
+                <a:cs typeface="Times New Roman" panose="02020603050405020304" pitchFamily="18" charset="0"/>
+              </a:rPr>
+              <a:t>4</a:t>
+            </a:r>
+            <a:r>
+              <a:rPr lang="it-IT" sz="1200" dirty="0">
+                <a:solidFill>
+                  <a:srgbClr val="D4D4D4"/>
+                </a:solidFill>
+                <a:latin typeface="Consolas" panose="020B0609020204030204" pitchFamily="49" charset="0"/>
+                <a:ea typeface="Times New Roman" panose="02020603050405020304" pitchFamily="18" charset="0"/>
+                <a:cs typeface="Times New Roman" panose="02020603050405020304" pitchFamily="18" charset="0"/>
+              </a:rPr>
+              <a:t>] == </a:t>
+            </a:r>
+            <a:r>
+              <a:rPr lang="it-IT" sz="1200" dirty="0">
+                <a:solidFill>
+                  <a:srgbClr val="CE9178"/>
+                </a:solidFill>
+                <a:latin typeface="Consolas" panose="020B0609020204030204" pitchFamily="49" charset="0"/>
+                <a:ea typeface="Times New Roman" panose="02020603050405020304" pitchFamily="18" charset="0"/>
+                <a:cs typeface="Times New Roman" panose="02020603050405020304" pitchFamily="18" charset="0"/>
+              </a:rPr>
+              <a:t>'.'</a:t>
+            </a:r>
+            <a:endParaRPr lang="it-IT" sz="1200" dirty="0">
+              <a:latin typeface="Consolas" panose="020B0609020204030204" pitchFamily="49" charset="0"/>
+              <a:ea typeface="Calibri" panose="020F0502020204030204" pitchFamily="34" charset="0"/>
+              <a:cs typeface="Times New Roman" panose="02020603050405020304" pitchFamily="18" charset="0"/>
+            </a:endParaRPr>
+          </a:p>
+          <a:p>
+            <a:pPr>
+              <a:lnSpc>
+                <a:spcPct val="150000"/>
+              </a:lnSpc>
+              <a:spcAft>
+                <a:spcPts val="0"/>
+              </a:spcAft>
+            </a:pPr>
+            <a:r>
+              <a:rPr lang="it-IT" sz="1200" dirty="0">
+                <a:solidFill>
+                  <a:srgbClr val="D4D4D4"/>
+                </a:solidFill>
+                <a:latin typeface="Consolas" panose="020B0609020204030204" pitchFamily="49" charset="0"/>
+                <a:ea typeface="Times New Roman" panose="02020603050405020304" pitchFamily="18" charset="0"/>
+                <a:cs typeface="Times New Roman" panose="02020603050405020304" pitchFamily="18" charset="0"/>
+              </a:rPr>
+              <a:t>            &amp;&amp; </a:t>
+            </a:r>
+            <a:r>
+              <a:rPr lang="it-IT" sz="1200" dirty="0" err="1">
+                <a:solidFill>
+                  <a:srgbClr val="9CDCFE"/>
+                </a:solidFill>
+                <a:latin typeface="Consolas" panose="020B0609020204030204" pitchFamily="49" charset="0"/>
+                <a:ea typeface="Times New Roman" panose="02020603050405020304" pitchFamily="18" charset="0"/>
+                <a:cs typeface="Times New Roman" panose="02020603050405020304" pitchFamily="18" charset="0"/>
+              </a:rPr>
+              <a:t>fileName</a:t>
+            </a:r>
+            <a:r>
+              <a:rPr lang="it-IT" sz="1200" dirty="0">
+                <a:solidFill>
+                  <a:srgbClr val="D4D4D4"/>
+                </a:solidFill>
+                <a:latin typeface="Consolas" panose="020B0609020204030204" pitchFamily="49" charset="0"/>
+                <a:ea typeface="Times New Roman" panose="02020603050405020304" pitchFamily="18" charset="0"/>
+                <a:cs typeface="Times New Roman" panose="02020603050405020304" pitchFamily="18" charset="0"/>
+              </a:rPr>
+              <a:t>[nameLength-</a:t>
+            </a:r>
+            <a:r>
+              <a:rPr lang="it-IT" sz="1200" dirty="0">
+                <a:solidFill>
+                  <a:srgbClr val="B5CEA8"/>
+                </a:solidFill>
+                <a:latin typeface="Consolas" panose="020B0609020204030204" pitchFamily="49" charset="0"/>
+                <a:ea typeface="Times New Roman" panose="02020603050405020304" pitchFamily="18" charset="0"/>
+                <a:cs typeface="Times New Roman" panose="02020603050405020304" pitchFamily="18" charset="0"/>
+              </a:rPr>
+              <a:t>3</a:t>
+            </a:r>
+            <a:r>
+              <a:rPr lang="it-IT" sz="1200" dirty="0">
+                <a:solidFill>
+                  <a:srgbClr val="D4D4D4"/>
+                </a:solidFill>
+                <a:latin typeface="Consolas" panose="020B0609020204030204" pitchFamily="49" charset="0"/>
+                <a:ea typeface="Times New Roman" panose="02020603050405020304" pitchFamily="18" charset="0"/>
+                <a:cs typeface="Times New Roman" panose="02020603050405020304" pitchFamily="18" charset="0"/>
+              </a:rPr>
+              <a:t>] == </a:t>
+            </a:r>
+            <a:r>
+              <a:rPr lang="it-IT" sz="1200" dirty="0">
+                <a:solidFill>
+                  <a:srgbClr val="CE9178"/>
+                </a:solidFill>
+                <a:latin typeface="Consolas" panose="020B0609020204030204" pitchFamily="49" charset="0"/>
+                <a:ea typeface="Times New Roman" panose="02020603050405020304" pitchFamily="18" charset="0"/>
+                <a:cs typeface="Times New Roman" panose="02020603050405020304" pitchFamily="18" charset="0"/>
+              </a:rPr>
+              <a:t>'t'</a:t>
+            </a:r>
+            <a:endParaRPr lang="it-IT" sz="1200" dirty="0">
+              <a:latin typeface="Consolas" panose="020B0609020204030204" pitchFamily="49" charset="0"/>
+              <a:ea typeface="Calibri" panose="020F0502020204030204" pitchFamily="34" charset="0"/>
+              <a:cs typeface="Times New Roman" panose="02020603050405020304" pitchFamily="18" charset="0"/>
+            </a:endParaRPr>
+          </a:p>
+          <a:p>
+            <a:pPr>
+              <a:lnSpc>
+                <a:spcPct val="150000"/>
+              </a:lnSpc>
+              <a:spcAft>
+                <a:spcPts val="0"/>
+              </a:spcAft>
+            </a:pPr>
+            <a:r>
+              <a:rPr lang="it-IT" sz="1200" dirty="0">
+                <a:solidFill>
+                  <a:srgbClr val="D4D4D4"/>
+                </a:solidFill>
+                <a:latin typeface="Consolas" panose="020B0609020204030204" pitchFamily="49" charset="0"/>
+                <a:ea typeface="Times New Roman" panose="02020603050405020304" pitchFamily="18" charset="0"/>
+                <a:cs typeface="Times New Roman" panose="02020603050405020304" pitchFamily="18" charset="0"/>
+              </a:rPr>
+              <a:t>            &amp;&amp; </a:t>
+            </a:r>
+            <a:r>
+              <a:rPr lang="it-IT" sz="1200" dirty="0" err="1">
+                <a:solidFill>
+                  <a:srgbClr val="9CDCFE"/>
+                </a:solidFill>
+                <a:latin typeface="Consolas" panose="020B0609020204030204" pitchFamily="49" charset="0"/>
+                <a:ea typeface="Times New Roman" panose="02020603050405020304" pitchFamily="18" charset="0"/>
+                <a:cs typeface="Times New Roman" panose="02020603050405020304" pitchFamily="18" charset="0"/>
+              </a:rPr>
+              <a:t>fileName</a:t>
+            </a:r>
+            <a:r>
+              <a:rPr lang="it-IT" sz="1200" dirty="0">
+                <a:solidFill>
+                  <a:srgbClr val="D4D4D4"/>
+                </a:solidFill>
+                <a:latin typeface="Consolas" panose="020B0609020204030204" pitchFamily="49" charset="0"/>
+                <a:ea typeface="Times New Roman" panose="02020603050405020304" pitchFamily="18" charset="0"/>
+                <a:cs typeface="Times New Roman" panose="02020603050405020304" pitchFamily="18" charset="0"/>
+              </a:rPr>
+              <a:t>[nameLength-</a:t>
+            </a:r>
+            <a:r>
+              <a:rPr lang="it-IT" sz="1200" dirty="0">
+                <a:solidFill>
+                  <a:srgbClr val="B5CEA8"/>
+                </a:solidFill>
+                <a:latin typeface="Consolas" panose="020B0609020204030204" pitchFamily="49" charset="0"/>
+                <a:ea typeface="Times New Roman" panose="02020603050405020304" pitchFamily="18" charset="0"/>
+                <a:cs typeface="Times New Roman" panose="02020603050405020304" pitchFamily="18" charset="0"/>
+              </a:rPr>
+              <a:t>2</a:t>
+            </a:r>
+            <a:r>
+              <a:rPr lang="it-IT" sz="1200" dirty="0">
+                <a:solidFill>
+                  <a:srgbClr val="D4D4D4"/>
+                </a:solidFill>
+                <a:latin typeface="Consolas" panose="020B0609020204030204" pitchFamily="49" charset="0"/>
+                <a:ea typeface="Times New Roman" panose="02020603050405020304" pitchFamily="18" charset="0"/>
+                <a:cs typeface="Times New Roman" panose="02020603050405020304" pitchFamily="18" charset="0"/>
+              </a:rPr>
+              <a:t>] == </a:t>
+            </a:r>
+            <a:r>
+              <a:rPr lang="it-IT" sz="1200" dirty="0">
+                <a:solidFill>
+                  <a:srgbClr val="CE9178"/>
+                </a:solidFill>
+                <a:latin typeface="Consolas" panose="020B0609020204030204" pitchFamily="49" charset="0"/>
+                <a:ea typeface="Times New Roman" panose="02020603050405020304" pitchFamily="18" charset="0"/>
+                <a:cs typeface="Times New Roman" panose="02020603050405020304" pitchFamily="18" charset="0"/>
+              </a:rPr>
+              <a:t>'x'</a:t>
+            </a:r>
+            <a:endParaRPr lang="it-IT" sz="1200" dirty="0">
+              <a:latin typeface="Consolas" panose="020B0609020204030204" pitchFamily="49" charset="0"/>
+              <a:ea typeface="Calibri" panose="020F0502020204030204" pitchFamily="34" charset="0"/>
+              <a:cs typeface="Times New Roman" panose="02020603050405020304" pitchFamily="18" charset="0"/>
+            </a:endParaRPr>
+          </a:p>
+          <a:p>
+            <a:pPr>
+              <a:lnSpc>
+                <a:spcPct val="150000"/>
+              </a:lnSpc>
+              <a:spcAft>
+                <a:spcPts val="0"/>
+              </a:spcAft>
+            </a:pPr>
+            <a:r>
+              <a:rPr lang="it-IT" sz="1200" dirty="0">
+                <a:solidFill>
+                  <a:srgbClr val="D4D4D4"/>
+                </a:solidFill>
+                <a:latin typeface="Consolas" panose="020B0609020204030204" pitchFamily="49" charset="0"/>
+                <a:ea typeface="Times New Roman" panose="02020603050405020304" pitchFamily="18" charset="0"/>
+                <a:cs typeface="Times New Roman" panose="02020603050405020304" pitchFamily="18" charset="0"/>
+              </a:rPr>
+              <a:t>            &amp;&amp; </a:t>
+            </a:r>
+            <a:r>
+              <a:rPr lang="it-IT" sz="1200" dirty="0" err="1">
+                <a:solidFill>
+                  <a:srgbClr val="9CDCFE"/>
+                </a:solidFill>
+                <a:latin typeface="Consolas" panose="020B0609020204030204" pitchFamily="49" charset="0"/>
+                <a:ea typeface="Times New Roman" panose="02020603050405020304" pitchFamily="18" charset="0"/>
+                <a:cs typeface="Times New Roman" panose="02020603050405020304" pitchFamily="18" charset="0"/>
+              </a:rPr>
+              <a:t>fileName</a:t>
+            </a:r>
+            <a:r>
+              <a:rPr lang="it-IT" sz="1200" dirty="0">
+                <a:solidFill>
+                  <a:srgbClr val="D4D4D4"/>
+                </a:solidFill>
+                <a:latin typeface="Consolas" panose="020B0609020204030204" pitchFamily="49" charset="0"/>
+                <a:ea typeface="Times New Roman" panose="02020603050405020304" pitchFamily="18" charset="0"/>
+                <a:cs typeface="Times New Roman" panose="02020603050405020304" pitchFamily="18" charset="0"/>
+              </a:rPr>
+              <a:t>[nameLength-</a:t>
+            </a:r>
+            <a:r>
+              <a:rPr lang="it-IT" sz="1200" dirty="0">
+                <a:solidFill>
+                  <a:srgbClr val="B5CEA8"/>
+                </a:solidFill>
+                <a:latin typeface="Consolas" panose="020B0609020204030204" pitchFamily="49" charset="0"/>
+                <a:ea typeface="Times New Roman" panose="02020603050405020304" pitchFamily="18" charset="0"/>
+                <a:cs typeface="Times New Roman" panose="02020603050405020304" pitchFamily="18" charset="0"/>
+              </a:rPr>
+              <a:t>1</a:t>
+            </a:r>
+            <a:r>
+              <a:rPr lang="it-IT" sz="1200" dirty="0">
+                <a:solidFill>
+                  <a:srgbClr val="D4D4D4"/>
+                </a:solidFill>
+                <a:latin typeface="Consolas" panose="020B0609020204030204" pitchFamily="49" charset="0"/>
+                <a:ea typeface="Times New Roman" panose="02020603050405020304" pitchFamily="18" charset="0"/>
+                <a:cs typeface="Times New Roman" panose="02020603050405020304" pitchFamily="18" charset="0"/>
+              </a:rPr>
+              <a:t>] == </a:t>
+            </a:r>
+            <a:r>
+              <a:rPr lang="it-IT" sz="1200" dirty="0">
+                <a:solidFill>
+                  <a:srgbClr val="CE9178"/>
+                </a:solidFill>
+                <a:latin typeface="Consolas" panose="020B0609020204030204" pitchFamily="49" charset="0"/>
+                <a:ea typeface="Times New Roman" panose="02020603050405020304" pitchFamily="18" charset="0"/>
+                <a:cs typeface="Times New Roman" panose="02020603050405020304" pitchFamily="18" charset="0"/>
+              </a:rPr>
+              <a:t>'t'</a:t>
+            </a:r>
+            <a:r>
+              <a:rPr lang="it-IT" sz="1200" dirty="0">
+                <a:solidFill>
+                  <a:srgbClr val="D4D4D4"/>
+                </a:solidFill>
+                <a:latin typeface="Consolas" panose="020B0609020204030204" pitchFamily="49" charset="0"/>
+                <a:ea typeface="Times New Roman" panose="02020603050405020304" pitchFamily="18" charset="0"/>
+                <a:cs typeface="Times New Roman" panose="02020603050405020304" pitchFamily="18" charset="0"/>
+              </a:rPr>
+              <a:t>) {</a:t>
+            </a:r>
+            <a:endParaRPr lang="it-IT" sz="1200" dirty="0">
+              <a:latin typeface="Consolas" panose="020B0609020204030204" pitchFamily="49" charset="0"/>
+              <a:ea typeface="Calibri" panose="020F0502020204030204" pitchFamily="34" charset="0"/>
+              <a:cs typeface="Times New Roman" panose="02020603050405020304" pitchFamily="18" charset="0"/>
+            </a:endParaRPr>
+          </a:p>
+          <a:p>
+            <a:pPr>
+              <a:lnSpc>
+                <a:spcPct val="150000"/>
+              </a:lnSpc>
+              <a:spcAft>
+                <a:spcPts val="0"/>
+              </a:spcAft>
+            </a:pPr>
+            <a:r>
+              <a:rPr lang="it-IT" sz="1200" dirty="0">
+                <a:solidFill>
+                  <a:srgbClr val="D4D4D4"/>
+                </a:solidFill>
+                <a:latin typeface="Consolas" panose="020B0609020204030204" pitchFamily="49" charset="0"/>
+                <a:ea typeface="Times New Roman" panose="02020603050405020304" pitchFamily="18" charset="0"/>
+                <a:cs typeface="Times New Roman" panose="02020603050405020304" pitchFamily="18" charset="0"/>
+              </a:rPr>
+              <a:t> </a:t>
+            </a:r>
+            <a:endParaRPr lang="it-IT" sz="1200" dirty="0">
+              <a:latin typeface="Consolas" panose="020B0609020204030204" pitchFamily="49" charset="0"/>
+              <a:ea typeface="Calibri" panose="020F0502020204030204" pitchFamily="34" charset="0"/>
+              <a:cs typeface="Times New Roman" panose="02020603050405020304" pitchFamily="18" charset="0"/>
+            </a:endParaRPr>
+          </a:p>
+          <a:p>
+            <a:pPr>
+              <a:lnSpc>
+                <a:spcPct val="150000"/>
+              </a:lnSpc>
+              <a:spcAft>
+                <a:spcPts val="0"/>
+              </a:spcAft>
+            </a:pPr>
+            <a:r>
+              <a:rPr lang="it-IT" sz="1200" dirty="0">
+                <a:solidFill>
+                  <a:srgbClr val="D4D4D4"/>
+                </a:solidFill>
+                <a:latin typeface="Consolas" panose="020B0609020204030204" pitchFamily="49" charset="0"/>
+                <a:ea typeface="Times New Roman" panose="02020603050405020304" pitchFamily="18" charset="0"/>
+                <a:cs typeface="Times New Roman" panose="02020603050405020304" pitchFamily="18" charset="0"/>
+              </a:rPr>
+              <a:t>            </a:t>
+            </a:r>
+            <a:r>
+              <a:rPr lang="it-IT" sz="1200" dirty="0">
+                <a:solidFill>
+                  <a:srgbClr val="6A9955"/>
+                </a:solidFill>
+                <a:latin typeface="Consolas" panose="020B0609020204030204" pitchFamily="49" charset="0"/>
+                <a:ea typeface="Times New Roman" panose="02020603050405020304" pitchFamily="18" charset="0"/>
+                <a:cs typeface="Times New Roman" panose="02020603050405020304" pitchFamily="18" charset="0"/>
+              </a:rPr>
+              <a:t>// Copio l'array</a:t>
+            </a:r>
+            <a:endParaRPr lang="it-IT" sz="1200" dirty="0">
+              <a:latin typeface="Consolas" panose="020B0609020204030204" pitchFamily="49" charset="0"/>
+              <a:ea typeface="Calibri" panose="020F0502020204030204" pitchFamily="34" charset="0"/>
+              <a:cs typeface="Times New Roman" panose="02020603050405020304" pitchFamily="18" charset="0"/>
+            </a:endParaRPr>
+          </a:p>
+          <a:p>
+            <a:pPr>
+              <a:lnSpc>
+                <a:spcPct val="150000"/>
+              </a:lnSpc>
+              <a:spcAft>
+                <a:spcPts val="0"/>
+              </a:spcAft>
+            </a:pPr>
+            <a:r>
+              <a:rPr lang="it-IT" sz="1200" dirty="0">
+                <a:solidFill>
+                  <a:srgbClr val="D4D4D4"/>
+                </a:solidFill>
+                <a:latin typeface="Consolas" panose="020B0609020204030204" pitchFamily="49" charset="0"/>
+                <a:ea typeface="Times New Roman" panose="02020603050405020304" pitchFamily="18" charset="0"/>
+                <a:cs typeface="Times New Roman" panose="02020603050405020304" pitchFamily="18" charset="0"/>
+              </a:rPr>
+              <a:t>            </a:t>
+            </a:r>
+            <a:r>
+              <a:rPr lang="it-IT" sz="1200" dirty="0" err="1">
+                <a:solidFill>
+                  <a:srgbClr val="DCDCAA"/>
+                </a:solidFill>
+                <a:latin typeface="Consolas" panose="020B0609020204030204" pitchFamily="49" charset="0"/>
+                <a:ea typeface="Times New Roman" panose="02020603050405020304" pitchFamily="18" charset="0"/>
+                <a:cs typeface="Times New Roman" panose="02020603050405020304" pitchFamily="18" charset="0"/>
+              </a:rPr>
+              <a:t>memcpy</a:t>
+            </a:r>
+            <a:r>
+              <a:rPr lang="it-IT" sz="1200" dirty="0">
+                <a:solidFill>
+                  <a:srgbClr val="D4D4D4"/>
+                </a:solidFill>
+                <a:latin typeface="Consolas" panose="020B0609020204030204" pitchFamily="49" charset="0"/>
+                <a:ea typeface="Times New Roman" panose="02020603050405020304" pitchFamily="18" charset="0"/>
+                <a:cs typeface="Times New Roman" panose="02020603050405020304" pitchFamily="18" charset="0"/>
+              </a:rPr>
+              <a:t>(&amp;(</a:t>
+            </a:r>
+            <a:r>
+              <a:rPr lang="it-IT" sz="1200" dirty="0" err="1">
+                <a:solidFill>
+                  <a:srgbClr val="9CDCFE"/>
+                </a:solidFill>
+                <a:latin typeface="Consolas" panose="020B0609020204030204" pitchFamily="49" charset="0"/>
+                <a:ea typeface="Times New Roman" panose="02020603050405020304" pitchFamily="18" charset="0"/>
+                <a:cs typeface="Times New Roman" panose="02020603050405020304" pitchFamily="18" charset="0"/>
+              </a:rPr>
+              <a:t>request</a:t>
+            </a:r>
+            <a:r>
+              <a:rPr lang="it-IT" sz="1200" dirty="0" err="1">
+                <a:solidFill>
+                  <a:srgbClr val="D4D4D4"/>
+                </a:solidFill>
+                <a:latin typeface="Consolas" panose="020B0609020204030204" pitchFamily="49" charset="0"/>
+                <a:ea typeface="Times New Roman" panose="02020603050405020304" pitchFamily="18" charset="0"/>
+                <a:cs typeface="Times New Roman" panose="02020603050405020304" pitchFamily="18" charset="0"/>
+              </a:rPr>
+              <a:t>.</a:t>
+            </a:r>
+            <a:r>
+              <a:rPr lang="it-IT" sz="1200" dirty="0" err="1">
+                <a:solidFill>
+                  <a:srgbClr val="9CDCFE"/>
+                </a:solidFill>
+                <a:latin typeface="Consolas" panose="020B0609020204030204" pitchFamily="49" charset="0"/>
+                <a:ea typeface="Times New Roman" panose="02020603050405020304" pitchFamily="18" charset="0"/>
+                <a:cs typeface="Times New Roman" panose="02020603050405020304" pitchFamily="18" charset="0"/>
+              </a:rPr>
+              <a:t>file</a:t>
+            </a:r>
+            <a:r>
+              <a:rPr lang="it-IT" sz="1200" dirty="0">
+                <a:solidFill>
+                  <a:srgbClr val="D4D4D4"/>
+                </a:solidFill>
+                <a:latin typeface="Consolas" panose="020B0609020204030204" pitchFamily="49" charset="0"/>
+                <a:ea typeface="Times New Roman" panose="02020603050405020304" pitchFamily="18" charset="0"/>
+                <a:cs typeface="Times New Roman" panose="02020603050405020304" pitchFamily="18" charset="0"/>
+              </a:rPr>
+              <a:t>), &amp;</a:t>
+            </a:r>
+            <a:r>
+              <a:rPr lang="it-IT" sz="1200" dirty="0" err="1">
+                <a:solidFill>
+                  <a:srgbClr val="D4D4D4"/>
+                </a:solidFill>
+                <a:latin typeface="Consolas" panose="020B0609020204030204" pitchFamily="49" charset="0"/>
+                <a:ea typeface="Times New Roman" panose="02020603050405020304" pitchFamily="18" charset="0"/>
+                <a:cs typeface="Times New Roman" panose="02020603050405020304" pitchFamily="18" charset="0"/>
+              </a:rPr>
+              <a:t>fileName</a:t>
+            </a:r>
+            <a:r>
+              <a:rPr lang="it-IT" sz="1200" dirty="0">
+                <a:solidFill>
+                  <a:srgbClr val="D4D4D4"/>
+                </a:solidFill>
+                <a:latin typeface="Consolas" panose="020B0609020204030204" pitchFamily="49" charset="0"/>
+                <a:ea typeface="Times New Roman" panose="02020603050405020304" pitchFamily="18" charset="0"/>
+                <a:cs typeface="Times New Roman" panose="02020603050405020304" pitchFamily="18" charset="0"/>
+              </a:rPr>
+              <a:t>, </a:t>
+            </a:r>
+            <a:r>
+              <a:rPr lang="it-IT" sz="1200" dirty="0" err="1">
+                <a:solidFill>
+                  <a:srgbClr val="569CD6"/>
+                </a:solidFill>
+                <a:latin typeface="Consolas" panose="020B0609020204030204" pitchFamily="49" charset="0"/>
+                <a:ea typeface="Times New Roman" panose="02020603050405020304" pitchFamily="18" charset="0"/>
+                <a:cs typeface="Times New Roman" panose="02020603050405020304" pitchFamily="18" charset="0"/>
+              </a:rPr>
+              <a:t>sizeof</a:t>
+            </a:r>
+            <a:r>
+              <a:rPr lang="it-IT" sz="1200" dirty="0">
+                <a:solidFill>
+                  <a:srgbClr val="D4D4D4"/>
+                </a:solidFill>
+                <a:latin typeface="Consolas" panose="020B0609020204030204" pitchFamily="49" charset="0"/>
+                <a:ea typeface="Times New Roman" panose="02020603050405020304" pitchFamily="18" charset="0"/>
+                <a:cs typeface="Times New Roman" panose="02020603050405020304" pitchFamily="18" charset="0"/>
+              </a:rPr>
+              <a:t>(</a:t>
+            </a:r>
+            <a:r>
+              <a:rPr lang="it-IT" sz="1200" dirty="0" err="1">
+                <a:solidFill>
+                  <a:srgbClr val="9CDCFE"/>
+                </a:solidFill>
+                <a:latin typeface="Consolas" panose="020B0609020204030204" pitchFamily="49" charset="0"/>
+                <a:ea typeface="Times New Roman" panose="02020603050405020304" pitchFamily="18" charset="0"/>
+                <a:cs typeface="Times New Roman" panose="02020603050405020304" pitchFamily="18" charset="0"/>
+              </a:rPr>
+              <a:t>request</a:t>
+            </a:r>
+            <a:r>
+              <a:rPr lang="it-IT" sz="1200" dirty="0" err="1">
+                <a:solidFill>
+                  <a:srgbClr val="D4D4D4"/>
+                </a:solidFill>
+                <a:latin typeface="Consolas" panose="020B0609020204030204" pitchFamily="49" charset="0"/>
+                <a:ea typeface="Times New Roman" panose="02020603050405020304" pitchFamily="18" charset="0"/>
+                <a:cs typeface="Times New Roman" panose="02020603050405020304" pitchFamily="18" charset="0"/>
+              </a:rPr>
+              <a:t>.</a:t>
+            </a:r>
+            <a:r>
+              <a:rPr lang="it-IT" sz="1200" dirty="0" err="1">
+                <a:solidFill>
+                  <a:srgbClr val="9CDCFE"/>
+                </a:solidFill>
+                <a:latin typeface="Consolas" panose="020B0609020204030204" pitchFamily="49" charset="0"/>
+                <a:ea typeface="Times New Roman" panose="02020603050405020304" pitchFamily="18" charset="0"/>
+                <a:cs typeface="Times New Roman" panose="02020603050405020304" pitchFamily="18" charset="0"/>
+              </a:rPr>
+              <a:t>file</a:t>
+            </a:r>
+            <a:r>
+              <a:rPr lang="it-IT" sz="1200" dirty="0">
+                <a:solidFill>
+                  <a:srgbClr val="D4D4D4"/>
+                </a:solidFill>
+                <a:latin typeface="Consolas" panose="020B0609020204030204" pitchFamily="49" charset="0"/>
+                <a:ea typeface="Times New Roman" panose="02020603050405020304" pitchFamily="18" charset="0"/>
+                <a:cs typeface="Times New Roman" panose="02020603050405020304" pitchFamily="18" charset="0"/>
+              </a:rPr>
+              <a:t>));       </a:t>
+            </a:r>
+            <a:endParaRPr lang="it-IT" sz="1200" dirty="0">
+              <a:latin typeface="Consolas" panose="020B0609020204030204" pitchFamily="49" charset="0"/>
+              <a:ea typeface="Calibri" panose="020F0502020204030204" pitchFamily="34" charset="0"/>
+              <a:cs typeface="Times New Roman" panose="02020603050405020304" pitchFamily="18" charset="0"/>
+            </a:endParaRPr>
+          </a:p>
+          <a:p>
+            <a:pPr>
+              <a:lnSpc>
+                <a:spcPct val="150000"/>
+              </a:lnSpc>
+              <a:spcAft>
+                <a:spcPts val="0"/>
+              </a:spcAft>
+            </a:pPr>
+            <a:r>
+              <a:rPr lang="it-IT" sz="1200" dirty="0">
+                <a:solidFill>
+                  <a:srgbClr val="D4D4D4"/>
+                </a:solidFill>
+                <a:latin typeface="Consolas" panose="020B0609020204030204" pitchFamily="49" charset="0"/>
+                <a:ea typeface="Times New Roman" panose="02020603050405020304" pitchFamily="18" charset="0"/>
+                <a:cs typeface="Times New Roman" panose="02020603050405020304" pitchFamily="18" charset="0"/>
+              </a:rPr>
+              <a:t> </a:t>
+            </a:r>
+            <a:endParaRPr lang="it-IT" sz="1200" dirty="0">
+              <a:latin typeface="Consolas" panose="020B0609020204030204" pitchFamily="49" charset="0"/>
+              <a:ea typeface="Calibri" panose="020F0502020204030204" pitchFamily="34" charset="0"/>
+              <a:cs typeface="Times New Roman" panose="02020603050405020304" pitchFamily="18" charset="0"/>
+            </a:endParaRPr>
+          </a:p>
+          <a:p>
+            <a:pPr>
+              <a:lnSpc>
+                <a:spcPct val="150000"/>
+              </a:lnSpc>
+              <a:spcAft>
+                <a:spcPts val="0"/>
+              </a:spcAft>
+            </a:pPr>
+            <a:r>
+              <a:rPr lang="it-IT" sz="1200" dirty="0">
+                <a:solidFill>
+                  <a:srgbClr val="D4D4D4"/>
+                </a:solidFill>
+                <a:latin typeface="Consolas" panose="020B0609020204030204" pitchFamily="49" charset="0"/>
+                <a:ea typeface="Times New Roman" panose="02020603050405020304" pitchFamily="18" charset="0"/>
+                <a:cs typeface="Times New Roman" panose="02020603050405020304" pitchFamily="18" charset="0"/>
+              </a:rPr>
+              <a:t>            </a:t>
+            </a:r>
+            <a:r>
+              <a:rPr lang="it-IT" sz="1200" dirty="0" err="1">
+                <a:solidFill>
+                  <a:srgbClr val="D4D4D4"/>
+                </a:solidFill>
+                <a:latin typeface="Consolas" panose="020B0609020204030204" pitchFamily="49" charset="0"/>
+                <a:ea typeface="Times New Roman" panose="02020603050405020304" pitchFamily="18" charset="0"/>
+                <a:cs typeface="Times New Roman" panose="02020603050405020304" pitchFamily="18" charset="0"/>
+              </a:rPr>
+              <a:t>length</a:t>
+            </a:r>
+            <a:r>
+              <a:rPr lang="it-IT" sz="1200" dirty="0">
+                <a:solidFill>
+                  <a:srgbClr val="D4D4D4"/>
+                </a:solidFill>
+                <a:latin typeface="Consolas" panose="020B0609020204030204" pitchFamily="49" charset="0"/>
+                <a:ea typeface="Times New Roman" panose="02020603050405020304" pitchFamily="18" charset="0"/>
+                <a:cs typeface="Times New Roman" panose="02020603050405020304" pitchFamily="18" charset="0"/>
+              </a:rPr>
+              <a:t> = </a:t>
+            </a:r>
+            <a:r>
+              <a:rPr lang="it-IT" sz="1200" dirty="0" err="1">
+                <a:solidFill>
+                  <a:srgbClr val="569CD6"/>
+                </a:solidFill>
+                <a:latin typeface="Consolas" panose="020B0609020204030204" pitchFamily="49" charset="0"/>
+                <a:ea typeface="Times New Roman" panose="02020603050405020304" pitchFamily="18" charset="0"/>
+                <a:cs typeface="Times New Roman" panose="02020603050405020304" pitchFamily="18" charset="0"/>
+              </a:rPr>
+              <a:t>sizeof</a:t>
+            </a:r>
+            <a:r>
+              <a:rPr lang="it-IT" sz="1200" dirty="0">
+                <a:solidFill>
+                  <a:srgbClr val="D4D4D4"/>
+                </a:solidFill>
+                <a:latin typeface="Consolas" panose="020B0609020204030204" pitchFamily="49" charset="0"/>
+                <a:ea typeface="Times New Roman" panose="02020603050405020304" pitchFamily="18" charset="0"/>
+                <a:cs typeface="Times New Roman" panose="02020603050405020304" pitchFamily="18" charset="0"/>
+              </a:rPr>
+              <a:t>(</a:t>
+            </a:r>
+            <a:r>
+              <a:rPr lang="it-IT" sz="1200" dirty="0" err="1">
+                <a:solidFill>
+                  <a:srgbClr val="D4D4D4"/>
+                </a:solidFill>
+                <a:latin typeface="Consolas" panose="020B0609020204030204" pitchFamily="49" charset="0"/>
+                <a:ea typeface="Times New Roman" panose="02020603050405020304" pitchFamily="18" charset="0"/>
+                <a:cs typeface="Times New Roman" panose="02020603050405020304" pitchFamily="18" charset="0"/>
+              </a:rPr>
+              <a:t>servaddr</a:t>
+            </a:r>
+            <a:r>
+              <a:rPr lang="it-IT" sz="1200" dirty="0">
+                <a:solidFill>
+                  <a:srgbClr val="D4D4D4"/>
+                </a:solidFill>
+                <a:latin typeface="Consolas" panose="020B0609020204030204" pitchFamily="49" charset="0"/>
+                <a:ea typeface="Times New Roman" panose="02020603050405020304" pitchFamily="18" charset="0"/>
+                <a:cs typeface="Times New Roman" panose="02020603050405020304" pitchFamily="18" charset="0"/>
+              </a:rPr>
+              <a:t>);</a:t>
+            </a:r>
+            <a:endParaRPr lang="it-IT" sz="1200" dirty="0">
+              <a:latin typeface="Consolas" panose="020B0609020204030204" pitchFamily="49" charset="0"/>
+              <a:ea typeface="Calibri" panose="020F0502020204030204" pitchFamily="34" charset="0"/>
+              <a:cs typeface="Times New Roman" panose="02020603050405020304" pitchFamily="18" charset="0"/>
+            </a:endParaRPr>
+          </a:p>
+          <a:p>
+            <a:pPr>
+              <a:lnSpc>
+                <a:spcPct val="150000"/>
+              </a:lnSpc>
+              <a:spcAft>
+                <a:spcPts val="0"/>
+              </a:spcAft>
+            </a:pPr>
+            <a:r>
+              <a:rPr lang="it-IT" sz="1200" dirty="0">
+                <a:solidFill>
+                  <a:srgbClr val="D4D4D4"/>
+                </a:solidFill>
+                <a:latin typeface="Consolas" panose="020B0609020204030204" pitchFamily="49" charset="0"/>
+                <a:ea typeface="Times New Roman" panose="02020603050405020304" pitchFamily="18" charset="0"/>
+                <a:cs typeface="Times New Roman" panose="02020603050405020304" pitchFamily="18" charset="0"/>
+              </a:rPr>
+              <a:t>            </a:t>
+            </a:r>
+            <a:r>
+              <a:rPr lang="it-IT" sz="1200" dirty="0" err="1">
+                <a:solidFill>
+                  <a:srgbClr val="C586C0"/>
+                </a:solidFill>
+                <a:latin typeface="Consolas" panose="020B0609020204030204" pitchFamily="49" charset="0"/>
+                <a:ea typeface="Times New Roman" panose="02020603050405020304" pitchFamily="18" charset="0"/>
+                <a:cs typeface="Times New Roman" panose="02020603050405020304" pitchFamily="18" charset="0"/>
+              </a:rPr>
+              <a:t>if</a:t>
+            </a:r>
+            <a:r>
+              <a:rPr lang="it-IT" sz="1200" dirty="0">
+                <a:solidFill>
+                  <a:srgbClr val="D4D4D4"/>
+                </a:solidFill>
+                <a:latin typeface="Consolas" panose="020B0609020204030204" pitchFamily="49" charset="0"/>
+                <a:ea typeface="Times New Roman" panose="02020603050405020304" pitchFamily="18" charset="0"/>
+                <a:cs typeface="Times New Roman" panose="02020603050405020304" pitchFamily="18" charset="0"/>
+              </a:rPr>
+              <a:t> (</a:t>
+            </a:r>
+            <a:r>
+              <a:rPr lang="it-IT" sz="1200" dirty="0" err="1">
+                <a:solidFill>
+                  <a:srgbClr val="DCDCAA"/>
+                </a:solidFill>
+                <a:latin typeface="Consolas" panose="020B0609020204030204" pitchFamily="49" charset="0"/>
+                <a:ea typeface="Times New Roman" panose="02020603050405020304" pitchFamily="18" charset="0"/>
+                <a:cs typeface="Times New Roman" panose="02020603050405020304" pitchFamily="18" charset="0"/>
+              </a:rPr>
+              <a:t>sendto</a:t>
+            </a:r>
+            <a:r>
+              <a:rPr lang="it-IT" sz="1200" dirty="0">
+                <a:solidFill>
+                  <a:srgbClr val="D4D4D4"/>
+                </a:solidFill>
+                <a:latin typeface="Consolas" panose="020B0609020204030204" pitchFamily="49" charset="0"/>
+                <a:ea typeface="Times New Roman" panose="02020603050405020304" pitchFamily="18" charset="0"/>
+                <a:cs typeface="Times New Roman" panose="02020603050405020304" pitchFamily="18" charset="0"/>
+              </a:rPr>
+              <a:t>(</a:t>
+            </a:r>
+            <a:r>
+              <a:rPr lang="it-IT" sz="1200" dirty="0" err="1">
+                <a:solidFill>
+                  <a:srgbClr val="D4D4D4"/>
+                </a:solidFill>
+                <a:latin typeface="Consolas" panose="020B0609020204030204" pitchFamily="49" charset="0"/>
+                <a:ea typeface="Times New Roman" panose="02020603050405020304" pitchFamily="18" charset="0"/>
+                <a:cs typeface="Times New Roman" panose="02020603050405020304" pitchFamily="18" charset="0"/>
+              </a:rPr>
+              <a:t>socketDescriptor</a:t>
+            </a:r>
+            <a:r>
+              <a:rPr lang="it-IT" sz="1200" dirty="0">
+                <a:solidFill>
+                  <a:srgbClr val="D4D4D4"/>
+                </a:solidFill>
+                <a:latin typeface="Consolas" panose="020B0609020204030204" pitchFamily="49" charset="0"/>
+                <a:ea typeface="Times New Roman" panose="02020603050405020304" pitchFamily="18" charset="0"/>
+                <a:cs typeface="Times New Roman" panose="02020603050405020304" pitchFamily="18" charset="0"/>
+              </a:rPr>
+              <a:t>, &amp;</a:t>
+            </a:r>
+            <a:r>
+              <a:rPr lang="it-IT" sz="1200" dirty="0" err="1">
+                <a:solidFill>
+                  <a:srgbClr val="D4D4D4"/>
+                </a:solidFill>
+                <a:latin typeface="Consolas" panose="020B0609020204030204" pitchFamily="49" charset="0"/>
+                <a:ea typeface="Times New Roman" panose="02020603050405020304" pitchFamily="18" charset="0"/>
+                <a:cs typeface="Times New Roman" panose="02020603050405020304" pitchFamily="18" charset="0"/>
+              </a:rPr>
+              <a:t>request</a:t>
+            </a:r>
+            <a:r>
+              <a:rPr lang="it-IT" sz="1200" dirty="0">
+                <a:solidFill>
+                  <a:srgbClr val="D4D4D4"/>
+                </a:solidFill>
+                <a:latin typeface="Consolas" panose="020B0609020204030204" pitchFamily="49" charset="0"/>
+                <a:ea typeface="Times New Roman" panose="02020603050405020304" pitchFamily="18" charset="0"/>
+                <a:cs typeface="Times New Roman" panose="02020603050405020304" pitchFamily="18" charset="0"/>
+              </a:rPr>
+              <a:t>, </a:t>
+            </a:r>
+            <a:r>
+              <a:rPr lang="it-IT" sz="1200" dirty="0" err="1">
+                <a:solidFill>
+                  <a:srgbClr val="569CD6"/>
+                </a:solidFill>
+                <a:latin typeface="Consolas" panose="020B0609020204030204" pitchFamily="49" charset="0"/>
+                <a:ea typeface="Times New Roman" panose="02020603050405020304" pitchFamily="18" charset="0"/>
+                <a:cs typeface="Times New Roman" panose="02020603050405020304" pitchFamily="18" charset="0"/>
+              </a:rPr>
+              <a:t>sizeof</a:t>
+            </a:r>
+            <a:r>
+              <a:rPr lang="it-IT" sz="1200" dirty="0">
+                <a:solidFill>
+                  <a:srgbClr val="D4D4D4"/>
+                </a:solidFill>
+                <a:latin typeface="Consolas" panose="020B0609020204030204" pitchFamily="49" charset="0"/>
+                <a:ea typeface="Times New Roman" panose="02020603050405020304" pitchFamily="18" charset="0"/>
+                <a:cs typeface="Times New Roman" panose="02020603050405020304" pitchFamily="18" charset="0"/>
+              </a:rPr>
+              <a:t>(</a:t>
+            </a:r>
+            <a:r>
+              <a:rPr lang="it-IT" sz="1200" dirty="0" err="1">
+                <a:solidFill>
+                  <a:srgbClr val="D4D4D4"/>
+                </a:solidFill>
+                <a:latin typeface="Consolas" panose="020B0609020204030204" pitchFamily="49" charset="0"/>
+                <a:ea typeface="Times New Roman" panose="02020603050405020304" pitchFamily="18" charset="0"/>
+                <a:cs typeface="Times New Roman" panose="02020603050405020304" pitchFamily="18" charset="0"/>
+              </a:rPr>
+              <a:t>Request</a:t>
+            </a:r>
+            <a:r>
+              <a:rPr lang="it-IT" sz="1200" dirty="0">
+                <a:solidFill>
+                  <a:srgbClr val="D4D4D4"/>
+                </a:solidFill>
+                <a:latin typeface="Consolas" panose="020B0609020204030204" pitchFamily="49" charset="0"/>
+                <a:ea typeface="Times New Roman" panose="02020603050405020304" pitchFamily="18" charset="0"/>
+                <a:cs typeface="Times New Roman" panose="02020603050405020304" pitchFamily="18" charset="0"/>
+              </a:rPr>
+              <a:t>), </a:t>
+            </a:r>
+            <a:r>
+              <a:rPr lang="it-IT" sz="1200" dirty="0">
+                <a:solidFill>
+                  <a:srgbClr val="B5CEA8"/>
+                </a:solidFill>
+                <a:latin typeface="Consolas" panose="020B0609020204030204" pitchFamily="49" charset="0"/>
+                <a:ea typeface="Times New Roman" panose="02020603050405020304" pitchFamily="18" charset="0"/>
+                <a:cs typeface="Times New Roman" panose="02020603050405020304" pitchFamily="18" charset="0"/>
+              </a:rPr>
+              <a:t>0</a:t>
+            </a:r>
+            <a:r>
+              <a:rPr lang="it-IT" sz="1200" dirty="0">
+                <a:solidFill>
+                  <a:srgbClr val="D4D4D4"/>
+                </a:solidFill>
+                <a:latin typeface="Consolas" panose="020B0609020204030204" pitchFamily="49" charset="0"/>
+                <a:ea typeface="Times New Roman" panose="02020603050405020304" pitchFamily="18" charset="0"/>
+                <a:cs typeface="Times New Roman" panose="02020603050405020304" pitchFamily="18" charset="0"/>
+              </a:rPr>
+              <a:t>, (</a:t>
+            </a:r>
+            <a:r>
+              <a:rPr lang="it-IT" sz="1200" dirty="0" err="1">
+                <a:solidFill>
+                  <a:srgbClr val="569CD6"/>
+                </a:solidFill>
+                <a:latin typeface="Consolas" panose="020B0609020204030204" pitchFamily="49" charset="0"/>
+                <a:ea typeface="Times New Roman" panose="02020603050405020304" pitchFamily="18" charset="0"/>
+                <a:cs typeface="Times New Roman" panose="02020603050405020304" pitchFamily="18" charset="0"/>
+              </a:rPr>
+              <a:t>struct</a:t>
+            </a:r>
+            <a:r>
+              <a:rPr lang="it-IT" sz="1200" dirty="0">
+                <a:solidFill>
+                  <a:srgbClr val="D4D4D4"/>
+                </a:solidFill>
+                <a:latin typeface="Consolas" panose="020B0609020204030204" pitchFamily="49" charset="0"/>
+                <a:ea typeface="Times New Roman" panose="02020603050405020304" pitchFamily="18" charset="0"/>
+                <a:cs typeface="Times New Roman" panose="02020603050405020304" pitchFamily="18" charset="0"/>
+              </a:rPr>
+              <a:t> </a:t>
+            </a:r>
+            <a:r>
+              <a:rPr lang="it-IT" sz="1200" dirty="0" err="1">
+                <a:solidFill>
+                  <a:srgbClr val="D4D4D4"/>
+                </a:solidFill>
+                <a:latin typeface="Consolas" panose="020B0609020204030204" pitchFamily="49" charset="0"/>
+                <a:ea typeface="Times New Roman" panose="02020603050405020304" pitchFamily="18" charset="0"/>
+                <a:cs typeface="Times New Roman" panose="02020603050405020304" pitchFamily="18" charset="0"/>
+              </a:rPr>
+              <a:t>sockaddr</a:t>
+            </a:r>
+            <a:r>
+              <a:rPr lang="it-IT" sz="1200" dirty="0">
+                <a:solidFill>
+                  <a:srgbClr val="D4D4D4"/>
+                </a:solidFill>
+                <a:latin typeface="Consolas" panose="020B0609020204030204" pitchFamily="49" charset="0"/>
+                <a:ea typeface="Times New Roman" panose="02020603050405020304" pitchFamily="18" charset="0"/>
+                <a:cs typeface="Times New Roman" panose="02020603050405020304" pitchFamily="18" charset="0"/>
+              </a:rPr>
+              <a:t>*)&amp;</a:t>
+            </a:r>
+            <a:r>
+              <a:rPr lang="it-IT" sz="1200" dirty="0" err="1">
+                <a:solidFill>
+                  <a:srgbClr val="D4D4D4"/>
+                </a:solidFill>
+                <a:latin typeface="Consolas" panose="020B0609020204030204" pitchFamily="49" charset="0"/>
+                <a:ea typeface="Times New Roman" panose="02020603050405020304" pitchFamily="18" charset="0"/>
+                <a:cs typeface="Times New Roman" panose="02020603050405020304" pitchFamily="18" charset="0"/>
+              </a:rPr>
+              <a:t>servaddr</a:t>
+            </a:r>
+            <a:r>
+              <a:rPr lang="it-IT" sz="1200" dirty="0">
+                <a:solidFill>
+                  <a:srgbClr val="D4D4D4"/>
+                </a:solidFill>
+                <a:latin typeface="Consolas" panose="020B0609020204030204" pitchFamily="49" charset="0"/>
+                <a:ea typeface="Times New Roman" panose="02020603050405020304" pitchFamily="18" charset="0"/>
+                <a:cs typeface="Times New Roman" panose="02020603050405020304" pitchFamily="18" charset="0"/>
+              </a:rPr>
+              <a:t>, </a:t>
+            </a:r>
+            <a:r>
+              <a:rPr lang="it-IT" sz="1200" dirty="0" err="1">
+                <a:solidFill>
+                  <a:srgbClr val="D4D4D4"/>
+                </a:solidFill>
+                <a:latin typeface="Consolas" panose="020B0609020204030204" pitchFamily="49" charset="0"/>
+                <a:ea typeface="Times New Roman" panose="02020603050405020304" pitchFamily="18" charset="0"/>
+                <a:cs typeface="Times New Roman" panose="02020603050405020304" pitchFamily="18" charset="0"/>
+              </a:rPr>
+              <a:t>length</a:t>
+            </a:r>
+            <a:r>
+              <a:rPr lang="it-IT" sz="1200" dirty="0">
+                <a:solidFill>
+                  <a:srgbClr val="D4D4D4"/>
+                </a:solidFill>
+                <a:latin typeface="Consolas" panose="020B0609020204030204" pitchFamily="49" charset="0"/>
+                <a:ea typeface="Times New Roman" panose="02020603050405020304" pitchFamily="18" charset="0"/>
+                <a:cs typeface="Times New Roman" panose="02020603050405020304" pitchFamily="18" charset="0"/>
+              </a:rPr>
+              <a:t>) &lt; </a:t>
+            </a:r>
+            <a:r>
+              <a:rPr lang="it-IT" sz="1200" dirty="0">
+                <a:solidFill>
+                  <a:srgbClr val="B5CEA8"/>
+                </a:solidFill>
+                <a:latin typeface="Consolas" panose="020B0609020204030204" pitchFamily="49" charset="0"/>
+                <a:ea typeface="Times New Roman" panose="02020603050405020304" pitchFamily="18" charset="0"/>
+                <a:cs typeface="Times New Roman" panose="02020603050405020304" pitchFamily="18" charset="0"/>
+              </a:rPr>
+              <a:t>0</a:t>
+            </a:r>
+            <a:r>
+              <a:rPr lang="it-IT" sz="1200" dirty="0">
+                <a:solidFill>
+                  <a:srgbClr val="D4D4D4"/>
+                </a:solidFill>
+                <a:latin typeface="Consolas" panose="020B0609020204030204" pitchFamily="49" charset="0"/>
+                <a:ea typeface="Times New Roman" panose="02020603050405020304" pitchFamily="18" charset="0"/>
+                <a:cs typeface="Times New Roman" panose="02020603050405020304" pitchFamily="18" charset="0"/>
+              </a:rPr>
+              <a:t>) {</a:t>
+            </a:r>
+            <a:endParaRPr lang="it-IT" sz="1200" dirty="0">
+              <a:latin typeface="Consolas" panose="020B0609020204030204" pitchFamily="49" charset="0"/>
+              <a:ea typeface="Calibri" panose="020F0502020204030204" pitchFamily="34" charset="0"/>
+              <a:cs typeface="Times New Roman" panose="02020603050405020304" pitchFamily="18" charset="0"/>
+            </a:endParaRPr>
+          </a:p>
+          <a:p>
+            <a:pPr>
+              <a:lnSpc>
+                <a:spcPct val="150000"/>
+              </a:lnSpc>
+              <a:spcAft>
+                <a:spcPts val="0"/>
+              </a:spcAft>
+            </a:pPr>
+            <a:r>
+              <a:rPr lang="it-IT" sz="1200" dirty="0">
+                <a:solidFill>
+                  <a:srgbClr val="D4D4D4"/>
+                </a:solidFill>
+                <a:latin typeface="Consolas" panose="020B0609020204030204" pitchFamily="49" charset="0"/>
+                <a:ea typeface="Times New Roman" panose="02020603050405020304" pitchFamily="18" charset="0"/>
+                <a:cs typeface="Times New Roman" panose="02020603050405020304" pitchFamily="18" charset="0"/>
+              </a:rPr>
+              <a:t>                </a:t>
+            </a:r>
+            <a:r>
+              <a:rPr lang="it-IT" sz="1200" dirty="0" err="1">
+                <a:solidFill>
+                  <a:srgbClr val="DCDCAA"/>
+                </a:solidFill>
+                <a:latin typeface="Consolas" panose="020B0609020204030204" pitchFamily="49" charset="0"/>
+                <a:ea typeface="Times New Roman" panose="02020603050405020304" pitchFamily="18" charset="0"/>
+                <a:cs typeface="Times New Roman" panose="02020603050405020304" pitchFamily="18" charset="0"/>
+              </a:rPr>
+              <a:t>perror</a:t>
+            </a:r>
+            <a:r>
+              <a:rPr lang="it-IT" sz="1200" dirty="0">
+                <a:solidFill>
+                  <a:srgbClr val="D4D4D4"/>
+                </a:solidFill>
+                <a:latin typeface="Consolas" panose="020B0609020204030204" pitchFamily="49" charset="0"/>
+                <a:ea typeface="Times New Roman" panose="02020603050405020304" pitchFamily="18" charset="0"/>
+                <a:cs typeface="Times New Roman" panose="02020603050405020304" pitchFamily="18" charset="0"/>
+              </a:rPr>
+              <a:t>(</a:t>
+            </a:r>
+            <a:r>
+              <a:rPr lang="it-IT" sz="1200" dirty="0">
+                <a:solidFill>
+                  <a:srgbClr val="CE9178"/>
+                </a:solidFill>
+                <a:latin typeface="Consolas" panose="020B0609020204030204" pitchFamily="49" charset="0"/>
+                <a:ea typeface="Times New Roman" panose="02020603050405020304" pitchFamily="18" charset="0"/>
+                <a:cs typeface="Times New Roman" panose="02020603050405020304" pitchFamily="18" charset="0"/>
+              </a:rPr>
+              <a:t>"Errore nella </a:t>
+            </a:r>
+            <a:r>
+              <a:rPr lang="it-IT" sz="1200" dirty="0" err="1">
+                <a:solidFill>
+                  <a:srgbClr val="CE9178"/>
+                </a:solidFill>
+                <a:latin typeface="Consolas" panose="020B0609020204030204" pitchFamily="49" charset="0"/>
+                <a:ea typeface="Times New Roman" panose="02020603050405020304" pitchFamily="18" charset="0"/>
+                <a:cs typeface="Times New Roman" panose="02020603050405020304" pitchFamily="18" charset="0"/>
+              </a:rPr>
+              <a:t>sendto</a:t>
+            </a:r>
+            <a:r>
+              <a:rPr lang="it-IT" sz="1200" dirty="0">
+                <a:solidFill>
+                  <a:srgbClr val="CE9178"/>
+                </a:solidFill>
+                <a:latin typeface="Consolas" panose="020B0609020204030204" pitchFamily="49" charset="0"/>
+                <a:ea typeface="Times New Roman" panose="02020603050405020304" pitchFamily="18" charset="0"/>
+                <a:cs typeface="Times New Roman" panose="02020603050405020304" pitchFamily="18" charset="0"/>
+              </a:rPr>
+              <a:t>."</a:t>
+            </a:r>
+            <a:r>
+              <a:rPr lang="it-IT" sz="1200" dirty="0">
+                <a:solidFill>
+                  <a:srgbClr val="D4D4D4"/>
+                </a:solidFill>
+                <a:latin typeface="Consolas" panose="020B0609020204030204" pitchFamily="49" charset="0"/>
+                <a:ea typeface="Times New Roman" panose="02020603050405020304" pitchFamily="18" charset="0"/>
+                <a:cs typeface="Times New Roman" panose="02020603050405020304" pitchFamily="18" charset="0"/>
+              </a:rPr>
+              <a:t>);</a:t>
+            </a:r>
+            <a:endParaRPr lang="it-IT" sz="1200" dirty="0">
+              <a:latin typeface="Consolas" panose="020B0609020204030204" pitchFamily="49" charset="0"/>
+              <a:ea typeface="Calibri" panose="020F0502020204030204" pitchFamily="34" charset="0"/>
+              <a:cs typeface="Times New Roman" panose="02020603050405020304" pitchFamily="18" charset="0"/>
+            </a:endParaRPr>
+          </a:p>
+          <a:p>
+            <a:pPr>
+              <a:lnSpc>
+                <a:spcPct val="150000"/>
+              </a:lnSpc>
+              <a:spcAft>
+                <a:spcPts val="0"/>
+              </a:spcAft>
+            </a:pPr>
+            <a:r>
+              <a:rPr lang="it-IT" sz="1200" dirty="0">
+                <a:solidFill>
+                  <a:srgbClr val="D4D4D4"/>
+                </a:solidFill>
+                <a:latin typeface="Consolas" panose="020B0609020204030204" pitchFamily="49" charset="0"/>
+                <a:ea typeface="Times New Roman" panose="02020603050405020304" pitchFamily="18" charset="0"/>
+                <a:cs typeface="Times New Roman" panose="02020603050405020304" pitchFamily="18" charset="0"/>
+              </a:rPr>
+              <a:t>                </a:t>
+            </a:r>
+            <a:r>
+              <a:rPr lang="it-IT" sz="1200" dirty="0">
+                <a:solidFill>
+                  <a:srgbClr val="C586C0"/>
+                </a:solidFill>
+                <a:latin typeface="Consolas" panose="020B0609020204030204" pitchFamily="49" charset="0"/>
+                <a:ea typeface="Times New Roman" panose="02020603050405020304" pitchFamily="18" charset="0"/>
+                <a:cs typeface="Times New Roman" panose="02020603050405020304" pitchFamily="18" charset="0"/>
+              </a:rPr>
+              <a:t>continue</a:t>
+            </a:r>
+            <a:r>
+              <a:rPr lang="it-IT" sz="1200" dirty="0">
+                <a:solidFill>
+                  <a:srgbClr val="D4D4D4"/>
+                </a:solidFill>
+                <a:latin typeface="Consolas" panose="020B0609020204030204" pitchFamily="49" charset="0"/>
+                <a:ea typeface="Times New Roman" panose="02020603050405020304" pitchFamily="18" charset="0"/>
+                <a:cs typeface="Times New Roman" panose="02020603050405020304" pitchFamily="18" charset="0"/>
+              </a:rPr>
+              <a:t>;</a:t>
+            </a:r>
+            <a:endParaRPr lang="it-IT" sz="1200" dirty="0">
+              <a:latin typeface="Consolas" panose="020B0609020204030204" pitchFamily="49" charset="0"/>
+              <a:ea typeface="Calibri" panose="020F0502020204030204" pitchFamily="34" charset="0"/>
+              <a:cs typeface="Times New Roman" panose="02020603050405020304" pitchFamily="18" charset="0"/>
+            </a:endParaRPr>
+          </a:p>
+          <a:p>
+            <a:pPr>
+              <a:lnSpc>
+                <a:spcPct val="150000"/>
+              </a:lnSpc>
+              <a:spcAft>
+                <a:spcPts val="0"/>
+              </a:spcAft>
+            </a:pPr>
+            <a:r>
+              <a:rPr lang="it-IT" sz="1200" dirty="0">
+                <a:solidFill>
+                  <a:srgbClr val="D4D4D4"/>
+                </a:solidFill>
+                <a:latin typeface="Consolas" panose="020B0609020204030204" pitchFamily="49" charset="0"/>
+                <a:ea typeface="Times New Roman" panose="02020603050405020304" pitchFamily="18" charset="0"/>
+                <a:cs typeface="Times New Roman" panose="02020603050405020304" pitchFamily="18" charset="0"/>
+              </a:rPr>
+              <a:t>            }</a:t>
+            </a:r>
+            <a:endParaRPr lang="it-IT" sz="1200" dirty="0">
+              <a:latin typeface="Consolas" panose="020B0609020204030204" pitchFamily="49" charset="0"/>
+              <a:ea typeface="Calibri" panose="020F0502020204030204" pitchFamily="34" charset="0"/>
+              <a:cs typeface="Times New Roman" panose="02020603050405020304" pitchFamily="18" charset="0"/>
+            </a:endParaRPr>
+          </a:p>
+        </p:txBody>
+      </p:sp>
+      <p:sp>
+        <p:nvSpPr>
+          <p:cNvPr id="6" name="Callout: linea 5">
             <a:extLst>
               <a:ext uri="{FF2B5EF4-FFF2-40B4-BE49-F238E27FC236}">
-                <a16:creationId xmlns:a16="http://schemas.microsoft.com/office/drawing/2014/main" id="{9CABD79C-5879-4323-8AFE-AF352F11F398}"/>
+                <a16:creationId xmlns:a16="http://schemas.microsoft.com/office/drawing/2014/main" id="{D05C6D4C-6676-4E9C-880E-E4180C031C74}"/>
               </a:ext>
             </a:extLst>
           </p:cNvPr>
-          <p:cNvSpPr txBox="1"/>
+          <p:cNvSpPr/>
           <p:nvPr/>
         </p:nvSpPr>
         <p:spPr>
           <a:xfrm>
-            <a:off x="7632700" y="1244601"/>
-            <a:ext cx="846707" cy="369332"/>
+            <a:off x="6943725" y="2066925"/>
+            <a:ext cx="3333750" cy="1181100"/>
           </a:xfrm>
-          <a:prstGeom prst="rect">
-            <a:avLst/>
+          <a:prstGeom prst="borderCallout1">
+            <a:avLst>
+              <a:gd name="adj1" fmla="val 58266"/>
+              <a:gd name="adj2" fmla="val -5190"/>
+              <a:gd name="adj3" fmla="val 84274"/>
+              <a:gd name="adj4" fmla="val -68904"/>
+            </a:avLst>
           </a:prstGeom>
-          <a:noFill/>
+          <a:solidFill>
+            <a:schemeClr val="accent4"/>
+          </a:solidFill>
+          <a:ln>
+            <a:solidFill>
+              <a:schemeClr val="accent4"/>
+            </a:solidFill>
+          </a:ln>
         </p:spPr>
-        <p:txBody>
-          <a:bodyPr wrap="none" rtlCol="0">
-            <a:spAutoFit/>
-          </a:bodyPr>
+        <p:style>
+          <a:lnRef idx="2">
+            <a:schemeClr val="accent1">
+              <a:shade val="50000"/>
+            </a:schemeClr>
+          </a:lnRef>
+          <a:fillRef idx="1">
+            <a:schemeClr val="accent1"/>
+          </a:fillRef>
+          <a:effectRef idx="0">
+            <a:schemeClr val="accent1"/>
+          </a:effectRef>
+          <a:fontRef idx="minor">
+            <a:schemeClr val="lt1"/>
+          </a:fontRef>
+        </p:style>
+        <p:txBody>
+          <a:bodyPr rtlCol="0" anchor="ctr"/>
           <a:lstStyle/>
           <a:p>
-            <a:r>
-              <a:rPr lang="it-IT" dirty="0">
+            <a:pPr algn="just"/>
+            <a:r>
+              <a:rPr lang="it-IT" sz="1400" dirty="0">
+                <a:solidFill>
+                  <a:schemeClr val="tx1"/>
+                </a:solidFill>
                 <a:latin typeface="Avenir Next LT Pro Light" panose="020B0304020202020204" pitchFamily="34" charset="0"/>
               </a:rPr>
-              <a:t>Server</a:t>
-            </a:r>
-          </a:p>
-        </p:txBody>
-      </p:sp>
-      <p:sp>
-        <p:nvSpPr>
-          <p:cNvPr id="8" name="CasellaDiTesto 7">
-            <a:extLst>
-              <a:ext uri="{FF2B5EF4-FFF2-40B4-BE49-F238E27FC236}">
-                <a16:creationId xmlns:a16="http://schemas.microsoft.com/office/drawing/2014/main" id="{BB620DE7-F342-4007-A94F-F75F9A7FAEB8}"/>
-              </a:ext>
-            </a:extLst>
-          </p:cNvPr>
-          <p:cNvSpPr txBox="1"/>
-          <p:nvPr/>
-        </p:nvSpPr>
-        <p:spPr>
-          <a:xfrm>
-            <a:off x="4649560" y="1306156"/>
-            <a:ext cx="1072666" cy="307777"/>
-          </a:xfrm>
-          <a:prstGeom prst="rect">
-            <a:avLst/>
-          </a:prstGeom>
-          <a:noFill/>
-        </p:spPr>
-        <p:txBody>
-          <a:bodyPr wrap="none" rtlCol="0">
-            <a:spAutoFit/>
-          </a:bodyPr>
-          <a:lstStyle/>
-          <a:p>
+              <a:t>Si prende dall’input il nome del file che l’utente passa e si controlla che sia un file di testo (formato .</a:t>
+            </a:r>
+            <a:r>
+              <a:rPr lang="it-IT" sz="1400" dirty="0" err="1">
+                <a:solidFill>
+                  <a:schemeClr val="tx1"/>
+                </a:solidFill>
+                <a:latin typeface="Avenir Next LT Pro Light" panose="020B0304020202020204" pitchFamily="34" charset="0"/>
+              </a:rPr>
+              <a:t>txt</a:t>
+            </a:r>
             <a:r>
               <a:rPr lang="it-IT" sz="1400" dirty="0">
+                <a:solidFill>
+                  <a:schemeClr val="tx1"/>
+                </a:solidFill>
                 <a:latin typeface="Avenir Next LT Pro Light" panose="020B0304020202020204" pitchFamily="34" charset="0"/>
               </a:rPr>
-              <a:t>Directory 2</a:t>
-            </a:r>
-          </a:p>
-        </p:txBody>
-      </p:sp>
-      <p:sp>
-        <p:nvSpPr>
-          <p:cNvPr id="9" name="CasellaDiTesto 8">
-            <a:extLst>
-              <a:ext uri="{FF2B5EF4-FFF2-40B4-BE49-F238E27FC236}">
-                <a16:creationId xmlns:a16="http://schemas.microsoft.com/office/drawing/2014/main" id="{E5EE2DB2-4EE2-405A-B308-F4F6D75A644B}"/>
-              </a:ext>
-            </a:extLst>
-          </p:cNvPr>
-          <p:cNvSpPr txBox="1"/>
-          <p:nvPr/>
-        </p:nvSpPr>
-        <p:spPr>
-          <a:xfrm>
-            <a:off x="5707392" y="2652354"/>
-            <a:ext cx="1072666" cy="307777"/>
-          </a:xfrm>
-          <a:prstGeom prst="rect">
-            <a:avLst/>
-          </a:prstGeom>
-          <a:noFill/>
-        </p:spPr>
-        <p:txBody>
-          <a:bodyPr wrap="none" rtlCol="0">
-            <a:spAutoFit/>
-          </a:bodyPr>
-          <a:lstStyle/>
-          <a:p>
-            <a:r>
-              <a:rPr lang="it-IT" sz="1400" dirty="0">
-                <a:latin typeface="Avenir Next LT Pro Light" panose="020B0304020202020204" pitchFamily="34" charset="0"/>
-              </a:rPr>
-              <a:t>Directory 1</a:t>
-            </a:r>
-          </a:p>
-        </p:txBody>
-      </p:sp>
-      <p:sp>
-        <p:nvSpPr>
-          <p:cNvPr id="10" name="CasellaDiTesto 9">
-            <a:extLst>
-              <a:ext uri="{FF2B5EF4-FFF2-40B4-BE49-F238E27FC236}">
-                <a16:creationId xmlns:a16="http://schemas.microsoft.com/office/drawing/2014/main" id="{D5022A66-B2AA-4F16-BD49-3EC303EB5561}"/>
-              </a:ext>
-            </a:extLst>
-          </p:cNvPr>
-          <p:cNvSpPr txBox="1"/>
-          <p:nvPr/>
-        </p:nvSpPr>
-        <p:spPr>
-          <a:xfrm>
-            <a:off x="7528619" y="2652355"/>
-            <a:ext cx="1072666" cy="307777"/>
-          </a:xfrm>
-          <a:prstGeom prst="rect">
-            <a:avLst/>
-          </a:prstGeom>
-          <a:noFill/>
-        </p:spPr>
-        <p:txBody>
-          <a:bodyPr wrap="none" rtlCol="0">
-            <a:spAutoFit/>
-          </a:bodyPr>
-          <a:lstStyle/>
-          <a:p>
-            <a:r>
-              <a:rPr lang="it-IT" sz="1400" dirty="0">
-                <a:latin typeface="Avenir Next LT Pro Light" panose="020B0304020202020204" pitchFamily="34" charset="0"/>
-              </a:rPr>
-              <a:t>Directory 2</a:t>
-            </a:r>
-          </a:p>
-        </p:txBody>
-      </p:sp>
-      <p:sp>
-        <p:nvSpPr>
-          <p:cNvPr id="11" name="CasellaDiTesto 10">
-            <a:extLst>
-              <a:ext uri="{FF2B5EF4-FFF2-40B4-BE49-F238E27FC236}">
-                <a16:creationId xmlns:a16="http://schemas.microsoft.com/office/drawing/2014/main" id="{1A88782D-2F51-42E4-B3AB-3FA41CD21817}"/>
-              </a:ext>
-            </a:extLst>
-          </p:cNvPr>
-          <p:cNvSpPr txBox="1"/>
-          <p:nvPr/>
-        </p:nvSpPr>
-        <p:spPr>
-          <a:xfrm>
-            <a:off x="9303855" y="2652355"/>
-            <a:ext cx="1107932" cy="307777"/>
-          </a:xfrm>
-          <a:prstGeom prst="rect">
-            <a:avLst/>
-          </a:prstGeom>
-          <a:noFill/>
-        </p:spPr>
-        <p:txBody>
-          <a:bodyPr wrap="none" rtlCol="0">
-            <a:spAutoFit/>
-          </a:bodyPr>
-          <a:lstStyle/>
-          <a:p>
-            <a:r>
-              <a:rPr lang="it-IT" sz="1400" dirty="0">
-                <a:latin typeface="Avenir Next LT Pro Light" panose="020B0304020202020204" pitchFamily="34" charset="0"/>
-              </a:rPr>
-              <a:t>Directory N</a:t>
-            </a:r>
-          </a:p>
-        </p:txBody>
-      </p:sp>
-      <p:sp>
-        <p:nvSpPr>
-          <p:cNvPr id="13" name="CasellaDiTesto 12">
-            <a:extLst>
-              <a:ext uri="{FF2B5EF4-FFF2-40B4-BE49-F238E27FC236}">
-                <a16:creationId xmlns:a16="http://schemas.microsoft.com/office/drawing/2014/main" id="{6E92212C-F6FA-4226-8FEA-3267D5FE237A}"/>
-              </a:ext>
-            </a:extLst>
-          </p:cNvPr>
-          <p:cNvSpPr txBox="1"/>
-          <p:nvPr/>
-        </p:nvSpPr>
-        <p:spPr>
-          <a:xfrm>
-            <a:off x="5718426" y="4113831"/>
-            <a:ext cx="1072666" cy="307777"/>
-          </a:xfrm>
-          <a:prstGeom prst="rect">
-            <a:avLst/>
-          </a:prstGeom>
-          <a:noFill/>
-        </p:spPr>
-        <p:txBody>
-          <a:bodyPr wrap="none" rtlCol="0">
-            <a:spAutoFit/>
-          </a:bodyPr>
-          <a:lstStyle/>
-          <a:p>
-            <a:r>
-              <a:rPr lang="it-IT" sz="1400" dirty="0">
-                <a:latin typeface="Avenir Next LT Pro Light" panose="020B0304020202020204" pitchFamily="34" charset="0"/>
-              </a:rPr>
-              <a:t>Directory 1</a:t>
-            </a:r>
-          </a:p>
-        </p:txBody>
-      </p:sp>
-      <p:sp>
-        <p:nvSpPr>
-          <p:cNvPr id="14" name="CasellaDiTesto 13">
-            <a:extLst>
-              <a:ext uri="{FF2B5EF4-FFF2-40B4-BE49-F238E27FC236}">
-                <a16:creationId xmlns:a16="http://schemas.microsoft.com/office/drawing/2014/main" id="{4560CFF0-24E7-46FB-8EFF-D23E0617F0E6}"/>
-              </a:ext>
-            </a:extLst>
-          </p:cNvPr>
-          <p:cNvSpPr txBox="1"/>
-          <p:nvPr/>
-        </p:nvSpPr>
-        <p:spPr>
-          <a:xfrm>
-            <a:off x="7519720" y="4113831"/>
-            <a:ext cx="1072666" cy="307777"/>
-          </a:xfrm>
-          <a:prstGeom prst="rect">
-            <a:avLst/>
-          </a:prstGeom>
-          <a:noFill/>
-        </p:spPr>
-        <p:txBody>
-          <a:bodyPr wrap="none" rtlCol="0">
-            <a:spAutoFit/>
-          </a:bodyPr>
-          <a:lstStyle/>
-          <a:p>
-            <a:r>
-              <a:rPr lang="it-IT" sz="1400" dirty="0">
-                <a:latin typeface="Avenir Next LT Pro Light" panose="020B0304020202020204" pitchFamily="34" charset="0"/>
-              </a:rPr>
-              <a:t>Directory 2</a:t>
-            </a:r>
-          </a:p>
-        </p:txBody>
-      </p:sp>
-      <p:sp>
-        <p:nvSpPr>
-          <p:cNvPr id="15" name="CasellaDiTesto 14">
-            <a:extLst>
-              <a:ext uri="{FF2B5EF4-FFF2-40B4-BE49-F238E27FC236}">
-                <a16:creationId xmlns:a16="http://schemas.microsoft.com/office/drawing/2014/main" id="{7269B5AC-4709-4DFD-844A-DD9F6441DE69}"/>
-              </a:ext>
-            </a:extLst>
-          </p:cNvPr>
-          <p:cNvSpPr txBox="1"/>
-          <p:nvPr/>
-        </p:nvSpPr>
-        <p:spPr>
-          <a:xfrm>
-            <a:off x="9622852" y="4118749"/>
-            <a:ext cx="469937" cy="307777"/>
-          </a:xfrm>
-          <a:prstGeom prst="rect">
-            <a:avLst/>
-          </a:prstGeom>
-          <a:noFill/>
-        </p:spPr>
-        <p:txBody>
-          <a:bodyPr wrap="none" rtlCol="0">
-            <a:spAutoFit/>
-          </a:bodyPr>
-          <a:lstStyle/>
-          <a:p>
-            <a:r>
-              <a:rPr lang="it-IT" sz="1400" dirty="0">
-                <a:latin typeface="Avenir Next LT Pro Light" panose="020B0304020202020204" pitchFamily="34" charset="0"/>
-              </a:rPr>
-              <a:t>File</a:t>
-            </a:r>
-          </a:p>
-        </p:txBody>
-      </p:sp>
-      <p:sp>
-        <p:nvSpPr>
-          <p:cNvPr id="16" name="CasellaDiTesto 15">
-            <a:extLst>
-              <a:ext uri="{FF2B5EF4-FFF2-40B4-BE49-F238E27FC236}">
-                <a16:creationId xmlns:a16="http://schemas.microsoft.com/office/drawing/2014/main" id="{D543BCD9-4A1D-4EF5-B530-A1AB759C7046}"/>
-              </a:ext>
-            </a:extLst>
-          </p:cNvPr>
-          <p:cNvSpPr txBox="1"/>
-          <p:nvPr/>
-        </p:nvSpPr>
-        <p:spPr>
-          <a:xfrm>
-            <a:off x="5662829" y="5485915"/>
-            <a:ext cx="473206" cy="307777"/>
-          </a:xfrm>
-          <a:prstGeom prst="rect">
-            <a:avLst/>
-          </a:prstGeom>
-          <a:noFill/>
-        </p:spPr>
-        <p:txBody>
-          <a:bodyPr wrap="none" rtlCol="0">
-            <a:spAutoFit/>
-          </a:bodyPr>
-          <a:lstStyle/>
-          <a:p>
-            <a:r>
-              <a:rPr lang="it-IT" sz="1400" dirty="0">
-                <a:latin typeface="Avenir Next LT Pro Light" panose="020B0304020202020204" pitchFamily="34" charset="0"/>
-              </a:rPr>
-              <a:t>DIR</a:t>
-            </a:r>
-          </a:p>
-        </p:txBody>
-      </p:sp>
-      <p:sp>
-        <p:nvSpPr>
-          <p:cNvPr id="17" name="CasellaDiTesto 16">
-            <a:extLst>
-              <a:ext uri="{FF2B5EF4-FFF2-40B4-BE49-F238E27FC236}">
-                <a16:creationId xmlns:a16="http://schemas.microsoft.com/office/drawing/2014/main" id="{75B0951E-69C1-40C7-A3BB-78AB629923A8}"/>
-              </a:ext>
-            </a:extLst>
-          </p:cNvPr>
-          <p:cNvSpPr txBox="1"/>
-          <p:nvPr/>
-        </p:nvSpPr>
-        <p:spPr>
-          <a:xfrm>
-            <a:off x="7129924" y="5485915"/>
-            <a:ext cx="473206" cy="307777"/>
-          </a:xfrm>
-          <a:prstGeom prst="rect">
-            <a:avLst/>
-          </a:prstGeom>
-          <a:noFill/>
-        </p:spPr>
-        <p:txBody>
-          <a:bodyPr wrap="none" rtlCol="0">
-            <a:spAutoFit/>
-          </a:bodyPr>
-          <a:lstStyle/>
-          <a:p>
-            <a:r>
-              <a:rPr lang="it-IT" sz="1400" dirty="0">
-                <a:latin typeface="Avenir Next LT Pro Light" panose="020B0304020202020204" pitchFamily="34" charset="0"/>
-              </a:rPr>
-              <a:t>DIR</a:t>
-            </a:r>
-          </a:p>
-        </p:txBody>
-      </p:sp>
-      <p:sp>
-        <p:nvSpPr>
-          <p:cNvPr id="19" name="CasellaDiTesto 18">
-            <a:extLst>
-              <a:ext uri="{FF2B5EF4-FFF2-40B4-BE49-F238E27FC236}">
-                <a16:creationId xmlns:a16="http://schemas.microsoft.com/office/drawing/2014/main" id="{07327DF0-1627-4FF9-BCBD-822EAB8833AC}"/>
-              </a:ext>
-            </a:extLst>
-          </p:cNvPr>
-          <p:cNvSpPr txBox="1"/>
-          <p:nvPr/>
-        </p:nvSpPr>
-        <p:spPr>
-          <a:xfrm>
-            <a:off x="8471177" y="5485914"/>
-            <a:ext cx="473206" cy="307777"/>
-          </a:xfrm>
-          <a:prstGeom prst="rect">
-            <a:avLst/>
-          </a:prstGeom>
-          <a:noFill/>
-        </p:spPr>
-        <p:txBody>
-          <a:bodyPr wrap="none" rtlCol="0">
-            <a:spAutoFit/>
-          </a:bodyPr>
-          <a:lstStyle/>
-          <a:p>
-            <a:r>
-              <a:rPr lang="it-IT" sz="1400" dirty="0">
-                <a:latin typeface="Avenir Next LT Pro Light" panose="020B0304020202020204" pitchFamily="34" charset="0"/>
-              </a:rPr>
-              <a:t>DIR</a:t>
-            </a:r>
-          </a:p>
-        </p:txBody>
-      </p:sp>
-      <p:sp>
-        <p:nvSpPr>
-          <p:cNvPr id="23" name="CasellaDiTesto 22">
-            <a:extLst>
-              <a:ext uri="{FF2B5EF4-FFF2-40B4-BE49-F238E27FC236}">
-                <a16:creationId xmlns:a16="http://schemas.microsoft.com/office/drawing/2014/main" id="{2CD50850-C29E-40BF-A647-55D9FDDAC81C}"/>
-              </a:ext>
-            </a:extLst>
-          </p:cNvPr>
-          <p:cNvSpPr txBox="1"/>
-          <p:nvPr/>
-        </p:nvSpPr>
-        <p:spPr>
-          <a:xfrm>
-            <a:off x="6306204" y="5485913"/>
-            <a:ext cx="527709" cy="307777"/>
-          </a:xfrm>
-          <a:prstGeom prst="rect">
-            <a:avLst/>
-          </a:prstGeom>
-          <a:noFill/>
-        </p:spPr>
-        <p:txBody>
-          <a:bodyPr wrap="none" rtlCol="0">
-            <a:spAutoFit/>
-          </a:bodyPr>
-          <a:lstStyle/>
-          <a:p>
-            <a:r>
-              <a:rPr lang="it-IT" sz="1400" dirty="0">
-                <a:latin typeface="Avenir Next LT Pro Light" panose="020B0304020202020204" pitchFamily="34" charset="0"/>
-              </a:rPr>
-              <a:t>FILE</a:t>
-            </a:r>
-          </a:p>
-        </p:txBody>
-      </p:sp>
-      <p:sp>
-        <p:nvSpPr>
-          <p:cNvPr id="24" name="CasellaDiTesto 23">
-            <a:extLst>
-              <a:ext uri="{FF2B5EF4-FFF2-40B4-BE49-F238E27FC236}">
-                <a16:creationId xmlns:a16="http://schemas.microsoft.com/office/drawing/2014/main" id="{E84EB6BA-73D4-4C32-946A-30172F7647C7}"/>
-              </a:ext>
-            </a:extLst>
-          </p:cNvPr>
-          <p:cNvSpPr txBox="1"/>
-          <p:nvPr/>
-        </p:nvSpPr>
-        <p:spPr>
-          <a:xfrm>
-            <a:off x="7773299" y="5485912"/>
-            <a:ext cx="527709" cy="307777"/>
-          </a:xfrm>
-          <a:prstGeom prst="rect">
-            <a:avLst/>
-          </a:prstGeom>
-          <a:noFill/>
-        </p:spPr>
-        <p:txBody>
-          <a:bodyPr wrap="none" rtlCol="0">
-            <a:spAutoFit/>
-          </a:bodyPr>
-          <a:lstStyle/>
-          <a:p>
-            <a:r>
-              <a:rPr lang="it-IT" sz="1400" dirty="0">
-                <a:latin typeface="Avenir Next LT Pro Light" panose="020B0304020202020204" pitchFamily="34" charset="0"/>
-              </a:rPr>
-              <a:t>FILE</a:t>
-            </a:r>
-          </a:p>
-        </p:txBody>
-      </p:sp>
-      <p:sp>
-        <p:nvSpPr>
-          <p:cNvPr id="25" name="CasellaDiTesto 24">
-            <a:extLst>
-              <a:ext uri="{FF2B5EF4-FFF2-40B4-BE49-F238E27FC236}">
-                <a16:creationId xmlns:a16="http://schemas.microsoft.com/office/drawing/2014/main" id="{DEDF7DEB-5A6B-4602-ACFA-67CCC7049A77}"/>
-              </a:ext>
-            </a:extLst>
-          </p:cNvPr>
-          <p:cNvSpPr txBox="1"/>
-          <p:nvPr/>
-        </p:nvSpPr>
-        <p:spPr>
-          <a:xfrm>
-            <a:off x="2815057" y="6202461"/>
-            <a:ext cx="2825902" cy="307777"/>
-          </a:xfrm>
-          <a:prstGeom prst="rect">
-            <a:avLst/>
-          </a:prstGeom>
-          <a:noFill/>
-        </p:spPr>
-        <p:txBody>
-          <a:bodyPr wrap="none" rtlCol="0">
-            <a:spAutoFit/>
-          </a:bodyPr>
-          <a:lstStyle/>
-          <a:p>
-            <a:r>
-              <a:rPr lang="it-IT" sz="1400" dirty="0">
-                <a:latin typeface="Avenir Next LT Pro Light" panose="020B0304020202020204" pitchFamily="34" charset="0"/>
-              </a:rPr>
-              <a:t>NOMI DEI DIRETTORI E DEI FILE</a:t>
+              <a:t>); se non lo è, non si fa nulla e si stampa una riga apposita (si veda slide successiva)</a:t>
             </a:r>
           </a:p>
         </p:txBody>
@@ -5559,7 +6276,7 @@
     </p:spTree>
     <p:extLst>
       <p:ext uri="{BB962C8B-B14F-4D97-AF65-F5344CB8AC3E}">
-        <p14:creationId xmlns:p14="http://schemas.microsoft.com/office/powerpoint/2010/main" val="3577249319"/>
+        <p14:creationId xmlns:p14="http://schemas.microsoft.com/office/powerpoint/2010/main" val="3834406972"/>
       </p:ext>
     </p:extLst>
   </p:cSld>
@@ -5630,7 +6347,7 @@
                 </a:solidFill>
                 <a:latin typeface="Avenir Next LT Pro Light" panose="020B0304020202020204" pitchFamily="34" charset="0"/>
               </a:rPr>
-              <a:t>Conclusione</a:t>
+              <a:t>Codice Client UDP (2)</a:t>
             </a:r>
           </a:p>
         </p:txBody>
@@ -5666,6 +6383,4596 @@
       </p:sp>
       <p:sp>
         <p:nvSpPr>
+          <p:cNvPr id="5" name="CasellaDiTesto 4">
+            <a:extLst>
+              <a:ext uri="{FF2B5EF4-FFF2-40B4-BE49-F238E27FC236}">
+                <a16:creationId xmlns:a16="http://schemas.microsoft.com/office/drawing/2014/main" id="{16613504-0E07-4823-8604-71855244FD7C}"/>
+              </a:ext>
+            </a:extLst>
+          </p:cNvPr>
+          <p:cNvSpPr txBox="1"/>
+          <p:nvPr/>
+        </p:nvSpPr>
+        <p:spPr>
+          <a:xfrm>
+            <a:off x="503280" y="1171324"/>
+            <a:ext cx="11155320" cy="5048626"/>
+          </a:xfrm>
+          <a:prstGeom prst="rect">
+            <a:avLst/>
+          </a:prstGeom>
+          <a:noFill/>
+        </p:spPr>
+        <p:txBody>
+          <a:bodyPr wrap="square" rtlCol="0">
+            <a:spAutoFit/>
+          </a:bodyPr>
+          <a:lstStyle/>
+          <a:p>
+            <a:pPr>
+              <a:lnSpc>
+                <a:spcPct val="150000"/>
+              </a:lnSpc>
+              <a:spcAft>
+                <a:spcPts val="0"/>
+              </a:spcAft>
+            </a:pPr>
+            <a:r>
+              <a:rPr lang="it-IT" sz="1200" dirty="0">
+                <a:solidFill>
+                  <a:srgbClr val="D4D4D4"/>
+                </a:solidFill>
+                <a:latin typeface="Consolas" panose="020B0609020204030204" pitchFamily="49" charset="0"/>
+                <a:ea typeface="Times New Roman" panose="02020603050405020304" pitchFamily="18" charset="0"/>
+                <a:cs typeface="Times New Roman" panose="02020603050405020304" pitchFamily="18" charset="0"/>
+              </a:rPr>
+              <a:t>            </a:t>
+            </a:r>
+            <a:r>
+              <a:rPr lang="it-IT" sz="1200" dirty="0" err="1">
+                <a:solidFill>
+                  <a:srgbClr val="C586C0"/>
+                </a:solidFill>
+                <a:latin typeface="Consolas" panose="020B0609020204030204" pitchFamily="49" charset="0"/>
+                <a:ea typeface="Times New Roman" panose="02020603050405020304" pitchFamily="18" charset="0"/>
+                <a:cs typeface="Times New Roman" panose="02020603050405020304" pitchFamily="18" charset="0"/>
+              </a:rPr>
+              <a:t>if</a:t>
+            </a:r>
+            <a:r>
+              <a:rPr lang="it-IT" sz="1200" dirty="0">
+                <a:solidFill>
+                  <a:srgbClr val="D4D4D4"/>
+                </a:solidFill>
+                <a:latin typeface="Consolas" panose="020B0609020204030204" pitchFamily="49" charset="0"/>
+                <a:ea typeface="Times New Roman" panose="02020603050405020304" pitchFamily="18" charset="0"/>
+                <a:cs typeface="Times New Roman" panose="02020603050405020304" pitchFamily="18" charset="0"/>
+              </a:rPr>
+              <a:t> (</a:t>
+            </a:r>
+            <a:r>
+              <a:rPr lang="it-IT" sz="1200" dirty="0" err="1">
+                <a:solidFill>
+                  <a:srgbClr val="DCDCAA"/>
+                </a:solidFill>
+                <a:latin typeface="Consolas" panose="020B0609020204030204" pitchFamily="49" charset="0"/>
+                <a:ea typeface="Times New Roman" panose="02020603050405020304" pitchFamily="18" charset="0"/>
+                <a:cs typeface="Times New Roman" panose="02020603050405020304" pitchFamily="18" charset="0"/>
+              </a:rPr>
+              <a:t>recvfrom</a:t>
+            </a:r>
+            <a:r>
+              <a:rPr lang="it-IT" sz="1200" dirty="0">
+                <a:solidFill>
+                  <a:srgbClr val="D4D4D4"/>
+                </a:solidFill>
+                <a:latin typeface="Consolas" panose="020B0609020204030204" pitchFamily="49" charset="0"/>
+                <a:ea typeface="Times New Roman" panose="02020603050405020304" pitchFamily="18" charset="0"/>
+                <a:cs typeface="Times New Roman" panose="02020603050405020304" pitchFamily="18" charset="0"/>
+              </a:rPr>
+              <a:t>(</a:t>
+            </a:r>
+            <a:r>
+              <a:rPr lang="it-IT" sz="1200" dirty="0" err="1">
+                <a:solidFill>
+                  <a:srgbClr val="D4D4D4"/>
+                </a:solidFill>
+                <a:latin typeface="Consolas" panose="020B0609020204030204" pitchFamily="49" charset="0"/>
+                <a:ea typeface="Times New Roman" panose="02020603050405020304" pitchFamily="18" charset="0"/>
+                <a:cs typeface="Times New Roman" panose="02020603050405020304" pitchFamily="18" charset="0"/>
+              </a:rPr>
+              <a:t>socketDescriptor</a:t>
+            </a:r>
+            <a:r>
+              <a:rPr lang="it-IT" sz="1200" dirty="0">
+                <a:solidFill>
+                  <a:srgbClr val="D4D4D4"/>
+                </a:solidFill>
+                <a:latin typeface="Consolas" panose="020B0609020204030204" pitchFamily="49" charset="0"/>
+                <a:ea typeface="Times New Roman" panose="02020603050405020304" pitchFamily="18" charset="0"/>
+                <a:cs typeface="Times New Roman" panose="02020603050405020304" pitchFamily="18" charset="0"/>
+              </a:rPr>
+              <a:t>, &amp;</a:t>
+            </a:r>
+            <a:r>
+              <a:rPr lang="it-IT" sz="1200" dirty="0" err="1">
+                <a:solidFill>
+                  <a:srgbClr val="D4D4D4"/>
+                </a:solidFill>
+                <a:latin typeface="Consolas" panose="020B0609020204030204" pitchFamily="49" charset="0"/>
+                <a:ea typeface="Times New Roman" panose="02020603050405020304" pitchFamily="18" charset="0"/>
+                <a:cs typeface="Times New Roman" panose="02020603050405020304" pitchFamily="18" charset="0"/>
+              </a:rPr>
+              <a:t>result</a:t>
+            </a:r>
+            <a:r>
+              <a:rPr lang="it-IT" sz="1200" dirty="0">
+                <a:solidFill>
+                  <a:srgbClr val="D4D4D4"/>
+                </a:solidFill>
+                <a:latin typeface="Consolas" panose="020B0609020204030204" pitchFamily="49" charset="0"/>
+                <a:ea typeface="Times New Roman" panose="02020603050405020304" pitchFamily="18" charset="0"/>
+                <a:cs typeface="Times New Roman" panose="02020603050405020304" pitchFamily="18" charset="0"/>
+              </a:rPr>
+              <a:t>, </a:t>
+            </a:r>
+            <a:r>
+              <a:rPr lang="it-IT" sz="1200" dirty="0" err="1">
+                <a:solidFill>
+                  <a:srgbClr val="569CD6"/>
+                </a:solidFill>
+                <a:latin typeface="Consolas" panose="020B0609020204030204" pitchFamily="49" charset="0"/>
+                <a:ea typeface="Times New Roman" panose="02020603050405020304" pitchFamily="18" charset="0"/>
+                <a:cs typeface="Times New Roman" panose="02020603050405020304" pitchFamily="18" charset="0"/>
+              </a:rPr>
+              <a:t>sizeof</a:t>
+            </a:r>
+            <a:r>
+              <a:rPr lang="it-IT" sz="1200" dirty="0">
+                <a:solidFill>
+                  <a:srgbClr val="D4D4D4"/>
+                </a:solidFill>
+                <a:latin typeface="Consolas" panose="020B0609020204030204" pitchFamily="49" charset="0"/>
+                <a:ea typeface="Times New Roman" panose="02020603050405020304" pitchFamily="18" charset="0"/>
+                <a:cs typeface="Times New Roman" panose="02020603050405020304" pitchFamily="18" charset="0"/>
+              </a:rPr>
+              <a:t>(</a:t>
+            </a:r>
+            <a:r>
+              <a:rPr lang="it-IT" sz="1200" dirty="0" err="1">
+                <a:solidFill>
+                  <a:srgbClr val="D4D4D4"/>
+                </a:solidFill>
+                <a:latin typeface="Consolas" panose="020B0609020204030204" pitchFamily="49" charset="0"/>
+                <a:ea typeface="Times New Roman" panose="02020603050405020304" pitchFamily="18" charset="0"/>
+                <a:cs typeface="Times New Roman" panose="02020603050405020304" pitchFamily="18" charset="0"/>
+              </a:rPr>
+              <a:t>result</a:t>
+            </a:r>
+            <a:r>
+              <a:rPr lang="it-IT" sz="1200" dirty="0">
+                <a:solidFill>
+                  <a:srgbClr val="D4D4D4"/>
+                </a:solidFill>
+                <a:latin typeface="Consolas" panose="020B0609020204030204" pitchFamily="49" charset="0"/>
+                <a:ea typeface="Times New Roman" panose="02020603050405020304" pitchFamily="18" charset="0"/>
+                <a:cs typeface="Times New Roman" panose="02020603050405020304" pitchFamily="18" charset="0"/>
+              </a:rPr>
+              <a:t>), </a:t>
+            </a:r>
+            <a:r>
+              <a:rPr lang="it-IT" sz="1200" dirty="0">
+                <a:solidFill>
+                  <a:srgbClr val="B5CEA8"/>
+                </a:solidFill>
+                <a:latin typeface="Consolas" panose="020B0609020204030204" pitchFamily="49" charset="0"/>
+                <a:ea typeface="Times New Roman" panose="02020603050405020304" pitchFamily="18" charset="0"/>
+                <a:cs typeface="Times New Roman" panose="02020603050405020304" pitchFamily="18" charset="0"/>
+              </a:rPr>
+              <a:t>0</a:t>
+            </a:r>
+            <a:r>
+              <a:rPr lang="it-IT" sz="1200" dirty="0">
+                <a:solidFill>
+                  <a:srgbClr val="D4D4D4"/>
+                </a:solidFill>
+                <a:latin typeface="Consolas" panose="020B0609020204030204" pitchFamily="49" charset="0"/>
+                <a:ea typeface="Times New Roman" panose="02020603050405020304" pitchFamily="18" charset="0"/>
+                <a:cs typeface="Times New Roman" panose="02020603050405020304" pitchFamily="18" charset="0"/>
+              </a:rPr>
+              <a:t>, (</a:t>
+            </a:r>
+            <a:r>
+              <a:rPr lang="it-IT" sz="1200" dirty="0" err="1">
+                <a:solidFill>
+                  <a:srgbClr val="569CD6"/>
+                </a:solidFill>
+                <a:latin typeface="Consolas" panose="020B0609020204030204" pitchFamily="49" charset="0"/>
+                <a:ea typeface="Times New Roman" panose="02020603050405020304" pitchFamily="18" charset="0"/>
+                <a:cs typeface="Times New Roman" panose="02020603050405020304" pitchFamily="18" charset="0"/>
+              </a:rPr>
+              <a:t>struct</a:t>
+            </a:r>
+            <a:r>
+              <a:rPr lang="it-IT" sz="1200" dirty="0">
+                <a:solidFill>
+                  <a:srgbClr val="D4D4D4"/>
+                </a:solidFill>
+                <a:latin typeface="Consolas" panose="020B0609020204030204" pitchFamily="49" charset="0"/>
+                <a:ea typeface="Times New Roman" panose="02020603050405020304" pitchFamily="18" charset="0"/>
+                <a:cs typeface="Times New Roman" panose="02020603050405020304" pitchFamily="18" charset="0"/>
+              </a:rPr>
+              <a:t> </a:t>
+            </a:r>
+            <a:r>
+              <a:rPr lang="it-IT" sz="1200" dirty="0" err="1">
+                <a:solidFill>
+                  <a:srgbClr val="D4D4D4"/>
+                </a:solidFill>
+                <a:latin typeface="Consolas" panose="020B0609020204030204" pitchFamily="49" charset="0"/>
+                <a:ea typeface="Times New Roman" panose="02020603050405020304" pitchFamily="18" charset="0"/>
+                <a:cs typeface="Times New Roman" panose="02020603050405020304" pitchFamily="18" charset="0"/>
+              </a:rPr>
+              <a:t>sockaddr</a:t>
+            </a:r>
+            <a:r>
+              <a:rPr lang="it-IT" sz="1200" dirty="0">
+                <a:solidFill>
+                  <a:srgbClr val="D4D4D4"/>
+                </a:solidFill>
+                <a:latin typeface="Consolas" panose="020B0609020204030204" pitchFamily="49" charset="0"/>
+                <a:ea typeface="Times New Roman" panose="02020603050405020304" pitchFamily="18" charset="0"/>
+                <a:cs typeface="Times New Roman" panose="02020603050405020304" pitchFamily="18" charset="0"/>
+              </a:rPr>
+              <a:t>*)&amp;</a:t>
+            </a:r>
+            <a:r>
+              <a:rPr lang="it-IT" sz="1200" dirty="0" err="1">
+                <a:solidFill>
+                  <a:srgbClr val="D4D4D4"/>
+                </a:solidFill>
+                <a:latin typeface="Consolas" panose="020B0609020204030204" pitchFamily="49" charset="0"/>
+                <a:ea typeface="Times New Roman" panose="02020603050405020304" pitchFamily="18" charset="0"/>
+                <a:cs typeface="Times New Roman" panose="02020603050405020304" pitchFamily="18" charset="0"/>
+              </a:rPr>
+              <a:t>servaddr</a:t>
+            </a:r>
+            <a:r>
+              <a:rPr lang="it-IT" sz="1200" dirty="0">
+                <a:solidFill>
+                  <a:srgbClr val="D4D4D4"/>
+                </a:solidFill>
+                <a:latin typeface="Consolas" panose="020B0609020204030204" pitchFamily="49" charset="0"/>
+                <a:ea typeface="Times New Roman" panose="02020603050405020304" pitchFamily="18" charset="0"/>
+                <a:cs typeface="Times New Roman" panose="02020603050405020304" pitchFamily="18" charset="0"/>
+              </a:rPr>
+              <a:t>, &amp;</a:t>
+            </a:r>
+            <a:r>
+              <a:rPr lang="it-IT" sz="1200" dirty="0" err="1">
+                <a:solidFill>
+                  <a:srgbClr val="D4D4D4"/>
+                </a:solidFill>
+                <a:latin typeface="Consolas" panose="020B0609020204030204" pitchFamily="49" charset="0"/>
+                <a:ea typeface="Times New Roman" panose="02020603050405020304" pitchFamily="18" charset="0"/>
+                <a:cs typeface="Times New Roman" panose="02020603050405020304" pitchFamily="18" charset="0"/>
+              </a:rPr>
+              <a:t>length</a:t>
+            </a:r>
+            <a:r>
+              <a:rPr lang="it-IT" sz="1200" dirty="0">
+                <a:solidFill>
+                  <a:srgbClr val="D4D4D4"/>
+                </a:solidFill>
+                <a:latin typeface="Consolas" panose="020B0609020204030204" pitchFamily="49" charset="0"/>
+                <a:ea typeface="Times New Roman" panose="02020603050405020304" pitchFamily="18" charset="0"/>
+                <a:cs typeface="Times New Roman" panose="02020603050405020304" pitchFamily="18" charset="0"/>
+              </a:rPr>
+              <a:t>) &lt; </a:t>
+            </a:r>
+            <a:r>
+              <a:rPr lang="it-IT" sz="1200" dirty="0">
+                <a:solidFill>
+                  <a:srgbClr val="B5CEA8"/>
+                </a:solidFill>
+                <a:latin typeface="Consolas" panose="020B0609020204030204" pitchFamily="49" charset="0"/>
+                <a:ea typeface="Times New Roman" panose="02020603050405020304" pitchFamily="18" charset="0"/>
+                <a:cs typeface="Times New Roman" panose="02020603050405020304" pitchFamily="18" charset="0"/>
+              </a:rPr>
+              <a:t>0</a:t>
+            </a:r>
+            <a:r>
+              <a:rPr lang="it-IT" sz="1200" dirty="0">
+                <a:solidFill>
+                  <a:srgbClr val="D4D4D4"/>
+                </a:solidFill>
+                <a:latin typeface="Consolas" panose="020B0609020204030204" pitchFamily="49" charset="0"/>
+                <a:ea typeface="Times New Roman" panose="02020603050405020304" pitchFamily="18" charset="0"/>
+                <a:cs typeface="Times New Roman" panose="02020603050405020304" pitchFamily="18" charset="0"/>
+              </a:rPr>
+              <a:t>) {</a:t>
+            </a:r>
+            <a:endParaRPr lang="it-IT" sz="1200" dirty="0">
+              <a:latin typeface="Consolas" panose="020B0609020204030204" pitchFamily="49" charset="0"/>
+              <a:ea typeface="Calibri" panose="020F0502020204030204" pitchFamily="34" charset="0"/>
+              <a:cs typeface="Times New Roman" panose="02020603050405020304" pitchFamily="18" charset="0"/>
+            </a:endParaRPr>
+          </a:p>
+          <a:p>
+            <a:pPr>
+              <a:lnSpc>
+                <a:spcPct val="150000"/>
+              </a:lnSpc>
+              <a:spcAft>
+                <a:spcPts val="0"/>
+              </a:spcAft>
+            </a:pPr>
+            <a:r>
+              <a:rPr lang="it-IT" sz="1200" dirty="0">
+                <a:solidFill>
+                  <a:srgbClr val="D4D4D4"/>
+                </a:solidFill>
+                <a:latin typeface="Consolas" panose="020B0609020204030204" pitchFamily="49" charset="0"/>
+                <a:ea typeface="Times New Roman" panose="02020603050405020304" pitchFamily="18" charset="0"/>
+                <a:cs typeface="Times New Roman" panose="02020603050405020304" pitchFamily="18" charset="0"/>
+              </a:rPr>
+              <a:t>                </a:t>
+            </a:r>
+            <a:r>
+              <a:rPr lang="it-IT" sz="1200" dirty="0" err="1">
+                <a:solidFill>
+                  <a:srgbClr val="DCDCAA"/>
+                </a:solidFill>
+                <a:latin typeface="Consolas" panose="020B0609020204030204" pitchFamily="49" charset="0"/>
+                <a:ea typeface="Times New Roman" panose="02020603050405020304" pitchFamily="18" charset="0"/>
+                <a:cs typeface="Times New Roman" panose="02020603050405020304" pitchFamily="18" charset="0"/>
+              </a:rPr>
+              <a:t>perror</a:t>
+            </a:r>
+            <a:r>
+              <a:rPr lang="it-IT" sz="1200" dirty="0">
+                <a:solidFill>
+                  <a:srgbClr val="D4D4D4"/>
+                </a:solidFill>
+                <a:latin typeface="Consolas" panose="020B0609020204030204" pitchFamily="49" charset="0"/>
+                <a:ea typeface="Times New Roman" panose="02020603050405020304" pitchFamily="18" charset="0"/>
+                <a:cs typeface="Times New Roman" panose="02020603050405020304" pitchFamily="18" charset="0"/>
+              </a:rPr>
+              <a:t>(</a:t>
+            </a:r>
+            <a:r>
+              <a:rPr lang="it-IT" sz="1200" dirty="0">
+                <a:solidFill>
+                  <a:srgbClr val="CE9178"/>
+                </a:solidFill>
+                <a:latin typeface="Consolas" panose="020B0609020204030204" pitchFamily="49" charset="0"/>
+                <a:ea typeface="Times New Roman" panose="02020603050405020304" pitchFamily="18" charset="0"/>
+                <a:cs typeface="Times New Roman" panose="02020603050405020304" pitchFamily="18" charset="0"/>
+              </a:rPr>
+              <a:t>"Errore nella </a:t>
+            </a:r>
+            <a:r>
+              <a:rPr lang="it-IT" sz="1200" dirty="0" err="1">
+                <a:solidFill>
+                  <a:srgbClr val="CE9178"/>
+                </a:solidFill>
+                <a:latin typeface="Consolas" panose="020B0609020204030204" pitchFamily="49" charset="0"/>
+                <a:ea typeface="Times New Roman" panose="02020603050405020304" pitchFamily="18" charset="0"/>
+                <a:cs typeface="Times New Roman" panose="02020603050405020304" pitchFamily="18" charset="0"/>
+              </a:rPr>
+              <a:t>recvfrom</a:t>
+            </a:r>
+            <a:r>
+              <a:rPr lang="it-IT" sz="1200" dirty="0">
+                <a:solidFill>
+                  <a:srgbClr val="CE9178"/>
+                </a:solidFill>
+                <a:latin typeface="Consolas" panose="020B0609020204030204" pitchFamily="49" charset="0"/>
+                <a:ea typeface="Times New Roman" panose="02020603050405020304" pitchFamily="18" charset="0"/>
+                <a:cs typeface="Times New Roman" panose="02020603050405020304" pitchFamily="18" charset="0"/>
+              </a:rPr>
+              <a:t>."</a:t>
+            </a:r>
+            <a:r>
+              <a:rPr lang="it-IT" sz="1200" dirty="0">
+                <a:solidFill>
+                  <a:srgbClr val="D4D4D4"/>
+                </a:solidFill>
+                <a:latin typeface="Consolas" panose="020B0609020204030204" pitchFamily="49" charset="0"/>
+                <a:ea typeface="Times New Roman" panose="02020603050405020304" pitchFamily="18" charset="0"/>
+                <a:cs typeface="Times New Roman" panose="02020603050405020304" pitchFamily="18" charset="0"/>
+              </a:rPr>
+              <a:t>);</a:t>
+            </a:r>
+            <a:endParaRPr lang="it-IT" sz="1200" dirty="0">
+              <a:latin typeface="Consolas" panose="020B0609020204030204" pitchFamily="49" charset="0"/>
+              <a:ea typeface="Calibri" panose="020F0502020204030204" pitchFamily="34" charset="0"/>
+              <a:cs typeface="Times New Roman" panose="02020603050405020304" pitchFamily="18" charset="0"/>
+            </a:endParaRPr>
+          </a:p>
+          <a:p>
+            <a:pPr>
+              <a:lnSpc>
+                <a:spcPct val="150000"/>
+              </a:lnSpc>
+              <a:spcAft>
+                <a:spcPts val="0"/>
+              </a:spcAft>
+            </a:pPr>
+            <a:r>
+              <a:rPr lang="it-IT" sz="1200" dirty="0">
+                <a:solidFill>
+                  <a:srgbClr val="D4D4D4"/>
+                </a:solidFill>
+                <a:latin typeface="Consolas" panose="020B0609020204030204" pitchFamily="49" charset="0"/>
+                <a:ea typeface="Times New Roman" panose="02020603050405020304" pitchFamily="18" charset="0"/>
+                <a:cs typeface="Times New Roman" panose="02020603050405020304" pitchFamily="18" charset="0"/>
+              </a:rPr>
+              <a:t>                </a:t>
+            </a:r>
+            <a:r>
+              <a:rPr lang="it-IT" sz="1200" dirty="0">
+                <a:solidFill>
+                  <a:srgbClr val="C586C0"/>
+                </a:solidFill>
+                <a:latin typeface="Consolas" panose="020B0609020204030204" pitchFamily="49" charset="0"/>
+                <a:ea typeface="Times New Roman" panose="02020603050405020304" pitchFamily="18" charset="0"/>
+                <a:cs typeface="Times New Roman" panose="02020603050405020304" pitchFamily="18" charset="0"/>
+              </a:rPr>
+              <a:t>continue</a:t>
+            </a:r>
+            <a:r>
+              <a:rPr lang="it-IT" sz="1200" dirty="0">
+                <a:solidFill>
+                  <a:srgbClr val="D4D4D4"/>
+                </a:solidFill>
+                <a:latin typeface="Consolas" panose="020B0609020204030204" pitchFamily="49" charset="0"/>
+                <a:ea typeface="Times New Roman" panose="02020603050405020304" pitchFamily="18" charset="0"/>
+                <a:cs typeface="Times New Roman" panose="02020603050405020304" pitchFamily="18" charset="0"/>
+              </a:rPr>
+              <a:t>;</a:t>
+            </a:r>
+            <a:endParaRPr lang="it-IT" sz="1200" dirty="0">
+              <a:latin typeface="Consolas" panose="020B0609020204030204" pitchFamily="49" charset="0"/>
+              <a:ea typeface="Calibri" panose="020F0502020204030204" pitchFamily="34" charset="0"/>
+              <a:cs typeface="Times New Roman" panose="02020603050405020304" pitchFamily="18" charset="0"/>
+            </a:endParaRPr>
+          </a:p>
+          <a:p>
+            <a:pPr>
+              <a:lnSpc>
+                <a:spcPct val="150000"/>
+              </a:lnSpc>
+              <a:spcAft>
+                <a:spcPts val="0"/>
+              </a:spcAft>
+            </a:pPr>
+            <a:r>
+              <a:rPr lang="it-IT" sz="1200" dirty="0">
+                <a:solidFill>
+                  <a:srgbClr val="D4D4D4"/>
+                </a:solidFill>
+                <a:latin typeface="Consolas" panose="020B0609020204030204" pitchFamily="49" charset="0"/>
+                <a:ea typeface="Times New Roman" panose="02020603050405020304" pitchFamily="18" charset="0"/>
+                <a:cs typeface="Times New Roman" panose="02020603050405020304" pitchFamily="18" charset="0"/>
+              </a:rPr>
+              <a:t>            }</a:t>
+            </a:r>
+            <a:endParaRPr lang="it-IT" sz="1200" dirty="0">
+              <a:latin typeface="Consolas" panose="020B0609020204030204" pitchFamily="49" charset="0"/>
+              <a:ea typeface="Calibri" panose="020F0502020204030204" pitchFamily="34" charset="0"/>
+              <a:cs typeface="Times New Roman" panose="02020603050405020304" pitchFamily="18" charset="0"/>
+            </a:endParaRPr>
+          </a:p>
+          <a:p>
+            <a:pPr>
+              <a:lnSpc>
+                <a:spcPct val="150000"/>
+              </a:lnSpc>
+              <a:spcAft>
+                <a:spcPts val="0"/>
+              </a:spcAft>
+            </a:pPr>
+            <a:r>
+              <a:rPr lang="it-IT" sz="1200" dirty="0">
+                <a:solidFill>
+                  <a:srgbClr val="D4D4D4"/>
+                </a:solidFill>
+                <a:latin typeface="Consolas" panose="020B0609020204030204" pitchFamily="49" charset="0"/>
+                <a:ea typeface="Times New Roman" panose="02020603050405020304" pitchFamily="18" charset="0"/>
+                <a:cs typeface="Times New Roman" panose="02020603050405020304" pitchFamily="18" charset="0"/>
+              </a:rPr>
+              <a:t>        </a:t>
+            </a:r>
+            <a:endParaRPr lang="it-IT" sz="1200" dirty="0">
+              <a:latin typeface="Consolas" panose="020B0609020204030204" pitchFamily="49" charset="0"/>
+              <a:ea typeface="Calibri" panose="020F0502020204030204" pitchFamily="34" charset="0"/>
+              <a:cs typeface="Times New Roman" panose="02020603050405020304" pitchFamily="18" charset="0"/>
+            </a:endParaRPr>
+          </a:p>
+          <a:p>
+            <a:pPr>
+              <a:lnSpc>
+                <a:spcPct val="150000"/>
+              </a:lnSpc>
+              <a:spcAft>
+                <a:spcPts val="0"/>
+              </a:spcAft>
+            </a:pPr>
+            <a:r>
+              <a:rPr lang="it-IT" sz="1200" dirty="0">
+                <a:solidFill>
+                  <a:srgbClr val="D4D4D4"/>
+                </a:solidFill>
+                <a:latin typeface="Consolas" panose="020B0609020204030204" pitchFamily="49" charset="0"/>
+                <a:ea typeface="Times New Roman" panose="02020603050405020304" pitchFamily="18" charset="0"/>
+                <a:cs typeface="Times New Roman" panose="02020603050405020304" pitchFamily="18" charset="0"/>
+              </a:rPr>
+              <a:t>            </a:t>
+            </a:r>
+            <a:r>
+              <a:rPr lang="it-IT" sz="1200" dirty="0" err="1">
+                <a:solidFill>
+                  <a:srgbClr val="C586C0"/>
+                </a:solidFill>
+                <a:latin typeface="Consolas" panose="020B0609020204030204" pitchFamily="49" charset="0"/>
+                <a:ea typeface="Times New Roman" panose="02020603050405020304" pitchFamily="18" charset="0"/>
+                <a:cs typeface="Times New Roman" panose="02020603050405020304" pitchFamily="18" charset="0"/>
+              </a:rPr>
+              <a:t>if</a:t>
+            </a:r>
+            <a:r>
+              <a:rPr lang="it-IT" sz="1200" dirty="0">
+                <a:solidFill>
+                  <a:srgbClr val="D4D4D4"/>
+                </a:solidFill>
+                <a:latin typeface="Consolas" panose="020B0609020204030204" pitchFamily="49" charset="0"/>
+                <a:ea typeface="Times New Roman" panose="02020603050405020304" pitchFamily="18" charset="0"/>
+                <a:cs typeface="Times New Roman" panose="02020603050405020304" pitchFamily="18" charset="0"/>
+              </a:rPr>
+              <a:t> ((</a:t>
+            </a:r>
+            <a:r>
+              <a:rPr lang="it-IT" sz="1200" dirty="0" err="1">
+                <a:solidFill>
+                  <a:srgbClr val="569CD6"/>
+                </a:solidFill>
+                <a:latin typeface="Consolas" panose="020B0609020204030204" pitchFamily="49" charset="0"/>
+                <a:ea typeface="Times New Roman" panose="02020603050405020304" pitchFamily="18" charset="0"/>
+                <a:cs typeface="Times New Roman" panose="02020603050405020304" pitchFamily="18" charset="0"/>
+              </a:rPr>
+              <a:t>int</a:t>
+            </a:r>
+            <a:r>
+              <a:rPr lang="it-IT" sz="1200" dirty="0">
+                <a:solidFill>
+                  <a:srgbClr val="D4D4D4"/>
+                </a:solidFill>
+                <a:latin typeface="Consolas" panose="020B0609020204030204" pitchFamily="49" charset="0"/>
+                <a:ea typeface="Times New Roman" panose="02020603050405020304" pitchFamily="18" charset="0"/>
+                <a:cs typeface="Times New Roman" panose="02020603050405020304" pitchFamily="18" charset="0"/>
+              </a:rPr>
+              <a:t>)</a:t>
+            </a:r>
+            <a:r>
+              <a:rPr lang="it-IT" sz="1200" dirty="0" err="1">
+                <a:solidFill>
+                  <a:srgbClr val="DCDCAA"/>
+                </a:solidFill>
+                <a:latin typeface="Consolas" panose="020B0609020204030204" pitchFamily="49" charset="0"/>
+                <a:ea typeface="Times New Roman" panose="02020603050405020304" pitchFamily="18" charset="0"/>
+                <a:cs typeface="Times New Roman" panose="02020603050405020304" pitchFamily="18" charset="0"/>
+              </a:rPr>
+              <a:t>ntohl</a:t>
+            </a:r>
+            <a:r>
+              <a:rPr lang="it-IT" sz="1200" dirty="0">
+                <a:solidFill>
+                  <a:srgbClr val="D4D4D4"/>
+                </a:solidFill>
+                <a:latin typeface="Consolas" panose="020B0609020204030204" pitchFamily="49" charset="0"/>
+                <a:ea typeface="Times New Roman" panose="02020603050405020304" pitchFamily="18" charset="0"/>
+                <a:cs typeface="Times New Roman" panose="02020603050405020304" pitchFamily="18" charset="0"/>
+              </a:rPr>
+              <a:t>(</a:t>
+            </a:r>
+            <a:r>
+              <a:rPr lang="it-IT" sz="1200" dirty="0" err="1">
+                <a:solidFill>
+                  <a:srgbClr val="D4D4D4"/>
+                </a:solidFill>
+                <a:latin typeface="Consolas" panose="020B0609020204030204" pitchFamily="49" charset="0"/>
+                <a:ea typeface="Times New Roman" panose="02020603050405020304" pitchFamily="18" charset="0"/>
+                <a:cs typeface="Times New Roman" panose="02020603050405020304" pitchFamily="18" charset="0"/>
+              </a:rPr>
+              <a:t>result</a:t>
+            </a:r>
+            <a:r>
+              <a:rPr lang="it-IT" sz="1200" dirty="0">
+                <a:solidFill>
+                  <a:srgbClr val="D4D4D4"/>
+                </a:solidFill>
+                <a:latin typeface="Consolas" panose="020B0609020204030204" pitchFamily="49" charset="0"/>
+                <a:ea typeface="Times New Roman" panose="02020603050405020304" pitchFamily="18" charset="0"/>
+                <a:cs typeface="Times New Roman" panose="02020603050405020304" pitchFamily="18" charset="0"/>
+              </a:rPr>
+              <a:t>) &gt; </a:t>
+            </a:r>
+            <a:r>
+              <a:rPr lang="it-IT" sz="1200" dirty="0">
+                <a:solidFill>
+                  <a:srgbClr val="B5CEA8"/>
+                </a:solidFill>
+                <a:latin typeface="Consolas" panose="020B0609020204030204" pitchFamily="49" charset="0"/>
+                <a:ea typeface="Times New Roman" panose="02020603050405020304" pitchFamily="18" charset="0"/>
+                <a:cs typeface="Times New Roman" panose="02020603050405020304" pitchFamily="18" charset="0"/>
+              </a:rPr>
+              <a:t>0</a:t>
+            </a:r>
+            <a:r>
+              <a:rPr lang="it-IT" sz="1200" dirty="0">
+                <a:solidFill>
+                  <a:srgbClr val="D4D4D4"/>
+                </a:solidFill>
+                <a:latin typeface="Consolas" panose="020B0609020204030204" pitchFamily="49" charset="0"/>
+                <a:ea typeface="Times New Roman" panose="02020603050405020304" pitchFamily="18" charset="0"/>
+                <a:cs typeface="Times New Roman" panose="02020603050405020304" pitchFamily="18" charset="0"/>
+              </a:rPr>
+              <a:t>) {</a:t>
+            </a:r>
+            <a:endParaRPr lang="it-IT" sz="1200" dirty="0">
+              <a:latin typeface="Consolas" panose="020B0609020204030204" pitchFamily="49" charset="0"/>
+              <a:ea typeface="Calibri" panose="020F0502020204030204" pitchFamily="34" charset="0"/>
+              <a:cs typeface="Times New Roman" panose="02020603050405020304" pitchFamily="18" charset="0"/>
+            </a:endParaRPr>
+          </a:p>
+          <a:p>
+            <a:pPr>
+              <a:lnSpc>
+                <a:spcPct val="150000"/>
+              </a:lnSpc>
+              <a:spcAft>
+                <a:spcPts val="0"/>
+              </a:spcAft>
+            </a:pPr>
+            <a:r>
+              <a:rPr lang="it-IT" sz="1200" dirty="0">
+                <a:solidFill>
+                  <a:srgbClr val="D4D4D4"/>
+                </a:solidFill>
+                <a:latin typeface="Consolas" panose="020B0609020204030204" pitchFamily="49" charset="0"/>
+                <a:ea typeface="Times New Roman" panose="02020603050405020304" pitchFamily="18" charset="0"/>
+                <a:cs typeface="Times New Roman" panose="02020603050405020304" pitchFamily="18" charset="0"/>
+              </a:rPr>
+              <a:t>                </a:t>
+            </a:r>
+            <a:r>
+              <a:rPr lang="it-IT" sz="1200" dirty="0" err="1">
+                <a:solidFill>
+                  <a:srgbClr val="DCDCAA"/>
+                </a:solidFill>
+                <a:latin typeface="Consolas" panose="020B0609020204030204" pitchFamily="49" charset="0"/>
+                <a:ea typeface="Times New Roman" panose="02020603050405020304" pitchFamily="18" charset="0"/>
+                <a:cs typeface="Times New Roman" panose="02020603050405020304" pitchFamily="18" charset="0"/>
+              </a:rPr>
+              <a:t>printf</a:t>
+            </a:r>
+            <a:r>
+              <a:rPr lang="it-IT" sz="1200" dirty="0">
+                <a:solidFill>
+                  <a:srgbClr val="D4D4D4"/>
+                </a:solidFill>
+                <a:latin typeface="Consolas" panose="020B0609020204030204" pitchFamily="49" charset="0"/>
+                <a:ea typeface="Times New Roman" panose="02020603050405020304" pitchFamily="18" charset="0"/>
+                <a:cs typeface="Times New Roman" panose="02020603050405020304" pitchFamily="18" charset="0"/>
+              </a:rPr>
+              <a:t>(</a:t>
+            </a:r>
+            <a:r>
+              <a:rPr lang="it-IT" sz="1200" dirty="0">
+                <a:solidFill>
+                  <a:srgbClr val="CE9178"/>
+                </a:solidFill>
+                <a:latin typeface="Consolas" panose="020B0609020204030204" pitchFamily="49" charset="0"/>
+                <a:ea typeface="Times New Roman" panose="02020603050405020304" pitchFamily="18" charset="0"/>
+                <a:cs typeface="Times New Roman" panose="02020603050405020304" pitchFamily="18" charset="0"/>
+              </a:rPr>
+              <a:t>"La parola </a:t>
+            </a:r>
+            <a:r>
+              <a:rPr lang="it-IT" sz="1200" dirty="0" err="1">
+                <a:solidFill>
+                  <a:srgbClr val="CE9178"/>
+                </a:solidFill>
+                <a:latin typeface="Consolas" panose="020B0609020204030204" pitchFamily="49" charset="0"/>
+                <a:ea typeface="Times New Roman" panose="02020603050405020304" pitchFamily="18" charset="0"/>
+                <a:cs typeface="Times New Roman" panose="02020603050405020304" pitchFamily="18" charset="0"/>
+              </a:rPr>
+              <a:t>piu'</a:t>
+            </a:r>
+            <a:r>
+              <a:rPr lang="it-IT" sz="1200" dirty="0">
+                <a:solidFill>
+                  <a:srgbClr val="CE9178"/>
+                </a:solidFill>
+                <a:latin typeface="Consolas" panose="020B0609020204030204" pitchFamily="49" charset="0"/>
+                <a:ea typeface="Times New Roman" panose="02020603050405020304" pitchFamily="18" charset="0"/>
+                <a:cs typeface="Times New Roman" panose="02020603050405020304" pitchFamily="18" charset="0"/>
+              </a:rPr>
+              <a:t> lunga nel file richiesto ha %i caratteri.</a:t>
+            </a:r>
+            <a:r>
+              <a:rPr lang="it-IT" sz="1200" dirty="0">
+                <a:solidFill>
+                  <a:srgbClr val="D7BA7D"/>
+                </a:solidFill>
+                <a:latin typeface="Consolas" panose="020B0609020204030204" pitchFamily="49" charset="0"/>
+                <a:ea typeface="Times New Roman" panose="02020603050405020304" pitchFamily="18" charset="0"/>
+                <a:cs typeface="Times New Roman" panose="02020603050405020304" pitchFamily="18" charset="0"/>
+              </a:rPr>
+              <a:t>\n</a:t>
+            </a:r>
+            <a:r>
+              <a:rPr lang="it-IT" sz="1200" dirty="0">
+                <a:solidFill>
+                  <a:srgbClr val="CE9178"/>
+                </a:solidFill>
+                <a:latin typeface="Consolas" panose="020B0609020204030204" pitchFamily="49" charset="0"/>
+                <a:ea typeface="Times New Roman" panose="02020603050405020304" pitchFamily="18" charset="0"/>
+                <a:cs typeface="Times New Roman" panose="02020603050405020304" pitchFamily="18" charset="0"/>
+              </a:rPr>
+              <a:t>"</a:t>
+            </a:r>
+            <a:r>
+              <a:rPr lang="it-IT" sz="1200" dirty="0">
+                <a:solidFill>
+                  <a:srgbClr val="D4D4D4"/>
+                </a:solidFill>
+                <a:latin typeface="Consolas" panose="020B0609020204030204" pitchFamily="49" charset="0"/>
+                <a:ea typeface="Times New Roman" panose="02020603050405020304" pitchFamily="18" charset="0"/>
+                <a:cs typeface="Times New Roman" panose="02020603050405020304" pitchFamily="18" charset="0"/>
+              </a:rPr>
+              <a:t>, (</a:t>
+            </a:r>
+            <a:r>
+              <a:rPr lang="it-IT" sz="1200" dirty="0" err="1">
+                <a:solidFill>
+                  <a:srgbClr val="569CD6"/>
+                </a:solidFill>
+                <a:latin typeface="Consolas" panose="020B0609020204030204" pitchFamily="49" charset="0"/>
+                <a:ea typeface="Times New Roman" panose="02020603050405020304" pitchFamily="18" charset="0"/>
+                <a:cs typeface="Times New Roman" panose="02020603050405020304" pitchFamily="18" charset="0"/>
+              </a:rPr>
+              <a:t>int</a:t>
+            </a:r>
+            <a:r>
+              <a:rPr lang="it-IT" sz="1200" dirty="0">
+                <a:solidFill>
+                  <a:srgbClr val="D4D4D4"/>
+                </a:solidFill>
+                <a:latin typeface="Consolas" panose="020B0609020204030204" pitchFamily="49" charset="0"/>
+                <a:ea typeface="Times New Roman" panose="02020603050405020304" pitchFamily="18" charset="0"/>
+                <a:cs typeface="Times New Roman" panose="02020603050405020304" pitchFamily="18" charset="0"/>
+              </a:rPr>
+              <a:t>)</a:t>
+            </a:r>
+            <a:r>
+              <a:rPr lang="it-IT" sz="1200" dirty="0" err="1">
+                <a:solidFill>
+                  <a:srgbClr val="DCDCAA"/>
+                </a:solidFill>
+                <a:latin typeface="Consolas" panose="020B0609020204030204" pitchFamily="49" charset="0"/>
+                <a:ea typeface="Times New Roman" panose="02020603050405020304" pitchFamily="18" charset="0"/>
+                <a:cs typeface="Times New Roman" panose="02020603050405020304" pitchFamily="18" charset="0"/>
+              </a:rPr>
+              <a:t>ntohl</a:t>
+            </a:r>
+            <a:r>
+              <a:rPr lang="it-IT" sz="1200" dirty="0">
+                <a:solidFill>
+                  <a:srgbClr val="D4D4D4"/>
+                </a:solidFill>
+                <a:latin typeface="Consolas" panose="020B0609020204030204" pitchFamily="49" charset="0"/>
+                <a:ea typeface="Times New Roman" panose="02020603050405020304" pitchFamily="18" charset="0"/>
+                <a:cs typeface="Times New Roman" panose="02020603050405020304" pitchFamily="18" charset="0"/>
+              </a:rPr>
+              <a:t>(</a:t>
+            </a:r>
+            <a:r>
+              <a:rPr lang="it-IT" sz="1200" dirty="0" err="1">
+                <a:solidFill>
+                  <a:srgbClr val="D4D4D4"/>
+                </a:solidFill>
+                <a:latin typeface="Consolas" panose="020B0609020204030204" pitchFamily="49" charset="0"/>
+                <a:ea typeface="Times New Roman" panose="02020603050405020304" pitchFamily="18" charset="0"/>
+                <a:cs typeface="Times New Roman" panose="02020603050405020304" pitchFamily="18" charset="0"/>
+              </a:rPr>
+              <a:t>result</a:t>
+            </a:r>
+            <a:r>
+              <a:rPr lang="it-IT" sz="1200" dirty="0">
+                <a:solidFill>
+                  <a:srgbClr val="D4D4D4"/>
+                </a:solidFill>
+                <a:latin typeface="Consolas" panose="020B0609020204030204" pitchFamily="49" charset="0"/>
+                <a:ea typeface="Times New Roman" panose="02020603050405020304" pitchFamily="18" charset="0"/>
+                <a:cs typeface="Times New Roman" panose="02020603050405020304" pitchFamily="18" charset="0"/>
+              </a:rPr>
+              <a:t>));</a:t>
+            </a:r>
+            <a:endParaRPr lang="it-IT" sz="1200" dirty="0">
+              <a:latin typeface="Consolas" panose="020B0609020204030204" pitchFamily="49" charset="0"/>
+              <a:ea typeface="Calibri" panose="020F0502020204030204" pitchFamily="34" charset="0"/>
+              <a:cs typeface="Times New Roman" panose="02020603050405020304" pitchFamily="18" charset="0"/>
+            </a:endParaRPr>
+          </a:p>
+          <a:p>
+            <a:pPr>
+              <a:lnSpc>
+                <a:spcPct val="150000"/>
+              </a:lnSpc>
+              <a:spcAft>
+                <a:spcPts val="0"/>
+              </a:spcAft>
+            </a:pPr>
+            <a:r>
+              <a:rPr lang="it-IT" sz="1200" dirty="0">
+                <a:solidFill>
+                  <a:srgbClr val="D4D4D4"/>
+                </a:solidFill>
+                <a:latin typeface="Consolas" panose="020B0609020204030204" pitchFamily="49" charset="0"/>
+                <a:ea typeface="Times New Roman" panose="02020603050405020304" pitchFamily="18" charset="0"/>
+                <a:cs typeface="Times New Roman" panose="02020603050405020304" pitchFamily="18" charset="0"/>
+              </a:rPr>
+              <a:t>            } </a:t>
+            </a:r>
+            <a:r>
+              <a:rPr lang="it-IT" sz="1200" dirty="0">
+                <a:solidFill>
+                  <a:srgbClr val="C586C0"/>
+                </a:solidFill>
+                <a:latin typeface="Consolas" panose="020B0609020204030204" pitchFamily="49" charset="0"/>
+                <a:ea typeface="Times New Roman" panose="02020603050405020304" pitchFamily="18" charset="0"/>
+                <a:cs typeface="Times New Roman" panose="02020603050405020304" pitchFamily="18" charset="0"/>
+              </a:rPr>
+              <a:t>else</a:t>
+            </a:r>
+            <a:r>
+              <a:rPr lang="it-IT" sz="1200" dirty="0">
+                <a:solidFill>
+                  <a:srgbClr val="D4D4D4"/>
+                </a:solidFill>
+                <a:latin typeface="Consolas" panose="020B0609020204030204" pitchFamily="49" charset="0"/>
+                <a:ea typeface="Times New Roman" panose="02020603050405020304" pitchFamily="18" charset="0"/>
+                <a:cs typeface="Times New Roman" panose="02020603050405020304" pitchFamily="18" charset="0"/>
+              </a:rPr>
+              <a:t> </a:t>
+            </a:r>
+            <a:r>
+              <a:rPr lang="it-IT" sz="1200" dirty="0" err="1">
+                <a:solidFill>
+                  <a:srgbClr val="C586C0"/>
+                </a:solidFill>
+                <a:latin typeface="Consolas" panose="020B0609020204030204" pitchFamily="49" charset="0"/>
+                <a:ea typeface="Times New Roman" panose="02020603050405020304" pitchFamily="18" charset="0"/>
+                <a:cs typeface="Times New Roman" panose="02020603050405020304" pitchFamily="18" charset="0"/>
+              </a:rPr>
+              <a:t>if</a:t>
+            </a:r>
+            <a:r>
+              <a:rPr lang="it-IT" sz="1200" dirty="0">
+                <a:solidFill>
+                  <a:srgbClr val="D4D4D4"/>
+                </a:solidFill>
+                <a:latin typeface="Consolas" panose="020B0609020204030204" pitchFamily="49" charset="0"/>
+                <a:ea typeface="Times New Roman" panose="02020603050405020304" pitchFamily="18" charset="0"/>
+                <a:cs typeface="Times New Roman" panose="02020603050405020304" pitchFamily="18" charset="0"/>
+              </a:rPr>
+              <a:t> ((</a:t>
+            </a:r>
+            <a:r>
+              <a:rPr lang="it-IT" sz="1200" dirty="0" err="1">
+                <a:solidFill>
+                  <a:srgbClr val="569CD6"/>
+                </a:solidFill>
+                <a:latin typeface="Consolas" panose="020B0609020204030204" pitchFamily="49" charset="0"/>
+                <a:ea typeface="Times New Roman" panose="02020603050405020304" pitchFamily="18" charset="0"/>
+                <a:cs typeface="Times New Roman" panose="02020603050405020304" pitchFamily="18" charset="0"/>
+              </a:rPr>
+              <a:t>int</a:t>
+            </a:r>
+            <a:r>
+              <a:rPr lang="it-IT" sz="1200" dirty="0">
+                <a:solidFill>
+                  <a:srgbClr val="D4D4D4"/>
+                </a:solidFill>
+                <a:latin typeface="Consolas" panose="020B0609020204030204" pitchFamily="49" charset="0"/>
+                <a:ea typeface="Times New Roman" panose="02020603050405020304" pitchFamily="18" charset="0"/>
+                <a:cs typeface="Times New Roman" panose="02020603050405020304" pitchFamily="18" charset="0"/>
+              </a:rPr>
+              <a:t>)</a:t>
+            </a:r>
+            <a:r>
+              <a:rPr lang="it-IT" sz="1200" dirty="0" err="1">
+                <a:solidFill>
+                  <a:srgbClr val="DCDCAA"/>
+                </a:solidFill>
+                <a:latin typeface="Consolas" panose="020B0609020204030204" pitchFamily="49" charset="0"/>
+                <a:ea typeface="Times New Roman" panose="02020603050405020304" pitchFamily="18" charset="0"/>
+                <a:cs typeface="Times New Roman" panose="02020603050405020304" pitchFamily="18" charset="0"/>
+              </a:rPr>
+              <a:t>ntohl</a:t>
+            </a:r>
+            <a:r>
+              <a:rPr lang="it-IT" sz="1200" dirty="0">
+                <a:solidFill>
+                  <a:srgbClr val="D4D4D4"/>
+                </a:solidFill>
+                <a:latin typeface="Consolas" panose="020B0609020204030204" pitchFamily="49" charset="0"/>
+                <a:ea typeface="Times New Roman" panose="02020603050405020304" pitchFamily="18" charset="0"/>
+                <a:cs typeface="Times New Roman" panose="02020603050405020304" pitchFamily="18" charset="0"/>
+              </a:rPr>
+              <a:t>(</a:t>
+            </a:r>
+            <a:r>
+              <a:rPr lang="it-IT" sz="1200" dirty="0" err="1">
+                <a:solidFill>
+                  <a:srgbClr val="D4D4D4"/>
+                </a:solidFill>
+                <a:latin typeface="Consolas" panose="020B0609020204030204" pitchFamily="49" charset="0"/>
+                <a:ea typeface="Times New Roman" panose="02020603050405020304" pitchFamily="18" charset="0"/>
+                <a:cs typeface="Times New Roman" panose="02020603050405020304" pitchFamily="18" charset="0"/>
+              </a:rPr>
+              <a:t>result</a:t>
+            </a:r>
+            <a:r>
+              <a:rPr lang="it-IT" sz="1200" dirty="0">
+                <a:solidFill>
+                  <a:srgbClr val="D4D4D4"/>
+                </a:solidFill>
+                <a:latin typeface="Consolas" panose="020B0609020204030204" pitchFamily="49" charset="0"/>
+                <a:ea typeface="Times New Roman" panose="02020603050405020304" pitchFamily="18" charset="0"/>
+                <a:cs typeface="Times New Roman" panose="02020603050405020304" pitchFamily="18" charset="0"/>
+              </a:rPr>
+              <a:t>) == </a:t>
+            </a:r>
+            <a:r>
+              <a:rPr lang="it-IT" sz="1200" dirty="0">
+                <a:solidFill>
+                  <a:srgbClr val="B5CEA8"/>
+                </a:solidFill>
+                <a:latin typeface="Consolas" panose="020B0609020204030204" pitchFamily="49" charset="0"/>
+                <a:ea typeface="Times New Roman" panose="02020603050405020304" pitchFamily="18" charset="0"/>
+                <a:cs typeface="Times New Roman" panose="02020603050405020304" pitchFamily="18" charset="0"/>
+              </a:rPr>
+              <a:t>0</a:t>
+            </a:r>
+            <a:r>
+              <a:rPr lang="it-IT" sz="1200" dirty="0">
+                <a:solidFill>
+                  <a:srgbClr val="D4D4D4"/>
+                </a:solidFill>
+                <a:latin typeface="Consolas" panose="020B0609020204030204" pitchFamily="49" charset="0"/>
+                <a:ea typeface="Times New Roman" panose="02020603050405020304" pitchFamily="18" charset="0"/>
+                <a:cs typeface="Times New Roman" panose="02020603050405020304" pitchFamily="18" charset="0"/>
+              </a:rPr>
+              <a:t>) {</a:t>
+            </a:r>
+            <a:endParaRPr lang="it-IT" sz="1200" dirty="0">
+              <a:latin typeface="Consolas" panose="020B0609020204030204" pitchFamily="49" charset="0"/>
+              <a:ea typeface="Calibri" panose="020F0502020204030204" pitchFamily="34" charset="0"/>
+              <a:cs typeface="Times New Roman" panose="02020603050405020304" pitchFamily="18" charset="0"/>
+            </a:endParaRPr>
+          </a:p>
+          <a:p>
+            <a:pPr>
+              <a:lnSpc>
+                <a:spcPct val="150000"/>
+              </a:lnSpc>
+              <a:spcAft>
+                <a:spcPts val="0"/>
+              </a:spcAft>
+            </a:pPr>
+            <a:r>
+              <a:rPr lang="it-IT" sz="1200" dirty="0">
+                <a:solidFill>
+                  <a:srgbClr val="D4D4D4"/>
+                </a:solidFill>
+                <a:latin typeface="Consolas" panose="020B0609020204030204" pitchFamily="49" charset="0"/>
+                <a:ea typeface="Times New Roman" panose="02020603050405020304" pitchFamily="18" charset="0"/>
+                <a:cs typeface="Times New Roman" panose="02020603050405020304" pitchFamily="18" charset="0"/>
+              </a:rPr>
+              <a:t>                </a:t>
+            </a:r>
+            <a:r>
+              <a:rPr lang="it-IT" sz="1200" dirty="0" err="1">
+                <a:solidFill>
+                  <a:srgbClr val="DCDCAA"/>
+                </a:solidFill>
+                <a:latin typeface="Consolas" panose="020B0609020204030204" pitchFamily="49" charset="0"/>
+                <a:ea typeface="Times New Roman" panose="02020603050405020304" pitchFamily="18" charset="0"/>
+                <a:cs typeface="Times New Roman" panose="02020603050405020304" pitchFamily="18" charset="0"/>
+              </a:rPr>
+              <a:t>printf</a:t>
+            </a:r>
+            <a:r>
+              <a:rPr lang="it-IT" sz="1200" dirty="0">
+                <a:solidFill>
+                  <a:srgbClr val="D4D4D4"/>
+                </a:solidFill>
+                <a:latin typeface="Consolas" panose="020B0609020204030204" pitchFamily="49" charset="0"/>
+                <a:ea typeface="Times New Roman" panose="02020603050405020304" pitchFamily="18" charset="0"/>
+                <a:cs typeface="Times New Roman" panose="02020603050405020304" pitchFamily="18" charset="0"/>
+              </a:rPr>
+              <a:t>(</a:t>
+            </a:r>
+            <a:r>
+              <a:rPr lang="it-IT" sz="1200" dirty="0">
+                <a:solidFill>
+                  <a:srgbClr val="CE9178"/>
+                </a:solidFill>
+                <a:latin typeface="Consolas" panose="020B0609020204030204" pitchFamily="49" charset="0"/>
+                <a:ea typeface="Times New Roman" panose="02020603050405020304" pitchFamily="18" charset="0"/>
+                <a:cs typeface="Times New Roman" panose="02020603050405020304" pitchFamily="18" charset="0"/>
+              </a:rPr>
+              <a:t>"Nel file richiesto non ci sono parole.</a:t>
+            </a:r>
+            <a:r>
+              <a:rPr lang="it-IT" sz="1200" dirty="0">
+                <a:solidFill>
+                  <a:srgbClr val="D7BA7D"/>
+                </a:solidFill>
+                <a:latin typeface="Consolas" panose="020B0609020204030204" pitchFamily="49" charset="0"/>
+                <a:ea typeface="Times New Roman" panose="02020603050405020304" pitchFamily="18" charset="0"/>
+                <a:cs typeface="Times New Roman" panose="02020603050405020304" pitchFamily="18" charset="0"/>
+              </a:rPr>
+              <a:t>\n</a:t>
+            </a:r>
+            <a:r>
+              <a:rPr lang="it-IT" sz="1200" dirty="0">
+                <a:solidFill>
+                  <a:srgbClr val="CE9178"/>
+                </a:solidFill>
+                <a:latin typeface="Consolas" panose="020B0609020204030204" pitchFamily="49" charset="0"/>
+                <a:ea typeface="Times New Roman" panose="02020603050405020304" pitchFamily="18" charset="0"/>
+                <a:cs typeface="Times New Roman" panose="02020603050405020304" pitchFamily="18" charset="0"/>
+              </a:rPr>
+              <a:t>"</a:t>
+            </a:r>
+            <a:r>
+              <a:rPr lang="it-IT" sz="1200" dirty="0">
+                <a:solidFill>
+                  <a:srgbClr val="D4D4D4"/>
+                </a:solidFill>
+                <a:latin typeface="Consolas" panose="020B0609020204030204" pitchFamily="49" charset="0"/>
+                <a:ea typeface="Times New Roman" panose="02020603050405020304" pitchFamily="18" charset="0"/>
+                <a:cs typeface="Times New Roman" panose="02020603050405020304" pitchFamily="18" charset="0"/>
+              </a:rPr>
+              <a:t>);</a:t>
+            </a:r>
+            <a:endParaRPr lang="it-IT" sz="1200" dirty="0">
+              <a:latin typeface="Consolas" panose="020B0609020204030204" pitchFamily="49" charset="0"/>
+              <a:ea typeface="Calibri" panose="020F0502020204030204" pitchFamily="34" charset="0"/>
+              <a:cs typeface="Times New Roman" panose="02020603050405020304" pitchFamily="18" charset="0"/>
+            </a:endParaRPr>
+          </a:p>
+          <a:p>
+            <a:pPr>
+              <a:lnSpc>
+                <a:spcPct val="150000"/>
+              </a:lnSpc>
+              <a:spcAft>
+                <a:spcPts val="0"/>
+              </a:spcAft>
+            </a:pPr>
+            <a:r>
+              <a:rPr lang="it-IT" sz="1200" dirty="0">
+                <a:solidFill>
+                  <a:srgbClr val="D4D4D4"/>
+                </a:solidFill>
+                <a:latin typeface="Consolas" panose="020B0609020204030204" pitchFamily="49" charset="0"/>
+                <a:ea typeface="Times New Roman" panose="02020603050405020304" pitchFamily="18" charset="0"/>
+                <a:cs typeface="Times New Roman" panose="02020603050405020304" pitchFamily="18" charset="0"/>
+              </a:rPr>
+              <a:t>            } </a:t>
+            </a:r>
+            <a:r>
+              <a:rPr lang="it-IT" sz="1200" dirty="0">
+                <a:solidFill>
+                  <a:srgbClr val="C586C0"/>
+                </a:solidFill>
+                <a:latin typeface="Consolas" panose="020B0609020204030204" pitchFamily="49" charset="0"/>
+                <a:ea typeface="Times New Roman" panose="02020603050405020304" pitchFamily="18" charset="0"/>
+                <a:cs typeface="Times New Roman" panose="02020603050405020304" pitchFamily="18" charset="0"/>
+              </a:rPr>
+              <a:t>else</a:t>
+            </a:r>
+            <a:r>
+              <a:rPr lang="it-IT" sz="1200" dirty="0">
+                <a:solidFill>
+                  <a:srgbClr val="D4D4D4"/>
+                </a:solidFill>
+                <a:latin typeface="Consolas" panose="020B0609020204030204" pitchFamily="49" charset="0"/>
+                <a:ea typeface="Times New Roman" panose="02020603050405020304" pitchFamily="18" charset="0"/>
+                <a:cs typeface="Times New Roman" panose="02020603050405020304" pitchFamily="18" charset="0"/>
+              </a:rPr>
+              <a:t> {</a:t>
+            </a:r>
+            <a:endParaRPr lang="it-IT" sz="1200" dirty="0">
+              <a:latin typeface="Consolas" panose="020B0609020204030204" pitchFamily="49" charset="0"/>
+              <a:ea typeface="Calibri" panose="020F0502020204030204" pitchFamily="34" charset="0"/>
+              <a:cs typeface="Times New Roman" panose="02020603050405020304" pitchFamily="18" charset="0"/>
+            </a:endParaRPr>
+          </a:p>
+          <a:p>
+            <a:pPr>
+              <a:lnSpc>
+                <a:spcPct val="150000"/>
+              </a:lnSpc>
+              <a:spcAft>
+                <a:spcPts val="0"/>
+              </a:spcAft>
+            </a:pPr>
+            <a:r>
+              <a:rPr lang="it-IT" sz="1200" dirty="0">
+                <a:solidFill>
+                  <a:srgbClr val="D4D4D4"/>
+                </a:solidFill>
+                <a:latin typeface="Consolas" panose="020B0609020204030204" pitchFamily="49" charset="0"/>
+                <a:ea typeface="Times New Roman" panose="02020603050405020304" pitchFamily="18" charset="0"/>
+                <a:cs typeface="Times New Roman" panose="02020603050405020304" pitchFamily="18" charset="0"/>
+              </a:rPr>
+              <a:t>                </a:t>
+            </a:r>
+            <a:r>
+              <a:rPr lang="it-IT" sz="1200" dirty="0" err="1">
+                <a:solidFill>
+                  <a:srgbClr val="DCDCAA"/>
+                </a:solidFill>
+                <a:latin typeface="Consolas" panose="020B0609020204030204" pitchFamily="49" charset="0"/>
+                <a:ea typeface="Times New Roman" panose="02020603050405020304" pitchFamily="18" charset="0"/>
+                <a:cs typeface="Times New Roman" panose="02020603050405020304" pitchFamily="18" charset="0"/>
+              </a:rPr>
+              <a:t>printf</a:t>
+            </a:r>
+            <a:r>
+              <a:rPr lang="it-IT" sz="1200" dirty="0">
+                <a:solidFill>
+                  <a:srgbClr val="D4D4D4"/>
+                </a:solidFill>
+                <a:latin typeface="Consolas" panose="020B0609020204030204" pitchFamily="49" charset="0"/>
+                <a:ea typeface="Times New Roman" panose="02020603050405020304" pitchFamily="18" charset="0"/>
+                <a:cs typeface="Times New Roman" panose="02020603050405020304" pitchFamily="18" charset="0"/>
+              </a:rPr>
+              <a:t>(</a:t>
+            </a:r>
+            <a:r>
+              <a:rPr lang="it-IT" sz="1200" dirty="0">
+                <a:solidFill>
+                  <a:srgbClr val="CE9178"/>
+                </a:solidFill>
+                <a:latin typeface="Consolas" panose="020B0609020204030204" pitchFamily="49" charset="0"/>
+                <a:ea typeface="Times New Roman" panose="02020603050405020304" pitchFamily="18" charset="0"/>
+                <a:cs typeface="Times New Roman" panose="02020603050405020304" pitchFamily="18" charset="0"/>
+              </a:rPr>
+              <a:t>"Il file %s non esiste sul server.</a:t>
+            </a:r>
+            <a:r>
+              <a:rPr lang="it-IT" sz="1200" dirty="0">
+                <a:solidFill>
+                  <a:srgbClr val="D7BA7D"/>
+                </a:solidFill>
+                <a:latin typeface="Consolas" panose="020B0609020204030204" pitchFamily="49" charset="0"/>
+                <a:ea typeface="Times New Roman" panose="02020603050405020304" pitchFamily="18" charset="0"/>
+                <a:cs typeface="Times New Roman" panose="02020603050405020304" pitchFamily="18" charset="0"/>
+              </a:rPr>
+              <a:t>\n</a:t>
+            </a:r>
+            <a:r>
+              <a:rPr lang="it-IT" sz="1200" dirty="0">
+                <a:solidFill>
+                  <a:srgbClr val="CE9178"/>
+                </a:solidFill>
+                <a:latin typeface="Consolas" panose="020B0609020204030204" pitchFamily="49" charset="0"/>
+                <a:ea typeface="Times New Roman" panose="02020603050405020304" pitchFamily="18" charset="0"/>
+                <a:cs typeface="Times New Roman" panose="02020603050405020304" pitchFamily="18" charset="0"/>
+              </a:rPr>
+              <a:t>"</a:t>
+            </a:r>
+            <a:r>
+              <a:rPr lang="it-IT" sz="1200" dirty="0">
+                <a:solidFill>
+                  <a:srgbClr val="D4D4D4"/>
+                </a:solidFill>
+                <a:latin typeface="Consolas" panose="020B0609020204030204" pitchFamily="49" charset="0"/>
+                <a:ea typeface="Times New Roman" panose="02020603050405020304" pitchFamily="18" charset="0"/>
+                <a:cs typeface="Times New Roman" panose="02020603050405020304" pitchFamily="18" charset="0"/>
+              </a:rPr>
+              <a:t>, </a:t>
+            </a:r>
+            <a:r>
+              <a:rPr lang="it-IT" sz="1200" dirty="0" err="1">
+                <a:solidFill>
+                  <a:srgbClr val="D4D4D4"/>
+                </a:solidFill>
+                <a:latin typeface="Consolas" panose="020B0609020204030204" pitchFamily="49" charset="0"/>
+                <a:ea typeface="Times New Roman" panose="02020603050405020304" pitchFamily="18" charset="0"/>
+                <a:cs typeface="Times New Roman" panose="02020603050405020304" pitchFamily="18" charset="0"/>
+              </a:rPr>
+              <a:t>fileName</a:t>
+            </a:r>
+            <a:r>
+              <a:rPr lang="it-IT" sz="1200" dirty="0">
+                <a:solidFill>
+                  <a:srgbClr val="D4D4D4"/>
+                </a:solidFill>
+                <a:latin typeface="Consolas" panose="020B0609020204030204" pitchFamily="49" charset="0"/>
+                <a:ea typeface="Times New Roman" panose="02020603050405020304" pitchFamily="18" charset="0"/>
+                <a:cs typeface="Times New Roman" panose="02020603050405020304" pitchFamily="18" charset="0"/>
+              </a:rPr>
+              <a:t>);</a:t>
+            </a:r>
+            <a:endParaRPr lang="it-IT" sz="1200" dirty="0">
+              <a:latin typeface="Consolas" panose="020B0609020204030204" pitchFamily="49" charset="0"/>
+              <a:ea typeface="Calibri" panose="020F0502020204030204" pitchFamily="34" charset="0"/>
+              <a:cs typeface="Times New Roman" panose="02020603050405020304" pitchFamily="18" charset="0"/>
+            </a:endParaRPr>
+          </a:p>
+          <a:p>
+            <a:pPr>
+              <a:lnSpc>
+                <a:spcPct val="150000"/>
+              </a:lnSpc>
+              <a:spcAft>
+                <a:spcPts val="0"/>
+              </a:spcAft>
+            </a:pPr>
+            <a:r>
+              <a:rPr lang="it-IT" sz="1200" dirty="0">
+                <a:solidFill>
+                  <a:srgbClr val="D4D4D4"/>
+                </a:solidFill>
+                <a:latin typeface="Consolas" panose="020B0609020204030204" pitchFamily="49" charset="0"/>
+                <a:ea typeface="Times New Roman" panose="02020603050405020304" pitchFamily="18" charset="0"/>
+                <a:cs typeface="Times New Roman" panose="02020603050405020304" pitchFamily="18" charset="0"/>
+              </a:rPr>
+              <a:t>            }</a:t>
+            </a:r>
+            <a:endParaRPr lang="it-IT" sz="1200" dirty="0">
+              <a:latin typeface="Consolas" panose="020B0609020204030204" pitchFamily="49" charset="0"/>
+              <a:ea typeface="Calibri" panose="020F0502020204030204" pitchFamily="34" charset="0"/>
+              <a:cs typeface="Times New Roman" panose="02020603050405020304" pitchFamily="18" charset="0"/>
+            </a:endParaRPr>
+          </a:p>
+          <a:p>
+            <a:pPr>
+              <a:lnSpc>
+                <a:spcPct val="150000"/>
+              </a:lnSpc>
+              <a:spcAft>
+                <a:spcPts val="0"/>
+              </a:spcAft>
+            </a:pPr>
+            <a:r>
+              <a:rPr lang="it-IT" sz="1200" dirty="0">
+                <a:solidFill>
+                  <a:srgbClr val="D4D4D4"/>
+                </a:solidFill>
+                <a:latin typeface="Consolas" panose="020B0609020204030204" pitchFamily="49" charset="0"/>
+                <a:ea typeface="Times New Roman" panose="02020603050405020304" pitchFamily="18" charset="0"/>
+                <a:cs typeface="Times New Roman" panose="02020603050405020304" pitchFamily="18" charset="0"/>
+              </a:rPr>
+              <a:t>        } </a:t>
+            </a:r>
+            <a:r>
+              <a:rPr lang="it-IT" sz="1200" dirty="0">
+                <a:solidFill>
+                  <a:srgbClr val="C586C0"/>
+                </a:solidFill>
+                <a:latin typeface="Consolas" panose="020B0609020204030204" pitchFamily="49" charset="0"/>
+                <a:ea typeface="Times New Roman" panose="02020603050405020304" pitchFamily="18" charset="0"/>
+                <a:cs typeface="Times New Roman" panose="02020603050405020304" pitchFamily="18" charset="0"/>
+              </a:rPr>
+              <a:t>else</a:t>
+            </a:r>
+            <a:r>
+              <a:rPr lang="it-IT" sz="1200" dirty="0">
+                <a:solidFill>
+                  <a:srgbClr val="D4D4D4"/>
+                </a:solidFill>
+                <a:latin typeface="Consolas" panose="020B0609020204030204" pitchFamily="49" charset="0"/>
+                <a:ea typeface="Times New Roman" panose="02020603050405020304" pitchFamily="18" charset="0"/>
+                <a:cs typeface="Times New Roman" panose="02020603050405020304" pitchFamily="18" charset="0"/>
+              </a:rPr>
+              <a:t> {</a:t>
+            </a:r>
+            <a:endParaRPr lang="it-IT" sz="1200" dirty="0">
+              <a:latin typeface="Consolas" panose="020B0609020204030204" pitchFamily="49" charset="0"/>
+              <a:ea typeface="Calibri" panose="020F0502020204030204" pitchFamily="34" charset="0"/>
+              <a:cs typeface="Times New Roman" panose="02020603050405020304" pitchFamily="18" charset="0"/>
+            </a:endParaRPr>
+          </a:p>
+          <a:p>
+            <a:pPr>
+              <a:lnSpc>
+                <a:spcPct val="150000"/>
+              </a:lnSpc>
+              <a:spcAft>
+                <a:spcPts val="0"/>
+              </a:spcAft>
+            </a:pPr>
+            <a:r>
+              <a:rPr lang="it-IT" sz="1200" dirty="0">
+                <a:solidFill>
+                  <a:srgbClr val="D4D4D4"/>
+                </a:solidFill>
+                <a:latin typeface="Consolas" panose="020B0609020204030204" pitchFamily="49" charset="0"/>
+                <a:ea typeface="Times New Roman" panose="02020603050405020304" pitchFamily="18" charset="0"/>
+                <a:cs typeface="Times New Roman" panose="02020603050405020304" pitchFamily="18" charset="0"/>
+              </a:rPr>
+              <a:t>            </a:t>
+            </a:r>
+            <a:r>
+              <a:rPr lang="it-IT" sz="1200" dirty="0" err="1">
+                <a:solidFill>
+                  <a:srgbClr val="DCDCAA"/>
+                </a:solidFill>
+                <a:latin typeface="Consolas" panose="020B0609020204030204" pitchFamily="49" charset="0"/>
+                <a:ea typeface="Times New Roman" panose="02020603050405020304" pitchFamily="18" charset="0"/>
+                <a:cs typeface="Times New Roman" panose="02020603050405020304" pitchFamily="18" charset="0"/>
+              </a:rPr>
+              <a:t>printf</a:t>
+            </a:r>
+            <a:r>
+              <a:rPr lang="it-IT" sz="1200" dirty="0">
+                <a:solidFill>
+                  <a:srgbClr val="D4D4D4"/>
+                </a:solidFill>
+                <a:latin typeface="Consolas" panose="020B0609020204030204" pitchFamily="49" charset="0"/>
+                <a:ea typeface="Times New Roman" panose="02020603050405020304" pitchFamily="18" charset="0"/>
+                <a:cs typeface="Times New Roman" panose="02020603050405020304" pitchFamily="18" charset="0"/>
+              </a:rPr>
+              <a:t>(</a:t>
+            </a:r>
+            <a:r>
+              <a:rPr lang="it-IT" sz="1200" dirty="0">
+                <a:solidFill>
+                  <a:srgbClr val="CE9178"/>
+                </a:solidFill>
+                <a:latin typeface="Consolas" panose="020B0609020204030204" pitchFamily="49" charset="0"/>
+                <a:ea typeface="Times New Roman" panose="02020603050405020304" pitchFamily="18" charset="0"/>
+                <a:cs typeface="Times New Roman" panose="02020603050405020304" pitchFamily="18" charset="0"/>
+              </a:rPr>
+              <a:t>"Il file inserito non è un file di testo (*.</a:t>
+            </a:r>
+            <a:r>
+              <a:rPr lang="it-IT" sz="1200" dirty="0" err="1">
+                <a:solidFill>
+                  <a:srgbClr val="CE9178"/>
+                </a:solidFill>
+                <a:latin typeface="Consolas" panose="020B0609020204030204" pitchFamily="49" charset="0"/>
+                <a:ea typeface="Times New Roman" panose="02020603050405020304" pitchFamily="18" charset="0"/>
+                <a:cs typeface="Times New Roman" panose="02020603050405020304" pitchFamily="18" charset="0"/>
+              </a:rPr>
+              <a:t>txt</a:t>
+            </a:r>
+            <a:r>
+              <a:rPr lang="it-IT" sz="1200" dirty="0">
+                <a:solidFill>
+                  <a:srgbClr val="CE9178"/>
+                </a:solidFill>
+                <a:latin typeface="Consolas" panose="020B0609020204030204" pitchFamily="49" charset="0"/>
+                <a:ea typeface="Times New Roman" panose="02020603050405020304" pitchFamily="18" charset="0"/>
+                <a:cs typeface="Times New Roman" panose="02020603050405020304" pitchFamily="18" charset="0"/>
+              </a:rPr>
+              <a:t>).</a:t>
+            </a:r>
+            <a:r>
+              <a:rPr lang="it-IT" sz="1200" dirty="0">
+                <a:solidFill>
+                  <a:srgbClr val="D7BA7D"/>
+                </a:solidFill>
+                <a:latin typeface="Consolas" panose="020B0609020204030204" pitchFamily="49" charset="0"/>
+                <a:ea typeface="Times New Roman" panose="02020603050405020304" pitchFamily="18" charset="0"/>
+                <a:cs typeface="Times New Roman" panose="02020603050405020304" pitchFamily="18" charset="0"/>
+              </a:rPr>
+              <a:t>\n</a:t>
+            </a:r>
+            <a:r>
+              <a:rPr lang="it-IT" sz="1200" dirty="0">
+                <a:solidFill>
+                  <a:srgbClr val="CE9178"/>
+                </a:solidFill>
+                <a:latin typeface="Consolas" panose="020B0609020204030204" pitchFamily="49" charset="0"/>
+                <a:ea typeface="Times New Roman" panose="02020603050405020304" pitchFamily="18" charset="0"/>
+                <a:cs typeface="Times New Roman" panose="02020603050405020304" pitchFamily="18" charset="0"/>
+              </a:rPr>
+              <a:t>"</a:t>
+            </a:r>
+            <a:r>
+              <a:rPr lang="it-IT" sz="1200" dirty="0">
+                <a:solidFill>
+                  <a:srgbClr val="D4D4D4"/>
+                </a:solidFill>
+                <a:latin typeface="Consolas" panose="020B0609020204030204" pitchFamily="49" charset="0"/>
+                <a:ea typeface="Times New Roman" panose="02020603050405020304" pitchFamily="18" charset="0"/>
+                <a:cs typeface="Times New Roman" panose="02020603050405020304" pitchFamily="18" charset="0"/>
+              </a:rPr>
+              <a:t>);</a:t>
+            </a:r>
+            <a:endParaRPr lang="it-IT" sz="1200" dirty="0">
+              <a:latin typeface="Consolas" panose="020B0609020204030204" pitchFamily="49" charset="0"/>
+              <a:ea typeface="Calibri" panose="020F0502020204030204" pitchFamily="34" charset="0"/>
+              <a:cs typeface="Times New Roman" panose="02020603050405020304" pitchFamily="18" charset="0"/>
+            </a:endParaRPr>
+          </a:p>
+          <a:p>
+            <a:pPr>
+              <a:lnSpc>
+                <a:spcPct val="150000"/>
+              </a:lnSpc>
+              <a:spcAft>
+                <a:spcPts val="0"/>
+              </a:spcAft>
+            </a:pPr>
+            <a:r>
+              <a:rPr lang="it-IT" sz="1200" dirty="0">
+                <a:solidFill>
+                  <a:srgbClr val="D4D4D4"/>
+                </a:solidFill>
+                <a:latin typeface="Consolas" panose="020B0609020204030204" pitchFamily="49" charset="0"/>
+                <a:ea typeface="Times New Roman" panose="02020603050405020304" pitchFamily="18" charset="0"/>
+                <a:cs typeface="Times New Roman" panose="02020603050405020304" pitchFamily="18" charset="0"/>
+              </a:rPr>
+              <a:t>        }</a:t>
+            </a:r>
+            <a:endParaRPr lang="it-IT" sz="1200" dirty="0">
+              <a:latin typeface="Consolas" panose="020B0609020204030204" pitchFamily="49" charset="0"/>
+              <a:ea typeface="Calibri" panose="020F0502020204030204" pitchFamily="34" charset="0"/>
+              <a:cs typeface="Times New Roman" panose="02020603050405020304" pitchFamily="18" charset="0"/>
+            </a:endParaRPr>
+          </a:p>
+          <a:p>
+            <a:pPr>
+              <a:lnSpc>
+                <a:spcPct val="150000"/>
+              </a:lnSpc>
+              <a:spcAft>
+                <a:spcPts val="0"/>
+              </a:spcAft>
+            </a:pPr>
+            <a:r>
+              <a:rPr lang="it-IT" sz="1200" dirty="0">
+                <a:solidFill>
+                  <a:srgbClr val="D4D4D4"/>
+                </a:solidFill>
+                <a:latin typeface="Consolas" panose="020B0609020204030204" pitchFamily="49" charset="0"/>
+                <a:ea typeface="Times New Roman" panose="02020603050405020304" pitchFamily="18" charset="0"/>
+                <a:cs typeface="Times New Roman" panose="02020603050405020304" pitchFamily="18" charset="0"/>
+              </a:rPr>
+              <a:t> </a:t>
+            </a:r>
+            <a:endParaRPr lang="it-IT" sz="1200" dirty="0">
+              <a:latin typeface="Consolas" panose="020B0609020204030204" pitchFamily="49" charset="0"/>
+              <a:ea typeface="Calibri" panose="020F0502020204030204" pitchFamily="34" charset="0"/>
+              <a:cs typeface="Times New Roman" panose="02020603050405020304" pitchFamily="18" charset="0"/>
+            </a:endParaRPr>
+          </a:p>
+          <a:p>
+            <a:pPr>
+              <a:lnSpc>
+                <a:spcPct val="150000"/>
+              </a:lnSpc>
+              <a:spcAft>
+                <a:spcPts val="0"/>
+              </a:spcAft>
+            </a:pPr>
+            <a:r>
+              <a:rPr lang="it-IT" sz="1200" dirty="0">
+                <a:solidFill>
+                  <a:srgbClr val="D4D4D4"/>
+                </a:solidFill>
+                <a:latin typeface="Consolas" panose="020B0609020204030204" pitchFamily="49" charset="0"/>
+                <a:ea typeface="Times New Roman" panose="02020603050405020304" pitchFamily="18" charset="0"/>
+                <a:cs typeface="Times New Roman" panose="02020603050405020304" pitchFamily="18" charset="0"/>
+              </a:rPr>
+              <a:t>        </a:t>
+            </a:r>
+            <a:r>
+              <a:rPr lang="it-IT" sz="1200" dirty="0" err="1">
+                <a:solidFill>
+                  <a:srgbClr val="DCDCAA"/>
+                </a:solidFill>
+                <a:latin typeface="Consolas" panose="020B0609020204030204" pitchFamily="49" charset="0"/>
+                <a:ea typeface="Times New Roman" panose="02020603050405020304" pitchFamily="18" charset="0"/>
+                <a:cs typeface="Times New Roman" panose="02020603050405020304" pitchFamily="18" charset="0"/>
+              </a:rPr>
+              <a:t>printf</a:t>
+            </a:r>
+            <a:r>
+              <a:rPr lang="it-IT" sz="1200" dirty="0">
+                <a:solidFill>
+                  <a:srgbClr val="D4D4D4"/>
+                </a:solidFill>
+                <a:latin typeface="Consolas" panose="020B0609020204030204" pitchFamily="49" charset="0"/>
+                <a:ea typeface="Times New Roman" panose="02020603050405020304" pitchFamily="18" charset="0"/>
+                <a:cs typeface="Times New Roman" panose="02020603050405020304" pitchFamily="18" charset="0"/>
+              </a:rPr>
+              <a:t>(</a:t>
+            </a:r>
+            <a:r>
+              <a:rPr lang="it-IT" sz="1200" dirty="0">
+                <a:solidFill>
+                  <a:srgbClr val="CE9178"/>
+                </a:solidFill>
+                <a:latin typeface="Consolas" panose="020B0609020204030204" pitchFamily="49" charset="0"/>
+                <a:ea typeface="Times New Roman" panose="02020603050405020304" pitchFamily="18" charset="0"/>
+                <a:cs typeface="Times New Roman" panose="02020603050405020304" pitchFamily="18" charset="0"/>
+              </a:rPr>
+              <a:t>"Inserire il nome di un file o EOF (CTRL + D) per terminare: "</a:t>
+            </a:r>
+            <a:r>
+              <a:rPr lang="it-IT" sz="1200" dirty="0">
+                <a:solidFill>
+                  <a:srgbClr val="D4D4D4"/>
+                </a:solidFill>
+                <a:latin typeface="Consolas" panose="020B0609020204030204" pitchFamily="49" charset="0"/>
+                <a:ea typeface="Times New Roman" panose="02020603050405020304" pitchFamily="18" charset="0"/>
+                <a:cs typeface="Times New Roman" panose="02020603050405020304" pitchFamily="18" charset="0"/>
+              </a:rPr>
+              <a:t>);</a:t>
+            </a:r>
+            <a:endParaRPr lang="it-IT" sz="1200" dirty="0">
+              <a:latin typeface="Consolas" panose="020B0609020204030204" pitchFamily="49" charset="0"/>
+              <a:ea typeface="Calibri" panose="020F0502020204030204" pitchFamily="34" charset="0"/>
+              <a:cs typeface="Times New Roman" panose="02020603050405020304" pitchFamily="18" charset="0"/>
+            </a:endParaRPr>
+          </a:p>
+          <a:p>
+            <a:pPr>
+              <a:lnSpc>
+                <a:spcPct val="150000"/>
+              </a:lnSpc>
+              <a:spcAft>
+                <a:spcPts val="0"/>
+              </a:spcAft>
+            </a:pPr>
+            <a:r>
+              <a:rPr lang="it-IT" sz="1200" dirty="0">
+                <a:solidFill>
+                  <a:srgbClr val="D4D4D4"/>
+                </a:solidFill>
+                <a:latin typeface="Consolas" panose="020B0609020204030204" pitchFamily="49" charset="0"/>
+                <a:ea typeface="Times New Roman" panose="02020603050405020304" pitchFamily="18" charset="0"/>
+                <a:cs typeface="Times New Roman" panose="02020603050405020304" pitchFamily="18" charset="0"/>
+              </a:rPr>
+              <a:t>    }</a:t>
+            </a:r>
+            <a:endParaRPr lang="it-IT" sz="1200" dirty="0">
+              <a:latin typeface="Consolas" panose="020B0609020204030204" pitchFamily="49" charset="0"/>
+              <a:ea typeface="Calibri" panose="020F0502020204030204" pitchFamily="34" charset="0"/>
+              <a:cs typeface="Times New Roman" panose="02020603050405020304" pitchFamily="18" charset="0"/>
+            </a:endParaRPr>
+          </a:p>
+        </p:txBody>
+      </p:sp>
+      <p:sp>
+        <p:nvSpPr>
+          <p:cNvPr id="4" name="Callout: linea 3">
+            <a:extLst>
+              <a:ext uri="{FF2B5EF4-FFF2-40B4-BE49-F238E27FC236}">
+                <a16:creationId xmlns:a16="http://schemas.microsoft.com/office/drawing/2014/main" id="{3142C27D-66B6-4EC5-B175-799DACA0D343}"/>
+              </a:ext>
+            </a:extLst>
+          </p:cNvPr>
+          <p:cNvSpPr/>
+          <p:nvPr/>
+        </p:nvSpPr>
+        <p:spPr>
+          <a:xfrm>
+            <a:off x="7650120" y="3581400"/>
+            <a:ext cx="3703680" cy="1743326"/>
+          </a:xfrm>
+          <a:prstGeom prst="borderCallout1">
+            <a:avLst>
+              <a:gd name="adj1" fmla="val 26946"/>
+              <a:gd name="adj2" fmla="val -4218"/>
+              <a:gd name="adj3" fmla="val -1691"/>
+              <a:gd name="adj4" fmla="val -29332"/>
+            </a:avLst>
+          </a:prstGeom>
+          <a:solidFill>
+            <a:schemeClr val="accent4"/>
+          </a:solidFill>
+          <a:ln>
+            <a:solidFill>
+              <a:schemeClr val="accent4"/>
+            </a:solidFill>
+          </a:ln>
+        </p:spPr>
+        <p:style>
+          <a:lnRef idx="2">
+            <a:schemeClr val="accent1">
+              <a:shade val="50000"/>
+            </a:schemeClr>
+          </a:lnRef>
+          <a:fillRef idx="1">
+            <a:schemeClr val="accent1"/>
+          </a:fillRef>
+          <a:effectRef idx="0">
+            <a:schemeClr val="accent1"/>
+          </a:effectRef>
+          <a:fontRef idx="minor">
+            <a:schemeClr val="lt1"/>
+          </a:fontRef>
+        </p:style>
+        <p:txBody>
+          <a:bodyPr rtlCol="0" anchor="ctr"/>
+          <a:lstStyle/>
+          <a:p>
+            <a:pPr algn="just"/>
+            <a:r>
+              <a:rPr lang="it-IT" sz="1300" dirty="0">
+                <a:solidFill>
+                  <a:schemeClr val="tx1"/>
+                </a:solidFill>
+                <a:latin typeface="Avenir Next LT Pro Light" panose="020B0304020202020204" pitchFamily="34" charset="0"/>
+              </a:rPr>
+              <a:t>Si gestiscono i tre casi di ciò che si può ricevere dal server:</a:t>
+            </a:r>
+          </a:p>
+          <a:p>
+            <a:pPr marL="285750" indent="-285750" algn="just">
+              <a:buFont typeface="Arial" panose="020B0604020202020204" pitchFamily="34" charset="0"/>
+              <a:buChar char="•"/>
+            </a:pPr>
+            <a:r>
+              <a:rPr lang="it-IT" sz="1300" dirty="0">
+                <a:solidFill>
+                  <a:schemeClr val="tx1"/>
+                </a:solidFill>
+                <a:latin typeface="Avenir Next LT Pro Light" panose="020B0304020202020204" pitchFamily="34" charset="0"/>
+              </a:rPr>
+              <a:t>viene trovata la parola più lunga e si stampa il numero di caratteri;</a:t>
+            </a:r>
+          </a:p>
+          <a:p>
+            <a:pPr marL="285750" indent="-285750" algn="just">
+              <a:buFont typeface="Arial" panose="020B0604020202020204" pitchFamily="34" charset="0"/>
+              <a:buChar char="•"/>
+            </a:pPr>
+            <a:r>
+              <a:rPr lang="it-IT" sz="1300" dirty="0">
+                <a:solidFill>
+                  <a:schemeClr val="tx1"/>
+                </a:solidFill>
+                <a:latin typeface="Avenir Next LT Pro Light" panose="020B0304020202020204" pitchFamily="34" charset="0"/>
+              </a:rPr>
+              <a:t>se si riceve 0, si stampa che nel file richiesto (che esiste) non ci sono parole;</a:t>
+            </a:r>
+          </a:p>
+          <a:p>
+            <a:pPr marL="285750" indent="-285750" algn="just">
+              <a:buFont typeface="Arial" panose="020B0604020202020204" pitchFamily="34" charset="0"/>
+              <a:buChar char="•"/>
+            </a:pPr>
+            <a:r>
+              <a:rPr lang="it-IT" sz="1300" dirty="0">
+                <a:solidFill>
+                  <a:schemeClr val="tx1"/>
+                </a:solidFill>
+                <a:latin typeface="Avenir Next LT Pro Light" panose="020B0304020202020204" pitchFamily="34" charset="0"/>
+              </a:rPr>
+              <a:t>se invece si riceve -1 significa che il file richiesto non esiste sul server.</a:t>
+            </a:r>
+          </a:p>
+        </p:txBody>
+      </p:sp>
+    </p:spTree>
+    <p:extLst>
+      <p:ext uri="{BB962C8B-B14F-4D97-AF65-F5344CB8AC3E}">
+        <p14:creationId xmlns:p14="http://schemas.microsoft.com/office/powerpoint/2010/main" val="1629653739"/>
+      </p:ext>
+    </p:extLst>
+  </p:cSld>
+  <p:clrMapOvr>
+    <a:masterClrMapping/>
+  </p:clrMapOvr>
+</p:sld>
+</file>
+
+<file path=ppt/slides/slide6.xml><?xml version="1.0" encoding="utf-8"?>
+<p:sld xmlns:a="http://schemas.openxmlformats.org/drawingml/2006/main" xmlns:r="http://schemas.openxmlformats.org/officeDocument/2006/relationships" xmlns:p="http://schemas.openxmlformats.org/presentationml/2006/main">
+  <p:cSld>
+    <p:bg>
+      <p:bgPr>
+        <a:solidFill>
+          <a:srgbClr val="2A2A2A"/>
+        </a:solidFill>
+        <a:effectLst/>
+      </p:bgPr>
+    </p:bg>
+    <p:spTree>
+      <p:nvGrpSpPr>
+        <p:cNvPr id="1" name=""/>
+        <p:cNvGrpSpPr/>
+        <p:nvPr/>
+      </p:nvGrpSpPr>
+      <p:grpSpPr>
+        <a:xfrm>
+          <a:off x="0" y="0"/>
+          <a:ext cx="0" cy="0"/>
+          <a:chOff x="0" y="0"/>
+          <a:chExt cx="0" cy="0"/>
+        </a:xfrm>
+      </p:grpSpPr>
+      <p:pic>
+        <p:nvPicPr>
+          <p:cNvPr id="5" name="Immagine 4" descr="Immagine che contiene orologio, luce, segnale&#10;&#10;Descrizione generata automaticamente">
+            <a:extLst>
+              <a:ext uri="{FF2B5EF4-FFF2-40B4-BE49-F238E27FC236}">
+                <a16:creationId xmlns:a16="http://schemas.microsoft.com/office/drawing/2014/main" id="{9D59A15F-91D1-45D9-84C7-572B7462A2DC}"/>
+              </a:ext>
+            </a:extLst>
+          </p:cNvPr>
+          <p:cNvPicPr>
+            <a:picLocks noChangeAspect="1"/>
+          </p:cNvPicPr>
+          <p:nvPr/>
+        </p:nvPicPr>
+        <p:blipFill>
+          <a:blip r:embed="rId2">
+            <a:extLst>
+              <a:ext uri="{28A0092B-C50C-407E-A947-70E740481C1C}">
+                <a14:useLocalDpi xmlns:a14="http://schemas.microsoft.com/office/drawing/2010/main" val="0"/>
+              </a:ext>
+            </a:extLst>
+          </a:blip>
+          <a:stretch>
+            <a:fillRect/>
+          </a:stretch>
+        </p:blipFill>
+        <p:spPr>
+          <a:xfrm>
+            <a:off x="0" y="203200"/>
+            <a:ext cx="12192000" cy="6858000"/>
+          </a:xfrm>
+          <a:prstGeom prst="rect">
+            <a:avLst/>
+          </a:prstGeom>
+        </p:spPr>
+      </p:pic>
+      <p:sp>
+        <p:nvSpPr>
+          <p:cNvPr id="2" name="Titolo 1">
+            <a:extLst>
+              <a:ext uri="{FF2B5EF4-FFF2-40B4-BE49-F238E27FC236}">
+                <a16:creationId xmlns:a16="http://schemas.microsoft.com/office/drawing/2014/main" id="{F1DDE7A4-1A5F-4F0D-B842-7798EDC6EDA8}"/>
+              </a:ext>
+            </a:extLst>
+          </p:cNvPr>
+          <p:cNvSpPr>
+            <a:spLocks noGrp="1"/>
+          </p:cNvSpPr>
+          <p:nvPr>
+            <p:ph type="title"/>
+          </p:nvPr>
+        </p:nvSpPr>
+        <p:spPr>
+          <a:xfrm>
+            <a:off x="166048" y="92077"/>
+            <a:ext cx="11859904" cy="911224"/>
+          </a:xfrm>
+        </p:spPr>
+        <p:txBody>
+          <a:bodyPr>
+            <a:normAutofit/>
+          </a:bodyPr>
+          <a:lstStyle/>
+          <a:p>
+            <a:pPr algn="ctr"/>
+            <a:r>
+              <a:rPr lang="it-IT" dirty="0">
+                <a:solidFill>
+                  <a:schemeClr val="bg1"/>
+                </a:solidFill>
+                <a:latin typeface="Avenir Next LT Pro Light" panose="020B0304020202020204" pitchFamily="34" charset="0"/>
+              </a:rPr>
+              <a:t>Schema C/S con </a:t>
+            </a:r>
+            <a:r>
+              <a:rPr lang="it-IT">
+                <a:solidFill>
+                  <a:schemeClr val="bg1"/>
+                </a:solidFill>
+                <a:latin typeface="Avenir Next LT Pro Light" panose="020B0304020202020204" pitchFamily="34" charset="0"/>
+              </a:rPr>
+              <a:t>connessione (TCP</a:t>
+            </a:r>
+            <a:r>
+              <a:rPr lang="it-IT" dirty="0">
+                <a:solidFill>
+                  <a:schemeClr val="bg1"/>
+                </a:solidFill>
+                <a:latin typeface="Avenir Next LT Pro Light" panose="020B0304020202020204" pitchFamily="34" charset="0"/>
+              </a:rPr>
+              <a:t>)</a:t>
+            </a:r>
+          </a:p>
+        </p:txBody>
+      </p:sp>
+      <p:sp>
+        <p:nvSpPr>
+          <p:cNvPr id="3" name="Segnaposto numero diapositiva 2">
+            <a:extLst>
+              <a:ext uri="{FF2B5EF4-FFF2-40B4-BE49-F238E27FC236}">
+                <a16:creationId xmlns:a16="http://schemas.microsoft.com/office/drawing/2014/main" id="{A47D4834-59E8-435C-A95B-F4D997DED51E}"/>
+              </a:ext>
+            </a:extLst>
+          </p:cNvPr>
+          <p:cNvSpPr>
+            <a:spLocks noGrp="1"/>
+          </p:cNvSpPr>
+          <p:nvPr>
+            <p:ph type="sldNum" sz="quarter" idx="12"/>
+          </p:nvPr>
+        </p:nvSpPr>
+        <p:spPr/>
+        <p:txBody>
+          <a:bodyPr/>
+          <a:lstStyle/>
+          <a:p>
+            <a:fld id="{4A6DC286-705F-4A37-A21F-B485E3A29C72}" type="slidenum">
+              <a:rPr lang="it-IT" smtClean="0"/>
+              <a:t>6</a:t>
+            </a:fld>
+            <a:endParaRPr lang="it-IT"/>
+          </a:p>
+        </p:txBody>
+      </p:sp>
+      <p:sp>
+        <p:nvSpPr>
+          <p:cNvPr id="6" name="CasellaDiTesto 5">
+            <a:extLst>
+              <a:ext uri="{FF2B5EF4-FFF2-40B4-BE49-F238E27FC236}">
+                <a16:creationId xmlns:a16="http://schemas.microsoft.com/office/drawing/2014/main" id="{9B8EB54B-0D77-4E7A-B2E9-9DB1B89A05A7}"/>
+              </a:ext>
+            </a:extLst>
+          </p:cNvPr>
+          <p:cNvSpPr txBox="1"/>
+          <p:nvPr/>
+        </p:nvSpPr>
+        <p:spPr>
+          <a:xfrm>
+            <a:off x="2513377" y="1618537"/>
+            <a:ext cx="1059906" cy="369332"/>
+          </a:xfrm>
+          <a:prstGeom prst="rect">
+            <a:avLst/>
+          </a:prstGeom>
+          <a:noFill/>
+        </p:spPr>
+        <p:txBody>
+          <a:bodyPr wrap="none" rtlCol="0">
+            <a:spAutoFit/>
+          </a:bodyPr>
+          <a:lstStyle/>
+          <a:p>
+            <a:r>
+              <a:rPr lang="it-IT" dirty="0">
+                <a:latin typeface="Avenir Next LT Pro Light" panose="020B0304020202020204" pitchFamily="34" charset="0"/>
+              </a:rPr>
+              <a:t>UTENTE</a:t>
+            </a:r>
+          </a:p>
+        </p:txBody>
+      </p:sp>
+      <p:sp>
+        <p:nvSpPr>
+          <p:cNvPr id="7" name="CasellaDiTesto 6">
+            <a:extLst>
+              <a:ext uri="{FF2B5EF4-FFF2-40B4-BE49-F238E27FC236}">
+                <a16:creationId xmlns:a16="http://schemas.microsoft.com/office/drawing/2014/main" id="{1C544053-6751-4420-A592-2979D732C879}"/>
+              </a:ext>
+            </a:extLst>
+          </p:cNvPr>
+          <p:cNvSpPr txBox="1"/>
+          <p:nvPr/>
+        </p:nvSpPr>
+        <p:spPr>
+          <a:xfrm>
+            <a:off x="8670499" y="3447534"/>
+            <a:ext cx="970137" cy="369332"/>
+          </a:xfrm>
+          <a:prstGeom prst="rect">
+            <a:avLst/>
+          </a:prstGeom>
+          <a:noFill/>
+        </p:spPr>
+        <p:txBody>
+          <a:bodyPr wrap="none" rtlCol="0">
+            <a:spAutoFit/>
+          </a:bodyPr>
+          <a:lstStyle/>
+          <a:p>
+            <a:r>
+              <a:rPr lang="it-IT" dirty="0">
+                <a:latin typeface="Avenir Next LT Pro Light" panose="020B0304020202020204" pitchFamily="34" charset="0"/>
+              </a:rPr>
+              <a:t>CLIENT</a:t>
+            </a:r>
+          </a:p>
+        </p:txBody>
+      </p:sp>
+      <p:sp>
+        <p:nvSpPr>
+          <p:cNvPr id="8" name="CasellaDiTesto 7">
+            <a:extLst>
+              <a:ext uri="{FF2B5EF4-FFF2-40B4-BE49-F238E27FC236}">
+                <a16:creationId xmlns:a16="http://schemas.microsoft.com/office/drawing/2014/main" id="{F05EBE76-4F37-4234-B277-19F49BA4766F}"/>
+              </a:ext>
+            </a:extLst>
+          </p:cNvPr>
+          <p:cNvSpPr txBox="1"/>
+          <p:nvPr/>
+        </p:nvSpPr>
+        <p:spPr>
+          <a:xfrm>
+            <a:off x="2542039" y="5239463"/>
+            <a:ext cx="1002582" cy="369332"/>
+          </a:xfrm>
+          <a:prstGeom prst="rect">
+            <a:avLst/>
+          </a:prstGeom>
+          <a:noFill/>
+        </p:spPr>
+        <p:txBody>
+          <a:bodyPr wrap="none" rtlCol="0">
+            <a:spAutoFit/>
+          </a:bodyPr>
+          <a:lstStyle/>
+          <a:p>
+            <a:r>
+              <a:rPr lang="it-IT" dirty="0">
+                <a:latin typeface="Avenir Next LT Pro Light" panose="020B0304020202020204" pitchFamily="34" charset="0"/>
+              </a:rPr>
+              <a:t>SERVER</a:t>
+            </a:r>
+          </a:p>
+        </p:txBody>
+      </p:sp>
+      <p:sp>
+        <p:nvSpPr>
+          <p:cNvPr id="9" name="CasellaDiTesto 8">
+            <a:extLst>
+              <a:ext uri="{FF2B5EF4-FFF2-40B4-BE49-F238E27FC236}">
+                <a16:creationId xmlns:a16="http://schemas.microsoft.com/office/drawing/2014/main" id="{24711185-B444-44C2-A328-45964709B321}"/>
+              </a:ext>
+            </a:extLst>
+          </p:cNvPr>
+          <p:cNvSpPr txBox="1"/>
+          <p:nvPr/>
+        </p:nvSpPr>
+        <p:spPr>
+          <a:xfrm>
+            <a:off x="4713952" y="1680092"/>
+            <a:ext cx="3775329" cy="307777"/>
+          </a:xfrm>
+          <a:prstGeom prst="rect">
+            <a:avLst/>
+          </a:prstGeom>
+          <a:noFill/>
+        </p:spPr>
+        <p:txBody>
+          <a:bodyPr wrap="none" rtlCol="0">
+            <a:spAutoFit/>
+          </a:bodyPr>
+          <a:lstStyle/>
+          <a:p>
+            <a:r>
+              <a:rPr lang="it-IT" sz="1400" dirty="0">
+                <a:latin typeface="Avenir Next LT Pro Light" panose="020B0304020202020204" pitchFamily="34" charset="0"/>
+              </a:rPr>
+              <a:t>NOME DI UN FILE E NUMERO DI UNA RIGA</a:t>
+            </a:r>
+          </a:p>
+        </p:txBody>
+      </p:sp>
+      <p:sp>
+        <p:nvSpPr>
+          <p:cNvPr id="10" name="CasellaDiTesto 9">
+            <a:extLst>
+              <a:ext uri="{FF2B5EF4-FFF2-40B4-BE49-F238E27FC236}">
+                <a16:creationId xmlns:a16="http://schemas.microsoft.com/office/drawing/2014/main" id="{61234104-F01F-47B7-B03C-74022B0B1521}"/>
+              </a:ext>
+            </a:extLst>
+          </p:cNvPr>
+          <p:cNvSpPr txBox="1"/>
+          <p:nvPr/>
+        </p:nvSpPr>
+        <p:spPr>
+          <a:xfrm>
+            <a:off x="3480250" y="3479924"/>
+            <a:ext cx="4129015" cy="307777"/>
+          </a:xfrm>
+          <a:prstGeom prst="rect">
+            <a:avLst/>
+          </a:prstGeom>
+          <a:noFill/>
+        </p:spPr>
+        <p:txBody>
+          <a:bodyPr wrap="none" rtlCol="0">
+            <a:spAutoFit/>
+          </a:bodyPr>
+          <a:lstStyle/>
+          <a:p>
+            <a:r>
+              <a:rPr lang="it-IT" sz="1400" dirty="0">
+                <a:latin typeface="Avenir Next LT Pro Light" panose="020B0304020202020204" pitchFamily="34" charset="0"/>
+              </a:rPr>
+              <a:t>CONTENUTO DEL FILE E NUMERO DELLA RIGA</a:t>
+            </a:r>
+          </a:p>
+        </p:txBody>
+      </p:sp>
+      <p:sp>
+        <p:nvSpPr>
+          <p:cNvPr id="11" name="CasellaDiTesto 10">
+            <a:extLst>
+              <a:ext uri="{FF2B5EF4-FFF2-40B4-BE49-F238E27FC236}">
+                <a16:creationId xmlns:a16="http://schemas.microsoft.com/office/drawing/2014/main" id="{C864299B-89B2-4A65-A926-E699D4636434}"/>
+              </a:ext>
+            </a:extLst>
+          </p:cNvPr>
+          <p:cNvSpPr txBox="1"/>
+          <p:nvPr/>
+        </p:nvSpPr>
+        <p:spPr>
+          <a:xfrm>
+            <a:off x="3837354" y="4718054"/>
+            <a:ext cx="317716" cy="369332"/>
+          </a:xfrm>
+          <a:prstGeom prst="rect">
+            <a:avLst/>
+          </a:prstGeom>
+          <a:noFill/>
+        </p:spPr>
+        <p:txBody>
+          <a:bodyPr wrap="none" rtlCol="0">
+            <a:spAutoFit/>
+          </a:bodyPr>
+          <a:lstStyle/>
+          <a:p>
+            <a:r>
+              <a:rPr lang="it-IT" dirty="0">
+                <a:latin typeface="Avenir Next LT Pro Light" panose="020B0304020202020204" pitchFamily="34" charset="0"/>
+              </a:rPr>
+              <a:t>P</a:t>
+            </a:r>
+          </a:p>
+        </p:txBody>
+      </p:sp>
+      <p:sp>
+        <p:nvSpPr>
+          <p:cNvPr id="13" name="CasellaDiTesto 12">
+            <a:extLst>
+              <a:ext uri="{FF2B5EF4-FFF2-40B4-BE49-F238E27FC236}">
+                <a16:creationId xmlns:a16="http://schemas.microsoft.com/office/drawing/2014/main" id="{4C5A1219-ABB8-47D2-BDAB-A9F0F8C70AC9}"/>
+              </a:ext>
+            </a:extLst>
+          </p:cNvPr>
+          <p:cNvSpPr txBox="1"/>
+          <p:nvPr/>
+        </p:nvSpPr>
+        <p:spPr>
+          <a:xfrm>
+            <a:off x="3953509" y="4857037"/>
+            <a:ext cx="266420" cy="261610"/>
+          </a:xfrm>
+          <a:prstGeom prst="rect">
+            <a:avLst/>
+          </a:prstGeom>
+          <a:noFill/>
+        </p:spPr>
+        <p:txBody>
+          <a:bodyPr wrap="none" rtlCol="0">
+            <a:spAutoFit/>
+          </a:bodyPr>
+          <a:lstStyle/>
+          <a:p>
+            <a:r>
+              <a:rPr lang="it-IT" sz="1100" dirty="0">
+                <a:latin typeface="Avenir Next LT Pro Light" panose="020B0304020202020204" pitchFamily="34" charset="0"/>
+              </a:rPr>
+              <a:t>1</a:t>
+            </a:r>
+          </a:p>
+        </p:txBody>
+      </p:sp>
+      <p:sp>
+        <p:nvSpPr>
+          <p:cNvPr id="14" name="CasellaDiTesto 13">
+            <a:extLst>
+              <a:ext uri="{FF2B5EF4-FFF2-40B4-BE49-F238E27FC236}">
+                <a16:creationId xmlns:a16="http://schemas.microsoft.com/office/drawing/2014/main" id="{57B21165-AA57-479A-9B4F-E49A9465AADB}"/>
+              </a:ext>
+            </a:extLst>
+          </p:cNvPr>
+          <p:cNvSpPr txBox="1"/>
+          <p:nvPr/>
+        </p:nvSpPr>
+        <p:spPr>
+          <a:xfrm>
+            <a:off x="3837354" y="5223832"/>
+            <a:ext cx="317716" cy="369332"/>
+          </a:xfrm>
+          <a:prstGeom prst="rect">
+            <a:avLst/>
+          </a:prstGeom>
+          <a:noFill/>
+        </p:spPr>
+        <p:txBody>
+          <a:bodyPr wrap="none" rtlCol="0">
+            <a:spAutoFit/>
+          </a:bodyPr>
+          <a:lstStyle/>
+          <a:p>
+            <a:r>
+              <a:rPr lang="it-IT" dirty="0">
+                <a:latin typeface="Avenir Next LT Pro Light" panose="020B0304020202020204" pitchFamily="34" charset="0"/>
+              </a:rPr>
+              <a:t>P</a:t>
+            </a:r>
+          </a:p>
+        </p:txBody>
+      </p:sp>
+      <p:sp>
+        <p:nvSpPr>
+          <p:cNvPr id="15" name="CasellaDiTesto 14">
+            <a:extLst>
+              <a:ext uri="{FF2B5EF4-FFF2-40B4-BE49-F238E27FC236}">
+                <a16:creationId xmlns:a16="http://schemas.microsoft.com/office/drawing/2014/main" id="{CB22CA14-4121-402A-B73E-FE97D8B3E6A0}"/>
+              </a:ext>
+            </a:extLst>
+          </p:cNvPr>
+          <p:cNvSpPr txBox="1"/>
+          <p:nvPr/>
+        </p:nvSpPr>
+        <p:spPr>
+          <a:xfrm>
+            <a:off x="3953509" y="5362815"/>
+            <a:ext cx="266420" cy="261610"/>
+          </a:xfrm>
+          <a:prstGeom prst="rect">
+            <a:avLst/>
+          </a:prstGeom>
+          <a:noFill/>
+        </p:spPr>
+        <p:txBody>
+          <a:bodyPr wrap="none" rtlCol="0">
+            <a:spAutoFit/>
+          </a:bodyPr>
+          <a:lstStyle/>
+          <a:p>
+            <a:r>
+              <a:rPr lang="it-IT" sz="1100" dirty="0">
+                <a:latin typeface="Avenir Next LT Pro Light" panose="020B0304020202020204" pitchFamily="34" charset="0"/>
+              </a:rPr>
+              <a:t>2</a:t>
+            </a:r>
+          </a:p>
+        </p:txBody>
+      </p:sp>
+      <p:sp>
+        <p:nvSpPr>
+          <p:cNvPr id="16" name="CasellaDiTesto 15">
+            <a:extLst>
+              <a:ext uri="{FF2B5EF4-FFF2-40B4-BE49-F238E27FC236}">
+                <a16:creationId xmlns:a16="http://schemas.microsoft.com/office/drawing/2014/main" id="{834E14CA-8869-44A2-9445-EB50B4512A60}"/>
+              </a:ext>
+            </a:extLst>
+          </p:cNvPr>
+          <p:cNvSpPr txBox="1"/>
+          <p:nvPr/>
+        </p:nvSpPr>
+        <p:spPr>
+          <a:xfrm>
+            <a:off x="3837354" y="5729610"/>
+            <a:ext cx="317716" cy="369332"/>
+          </a:xfrm>
+          <a:prstGeom prst="rect">
+            <a:avLst/>
+          </a:prstGeom>
+          <a:noFill/>
+        </p:spPr>
+        <p:txBody>
+          <a:bodyPr wrap="none" rtlCol="0">
+            <a:spAutoFit/>
+          </a:bodyPr>
+          <a:lstStyle/>
+          <a:p>
+            <a:r>
+              <a:rPr lang="it-IT" dirty="0">
+                <a:latin typeface="Avenir Next LT Pro Light" panose="020B0304020202020204" pitchFamily="34" charset="0"/>
+              </a:rPr>
+              <a:t>P</a:t>
+            </a:r>
+          </a:p>
+        </p:txBody>
+      </p:sp>
+      <p:sp>
+        <p:nvSpPr>
+          <p:cNvPr id="17" name="CasellaDiTesto 16">
+            <a:extLst>
+              <a:ext uri="{FF2B5EF4-FFF2-40B4-BE49-F238E27FC236}">
+                <a16:creationId xmlns:a16="http://schemas.microsoft.com/office/drawing/2014/main" id="{6DB36EAA-5957-4E6A-9D0B-19335C9E3288}"/>
+              </a:ext>
+            </a:extLst>
+          </p:cNvPr>
+          <p:cNvSpPr txBox="1"/>
+          <p:nvPr/>
+        </p:nvSpPr>
+        <p:spPr>
+          <a:xfrm>
+            <a:off x="3953509" y="5868593"/>
+            <a:ext cx="293670" cy="261610"/>
+          </a:xfrm>
+          <a:prstGeom prst="rect">
+            <a:avLst/>
+          </a:prstGeom>
+          <a:noFill/>
+        </p:spPr>
+        <p:txBody>
+          <a:bodyPr wrap="none" rtlCol="0">
+            <a:spAutoFit/>
+          </a:bodyPr>
+          <a:lstStyle/>
+          <a:p>
+            <a:r>
+              <a:rPr lang="it-IT" sz="1100" dirty="0">
+                <a:latin typeface="Avenir Next LT Pro Light" panose="020B0304020202020204" pitchFamily="34" charset="0"/>
+              </a:rPr>
+              <a:t>N</a:t>
+            </a:r>
+          </a:p>
+        </p:txBody>
+      </p:sp>
+      <p:sp>
+        <p:nvSpPr>
+          <p:cNvPr id="18" name="CasellaDiTesto 17">
+            <a:extLst>
+              <a:ext uri="{FF2B5EF4-FFF2-40B4-BE49-F238E27FC236}">
+                <a16:creationId xmlns:a16="http://schemas.microsoft.com/office/drawing/2014/main" id="{96E91492-0F03-40AE-A92C-AF810161F87B}"/>
+              </a:ext>
+            </a:extLst>
+          </p:cNvPr>
+          <p:cNvSpPr txBox="1"/>
+          <p:nvPr/>
+        </p:nvSpPr>
+        <p:spPr>
+          <a:xfrm>
+            <a:off x="4503188" y="4779609"/>
+            <a:ext cx="4196855" cy="307777"/>
+          </a:xfrm>
+          <a:prstGeom prst="rect">
+            <a:avLst/>
+          </a:prstGeom>
+          <a:noFill/>
+        </p:spPr>
+        <p:txBody>
+          <a:bodyPr wrap="none" rtlCol="0">
+            <a:spAutoFit/>
+          </a:bodyPr>
+          <a:lstStyle/>
+          <a:p>
+            <a:r>
+              <a:rPr lang="it-IT" sz="1400" dirty="0">
+                <a:latin typeface="Avenir Next LT Pro Light" panose="020B0304020202020204" pitchFamily="34" charset="0"/>
+              </a:rPr>
+              <a:t>ELIMINAZIONE RIGA E INVIO FILE 1 SENZA RIGA</a:t>
+            </a:r>
+          </a:p>
+        </p:txBody>
+      </p:sp>
+      <p:sp>
+        <p:nvSpPr>
+          <p:cNvPr id="19" name="CasellaDiTesto 18">
+            <a:extLst>
+              <a:ext uri="{FF2B5EF4-FFF2-40B4-BE49-F238E27FC236}">
+                <a16:creationId xmlns:a16="http://schemas.microsoft.com/office/drawing/2014/main" id="{52615D8C-B002-46BC-95C9-601B71A6BD12}"/>
+              </a:ext>
+            </a:extLst>
+          </p:cNvPr>
+          <p:cNvSpPr txBox="1"/>
+          <p:nvPr/>
+        </p:nvSpPr>
+        <p:spPr>
+          <a:xfrm>
+            <a:off x="4787884" y="5270240"/>
+            <a:ext cx="4196855" cy="307777"/>
+          </a:xfrm>
+          <a:prstGeom prst="rect">
+            <a:avLst/>
+          </a:prstGeom>
+          <a:noFill/>
+        </p:spPr>
+        <p:txBody>
+          <a:bodyPr wrap="none" rtlCol="0">
+            <a:spAutoFit/>
+          </a:bodyPr>
+          <a:lstStyle/>
+          <a:p>
+            <a:r>
+              <a:rPr lang="it-IT" sz="1400" dirty="0">
+                <a:latin typeface="Avenir Next LT Pro Light" panose="020B0304020202020204" pitchFamily="34" charset="0"/>
+              </a:rPr>
+              <a:t>ELIMINAZIONE RIGA E INVIO FILE 2 SENZA RIGA</a:t>
+            </a:r>
+          </a:p>
+        </p:txBody>
+      </p:sp>
+      <p:sp>
+        <p:nvSpPr>
+          <p:cNvPr id="20" name="CasellaDiTesto 19">
+            <a:extLst>
+              <a:ext uri="{FF2B5EF4-FFF2-40B4-BE49-F238E27FC236}">
+                <a16:creationId xmlns:a16="http://schemas.microsoft.com/office/drawing/2014/main" id="{4589F7B9-92BE-4E30-9687-5A24749B8F60}"/>
+              </a:ext>
+            </a:extLst>
+          </p:cNvPr>
+          <p:cNvSpPr txBox="1"/>
+          <p:nvPr/>
+        </p:nvSpPr>
+        <p:spPr>
+          <a:xfrm>
+            <a:off x="5081860" y="5791165"/>
+            <a:ext cx="4198457" cy="307777"/>
+          </a:xfrm>
+          <a:prstGeom prst="rect">
+            <a:avLst/>
+          </a:prstGeom>
+          <a:noFill/>
+        </p:spPr>
+        <p:txBody>
+          <a:bodyPr wrap="none" rtlCol="0">
+            <a:spAutoFit/>
+          </a:bodyPr>
+          <a:lstStyle/>
+          <a:p>
+            <a:r>
+              <a:rPr lang="it-IT" sz="1400" dirty="0">
+                <a:latin typeface="Avenir Next LT Pro Light" panose="020B0304020202020204" pitchFamily="34" charset="0"/>
+              </a:rPr>
+              <a:t>ELIMINAZIONE RIGA E INVIO FILE N SENZA RIGA</a:t>
+            </a:r>
+          </a:p>
+        </p:txBody>
+      </p:sp>
+    </p:spTree>
+    <p:extLst>
+      <p:ext uri="{BB962C8B-B14F-4D97-AF65-F5344CB8AC3E}">
+        <p14:creationId xmlns:p14="http://schemas.microsoft.com/office/powerpoint/2010/main" val="3577249319"/>
+      </p:ext>
+    </p:extLst>
+  </p:cSld>
+  <p:clrMapOvr>
+    <a:masterClrMapping/>
+  </p:clrMapOvr>
+</p:sld>
+</file>
+
+<file path=ppt/slides/slide7.xml><?xml version="1.0" encoding="utf-8"?>
+<p:sld xmlns:a="http://schemas.openxmlformats.org/drawingml/2006/main" xmlns:r="http://schemas.openxmlformats.org/officeDocument/2006/relationships" xmlns:p="http://schemas.openxmlformats.org/presentationml/2006/main">
+  <p:cSld>
+    <p:bg>
+      <p:bgPr>
+        <a:solidFill>
+          <a:srgbClr val="2A2A2A"/>
+        </a:solidFill>
+        <a:effectLst/>
+      </p:bgPr>
+    </p:bg>
+    <p:spTree>
+      <p:nvGrpSpPr>
+        <p:cNvPr id="1" name=""/>
+        <p:cNvGrpSpPr/>
+        <p:nvPr/>
+      </p:nvGrpSpPr>
+      <p:grpSpPr>
+        <a:xfrm>
+          <a:off x="0" y="0"/>
+          <a:ext cx="0" cy="0"/>
+          <a:chOff x="0" y="0"/>
+          <a:chExt cx="0" cy="0"/>
+        </a:xfrm>
+      </p:grpSpPr>
+      <p:sp>
+        <p:nvSpPr>
+          <p:cNvPr id="2" name="Titolo 1">
+            <a:extLst>
+              <a:ext uri="{FF2B5EF4-FFF2-40B4-BE49-F238E27FC236}">
+                <a16:creationId xmlns:a16="http://schemas.microsoft.com/office/drawing/2014/main" id="{F1DDE7A4-1A5F-4F0D-B842-7798EDC6EDA8}"/>
+              </a:ext>
+            </a:extLst>
+          </p:cNvPr>
+          <p:cNvSpPr>
+            <a:spLocks noGrp="1"/>
+          </p:cNvSpPr>
+          <p:nvPr>
+            <p:ph type="title"/>
+          </p:nvPr>
+        </p:nvSpPr>
+        <p:spPr>
+          <a:xfrm>
+            <a:off x="166048" y="92077"/>
+            <a:ext cx="11859904" cy="911224"/>
+          </a:xfrm>
+        </p:spPr>
+        <p:txBody>
+          <a:bodyPr>
+            <a:normAutofit/>
+          </a:bodyPr>
+          <a:lstStyle/>
+          <a:p>
+            <a:pPr algn="ctr"/>
+            <a:r>
+              <a:rPr lang="it-IT" dirty="0">
+                <a:solidFill>
+                  <a:schemeClr val="bg1"/>
+                </a:solidFill>
+                <a:latin typeface="Avenir Next LT Pro Light" panose="020B0304020202020204" pitchFamily="34" charset="0"/>
+              </a:rPr>
+              <a:t>Codice Server TCP (1)</a:t>
+            </a:r>
+          </a:p>
+        </p:txBody>
+      </p:sp>
+      <p:sp>
+        <p:nvSpPr>
+          <p:cNvPr id="3" name="Segnaposto numero diapositiva 2">
+            <a:extLst>
+              <a:ext uri="{FF2B5EF4-FFF2-40B4-BE49-F238E27FC236}">
+                <a16:creationId xmlns:a16="http://schemas.microsoft.com/office/drawing/2014/main" id="{A47D4834-59E8-435C-A95B-F4D997DED51E}"/>
+              </a:ext>
+            </a:extLst>
+          </p:cNvPr>
+          <p:cNvSpPr>
+            <a:spLocks noGrp="1"/>
+          </p:cNvSpPr>
+          <p:nvPr>
+            <p:ph type="sldNum" sz="quarter" idx="12"/>
+          </p:nvPr>
+        </p:nvSpPr>
+        <p:spPr/>
+        <p:txBody>
+          <a:bodyPr/>
+          <a:lstStyle/>
+          <a:p>
+            <a:fld id="{4A6DC286-705F-4A37-A21F-B485E3A29C72}" type="slidenum">
+              <a:rPr lang="it-IT" smtClean="0"/>
+              <a:t>7</a:t>
+            </a:fld>
+            <a:endParaRPr lang="it-IT"/>
+          </a:p>
+        </p:txBody>
+      </p:sp>
+      <p:sp>
+        <p:nvSpPr>
+          <p:cNvPr id="6" name="CasellaDiTesto 5">
+            <a:extLst>
+              <a:ext uri="{FF2B5EF4-FFF2-40B4-BE49-F238E27FC236}">
+                <a16:creationId xmlns:a16="http://schemas.microsoft.com/office/drawing/2014/main" id="{10CEFE9C-E284-478C-A613-1FD6E69D8BC7}"/>
+              </a:ext>
+            </a:extLst>
+          </p:cNvPr>
+          <p:cNvSpPr txBox="1"/>
+          <p:nvPr/>
+        </p:nvSpPr>
+        <p:spPr>
+          <a:xfrm>
+            <a:off x="1040050" y="1660378"/>
+            <a:ext cx="7141699" cy="3007426"/>
+          </a:xfrm>
+          <a:prstGeom prst="rect">
+            <a:avLst/>
+          </a:prstGeom>
+          <a:noFill/>
+        </p:spPr>
+        <p:txBody>
+          <a:bodyPr wrap="none" rtlCol="0">
+            <a:spAutoFit/>
+          </a:bodyPr>
+          <a:lstStyle/>
+          <a:p>
+            <a:pPr>
+              <a:lnSpc>
+                <a:spcPct val="150000"/>
+              </a:lnSpc>
+              <a:spcAft>
+                <a:spcPts val="0"/>
+              </a:spcAft>
+            </a:pPr>
+            <a:r>
+              <a:rPr lang="it-IT" sz="1600" dirty="0" err="1">
+                <a:solidFill>
+                  <a:srgbClr val="C586C0"/>
+                </a:solidFill>
+                <a:latin typeface="Consolas" panose="020B0609020204030204" pitchFamily="49" charset="0"/>
+                <a:ea typeface="Times New Roman" panose="02020603050405020304" pitchFamily="18" charset="0"/>
+                <a:cs typeface="Times New Roman" panose="02020603050405020304" pitchFamily="18" charset="0"/>
+              </a:rPr>
+              <a:t>while</a:t>
+            </a:r>
+            <a:r>
+              <a:rPr lang="it-IT" sz="1600" dirty="0">
+                <a:solidFill>
+                  <a:srgbClr val="D4D4D4"/>
+                </a:solidFill>
+                <a:latin typeface="Consolas" panose="020B0609020204030204" pitchFamily="49" charset="0"/>
+                <a:ea typeface="Times New Roman" panose="02020603050405020304" pitchFamily="18" charset="0"/>
+                <a:cs typeface="Times New Roman" panose="02020603050405020304" pitchFamily="18" charset="0"/>
+              </a:rPr>
+              <a:t> ((</a:t>
+            </a:r>
+            <a:r>
+              <a:rPr lang="it-IT" sz="1600" dirty="0" err="1">
+                <a:solidFill>
+                  <a:srgbClr val="D4D4D4"/>
+                </a:solidFill>
+                <a:latin typeface="Consolas" panose="020B0609020204030204" pitchFamily="49" charset="0"/>
+                <a:ea typeface="Times New Roman" panose="02020603050405020304" pitchFamily="18" charset="0"/>
+                <a:cs typeface="Times New Roman" panose="02020603050405020304" pitchFamily="18" charset="0"/>
+              </a:rPr>
+              <a:t>readSocket</a:t>
+            </a:r>
+            <a:r>
+              <a:rPr lang="it-IT" sz="1600" dirty="0">
+                <a:solidFill>
+                  <a:srgbClr val="D4D4D4"/>
+                </a:solidFill>
+                <a:latin typeface="Consolas" panose="020B0609020204030204" pitchFamily="49" charset="0"/>
+                <a:ea typeface="Times New Roman" panose="02020603050405020304" pitchFamily="18" charset="0"/>
+                <a:cs typeface="Times New Roman" panose="02020603050405020304" pitchFamily="18" charset="0"/>
+              </a:rPr>
+              <a:t> = </a:t>
+            </a:r>
+            <a:r>
+              <a:rPr lang="it-IT" sz="1600" dirty="0" err="1">
+                <a:solidFill>
+                  <a:srgbClr val="DCDCAA"/>
+                </a:solidFill>
+                <a:latin typeface="Consolas" panose="020B0609020204030204" pitchFamily="49" charset="0"/>
+                <a:ea typeface="Times New Roman" panose="02020603050405020304" pitchFamily="18" charset="0"/>
+                <a:cs typeface="Times New Roman" panose="02020603050405020304" pitchFamily="18" charset="0"/>
+              </a:rPr>
+              <a:t>read</a:t>
+            </a:r>
+            <a:r>
+              <a:rPr lang="it-IT" sz="1600" dirty="0">
+                <a:solidFill>
+                  <a:srgbClr val="D4D4D4"/>
+                </a:solidFill>
+                <a:latin typeface="Consolas" panose="020B0609020204030204" pitchFamily="49" charset="0"/>
+                <a:ea typeface="Times New Roman" panose="02020603050405020304" pitchFamily="18" charset="0"/>
+                <a:cs typeface="Times New Roman" panose="02020603050405020304" pitchFamily="18" charset="0"/>
+              </a:rPr>
+              <a:t>(</a:t>
+            </a:r>
+            <a:r>
+              <a:rPr lang="it-IT" sz="1600" dirty="0" err="1">
+                <a:solidFill>
+                  <a:srgbClr val="D4D4D4"/>
+                </a:solidFill>
+                <a:latin typeface="Consolas" panose="020B0609020204030204" pitchFamily="49" charset="0"/>
+                <a:ea typeface="Times New Roman" panose="02020603050405020304" pitchFamily="18" charset="0"/>
+                <a:cs typeface="Times New Roman" panose="02020603050405020304" pitchFamily="18" charset="0"/>
+              </a:rPr>
+              <a:t>newSocket</a:t>
+            </a:r>
+            <a:r>
+              <a:rPr lang="it-IT" sz="1600" dirty="0">
+                <a:solidFill>
+                  <a:srgbClr val="D4D4D4"/>
+                </a:solidFill>
+                <a:latin typeface="Consolas" panose="020B0609020204030204" pitchFamily="49" charset="0"/>
+                <a:ea typeface="Times New Roman" panose="02020603050405020304" pitchFamily="18" charset="0"/>
+                <a:cs typeface="Times New Roman" panose="02020603050405020304" pitchFamily="18" charset="0"/>
+              </a:rPr>
+              <a:t>, &amp;c, </a:t>
+            </a:r>
+            <a:r>
+              <a:rPr lang="it-IT" sz="1600" dirty="0" err="1">
+                <a:solidFill>
+                  <a:srgbClr val="569CD6"/>
+                </a:solidFill>
+                <a:latin typeface="Consolas" panose="020B0609020204030204" pitchFamily="49" charset="0"/>
+                <a:ea typeface="Times New Roman" panose="02020603050405020304" pitchFamily="18" charset="0"/>
+                <a:cs typeface="Times New Roman" panose="02020603050405020304" pitchFamily="18" charset="0"/>
+              </a:rPr>
+              <a:t>sizeof</a:t>
+            </a:r>
+            <a:r>
+              <a:rPr lang="it-IT" sz="1600" dirty="0">
+                <a:solidFill>
+                  <a:srgbClr val="D4D4D4"/>
+                </a:solidFill>
+                <a:latin typeface="Consolas" panose="020B0609020204030204" pitchFamily="49" charset="0"/>
+                <a:ea typeface="Times New Roman" panose="02020603050405020304" pitchFamily="18" charset="0"/>
+                <a:cs typeface="Times New Roman" panose="02020603050405020304" pitchFamily="18" charset="0"/>
+              </a:rPr>
+              <a:t>(</a:t>
+            </a:r>
+            <a:r>
+              <a:rPr lang="it-IT" sz="1600" dirty="0" err="1">
+                <a:solidFill>
+                  <a:srgbClr val="569CD6"/>
+                </a:solidFill>
+                <a:latin typeface="Consolas" panose="020B0609020204030204" pitchFamily="49" charset="0"/>
+                <a:ea typeface="Times New Roman" panose="02020603050405020304" pitchFamily="18" charset="0"/>
+                <a:cs typeface="Times New Roman" panose="02020603050405020304" pitchFamily="18" charset="0"/>
+              </a:rPr>
+              <a:t>char</a:t>
+            </a:r>
+            <a:r>
+              <a:rPr lang="it-IT" sz="1600" dirty="0">
+                <a:solidFill>
+                  <a:srgbClr val="D4D4D4"/>
+                </a:solidFill>
+                <a:latin typeface="Consolas" panose="020B0609020204030204" pitchFamily="49" charset="0"/>
+                <a:ea typeface="Times New Roman" panose="02020603050405020304" pitchFamily="18" charset="0"/>
+                <a:cs typeface="Times New Roman" panose="02020603050405020304" pitchFamily="18" charset="0"/>
+              </a:rPr>
+              <a:t>))) &gt; </a:t>
+            </a:r>
+            <a:r>
+              <a:rPr lang="it-IT" sz="1600" dirty="0">
+                <a:solidFill>
+                  <a:srgbClr val="B5CEA8"/>
+                </a:solidFill>
+                <a:latin typeface="Consolas" panose="020B0609020204030204" pitchFamily="49" charset="0"/>
+                <a:ea typeface="Times New Roman" panose="02020603050405020304" pitchFamily="18" charset="0"/>
+                <a:cs typeface="Times New Roman" panose="02020603050405020304" pitchFamily="18" charset="0"/>
+              </a:rPr>
+              <a:t>0</a:t>
+            </a:r>
+            <a:r>
+              <a:rPr lang="it-IT" sz="1600" dirty="0">
+                <a:solidFill>
+                  <a:srgbClr val="D4D4D4"/>
+                </a:solidFill>
+                <a:latin typeface="Consolas" panose="020B0609020204030204" pitchFamily="49" charset="0"/>
+                <a:ea typeface="Times New Roman" panose="02020603050405020304" pitchFamily="18" charset="0"/>
+                <a:cs typeface="Times New Roman" panose="02020603050405020304" pitchFamily="18" charset="0"/>
+              </a:rPr>
+              <a:t>) {</a:t>
+            </a:r>
+            <a:endParaRPr lang="it-IT" sz="1600" dirty="0">
+              <a:latin typeface="Consolas" panose="020B0609020204030204" pitchFamily="49" charset="0"/>
+              <a:ea typeface="Calibri" panose="020F0502020204030204" pitchFamily="34" charset="0"/>
+              <a:cs typeface="Times New Roman" panose="02020603050405020304" pitchFamily="18" charset="0"/>
+            </a:endParaRPr>
+          </a:p>
+          <a:p>
+            <a:pPr>
+              <a:lnSpc>
+                <a:spcPct val="150000"/>
+              </a:lnSpc>
+              <a:spcAft>
+                <a:spcPts val="0"/>
+              </a:spcAft>
+            </a:pPr>
+            <a:r>
+              <a:rPr lang="it-IT" sz="1600" dirty="0">
+                <a:solidFill>
+                  <a:srgbClr val="C586C0"/>
+                </a:solidFill>
+                <a:latin typeface="Consolas" panose="020B0609020204030204" pitchFamily="49" charset="0"/>
+                <a:ea typeface="Times New Roman" panose="02020603050405020304" pitchFamily="18" charset="0"/>
+                <a:cs typeface="Times New Roman" panose="02020603050405020304" pitchFamily="18" charset="0"/>
+              </a:rPr>
+              <a:t>	</a:t>
+            </a:r>
+            <a:r>
+              <a:rPr lang="it-IT" sz="1600" dirty="0" err="1">
+                <a:solidFill>
+                  <a:srgbClr val="C586C0"/>
+                </a:solidFill>
+                <a:latin typeface="Consolas" panose="020B0609020204030204" pitchFamily="49" charset="0"/>
+                <a:ea typeface="Times New Roman" panose="02020603050405020304" pitchFamily="18" charset="0"/>
+                <a:cs typeface="Times New Roman" panose="02020603050405020304" pitchFamily="18" charset="0"/>
+              </a:rPr>
+              <a:t>if</a:t>
+            </a:r>
+            <a:r>
+              <a:rPr lang="it-IT" sz="1600" dirty="0">
+                <a:solidFill>
+                  <a:srgbClr val="D4D4D4"/>
+                </a:solidFill>
+                <a:latin typeface="Consolas" panose="020B0609020204030204" pitchFamily="49" charset="0"/>
+                <a:ea typeface="Times New Roman" panose="02020603050405020304" pitchFamily="18" charset="0"/>
+                <a:cs typeface="Times New Roman" panose="02020603050405020304" pitchFamily="18" charset="0"/>
+              </a:rPr>
+              <a:t> (</a:t>
+            </a:r>
+            <a:r>
+              <a:rPr lang="it-IT" sz="1600" dirty="0" err="1">
+                <a:solidFill>
+                  <a:srgbClr val="D4D4D4"/>
+                </a:solidFill>
+                <a:latin typeface="Consolas" panose="020B0609020204030204" pitchFamily="49" charset="0"/>
+                <a:ea typeface="Times New Roman" panose="02020603050405020304" pitchFamily="18" charset="0"/>
+                <a:cs typeface="Times New Roman" panose="02020603050405020304" pitchFamily="18" charset="0"/>
+              </a:rPr>
+              <a:t>numLinea</a:t>
+            </a:r>
+            <a:r>
+              <a:rPr lang="it-IT" sz="1600" dirty="0">
+                <a:solidFill>
+                  <a:srgbClr val="D4D4D4"/>
+                </a:solidFill>
+                <a:latin typeface="Consolas" panose="020B0609020204030204" pitchFamily="49" charset="0"/>
+                <a:ea typeface="Times New Roman" panose="02020603050405020304" pitchFamily="18" charset="0"/>
+                <a:cs typeface="Times New Roman" panose="02020603050405020304" pitchFamily="18" charset="0"/>
+              </a:rPr>
+              <a:t> != </a:t>
+            </a:r>
+            <a:r>
+              <a:rPr lang="it-IT" sz="1600" dirty="0" err="1">
+                <a:solidFill>
+                  <a:srgbClr val="D4D4D4"/>
+                </a:solidFill>
+                <a:latin typeface="Consolas" panose="020B0609020204030204" pitchFamily="49" charset="0"/>
+                <a:ea typeface="Times New Roman" panose="02020603050405020304" pitchFamily="18" charset="0"/>
+                <a:cs typeface="Times New Roman" panose="02020603050405020304" pitchFamily="18" charset="0"/>
+              </a:rPr>
+              <a:t>contaLinea</a:t>
+            </a:r>
+            <a:r>
+              <a:rPr lang="it-IT" sz="1600" dirty="0">
+                <a:solidFill>
+                  <a:srgbClr val="D4D4D4"/>
+                </a:solidFill>
+                <a:latin typeface="Consolas" panose="020B0609020204030204" pitchFamily="49" charset="0"/>
+                <a:ea typeface="Times New Roman" panose="02020603050405020304" pitchFamily="18" charset="0"/>
+                <a:cs typeface="Times New Roman" panose="02020603050405020304" pitchFamily="18" charset="0"/>
+              </a:rPr>
+              <a:t>) {</a:t>
+            </a:r>
+            <a:endParaRPr lang="it-IT" sz="1600" dirty="0">
+              <a:latin typeface="Consolas" panose="020B0609020204030204" pitchFamily="49" charset="0"/>
+              <a:ea typeface="Calibri" panose="020F0502020204030204" pitchFamily="34" charset="0"/>
+              <a:cs typeface="Times New Roman" panose="02020603050405020304" pitchFamily="18" charset="0"/>
+            </a:endParaRPr>
+          </a:p>
+          <a:p>
+            <a:pPr>
+              <a:lnSpc>
+                <a:spcPct val="150000"/>
+              </a:lnSpc>
+              <a:spcAft>
+                <a:spcPts val="0"/>
+              </a:spcAft>
+            </a:pPr>
+            <a:r>
+              <a:rPr lang="it-IT" sz="1600" dirty="0">
+                <a:solidFill>
+                  <a:srgbClr val="DCDCAA"/>
+                </a:solidFill>
+                <a:latin typeface="Consolas" panose="020B0609020204030204" pitchFamily="49" charset="0"/>
+                <a:ea typeface="Times New Roman" panose="02020603050405020304" pitchFamily="18" charset="0"/>
+                <a:cs typeface="Times New Roman" panose="02020603050405020304" pitchFamily="18" charset="0"/>
+              </a:rPr>
+              <a:t>		</a:t>
+            </a:r>
+            <a:r>
+              <a:rPr lang="it-IT" sz="1600" dirty="0" err="1">
+                <a:solidFill>
+                  <a:srgbClr val="DCDCAA"/>
+                </a:solidFill>
+                <a:latin typeface="Consolas" panose="020B0609020204030204" pitchFamily="49" charset="0"/>
+                <a:ea typeface="Times New Roman" panose="02020603050405020304" pitchFamily="18" charset="0"/>
+                <a:cs typeface="Times New Roman" panose="02020603050405020304" pitchFamily="18" charset="0"/>
+              </a:rPr>
+              <a:t>write</a:t>
+            </a:r>
+            <a:r>
+              <a:rPr lang="it-IT" sz="1600" dirty="0">
+                <a:solidFill>
+                  <a:srgbClr val="D4D4D4"/>
+                </a:solidFill>
+                <a:latin typeface="Consolas" panose="020B0609020204030204" pitchFamily="49" charset="0"/>
+                <a:ea typeface="Times New Roman" panose="02020603050405020304" pitchFamily="18" charset="0"/>
+                <a:cs typeface="Times New Roman" panose="02020603050405020304" pitchFamily="18" charset="0"/>
+              </a:rPr>
+              <a:t>(</a:t>
+            </a:r>
+            <a:r>
+              <a:rPr lang="it-IT" sz="1600" dirty="0" err="1">
+                <a:solidFill>
+                  <a:srgbClr val="D4D4D4"/>
+                </a:solidFill>
+                <a:latin typeface="Consolas" panose="020B0609020204030204" pitchFamily="49" charset="0"/>
+                <a:ea typeface="Times New Roman" panose="02020603050405020304" pitchFamily="18" charset="0"/>
+                <a:cs typeface="Times New Roman" panose="02020603050405020304" pitchFamily="18" charset="0"/>
+              </a:rPr>
+              <a:t>newSocket</a:t>
+            </a:r>
+            <a:r>
+              <a:rPr lang="it-IT" sz="1600" dirty="0">
+                <a:solidFill>
+                  <a:srgbClr val="D4D4D4"/>
+                </a:solidFill>
+                <a:latin typeface="Consolas" panose="020B0609020204030204" pitchFamily="49" charset="0"/>
+                <a:ea typeface="Times New Roman" panose="02020603050405020304" pitchFamily="18" charset="0"/>
+                <a:cs typeface="Times New Roman" panose="02020603050405020304" pitchFamily="18" charset="0"/>
+              </a:rPr>
+              <a:t>, &amp;c, </a:t>
+            </a:r>
+            <a:r>
+              <a:rPr lang="it-IT" sz="1600" dirty="0" err="1">
+                <a:solidFill>
+                  <a:srgbClr val="569CD6"/>
+                </a:solidFill>
+                <a:latin typeface="Consolas" panose="020B0609020204030204" pitchFamily="49" charset="0"/>
+                <a:ea typeface="Times New Roman" panose="02020603050405020304" pitchFamily="18" charset="0"/>
+                <a:cs typeface="Times New Roman" panose="02020603050405020304" pitchFamily="18" charset="0"/>
+              </a:rPr>
+              <a:t>sizeof</a:t>
+            </a:r>
+            <a:r>
+              <a:rPr lang="it-IT" sz="1600" dirty="0">
+                <a:solidFill>
+                  <a:srgbClr val="D4D4D4"/>
+                </a:solidFill>
+                <a:latin typeface="Consolas" panose="020B0609020204030204" pitchFamily="49" charset="0"/>
+                <a:ea typeface="Times New Roman" panose="02020603050405020304" pitchFamily="18" charset="0"/>
+                <a:cs typeface="Times New Roman" panose="02020603050405020304" pitchFamily="18" charset="0"/>
+              </a:rPr>
+              <a:t>(</a:t>
+            </a:r>
+            <a:r>
+              <a:rPr lang="it-IT" sz="1600" dirty="0" err="1">
+                <a:solidFill>
+                  <a:srgbClr val="569CD6"/>
+                </a:solidFill>
+                <a:latin typeface="Consolas" panose="020B0609020204030204" pitchFamily="49" charset="0"/>
+                <a:ea typeface="Times New Roman" panose="02020603050405020304" pitchFamily="18" charset="0"/>
+                <a:cs typeface="Times New Roman" panose="02020603050405020304" pitchFamily="18" charset="0"/>
+              </a:rPr>
+              <a:t>char</a:t>
+            </a:r>
+            <a:r>
+              <a:rPr lang="it-IT" sz="1600" dirty="0">
+                <a:solidFill>
+                  <a:srgbClr val="D4D4D4"/>
+                </a:solidFill>
+                <a:latin typeface="Consolas" panose="020B0609020204030204" pitchFamily="49" charset="0"/>
+                <a:ea typeface="Times New Roman" panose="02020603050405020304" pitchFamily="18" charset="0"/>
+                <a:cs typeface="Times New Roman" panose="02020603050405020304" pitchFamily="18" charset="0"/>
+              </a:rPr>
+              <a:t>));</a:t>
+            </a:r>
+            <a:endParaRPr lang="it-IT" sz="1600" dirty="0">
+              <a:latin typeface="Consolas" panose="020B0609020204030204" pitchFamily="49" charset="0"/>
+              <a:ea typeface="Calibri" panose="020F0502020204030204" pitchFamily="34" charset="0"/>
+              <a:cs typeface="Times New Roman" panose="02020603050405020304" pitchFamily="18" charset="0"/>
+            </a:endParaRPr>
+          </a:p>
+          <a:p>
+            <a:pPr>
+              <a:lnSpc>
+                <a:spcPct val="150000"/>
+              </a:lnSpc>
+              <a:spcAft>
+                <a:spcPts val="0"/>
+              </a:spcAft>
+            </a:pPr>
+            <a:r>
+              <a:rPr lang="it-IT" sz="1600" dirty="0">
+                <a:solidFill>
+                  <a:srgbClr val="D4D4D4"/>
+                </a:solidFill>
+                <a:latin typeface="Consolas" panose="020B0609020204030204" pitchFamily="49" charset="0"/>
+                <a:ea typeface="Times New Roman" panose="02020603050405020304" pitchFamily="18" charset="0"/>
+                <a:cs typeface="Times New Roman" panose="02020603050405020304" pitchFamily="18" charset="0"/>
+              </a:rPr>
+              <a:t>	}</a:t>
+            </a:r>
+            <a:endParaRPr lang="it-IT" sz="1600" dirty="0">
+              <a:latin typeface="Consolas" panose="020B0609020204030204" pitchFamily="49" charset="0"/>
+              <a:ea typeface="Calibri" panose="020F0502020204030204" pitchFamily="34" charset="0"/>
+              <a:cs typeface="Times New Roman" panose="02020603050405020304" pitchFamily="18" charset="0"/>
+            </a:endParaRPr>
+          </a:p>
+          <a:p>
+            <a:pPr>
+              <a:lnSpc>
+                <a:spcPct val="150000"/>
+              </a:lnSpc>
+              <a:spcAft>
+                <a:spcPts val="0"/>
+              </a:spcAft>
+            </a:pPr>
+            <a:r>
+              <a:rPr lang="it-IT" sz="1600" dirty="0">
+                <a:solidFill>
+                  <a:srgbClr val="C586C0"/>
+                </a:solidFill>
+                <a:latin typeface="Consolas" panose="020B0609020204030204" pitchFamily="49" charset="0"/>
+                <a:ea typeface="Times New Roman" panose="02020603050405020304" pitchFamily="18" charset="0"/>
+                <a:cs typeface="Times New Roman" panose="02020603050405020304" pitchFamily="18" charset="0"/>
+              </a:rPr>
+              <a:t>	</a:t>
+            </a:r>
+            <a:r>
+              <a:rPr lang="it-IT" sz="1600" dirty="0" err="1">
+                <a:solidFill>
+                  <a:srgbClr val="C586C0"/>
+                </a:solidFill>
+                <a:latin typeface="Consolas" panose="020B0609020204030204" pitchFamily="49" charset="0"/>
+                <a:ea typeface="Times New Roman" panose="02020603050405020304" pitchFamily="18" charset="0"/>
+                <a:cs typeface="Times New Roman" panose="02020603050405020304" pitchFamily="18" charset="0"/>
+              </a:rPr>
+              <a:t>if</a:t>
+            </a:r>
+            <a:r>
+              <a:rPr lang="it-IT" sz="1600" dirty="0">
+                <a:solidFill>
+                  <a:srgbClr val="D4D4D4"/>
+                </a:solidFill>
+                <a:latin typeface="Consolas" panose="020B0609020204030204" pitchFamily="49" charset="0"/>
+                <a:ea typeface="Times New Roman" panose="02020603050405020304" pitchFamily="18" charset="0"/>
+                <a:cs typeface="Times New Roman" panose="02020603050405020304" pitchFamily="18" charset="0"/>
+              </a:rPr>
+              <a:t> (c == </a:t>
+            </a:r>
+            <a:r>
+              <a:rPr lang="it-IT" sz="1600" dirty="0">
+                <a:solidFill>
+                  <a:srgbClr val="CE9178"/>
+                </a:solidFill>
+                <a:latin typeface="Consolas" panose="020B0609020204030204" pitchFamily="49" charset="0"/>
+                <a:ea typeface="Times New Roman" panose="02020603050405020304" pitchFamily="18" charset="0"/>
+                <a:cs typeface="Times New Roman" panose="02020603050405020304" pitchFamily="18" charset="0"/>
+              </a:rPr>
+              <a:t>'</a:t>
+            </a:r>
+            <a:r>
+              <a:rPr lang="it-IT" sz="1600" dirty="0">
+                <a:solidFill>
+                  <a:srgbClr val="D7BA7D"/>
+                </a:solidFill>
+                <a:latin typeface="Consolas" panose="020B0609020204030204" pitchFamily="49" charset="0"/>
+                <a:ea typeface="Times New Roman" panose="02020603050405020304" pitchFamily="18" charset="0"/>
+                <a:cs typeface="Times New Roman" panose="02020603050405020304" pitchFamily="18" charset="0"/>
+              </a:rPr>
+              <a:t>\n</a:t>
+            </a:r>
+            <a:r>
+              <a:rPr lang="it-IT" sz="1600" dirty="0">
+                <a:solidFill>
+                  <a:srgbClr val="CE9178"/>
+                </a:solidFill>
+                <a:latin typeface="Consolas" panose="020B0609020204030204" pitchFamily="49" charset="0"/>
+                <a:ea typeface="Times New Roman" panose="02020603050405020304" pitchFamily="18" charset="0"/>
+                <a:cs typeface="Times New Roman" panose="02020603050405020304" pitchFamily="18" charset="0"/>
+              </a:rPr>
+              <a:t>'</a:t>
+            </a:r>
+            <a:r>
+              <a:rPr lang="it-IT" sz="1600" dirty="0">
+                <a:solidFill>
+                  <a:srgbClr val="D4D4D4"/>
+                </a:solidFill>
+                <a:latin typeface="Consolas" panose="020B0609020204030204" pitchFamily="49" charset="0"/>
+                <a:ea typeface="Times New Roman" panose="02020603050405020304" pitchFamily="18" charset="0"/>
+                <a:cs typeface="Times New Roman" panose="02020603050405020304" pitchFamily="18" charset="0"/>
+              </a:rPr>
+              <a:t>) {</a:t>
+            </a:r>
+            <a:endParaRPr lang="it-IT" sz="1600" dirty="0">
+              <a:latin typeface="Consolas" panose="020B0609020204030204" pitchFamily="49" charset="0"/>
+              <a:ea typeface="Calibri" panose="020F0502020204030204" pitchFamily="34" charset="0"/>
+              <a:cs typeface="Times New Roman" panose="02020603050405020304" pitchFamily="18" charset="0"/>
+            </a:endParaRPr>
+          </a:p>
+          <a:p>
+            <a:pPr>
+              <a:lnSpc>
+                <a:spcPct val="150000"/>
+              </a:lnSpc>
+              <a:spcAft>
+                <a:spcPts val="0"/>
+              </a:spcAft>
+            </a:pPr>
+            <a:r>
+              <a:rPr lang="it-IT" sz="1600" dirty="0">
+                <a:solidFill>
+                  <a:srgbClr val="D4D4D4"/>
+                </a:solidFill>
+                <a:latin typeface="Consolas" panose="020B0609020204030204" pitchFamily="49" charset="0"/>
+                <a:ea typeface="Times New Roman" panose="02020603050405020304" pitchFamily="18" charset="0"/>
+                <a:cs typeface="Times New Roman" panose="02020603050405020304" pitchFamily="18" charset="0"/>
+              </a:rPr>
+              <a:t>		</a:t>
+            </a:r>
+            <a:r>
+              <a:rPr lang="it-IT" sz="1600" dirty="0" err="1">
+                <a:solidFill>
+                  <a:srgbClr val="D4D4D4"/>
+                </a:solidFill>
+                <a:latin typeface="Consolas" panose="020B0609020204030204" pitchFamily="49" charset="0"/>
+                <a:ea typeface="Times New Roman" panose="02020603050405020304" pitchFamily="18" charset="0"/>
+                <a:cs typeface="Times New Roman" panose="02020603050405020304" pitchFamily="18" charset="0"/>
+              </a:rPr>
+              <a:t>contaLinea</a:t>
+            </a:r>
+            <a:r>
+              <a:rPr lang="it-IT" sz="1600" dirty="0">
+                <a:solidFill>
+                  <a:srgbClr val="D4D4D4"/>
+                </a:solidFill>
+                <a:latin typeface="Consolas" panose="020B0609020204030204" pitchFamily="49" charset="0"/>
+                <a:ea typeface="Times New Roman" panose="02020603050405020304" pitchFamily="18" charset="0"/>
+                <a:cs typeface="Times New Roman" panose="02020603050405020304" pitchFamily="18" charset="0"/>
+              </a:rPr>
+              <a:t>++;</a:t>
+            </a:r>
+            <a:endParaRPr lang="it-IT" sz="1600" dirty="0">
+              <a:latin typeface="Consolas" panose="020B0609020204030204" pitchFamily="49" charset="0"/>
+              <a:ea typeface="Calibri" panose="020F0502020204030204" pitchFamily="34" charset="0"/>
+              <a:cs typeface="Times New Roman" panose="02020603050405020304" pitchFamily="18" charset="0"/>
+            </a:endParaRPr>
+          </a:p>
+          <a:p>
+            <a:pPr>
+              <a:lnSpc>
+                <a:spcPct val="150000"/>
+              </a:lnSpc>
+              <a:spcAft>
+                <a:spcPts val="0"/>
+              </a:spcAft>
+            </a:pPr>
+            <a:r>
+              <a:rPr lang="it-IT" sz="1600" dirty="0">
+                <a:solidFill>
+                  <a:srgbClr val="D4D4D4"/>
+                </a:solidFill>
+                <a:latin typeface="Consolas" panose="020B0609020204030204" pitchFamily="49" charset="0"/>
+                <a:ea typeface="Times New Roman" panose="02020603050405020304" pitchFamily="18" charset="0"/>
+                <a:cs typeface="Times New Roman" panose="02020603050405020304" pitchFamily="18" charset="0"/>
+              </a:rPr>
+              <a:t>	}</a:t>
+            </a:r>
+            <a:endParaRPr lang="it-IT" sz="1600" dirty="0">
+              <a:latin typeface="Consolas" panose="020B0609020204030204" pitchFamily="49" charset="0"/>
+              <a:ea typeface="Calibri" panose="020F0502020204030204" pitchFamily="34" charset="0"/>
+              <a:cs typeface="Times New Roman" panose="02020603050405020304" pitchFamily="18" charset="0"/>
+            </a:endParaRPr>
+          </a:p>
+          <a:p>
+            <a:pPr>
+              <a:lnSpc>
+                <a:spcPct val="150000"/>
+              </a:lnSpc>
+              <a:spcAft>
+                <a:spcPts val="0"/>
+              </a:spcAft>
+            </a:pPr>
+            <a:r>
+              <a:rPr lang="it-IT" sz="1600" dirty="0">
+                <a:solidFill>
+                  <a:srgbClr val="D4D4D4"/>
+                </a:solidFill>
+                <a:latin typeface="Consolas" panose="020B0609020204030204" pitchFamily="49" charset="0"/>
+                <a:ea typeface="Times New Roman" panose="02020603050405020304" pitchFamily="18" charset="0"/>
+                <a:cs typeface="Times New Roman" panose="02020603050405020304" pitchFamily="18" charset="0"/>
+              </a:rPr>
+              <a:t>}</a:t>
+            </a:r>
+            <a:endParaRPr lang="it-IT" sz="1400" dirty="0">
+              <a:latin typeface="Consolas" panose="020B0609020204030204" pitchFamily="49" charset="0"/>
+              <a:ea typeface="Calibri" panose="020F0502020204030204" pitchFamily="34" charset="0"/>
+              <a:cs typeface="Times New Roman" panose="02020603050405020304" pitchFamily="18" charset="0"/>
+            </a:endParaRPr>
+          </a:p>
+        </p:txBody>
+      </p:sp>
+      <p:sp>
+        <p:nvSpPr>
+          <p:cNvPr id="8" name="Rettangolo con angoli arrotondati 7">
+            <a:extLst>
+              <a:ext uri="{FF2B5EF4-FFF2-40B4-BE49-F238E27FC236}">
+                <a16:creationId xmlns:a16="http://schemas.microsoft.com/office/drawing/2014/main" id="{B6517F2D-9583-46BE-9C26-9F12B08DEC6F}"/>
+              </a:ext>
+            </a:extLst>
+          </p:cNvPr>
+          <p:cNvSpPr/>
+          <p:nvPr/>
+        </p:nvSpPr>
+        <p:spPr>
+          <a:xfrm>
+            <a:off x="7696198" y="3372551"/>
+            <a:ext cx="2509286" cy="981592"/>
+          </a:xfrm>
+          <a:prstGeom prst="roundRect">
+            <a:avLst/>
+          </a:prstGeom>
+          <a:solidFill>
+            <a:schemeClr val="accent4"/>
+          </a:solidFill>
+          <a:ln>
+            <a:solidFill>
+              <a:schemeClr val="accent4"/>
+            </a:solidFill>
+          </a:ln>
+        </p:spPr>
+        <p:style>
+          <a:lnRef idx="2">
+            <a:schemeClr val="accent1">
+              <a:shade val="50000"/>
+            </a:schemeClr>
+          </a:lnRef>
+          <a:fillRef idx="1">
+            <a:schemeClr val="accent1"/>
+          </a:fillRef>
+          <a:effectRef idx="0">
+            <a:schemeClr val="accent1"/>
+          </a:effectRef>
+          <a:fontRef idx="minor">
+            <a:schemeClr val="lt1"/>
+          </a:fontRef>
+        </p:style>
+        <p:txBody>
+          <a:bodyPr rtlCol="0" anchor="ctr"/>
+          <a:lstStyle/>
+          <a:p>
+            <a:pPr algn="just"/>
+            <a:r>
+              <a:rPr lang="it-IT" sz="1400" dirty="0">
+                <a:solidFill>
+                  <a:schemeClr val="tx1"/>
+                </a:solidFill>
+                <a:latin typeface="Avenir Next LT Pro Light" panose="020B0304020202020204" pitchFamily="34" charset="0"/>
+              </a:rPr>
+              <a:t>Variante dell’algoritmo per leggere e scrivere sulla </a:t>
+            </a:r>
+            <a:r>
+              <a:rPr lang="it-IT" sz="1400" dirty="0" err="1">
+                <a:solidFill>
+                  <a:schemeClr val="tx1"/>
+                </a:solidFill>
+                <a:latin typeface="Avenir Next LT Pro Light" panose="020B0304020202020204" pitchFamily="34" charset="0"/>
+              </a:rPr>
+              <a:t>socket</a:t>
+            </a:r>
+            <a:r>
+              <a:rPr lang="it-IT" sz="1400" dirty="0">
+                <a:solidFill>
+                  <a:schemeClr val="tx1"/>
+                </a:solidFill>
+                <a:latin typeface="Avenir Next LT Pro Light" panose="020B0304020202020204" pitchFamily="34" charset="0"/>
+              </a:rPr>
+              <a:t> usando un carattere alla volta.</a:t>
+            </a:r>
+          </a:p>
+        </p:txBody>
+      </p:sp>
+    </p:spTree>
+    <p:extLst>
+      <p:ext uri="{BB962C8B-B14F-4D97-AF65-F5344CB8AC3E}">
+        <p14:creationId xmlns:p14="http://schemas.microsoft.com/office/powerpoint/2010/main" val="502692845"/>
+      </p:ext>
+    </p:extLst>
+  </p:cSld>
+  <p:clrMapOvr>
+    <a:masterClrMapping/>
+  </p:clrMapOvr>
+</p:sld>
+</file>
+
+<file path=ppt/slides/slide8.xml><?xml version="1.0" encoding="utf-8"?>
+<p:sld xmlns:a="http://schemas.openxmlformats.org/drawingml/2006/main" xmlns:r="http://schemas.openxmlformats.org/officeDocument/2006/relationships" xmlns:p="http://schemas.openxmlformats.org/presentationml/2006/main">
+  <p:cSld>
+    <p:bg>
+      <p:bgPr>
+        <a:solidFill>
+          <a:srgbClr val="2A2A2A"/>
+        </a:solidFill>
+        <a:effectLst/>
+      </p:bgPr>
+    </p:bg>
+    <p:spTree>
+      <p:nvGrpSpPr>
+        <p:cNvPr id="1" name=""/>
+        <p:cNvGrpSpPr/>
+        <p:nvPr/>
+      </p:nvGrpSpPr>
+      <p:grpSpPr>
+        <a:xfrm>
+          <a:off x="0" y="0"/>
+          <a:ext cx="0" cy="0"/>
+          <a:chOff x="0" y="0"/>
+          <a:chExt cx="0" cy="0"/>
+        </a:xfrm>
+      </p:grpSpPr>
+      <p:sp>
+        <p:nvSpPr>
+          <p:cNvPr id="2" name="Titolo 1">
+            <a:extLst>
+              <a:ext uri="{FF2B5EF4-FFF2-40B4-BE49-F238E27FC236}">
+                <a16:creationId xmlns:a16="http://schemas.microsoft.com/office/drawing/2014/main" id="{F1DDE7A4-1A5F-4F0D-B842-7798EDC6EDA8}"/>
+              </a:ext>
+            </a:extLst>
+          </p:cNvPr>
+          <p:cNvSpPr>
+            <a:spLocks noGrp="1"/>
+          </p:cNvSpPr>
+          <p:nvPr>
+            <p:ph type="title"/>
+          </p:nvPr>
+        </p:nvSpPr>
+        <p:spPr>
+          <a:xfrm>
+            <a:off x="166048" y="92077"/>
+            <a:ext cx="11859904" cy="911224"/>
+          </a:xfrm>
+        </p:spPr>
+        <p:txBody>
+          <a:bodyPr>
+            <a:normAutofit/>
+          </a:bodyPr>
+          <a:lstStyle/>
+          <a:p>
+            <a:pPr algn="ctr"/>
+            <a:r>
+              <a:rPr lang="it-IT" dirty="0">
+                <a:solidFill>
+                  <a:schemeClr val="bg1"/>
+                </a:solidFill>
+                <a:latin typeface="Avenir Next LT Pro Light" panose="020B0304020202020204" pitchFamily="34" charset="0"/>
+              </a:rPr>
+              <a:t>Codice Server TCP (2)</a:t>
+            </a:r>
+          </a:p>
+        </p:txBody>
+      </p:sp>
+      <p:sp>
+        <p:nvSpPr>
+          <p:cNvPr id="3" name="Segnaposto numero diapositiva 2">
+            <a:extLst>
+              <a:ext uri="{FF2B5EF4-FFF2-40B4-BE49-F238E27FC236}">
+                <a16:creationId xmlns:a16="http://schemas.microsoft.com/office/drawing/2014/main" id="{A47D4834-59E8-435C-A95B-F4D997DED51E}"/>
+              </a:ext>
+            </a:extLst>
+          </p:cNvPr>
+          <p:cNvSpPr>
+            <a:spLocks noGrp="1"/>
+          </p:cNvSpPr>
+          <p:nvPr>
+            <p:ph type="sldNum" sz="quarter" idx="12"/>
+          </p:nvPr>
+        </p:nvSpPr>
+        <p:spPr/>
+        <p:txBody>
+          <a:bodyPr/>
+          <a:lstStyle/>
+          <a:p>
+            <a:fld id="{4A6DC286-705F-4A37-A21F-B485E3A29C72}" type="slidenum">
+              <a:rPr lang="it-IT" smtClean="0"/>
+              <a:t>8</a:t>
+            </a:fld>
+            <a:endParaRPr lang="it-IT"/>
+          </a:p>
+        </p:txBody>
+      </p:sp>
+      <p:sp>
+        <p:nvSpPr>
+          <p:cNvPr id="4" name="CasellaDiTesto 3">
+            <a:extLst>
+              <a:ext uri="{FF2B5EF4-FFF2-40B4-BE49-F238E27FC236}">
+                <a16:creationId xmlns:a16="http://schemas.microsoft.com/office/drawing/2014/main" id="{23737725-202B-4361-92C2-B54B0910720A}"/>
+              </a:ext>
+            </a:extLst>
+          </p:cNvPr>
+          <p:cNvSpPr txBox="1"/>
+          <p:nvPr/>
+        </p:nvSpPr>
+        <p:spPr>
+          <a:xfrm>
+            <a:off x="945419" y="1186835"/>
+            <a:ext cx="6247223" cy="4985980"/>
+          </a:xfrm>
+          <a:prstGeom prst="rect">
+            <a:avLst/>
+          </a:prstGeom>
+          <a:noFill/>
+        </p:spPr>
+        <p:txBody>
+          <a:bodyPr wrap="none" rtlCol="0">
+            <a:spAutoFit/>
+          </a:bodyPr>
+          <a:lstStyle/>
+          <a:p>
+            <a:pPr>
+              <a:lnSpc>
+                <a:spcPct val="120000"/>
+              </a:lnSpc>
+              <a:spcAft>
+                <a:spcPts val="0"/>
+              </a:spcAft>
+            </a:pPr>
+            <a:r>
+              <a:rPr lang="it-IT" sz="1400" dirty="0" err="1">
+                <a:solidFill>
+                  <a:srgbClr val="C586C0"/>
+                </a:solidFill>
+                <a:latin typeface="Consolas" panose="020B0609020204030204" pitchFamily="49" charset="0"/>
+                <a:ea typeface="Times New Roman" panose="02020603050405020304" pitchFamily="18" charset="0"/>
+                <a:cs typeface="Times New Roman" panose="02020603050405020304" pitchFamily="18" charset="0"/>
+              </a:rPr>
+              <a:t>while</a:t>
+            </a:r>
+            <a:r>
+              <a:rPr lang="it-IT" sz="1400" dirty="0">
+                <a:solidFill>
+                  <a:srgbClr val="D4D4D4"/>
+                </a:solidFill>
+                <a:latin typeface="Consolas" panose="020B0609020204030204" pitchFamily="49" charset="0"/>
+                <a:ea typeface="Times New Roman" panose="02020603050405020304" pitchFamily="18" charset="0"/>
+                <a:cs typeface="Times New Roman" panose="02020603050405020304" pitchFamily="18" charset="0"/>
+              </a:rPr>
+              <a:t> ((</a:t>
+            </a:r>
+            <a:r>
+              <a:rPr lang="it-IT" sz="1400" dirty="0" err="1">
+                <a:solidFill>
+                  <a:srgbClr val="D4D4D4"/>
+                </a:solidFill>
+                <a:latin typeface="Consolas" panose="020B0609020204030204" pitchFamily="49" charset="0"/>
+                <a:ea typeface="Times New Roman" panose="02020603050405020304" pitchFamily="18" charset="0"/>
+                <a:cs typeface="Times New Roman" panose="02020603050405020304" pitchFamily="18" charset="0"/>
+              </a:rPr>
+              <a:t>readSocket</a:t>
+            </a:r>
+            <a:r>
+              <a:rPr lang="it-IT" sz="1400" dirty="0">
+                <a:solidFill>
+                  <a:srgbClr val="D4D4D4"/>
+                </a:solidFill>
+                <a:latin typeface="Consolas" panose="020B0609020204030204" pitchFamily="49" charset="0"/>
+                <a:ea typeface="Times New Roman" panose="02020603050405020304" pitchFamily="18" charset="0"/>
+                <a:cs typeface="Times New Roman" panose="02020603050405020304" pitchFamily="18" charset="0"/>
+              </a:rPr>
+              <a:t> = </a:t>
+            </a:r>
+            <a:r>
+              <a:rPr lang="it-IT" sz="1400" dirty="0" err="1">
+                <a:solidFill>
+                  <a:srgbClr val="DCDCAA"/>
+                </a:solidFill>
+                <a:latin typeface="Consolas" panose="020B0609020204030204" pitchFamily="49" charset="0"/>
+                <a:ea typeface="Times New Roman" panose="02020603050405020304" pitchFamily="18" charset="0"/>
+                <a:cs typeface="Times New Roman" panose="02020603050405020304" pitchFamily="18" charset="0"/>
+              </a:rPr>
+              <a:t>read</a:t>
+            </a:r>
+            <a:r>
+              <a:rPr lang="it-IT" sz="1400" dirty="0">
+                <a:solidFill>
+                  <a:srgbClr val="D4D4D4"/>
+                </a:solidFill>
+                <a:latin typeface="Consolas" panose="020B0609020204030204" pitchFamily="49" charset="0"/>
+                <a:ea typeface="Times New Roman" panose="02020603050405020304" pitchFamily="18" charset="0"/>
+                <a:cs typeface="Times New Roman" panose="02020603050405020304" pitchFamily="18" charset="0"/>
+              </a:rPr>
+              <a:t>(</a:t>
+            </a:r>
+            <a:r>
+              <a:rPr lang="it-IT" sz="1400" dirty="0" err="1">
+                <a:solidFill>
+                  <a:srgbClr val="D4D4D4"/>
+                </a:solidFill>
+                <a:latin typeface="Consolas" panose="020B0609020204030204" pitchFamily="49" charset="0"/>
+                <a:ea typeface="Times New Roman" panose="02020603050405020304" pitchFamily="18" charset="0"/>
+                <a:cs typeface="Times New Roman" panose="02020603050405020304" pitchFamily="18" charset="0"/>
+              </a:rPr>
+              <a:t>newSocket</a:t>
+            </a:r>
+            <a:r>
+              <a:rPr lang="it-IT" sz="1400" dirty="0">
+                <a:solidFill>
+                  <a:srgbClr val="D4D4D4"/>
+                </a:solidFill>
+                <a:latin typeface="Consolas" panose="020B0609020204030204" pitchFamily="49" charset="0"/>
+                <a:ea typeface="Times New Roman" panose="02020603050405020304" pitchFamily="18" charset="0"/>
+                <a:cs typeface="Times New Roman" panose="02020603050405020304" pitchFamily="18" charset="0"/>
+              </a:rPr>
+              <a:t>, &amp;</a:t>
+            </a:r>
+            <a:r>
+              <a:rPr lang="it-IT" sz="1400" dirty="0" err="1">
+                <a:solidFill>
+                  <a:srgbClr val="D4D4D4"/>
+                </a:solidFill>
+                <a:latin typeface="Consolas" panose="020B0609020204030204" pitchFamily="49" charset="0"/>
+                <a:ea typeface="Times New Roman" panose="02020603050405020304" pitchFamily="18" charset="0"/>
+                <a:cs typeface="Times New Roman" panose="02020603050405020304" pitchFamily="18" charset="0"/>
+              </a:rPr>
+              <a:t>buff</a:t>
+            </a:r>
+            <a:r>
+              <a:rPr lang="it-IT" sz="1400" dirty="0">
+                <a:solidFill>
+                  <a:srgbClr val="D4D4D4"/>
+                </a:solidFill>
+                <a:latin typeface="Consolas" panose="020B0609020204030204" pitchFamily="49" charset="0"/>
+                <a:ea typeface="Times New Roman" panose="02020603050405020304" pitchFamily="18" charset="0"/>
+                <a:cs typeface="Times New Roman" panose="02020603050405020304" pitchFamily="18" charset="0"/>
+              </a:rPr>
+              <a:t>, DIM_BUFF)) &gt; </a:t>
+            </a:r>
+            <a:r>
+              <a:rPr lang="it-IT" sz="1400" dirty="0">
+                <a:solidFill>
+                  <a:srgbClr val="B5CEA8"/>
+                </a:solidFill>
+                <a:latin typeface="Consolas" panose="020B0609020204030204" pitchFamily="49" charset="0"/>
+                <a:ea typeface="Times New Roman" panose="02020603050405020304" pitchFamily="18" charset="0"/>
+                <a:cs typeface="Times New Roman" panose="02020603050405020304" pitchFamily="18" charset="0"/>
+              </a:rPr>
+              <a:t>0</a:t>
+            </a:r>
+            <a:r>
+              <a:rPr lang="it-IT" sz="1400" dirty="0">
+                <a:solidFill>
+                  <a:srgbClr val="D4D4D4"/>
+                </a:solidFill>
+                <a:latin typeface="Consolas" panose="020B0609020204030204" pitchFamily="49" charset="0"/>
+                <a:ea typeface="Times New Roman" panose="02020603050405020304" pitchFamily="18" charset="0"/>
+                <a:cs typeface="Times New Roman" panose="02020603050405020304" pitchFamily="18" charset="0"/>
+              </a:rPr>
+              <a:t>) {</a:t>
+            </a:r>
+            <a:endParaRPr lang="it-IT" sz="1400" dirty="0">
+              <a:latin typeface="Consolas" panose="020B0609020204030204" pitchFamily="49" charset="0"/>
+              <a:ea typeface="Calibri" panose="020F0502020204030204" pitchFamily="34" charset="0"/>
+              <a:cs typeface="Times New Roman" panose="02020603050405020304" pitchFamily="18" charset="0"/>
+            </a:endParaRPr>
+          </a:p>
+          <a:p>
+            <a:pPr>
+              <a:lnSpc>
+                <a:spcPct val="120000"/>
+              </a:lnSpc>
+              <a:spcAft>
+                <a:spcPts val="0"/>
+              </a:spcAft>
+            </a:pPr>
+            <a:r>
+              <a:rPr lang="it-IT" sz="1400" dirty="0">
+                <a:solidFill>
+                  <a:srgbClr val="D4D4D4"/>
+                </a:solidFill>
+                <a:latin typeface="Consolas" panose="020B0609020204030204" pitchFamily="49" charset="0"/>
+                <a:ea typeface="Times New Roman" panose="02020603050405020304" pitchFamily="18" charset="0"/>
+                <a:cs typeface="Times New Roman" panose="02020603050405020304" pitchFamily="18" charset="0"/>
+              </a:rPr>
+              <a:t>	i = </a:t>
+            </a:r>
+            <a:r>
+              <a:rPr lang="it-IT" sz="1400" dirty="0">
+                <a:solidFill>
+                  <a:srgbClr val="B5CEA8"/>
+                </a:solidFill>
+                <a:latin typeface="Consolas" panose="020B0609020204030204" pitchFamily="49" charset="0"/>
+                <a:ea typeface="Times New Roman" panose="02020603050405020304" pitchFamily="18" charset="0"/>
+                <a:cs typeface="Times New Roman" panose="02020603050405020304" pitchFamily="18" charset="0"/>
+              </a:rPr>
+              <a:t>0</a:t>
+            </a:r>
+            <a:r>
+              <a:rPr lang="it-IT" sz="1400" dirty="0">
+                <a:solidFill>
+                  <a:srgbClr val="D4D4D4"/>
+                </a:solidFill>
+                <a:latin typeface="Consolas" panose="020B0609020204030204" pitchFamily="49" charset="0"/>
+                <a:ea typeface="Times New Roman" panose="02020603050405020304" pitchFamily="18" charset="0"/>
+                <a:cs typeface="Times New Roman" panose="02020603050405020304" pitchFamily="18" charset="0"/>
+              </a:rPr>
+              <a:t>;</a:t>
+            </a:r>
+            <a:endParaRPr lang="it-IT" sz="1400" dirty="0">
+              <a:latin typeface="Consolas" panose="020B0609020204030204" pitchFamily="49" charset="0"/>
+              <a:ea typeface="Calibri" panose="020F0502020204030204" pitchFamily="34" charset="0"/>
+              <a:cs typeface="Times New Roman" panose="02020603050405020304" pitchFamily="18" charset="0"/>
+            </a:endParaRPr>
+          </a:p>
+          <a:p>
+            <a:pPr>
+              <a:lnSpc>
+                <a:spcPct val="120000"/>
+              </a:lnSpc>
+              <a:spcAft>
+                <a:spcPts val="0"/>
+              </a:spcAft>
+            </a:pPr>
+            <a:r>
+              <a:rPr lang="it-IT" sz="1400" dirty="0">
+                <a:solidFill>
+                  <a:srgbClr val="C586C0"/>
+                </a:solidFill>
+                <a:latin typeface="Consolas" panose="020B0609020204030204" pitchFamily="49" charset="0"/>
+                <a:ea typeface="Times New Roman" panose="02020603050405020304" pitchFamily="18" charset="0"/>
+                <a:cs typeface="Times New Roman" panose="02020603050405020304" pitchFamily="18" charset="0"/>
+              </a:rPr>
+              <a:t>	</a:t>
+            </a:r>
+            <a:r>
+              <a:rPr lang="it-IT" sz="1400" dirty="0" err="1">
+                <a:solidFill>
+                  <a:srgbClr val="C586C0"/>
+                </a:solidFill>
+                <a:latin typeface="Consolas" panose="020B0609020204030204" pitchFamily="49" charset="0"/>
+                <a:ea typeface="Times New Roman" panose="02020603050405020304" pitchFamily="18" charset="0"/>
+                <a:cs typeface="Times New Roman" panose="02020603050405020304" pitchFamily="18" charset="0"/>
+              </a:rPr>
+              <a:t>while</a:t>
+            </a:r>
+            <a:r>
+              <a:rPr lang="it-IT" sz="1400" dirty="0">
+                <a:solidFill>
+                  <a:srgbClr val="D4D4D4"/>
+                </a:solidFill>
+                <a:latin typeface="Consolas" panose="020B0609020204030204" pitchFamily="49" charset="0"/>
+                <a:ea typeface="Times New Roman" panose="02020603050405020304" pitchFamily="18" charset="0"/>
+                <a:cs typeface="Times New Roman" panose="02020603050405020304" pitchFamily="18" charset="0"/>
+              </a:rPr>
+              <a:t> (i &lt; </a:t>
+            </a:r>
+            <a:r>
+              <a:rPr lang="it-IT" sz="1400" dirty="0" err="1">
+                <a:solidFill>
+                  <a:srgbClr val="D4D4D4"/>
+                </a:solidFill>
+                <a:latin typeface="Consolas" panose="020B0609020204030204" pitchFamily="49" charset="0"/>
+                <a:ea typeface="Times New Roman" panose="02020603050405020304" pitchFamily="18" charset="0"/>
+                <a:cs typeface="Times New Roman" panose="02020603050405020304" pitchFamily="18" charset="0"/>
+              </a:rPr>
+              <a:t>readSocket</a:t>
+            </a:r>
+            <a:r>
+              <a:rPr lang="it-IT" sz="1400" dirty="0">
+                <a:solidFill>
+                  <a:srgbClr val="D4D4D4"/>
+                </a:solidFill>
+                <a:latin typeface="Consolas" panose="020B0609020204030204" pitchFamily="49" charset="0"/>
+                <a:ea typeface="Times New Roman" panose="02020603050405020304" pitchFamily="18" charset="0"/>
+                <a:cs typeface="Times New Roman" panose="02020603050405020304" pitchFamily="18" charset="0"/>
+              </a:rPr>
+              <a:t>) {</a:t>
+            </a:r>
+            <a:endParaRPr lang="it-IT" sz="1400" dirty="0">
+              <a:latin typeface="Consolas" panose="020B0609020204030204" pitchFamily="49" charset="0"/>
+              <a:ea typeface="Calibri" panose="020F0502020204030204" pitchFamily="34" charset="0"/>
+              <a:cs typeface="Times New Roman" panose="02020603050405020304" pitchFamily="18" charset="0"/>
+            </a:endParaRPr>
+          </a:p>
+          <a:p>
+            <a:pPr>
+              <a:lnSpc>
+                <a:spcPct val="120000"/>
+              </a:lnSpc>
+              <a:spcAft>
+                <a:spcPts val="0"/>
+              </a:spcAft>
+            </a:pPr>
+            <a:r>
+              <a:rPr lang="it-IT" sz="1400" dirty="0">
+                <a:solidFill>
+                  <a:srgbClr val="C586C0"/>
+                </a:solidFill>
+                <a:latin typeface="Consolas" panose="020B0609020204030204" pitchFamily="49" charset="0"/>
+                <a:ea typeface="Times New Roman" panose="02020603050405020304" pitchFamily="18" charset="0"/>
+                <a:cs typeface="Times New Roman" panose="02020603050405020304" pitchFamily="18" charset="0"/>
+              </a:rPr>
+              <a:t>		</a:t>
+            </a:r>
+            <a:r>
+              <a:rPr lang="it-IT" sz="1400" dirty="0" err="1">
+                <a:solidFill>
+                  <a:srgbClr val="C586C0"/>
+                </a:solidFill>
+                <a:latin typeface="Consolas" panose="020B0609020204030204" pitchFamily="49" charset="0"/>
+                <a:ea typeface="Times New Roman" panose="02020603050405020304" pitchFamily="18" charset="0"/>
+                <a:cs typeface="Times New Roman" panose="02020603050405020304" pitchFamily="18" charset="0"/>
+              </a:rPr>
+              <a:t>if</a:t>
+            </a:r>
+            <a:r>
+              <a:rPr lang="it-IT" sz="1400" dirty="0">
+                <a:solidFill>
+                  <a:srgbClr val="D4D4D4"/>
+                </a:solidFill>
+                <a:latin typeface="Consolas" panose="020B0609020204030204" pitchFamily="49" charset="0"/>
+                <a:ea typeface="Times New Roman" panose="02020603050405020304" pitchFamily="18" charset="0"/>
+                <a:cs typeface="Times New Roman" panose="02020603050405020304" pitchFamily="18" charset="0"/>
+              </a:rPr>
+              <a:t> (</a:t>
+            </a:r>
+            <a:r>
+              <a:rPr lang="it-IT" sz="1400" dirty="0" err="1">
+                <a:solidFill>
+                  <a:srgbClr val="D4D4D4"/>
+                </a:solidFill>
+                <a:latin typeface="Consolas" panose="020B0609020204030204" pitchFamily="49" charset="0"/>
+                <a:ea typeface="Times New Roman" panose="02020603050405020304" pitchFamily="18" charset="0"/>
+                <a:cs typeface="Times New Roman" panose="02020603050405020304" pitchFamily="18" charset="0"/>
+              </a:rPr>
+              <a:t>numLinea</a:t>
+            </a:r>
+            <a:r>
+              <a:rPr lang="it-IT" sz="1400" dirty="0">
+                <a:solidFill>
+                  <a:srgbClr val="D4D4D4"/>
+                </a:solidFill>
+                <a:latin typeface="Consolas" panose="020B0609020204030204" pitchFamily="49" charset="0"/>
+                <a:ea typeface="Times New Roman" panose="02020603050405020304" pitchFamily="18" charset="0"/>
+                <a:cs typeface="Times New Roman" panose="02020603050405020304" pitchFamily="18" charset="0"/>
+              </a:rPr>
+              <a:t> != </a:t>
+            </a:r>
+            <a:r>
+              <a:rPr lang="it-IT" sz="1400" dirty="0" err="1">
+                <a:solidFill>
+                  <a:srgbClr val="D4D4D4"/>
+                </a:solidFill>
+                <a:latin typeface="Consolas" panose="020B0609020204030204" pitchFamily="49" charset="0"/>
+                <a:ea typeface="Times New Roman" panose="02020603050405020304" pitchFamily="18" charset="0"/>
+                <a:cs typeface="Times New Roman" panose="02020603050405020304" pitchFamily="18" charset="0"/>
+              </a:rPr>
+              <a:t>contaLinea</a:t>
+            </a:r>
+            <a:r>
+              <a:rPr lang="it-IT" sz="1400" dirty="0">
+                <a:solidFill>
+                  <a:srgbClr val="D4D4D4"/>
+                </a:solidFill>
+                <a:latin typeface="Consolas" panose="020B0609020204030204" pitchFamily="49" charset="0"/>
+                <a:ea typeface="Times New Roman" panose="02020603050405020304" pitchFamily="18" charset="0"/>
+                <a:cs typeface="Times New Roman" panose="02020603050405020304" pitchFamily="18" charset="0"/>
+              </a:rPr>
+              <a:t>) {</a:t>
+            </a:r>
+            <a:endParaRPr lang="it-IT" sz="1400" dirty="0">
+              <a:latin typeface="Consolas" panose="020B0609020204030204" pitchFamily="49" charset="0"/>
+              <a:ea typeface="Calibri" panose="020F0502020204030204" pitchFamily="34" charset="0"/>
+              <a:cs typeface="Times New Roman" panose="02020603050405020304" pitchFamily="18" charset="0"/>
+            </a:endParaRPr>
+          </a:p>
+          <a:p>
+            <a:pPr>
+              <a:lnSpc>
+                <a:spcPct val="120000"/>
+              </a:lnSpc>
+              <a:spcAft>
+                <a:spcPts val="0"/>
+              </a:spcAft>
+            </a:pPr>
+            <a:r>
+              <a:rPr lang="it-IT" sz="1400" dirty="0">
+                <a:solidFill>
+                  <a:srgbClr val="DCDCAA"/>
+                </a:solidFill>
+                <a:latin typeface="Consolas" panose="020B0609020204030204" pitchFamily="49" charset="0"/>
+                <a:ea typeface="Times New Roman" panose="02020603050405020304" pitchFamily="18" charset="0"/>
+                <a:cs typeface="Times New Roman" panose="02020603050405020304" pitchFamily="18" charset="0"/>
+              </a:rPr>
+              <a:t>			</a:t>
+            </a:r>
+            <a:r>
+              <a:rPr lang="it-IT" sz="1400" dirty="0" err="1">
+                <a:solidFill>
+                  <a:srgbClr val="DCDCAA"/>
+                </a:solidFill>
+                <a:latin typeface="Consolas" panose="020B0609020204030204" pitchFamily="49" charset="0"/>
+                <a:ea typeface="Times New Roman" panose="02020603050405020304" pitchFamily="18" charset="0"/>
+                <a:cs typeface="Times New Roman" panose="02020603050405020304" pitchFamily="18" charset="0"/>
+              </a:rPr>
+              <a:t>write</a:t>
+            </a:r>
+            <a:r>
+              <a:rPr lang="it-IT" sz="1400" dirty="0">
+                <a:solidFill>
+                  <a:srgbClr val="D4D4D4"/>
+                </a:solidFill>
+                <a:latin typeface="Consolas" panose="020B0609020204030204" pitchFamily="49" charset="0"/>
+                <a:ea typeface="Times New Roman" panose="02020603050405020304" pitchFamily="18" charset="0"/>
+                <a:cs typeface="Times New Roman" panose="02020603050405020304" pitchFamily="18" charset="0"/>
+              </a:rPr>
+              <a:t>(</a:t>
+            </a:r>
+            <a:r>
+              <a:rPr lang="it-IT" sz="1400" dirty="0" err="1">
+                <a:solidFill>
+                  <a:srgbClr val="D4D4D4"/>
+                </a:solidFill>
+                <a:latin typeface="Consolas" panose="020B0609020204030204" pitchFamily="49" charset="0"/>
+                <a:ea typeface="Times New Roman" panose="02020603050405020304" pitchFamily="18" charset="0"/>
+                <a:cs typeface="Times New Roman" panose="02020603050405020304" pitchFamily="18" charset="0"/>
+              </a:rPr>
+              <a:t>newSocket</a:t>
+            </a:r>
+            <a:r>
+              <a:rPr lang="it-IT" sz="1400" dirty="0">
+                <a:solidFill>
+                  <a:srgbClr val="D4D4D4"/>
+                </a:solidFill>
+                <a:latin typeface="Consolas" panose="020B0609020204030204" pitchFamily="49" charset="0"/>
+                <a:ea typeface="Times New Roman" panose="02020603050405020304" pitchFamily="18" charset="0"/>
+                <a:cs typeface="Times New Roman" panose="02020603050405020304" pitchFamily="18" charset="0"/>
+              </a:rPr>
+              <a:t>, &amp;(</a:t>
+            </a:r>
+            <a:r>
+              <a:rPr lang="it-IT" sz="1400" dirty="0" err="1">
+                <a:solidFill>
+                  <a:srgbClr val="9CDCFE"/>
+                </a:solidFill>
+                <a:latin typeface="Consolas" panose="020B0609020204030204" pitchFamily="49" charset="0"/>
+                <a:ea typeface="Times New Roman" panose="02020603050405020304" pitchFamily="18" charset="0"/>
+                <a:cs typeface="Times New Roman" panose="02020603050405020304" pitchFamily="18" charset="0"/>
+              </a:rPr>
+              <a:t>buff</a:t>
+            </a:r>
+            <a:r>
+              <a:rPr lang="it-IT" sz="1400" dirty="0">
+                <a:solidFill>
+                  <a:srgbClr val="D4D4D4"/>
+                </a:solidFill>
+                <a:latin typeface="Consolas" panose="020B0609020204030204" pitchFamily="49" charset="0"/>
+                <a:ea typeface="Times New Roman" panose="02020603050405020304" pitchFamily="18" charset="0"/>
+                <a:cs typeface="Times New Roman" panose="02020603050405020304" pitchFamily="18" charset="0"/>
+              </a:rPr>
+              <a:t>[i]), </a:t>
+            </a:r>
+            <a:r>
+              <a:rPr lang="it-IT" sz="1400" dirty="0" err="1">
+                <a:solidFill>
+                  <a:srgbClr val="569CD6"/>
+                </a:solidFill>
+                <a:latin typeface="Consolas" panose="020B0609020204030204" pitchFamily="49" charset="0"/>
+                <a:ea typeface="Times New Roman" panose="02020603050405020304" pitchFamily="18" charset="0"/>
+                <a:cs typeface="Times New Roman" panose="02020603050405020304" pitchFamily="18" charset="0"/>
+              </a:rPr>
+              <a:t>sizeof</a:t>
+            </a:r>
+            <a:r>
+              <a:rPr lang="it-IT" sz="1400" dirty="0">
+                <a:solidFill>
+                  <a:srgbClr val="D4D4D4"/>
+                </a:solidFill>
+                <a:latin typeface="Consolas" panose="020B0609020204030204" pitchFamily="49" charset="0"/>
+                <a:ea typeface="Times New Roman" panose="02020603050405020304" pitchFamily="18" charset="0"/>
+                <a:cs typeface="Times New Roman" panose="02020603050405020304" pitchFamily="18" charset="0"/>
+              </a:rPr>
+              <a:t>(</a:t>
+            </a:r>
+            <a:r>
+              <a:rPr lang="it-IT" sz="1400" dirty="0" err="1">
+                <a:solidFill>
+                  <a:srgbClr val="569CD6"/>
+                </a:solidFill>
+                <a:latin typeface="Consolas" panose="020B0609020204030204" pitchFamily="49" charset="0"/>
+                <a:ea typeface="Times New Roman" panose="02020603050405020304" pitchFamily="18" charset="0"/>
+                <a:cs typeface="Times New Roman" panose="02020603050405020304" pitchFamily="18" charset="0"/>
+              </a:rPr>
+              <a:t>char</a:t>
+            </a:r>
+            <a:r>
+              <a:rPr lang="it-IT" sz="1400" dirty="0">
+                <a:solidFill>
+                  <a:srgbClr val="D4D4D4"/>
+                </a:solidFill>
+                <a:latin typeface="Consolas" panose="020B0609020204030204" pitchFamily="49" charset="0"/>
+                <a:ea typeface="Times New Roman" panose="02020603050405020304" pitchFamily="18" charset="0"/>
+                <a:cs typeface="Times New Roman" panose="02020603050405020304" pitchFamily="18" charset="0"/>
+              </a:rPr>
+              <a:t>));</a:t>
+            </a:r>
+            <a:endParaRPr lang="it-IT" sz="1400" dirty="0">
+              <a:latin typeface="Consolas" panose="020B0609020204030204" pitchFamily="49" charset="0"/>
+              <a:ea typeface="Calibri" panose="020F0502020204030204" pitchFamily="34" charset="0"/>
+              <a:cs typeface="Times New Roman" panose="02020603050405020304" pitchFamily="18" charset="0"/>
+            </a:endParaRPr>
+          </a:p>
+          <a:p>
+            <a:pPr>
+              <a:lnSpc>
+                <a:spcPct val="120000"/>
+              </a:lnSpc>
+              <a:spcAft>
+                <a:spcPts val="0"/>
+              </a:spcAft>
+            </a:pPr>
+            <a:r>
+              <a:rPr lang="it-IT" sz="1400" dirty="0">
+                <a:solidFill>
+                  <a:srgbClr val="D4D4D4"/>
+                </a:solidFill>
+                <a:latin typeface="Consolas" panose="020B0609020204030204" pitchFamily="49" charset="0"/>
+                <a:ea typeface="Times New Roman" panose="02020603050405020304" pitchFamily="18" charset="0"/>
+                <a:cs typeface="Times New Roman" panose="02020603050405020304" pitchFamily="18" charset="0"/>
+              </a:rPr>
+              <a:t>		}</a:t>
+            </a:r>
+            <a:endParaRPr lang="it-IT" sz="1400" dirty="0">
+              <a:latin typeface="Consolas" panose="020B0609020204030204" pitchFamily="49" charset="0"/>
+              <a:ea typeface="Calibri" panose="020F0502020204030204" pitchFamily="34" charset="0"/>
+              <a:cs typeface="Times New Roman" panose="02020603050405020304" pitchFamily="18" charset="0"/>
+            </a:endParaRPr>
+          </a:p>
+          <a:p>
+            <a:pPr>
+              <a:lnSpc>
+                <a:spcPct val="120000"/>
+              </a:lnSpc>
+              <a:spcAft>
+                <a:spcPts val="0"/>
+              </a:spcAft>
+            </a:pPr>
+            <a:r>
+              <a:rPr lang="it-IT" sz="1400" dirty="0">
+                <a:solidFill>
+                  <a:srgbClr val="C586C0"/>
+                </a:solidFill>
+                <a:latin typeface="Consolas" panose="020B0609020204030204" pitchFamily="49" charset="0"/>
+                <a:ea typeface="Times New Roman" panose="02020603050405020304" pitchFamily="18" charset="0"/>
+                <a:cs typeface="Times New Roman" panose="02020603050405020304" pitchFamily="18" charset="0"/>
+              </a:rPr>
+              <a:t>		else</a:t>
+            </a:r>
+            <a:r>
+              <a:rPr lang="it-IT" sz="1400" dirty="0">
+                <a:solidFill>
+                  <a:srgbClr val="D4D4D4"/>
+                </a:solidFill>
+                <a:latin typeface="Consolas" panose="020B0609020204030204" pitchFamily="49" charset="0"/>
+                <a:ea typeface="Times New Roman" panose="02020603050405020304" pitchFamily="18" charset="0"/>
+                <a:cs typeface="Times New Roman" panose="02020603050405020304" pitchFamily="18" charset="0"/>
+              </a:rPr>
+              <a:t> {</a:t>
+            </a:r>
+            <a:endParaRPr lang="it-IT" sz="1400" dirty="0">
+              <a:latin typeface="Consolas" panose="020B0609020204030204" pitchFamily="49" charset="0"/>
+              <a:ea typeface="Calibri" panose="020F0502020204030204" pitchFamily="34" charset="0"/>
+              <a:cs typeface="Times New Roman" panose="02020603050405020304" pitchFamily="18" charset="0"/>
+            </a:endParaRPr>
+          </a:p>
+          <a:p>
+            <a:pPr>
+              <a:lnSpc>
+                <a:spcPct val="120000"/>
+              </a:lnSpc>
+              <a:spcAft>
+                <a:spcPts val="0"/>
+              </a:spcAft>
+            </a:pPr>
+            <a:r>
+              <a:rPr lang="it-IT" sz="1400" dirty="0">
+                <a:solidFill>
+                  <a:srgbClr val="C586C0"/>
+                </a:solidFill>
+                <a:latin typeface="Consolas" panose="020B0609020204030204" pitchFamily="49" charset="0"/>
+                <a:ea typeface="Times New Roman" panose="02020603050405020304" pitchFamily="18" charset="0"/>
+                <a:cs typeface="Times New Roman" panose="02020603050405020304" pitchFamily="18" charset="0"/>
+              </a:rPr>
+              <a:t>			</a:t>
+            </a:r>
+            <a:r>
+              <a:rPr lang="it-IT" sz="1400" dirty="0" err="1">
+                <a:solidFill>
+                  <a:srgbClr val="C586C0"/>
+                </a:solidFill>
+                <a:latin typeface="Consolas" panose="020B0609020204030204" pitchFamily="49" charset="0"/>
+                <a:ea typeface="Times New Roman" panose="02020603050405020304" pitchFamily="18" charset="0"/>
+                <a:cs typeface="Times New Roman" panose="02020603050405020304" pitchFamily="18" charset="0"/>
+              </a:rPr>
+              <a:t>while</a:t>
+            </a:r>
+            <a:r>
+              <a:rPr lang="it-IT" sz="1400" dirty="0">
+                <a:solidFill>
+                  <a:srgbClr val="D4D4D4"/>
+                </a:solidFill>
+                <a:latin typeface="Consolas" panose="020B0609020204030204" pitchFamily="49" charset="0"/>
+                <a:ea typeface="Times New Roman" panose="02020603050405020304" pitchFamily="18" charset="0"/>
+                <a:cs typeface="Times New Roman" panose="02020603050405020304" pitchFamily="18" charset="0"/>
+              </a:rPr>
+              <a:t>(</a:t>
+            </a:r>
+            <a:r>
+              <a:rPr lang="it-IT" sz="1400" dirty="0" err="1">
+                <a:solidFill>
+                  <a:srgbClr val="9CDCFE"/>
+                </a:solidFill>
+                <a:latin typeface="Consolas" panose="020B0609020204030204" pitchFamily="49" charset="0"/>
+                <a:ea typeface="Times New Roman" panose="02020603050405020304" pitchFamily="18" charset="0"/>
+                <a:cs typeface="Times New Roman" panose="02020603050405020304" pitchFamily="18" charset="0"/>
+              </a:rPr>
+              <a:t>buff</a:t>
+            </a:r>
+            <a:r>
+              <a:rPr lang="it-IT" sz="1400" dirty="0">
+                <a:solidFill>
+                  <a:srgbClr val="D4D4D4"/>
+                </a:solidFill>
+                <a:latin typeface="Consolas" panose="020B0609020204030204" pitchFamily="49" charset="0"/>
+                <a:ea typeface="Times New Roman" panose="02020603050405020304" pitchFamily="18" charset="0"/>
+                <a:cs typeface="Times New Roman" panose="02020603050405020304" pitchFamily="18" charset="0"/>
+              </a:rPr>
+              <a:t>[i] != </a:t>
+            </a:r>
+            <a:r>
+              <a:rPr lang="it-IT" sz="1400" dirty="0">
+                <a:solidFill>
+                  <a:srgbClr val="CE9178"/>
+                </a:solidFill>
+                <a:latin typeface="Consolas" panose="020B0609020204030204" pitchFamily="49" charset="0"/>
+                <a:ea typeface="Times New Roman" panose="02020603050405020304" pitchFamily="18" charset="0"/>
+                <a:cs typeface="Times New Roman" panose="02020603050405020304" pitchFamily="18" charset="0"/>
+              </a:rPr>
+              <a:t>'</a:t>
+            </a:r>
+            <a:r>
+              <a:rPr lang="it-IT" sz="1400" dirty="0">
+                <a:solidFill>
+                  <a:srgbClr val="D7BA7D"/>
+                </a:solidFill>
+                <a:latin typeface="Consolas" panose="020B0609020204030204" pitchFamily="49" charset="0"/>
+                <a:ea typeface="Times New Roman" panose="02020603050405020304" pitchFamily="18" charset="0"/>
+                <a:cs typeface="Times New Roman" panose="02020603050405020304" pitchFamily="18" charset="0"/>
+              </a:rPr>
+              <a:t>\n</a:t>
+            </a:r>
+            <a:r>
+              <a:rPr lang="it-IT" sz="1400" dirty="0">
+                <a:solidFill>
+                  <a:srgbClr val="CE9178"/>
+                </a:solidFill>
+                <a:latin typeface="Consolas" panose="020B0609020204030204" pitchFamily="49" charset="0"/>
+                <a:ea typeface="Times New Roman" panose="02020603050405020304" pitchFamily="18" charset="0"/>
+                <a:cs typeface="Times New Roman" panose="02020603050405020304" pitchFamily="18" charset="0"/>
+              </a:rPr>
+              <a:t>'</a:t>
+            </a:r>
+            <a:r>
+              <a:rPr lang="it-IT" sz="1400" dirty="0">
+                <a:solidFill>
+                  <a:srgbClr val="D4D4D4"/>
+                </a:solidFill>
+                <a:latin typeface="Consolas" panose="020B0609020204030204" pitchFamily="49" charset="0"/>
+                <a:ea typeface="Times New Roman" panose="02020603050405020304" pitchFamily="18" charset="0"/>
+                <a:cs typeface="Times New Roman" panose="02020603050405020304" pitchFamily="18" charset="0"/>
+              </a:rPr>
+              <a:t> &amp;&amp; i &lt; </a:t>
+            </a:r>
+            <a:r>
+              <a:rPr lang="it-IT" sz="1400" dirty="0" err="1">
+                <a:solidFill>
+                  <a:srgbClr val="D4D4D4"/>
+                </a:solidFill>
+                <a:latin typeface="Consolas" panose="020B0609020204030204" pitchFamily="49" charset="0"/>
+                <a:ea typeface="Times New Roman" panose="02020603050405020304" pitchFamily="18" charset="0"/>
+                <a:cs typeface="Times New Roman" panose="02020603050405020304" pitchFamily="18" charset="0"/>
+              </a:rPr>
+              <a:t>readSocket</a:t>
+            </a:r>
+            <a:r>
+              <a:rPr lang="it-IT" sz="1400" dirty="0">
+                <a:solidFill>
+                  <a:srgbClr val="D4D4D4"/>
+                </a:solidFill>
+                <a:latin typeface="Consolas" panose="020B0609020204030204" pitchFamily="49" charset="0"/>
+                <a:ea typeface="Times New Roman" panose="02020603050405020304" pitchFamily="18" charset="0"/>
+                <a:cs typeface="Times New Roman" panose="02020603050405020304" pitchFamily="18" charset="0"/>
+              </a:rPr>
+              <a:t>) {</a:t>
+            </a:r>
+            <a:endParaRPr lang="it-IT" sz="1400" dirty="0">
+              <a:latin typeface="Consolas" panose="020B0609020204030204" pitchFamily="49" charset="0"/>
+              <a:ea typeface="Calibri" panose="020F0502020204030204" pitchFamily="34" charset="0"/>
+              <a:cs typeface="Times New Roman" panose="02020603050405020304" pitchFamily="18" charset="0"/>
+            </a:endParaRPr>
+          </a:p>
+          <a:p>
+            <a:pPr>
+              <a:lnSpc>
+                <a:spcPct val="120000"/>
+              </a:lnSpc>
+              <a:spcAft>
+                <a:spcPts val="0"/>
+              </a:spcAft>
+            </a:pPr>
+            <a:r>
+              <a:rPr lang="it-IT" sz="1400" dirty="0">
+                <a:solidFill>
+                  <a:srgbClr val="D4D4D4"/>
+                </a:solidFill>
+                <a:latin typeface="Consolas" panose="020B0609020204030204" pitchFamily="49" charset="0"/>
+                <a:ea typeface="Times New Roman" panose="02020603050405020304" pitchFamily="18" charset="0"/>
+                <a:cs typeface="Times New Roman" panose="02020603050405020304" pitchFamily="18" charset="0"/>
+              </a:rPr>
+              <a:t>				i++;</a:t>
+            </a:r>
+            <a:endParaRPr lang="it-IT" sz="1400" dirty="0">
+              <a:latin typeface="Consolas" panose="020B0609020204030204" pitchFamily="49" charset="0"/>
+              <a:ea typeface="Calibri" panose="020F0502020204030204" pitchFamily="34" charset="0"/>
+              <a:cs typeface="Times New Roman" panose="02020603050405020304" pitchFamily="18" charset="0"/>
+            </a:endParaRPr>
+          </a:p>
+          <a:p>
+            <a:pPr>
+              <a:lnSpc>
+                <a:spcPct val="120000"/>
+              </a:lnSpc>
+              <a:spcAft>
+                <a:spcPts val="0"/>
+              </a:spcAft>
+            </a:pPr>
+            <a:r>
+              <a:rPr lang="it-IT" sz="1400" dirty="0">
+                <a:solidFill>
+                  <a:srgbClr val="D4D4D4"/>
+                </a:solidFill>
+                <a:latin typeface="Consolas" panose="020B0609020204030204" pitchFamily="49" charset="0"/>
+                <a:ea typeface="Times New Roman" panose="02020603050405020304" pitchFamily="18" charset="0"/>
+                <a:cs typeface="Times New Roman" panose="02020603050405020304" pitchFamily="18" charset="0"/>
+              </a:rPr>
+              <a:t>			}</a:t>
+            </a:r>
+            <a:endParaRPr lang="it-IT" sz="1400" dirty="0">
+              <a:latin typeface="Consolas" panose="020B0609020204030204" pitchFamily="49" charset="0"/>
+              <a:ea typeface="Calibri" panose="020F0502020204030204" pitchFamily="34" charset="0"/>
+              <a:cs typeface="Times New Roman" panose="02020603050405020304" pitchFamily="18" charset="0"/>
+            </a:endParaRPr>
+          </a:p>
+          <a:p>
+            <a:pPr>
+              <a:lnSpc>
+                <a:spcPct val="120000"/>
+              </a:lnSpc>
+              <a:spcAft>
+                <a:spcPts val="0"/>
+              </a:spcAft>
+            </a:pPr>
+            <a:r>
+              <a:rPr lang="it-IT" sz="1400" dirty="0">
+                <a:solidFill>
+                  <a:srgbClr val="D4D4D4"/>
+                </a:solidFill>
+                <a:latin typeface="Consolas" panose="020B0609020204030204" pitchFamily="49" charset="0"/>
+                <a:ea typeface="Times New Roman" panose="02020603050405020304" pitchFamily="18" charset="0"/>
+                <a:cs typeface="Times New Roman" panose="02020603050405020304" pitchFamily="18" charset="0"/>
+              </a:rPr>
+              <a:t>		}</a:t>
+            </a:r>
+            <a:endParaRPr lang="it-IT" sz="1400" dirty="0">
+              <a:latin typeface="Consolas" panose="020B0609020204030204" pitchFamily="49" charset="0"/>
+              <a:ea typeface="Calibri" panose="020F0502020204030204" pitchFamily="34" charset="0"/>
+              <a:cs typeface="Times New Roman" panose="02020603050405020304" pitchFamily="18" charset="0"/>
+            </a:endParaRPr>
+          </a:p>
+          <a:p>
+            <a:pPr>
+              <a:lnSpc>
+                <a:spcPct val="120000"/>
+              </a:lnSpc>
+              <a:spcAft>
+                <a:spcPts val="0"/>
+              </a:spcAft>
+            </a:pPr>
+            <a:r>
+              <a:rPr lang="it-IT" sz="1400" dirty="0">
+                <a:solidFill>
+                  <a:srgbClr val="D4D4D4"/>
+                </a:solidFill>
+                <a:latin typeface="Consolas" panose="020B0609020204030204" pitchFamily="49" charset="0"/>
+                <a:ea typeface="Times New Roman" panose="02020603050405020304" pitchFamily="18" charset="0"/>
+                <a:cs typeface="Times New Roman" panose="02020603050405020304" pitchFamily="18" charset="0"/>
+              </a:rPr>
+              <a:t>                    </a:t>
+            </a:r>
+            <a:endParaRPr lang="it-IT" sz="1400" dirty="0">
+              <a:latin typeface="Consolas" panose="020B0609020204030204" pitchFamily="49" charset="0"/>
+              <a:ea typeface="Calibri" panose="020F0502020204030204" pitchFamily="34" charset="0"/>
+              <a:cs typeface="Times New Roman" panose="02020603050405020304" pitchFamily="18" charset="0"/>
+            </a:endParaRPr>
+          </a:p>
+          <a:p>
+            <a:pPr>
+              <a:lnSpc>
+                <a:spcPct val="120000"/>
+              </a:lnSpc>
+              <a:spcAft>
+                <a:spcPts val="0"/>
+              </a:spcAft>
+            </a:pPr>
+            <a:r>
+              <a:rPr lang="it-IT" sz="1400" dirty="0">
+                <a:solidFill>
+                  <a:srgbClr val="C586C0"/>
+                </a:solidFill>
+                <a:latin typeface="Consolas" panose="020B0609020204030204" pitchFamily="49" charset="0"/>
+                <a:ea typeface="Times New Roman" panose="02020603050405020304" pitchFamily="18" charset="0"/>
+                <a:cs typeface="Times New Roman" panose="02020603050405020304" pitchFamily="18" charset="0"/>
+              </a:rPr>
+              <a:t>		</a:t>
+            </a:r>
+            <a:r>
+              <a:rPr lang="it-IT" sz="1400" dirty="0" err="1">
+                <a:solidFill>
+                  <a:srgbClr val="C586C0"/>
+                </a:solidFill>
+                <a:latin typeface="Consolas" panose="020B0609020204030204" pitchFamily="49" charset="0"/>
+                <a:ea typeface="Times New Roman" panose="02020603050405020304" pitchFamily="18" charset="0"/>
+                <a:cs typeface="Times New Roman" panose="02020603050405020304" pitchFamily="18" charset="0"/>
+              </a:rPr>
+              <a:t>if</a:t>
+            </a:r>
+            <a:r>
+              <a:rPr lang="it-IT" sz="1400" dirty="0">
+                <a:solidFill>
+                  <a:srgbClr val="D4D4D4"/>
+                </a:solidFill>
+                <a:latin typeface="Consolas" panose="020B0609020204030204" pitchFamily="49" charset="0"/>
+                <a:ea typeface="Times New Roman" panose="02020603050405020304" pitchFamily="18" charset="0"/>
+                <a:cs typeface="Times New Roman" panose="02020603050405020304" pitchFamily="18" charset="0"/>
+              </a:rPr>
+              <a:t> (</a:t>
+            </a:r>
+            <a:r>
+              <a:rPr lang="it-IT" sz="1400" dirty="0" err="1">
+                <a:solidFill>
+                  <a:srgbClr val="9CDCFE"/>
+                </a:solidFill>
+                <a:latin typeface="Consolas" panose="020B0609020204030204" pitchFamily="49" charset="0"/>
+                <a:ea typeface="Times New Roman" panose="02020603050405020304" pitchFamily="18" charset="0"/>
+                <a:cs typeface="Times New Roman" panose="02020603050405020304" pitchFamily="18" charset="0"/>
+              </a:rPr>
+              <a:t>buff</a:t>
+            </a:r>
+            <a:r>
+              <a:rPr lang="it-IT" sz="1400" dirty="0">
+                <a:solidFill>
+                  <a:srgbClr val="D4D4D4"/>
+                </a:solidFill>
+                <a:latin typeface="Consolas" panose="020B0609020204030204" pitchFamily="49" charset="0"/>
+                <a:ea typeface="Times New Roman" panose="02020603050405020304" pitchFamily="18" charset="0"/>
+                <a:cs typeface="Times New Roman" panose="02020603050405020304" pitchFamily="18" charset="0"/>
+              </a:rPr>
+              <a:t>[i] == </a:t>
+            </a:r>
+            <a:r>
+              <a:rPr lang="it-IT" sz="1400" dirty="0">
+                <a:solidFill>
+                  <a:srgbClr val="CE9178"/>
+                </a:solidFill>
+                <a:latin typeface="Consolas" panose="020B0609020204030204" pitchFamily="49" charset="0"/>
+                <a:ea typeface="Times New Roman" panose="02020603050405020304" pitchFamily="18" charset="0"/>
+                <a:cs typeface="Times New Roman" panose="02020603050405020304" pitchFamily="18" charset="0"/>
+              </a:rPr>
+              <a:t>'</a:t>
+            </a:r>
+            <a:r>
+              <a:rPr lang="it-IT" sz="1400" dirty="0">
+                <a:solidFill>
+                  <a:srgbClr val="D7BA7D"/>
+                </a:solidFill>
+                <a:latin typeface="Consolas" panose="020B0609020204030204" pitchFamily="49" charset="0"/>
+                <a:ea typeface="Times New Roman" panose="02020603050405020304" pitchFamily="18" charset="0"/>
+                <a:cs typeface="Times New Roman" panose="02020603050405020304" pitchFamily="18" charset="0"/>
+              </a:rPr>
+              <a:t>\n</a:t>
+            </a:r>
+            <a:r>
+              <a:rPr lang="it-IT" sz="1400" dirty="0">
+                <a:solidFill>
+                  <a:srgbClr val="CE9178"/>
+                </a:solidFill>
+                <a:latin typeface="Consolas" panose="020B0609020204030204" pitchFamily="49" charset="0"/>
+                <a:ea typeface="Times New Roman" panose="02020603050405020304" pitchFamily="18" charset="0"/>
+                <a:cs typeface="Times New Roman" panose="02020603050405020304" pitchFamily="18" charset="0"/>
+              </a:rPr>
+              <a:t>'</a:t>
+            </a:r>
+            <a:r>
+              <a:rPr lang="it-IT" sz="1400" dirty="0">
+                <a:solidFill>
+                  <a:srgbClr val="D4D4D4"/>
+                </a:solidFill>
+                <a:latin typeface="Consolas" panose="020B0609020204030204" pitchFamily="49" charset="0"/>
+                <a:ea typeface="Times New Roman" panose="02020603050405020304" pitchFamily="18" charset="0"/>
+                <a:cs typeface="Times New Roman" panose="02020603050405020304" pitchFamily="18" charset="0"/>
+              </a:rPr>
+              <a:t>) {</a:t>
+            </a:r>
+            <a:endParaRPr lang="it-IT" sz="1400" dirty="0">
+              <a:latin typeface="Consolas" panose="020B0609020204030204" pitchFamily="49" charset="0"/>
+              <a:ea typeface="Calibri" panose="020F0502020204030204" pitchFamily="34" charset="0"/>
+              <a:cs typeface="Times New Roman" panose="02020603050405020304" pitchFamily="18" charset="0"/>
+            </a:endParaRPr>
+          </a:p>
+          <a:p>
+            <a:pPr>
+              <a:lnSpc>
+                <a:spcPct val="120000"/>
+              </a:lnSpc>
+              <a:spcAft>
+                <a:spcPts val="0"/>
+              </a:spcAft>
+            </a:pPr>
+            <a:r>
+              <a:rPr lang="it-IT" sz="1400" dirty="0">
+                <a:solidFill>
+                  <a:srgbClr val="D4D4D4"/>
+                </a:solidFill>
+                <a:latin typeface="Consolas" panose="020B0609020204030204" pitchFamily="49" charset="0"/>
+                <a:ea typeface="Times New Roman" panose="02020603050405020304" pitchFamily="18" charset="0"/>
+                <a:cs typeface="Times New Roman" panose="02020603050405020304" pitchFamily="18" charset="0"/>
+              </a:rPr>
+              <a:t>			</a:t>
+            </a:r>
+            <a:r>
+              <a:rPr lang="it-IT" sz="1400" dirty="0" err="1">
+                <a:solidFill>
+                  <a:srgbClr val="D4D4D4"/>
+                </a:solidFill>
+                <a:latin typeface="Consolas" panose="020B0609020204030204" pitchFamily="49" charset="0"/>
+                <a:ea typeface="Times New Roman" panose="02020603050405020304" pitchFamily="18" charset="0"/>
+                <a:cs typeface="Times New Roman" panose="02020603050405020304" pitchFamily="18" charset="0"/>
+              </a:rPr>
+              <a:t>contaLinea</a:t>
+            </a:r>
+            <a:r>
+              <a:rPr lang="it-IT" sz="1400" dirty="0">
+                <a:solidFill>
+                  <a:srgbClr val="D4D4D4"/>
+                </a:solidFill>
+                <a:latin typeface="Consolas" panose="020B0609020204030204" pitchFamily="49" charset="0"/>
+                <a:ea typeface="Times New Roman" panose="02020603050405020304" pitchFamily="18" charset="0"/>
+                <a:cs typeface="Times New Roman" panose="02020603050405020304" pitchFamily="18" charset="0"/>
+              </a:rPr>
+              <a:t>++;</a:t>
+            </a:r>
+            <a:endParaRPr lang="it-IT" sz="1400" dirty="0">
+              <a:latin typeface="Consolas" panose="020B0609020204030204" pitchFamily="49" charset="0"/>
+              <a:ea typeface="Calibri" panose="020F0502020204030204" pitchFamily="34" charset="0"/>
+              <a:cs typeface="Times New Roman" panose="02020603050405020304" pitchFamily="18" charset="0"/>
+            </a:endParaRPr>
+          </a:p>
+          <a:p>
+            <a:pPr>
+              <a:lnSpc>
+                <a:spcPct val="120000"/>
+              </a:lnSpc>
+              <a:spcAft>
+                <a:spcPts val="0"/>
+              </a:spcAft>
+            </a:pPr>
+            <a:r>
+              <a:rPr lang="it-IT" sz="1400" dirty="0">
+                <a:solidFill>
+                  <a:srgbClr val="D4D4D4"/>
+                </a:solidFill>
+                <a:latin typeface="Consolas" panose="020B0609020204030204" pitchFamily="49" charset="0"/>
+                <a:ea typeface="Times New Roman" panose="02020603050405020304" pitchFamily="18" charset="0"/>
+                <a:cs typeface="Times New Roman" panose="02020603050405020304" pitchFamily="18" charset="0"/>
+              </a:rPr>
+              <a:t>		}</a:t>
+            </a:r>
+            <a:endParaRPr lang="it-IT" sz="1400" dirty="0">
+              <a:latin typeface="Consolas" panose="020B0609020204030204" pitchFamily="49" charset="0"/>
+              <a:ea typeface="Calibri" panose="020F0502020204030204" pitchFamily="34" charset="0"/>
+              <a:cs typeface="Times New Roman" panose="02020603050405020304" pitchFamily="18" charset="0"/>
+            </a:endParaRPr>
+          </a:p>
+          <a:p>
+            <a:pPr>
+              <a:lnSpc>
+                <a:spcPct val="120000"/>
+              </a:lnSpc>
+              <a:spcAft>
+                <a:spcPts val="0"/>
+              </a:spcAft>
+            </a:pPr>
+            <a:r>
+              <a:rPr lang="it-IT" sz="1400" dirty="0">
+                <a:solidFill>
+                  <a:srgbClr val="D4D4D4"/>
+                </a:solidFill>
+                <a:latin typeface="Consolas" panose="020B0609020204030204" pitchFamily="49" charset="0"/>
+                <a:ea typeface="Times New Roman" panose="02020603050405020304" pitchFamily="18" charset="0"/>
+                <a:cs typeface="Times New Roman" panose="02020603050405020304" pitchFamily="18" charset="0"/>
+              </a:rPr>
+              <a:t> </a:t>
+            </a:r>
+            <a:endParaRPr lang="it-IT" sz="1400" dirty="0">
+              <a:latin typeface="Consolas" panose="020B0609020204030204" pitchFamily="49" charset="0"/>
+              <a:ea typeface="Calibri" panose="020F0502020204030204" pitchFamily="34" charset="0"/>
+              <a:cs typeface="Times New Roman" panose="02020603050405020304" pitchFamily="18" charset="0"/>
+            </a:endParaRPr>
+          </a:p>
+          <a:p>
+            <a:pPr>
+              <a:lnSpc>
+                <a:spcPct val="120000"/>
+              </a:lnSpc>
+              <a:spcAft>
+                <a:spcPts val="0"/>
+              </a:spcAft>
+            </a:pPr>
+            <a:r>
+              <a:rPr lang="it-IT" sz="1400" dirty="0">
+                <a:solidFill>
+                  <a:srgbClr val="D4D4D4"/>
+                </a:solidFill>
+                <a:latin typeface="Consolas" panose="020B0609020204030204" pitchFamily="49" charset="0"/>
+                <a:ea typeface="Times New Roman" panose="02020603050405020304" pitchFamily="18" charset="0"/>
+                <a:cs typeface="Times New Roman" panose="02020603050405020304" pitchFamily="18" charset="0"/>
+              </a:rPr>
+              <a:t>		i++;</a:t>
+            </a:r>
+            <a:endParaRPr lang="it-IT" sz="1400" dirty="0">
+              <a:latin typeface="Consolas" panose="020B0609020204030204" pitchFamily="49" charset="0"/>
+              <a:ea typeface="Calibri" panose="020F0502020204030204" pitchFamily="34" charset="0"/>
+              <a:cs typeface="Times New Roman" panose="02020603050405020304" pitchFamily="18" charset="0"/>
+            </a:endParaRPr>
+          </a:p>
+          <a:p>
+            <a:pPr>
+              <a:lnSpc>
+                <a:spcPct val="120000"/>
+              </a:lnSpc>
+              <a:spcAft>
+                <a:spcPts val="0"/>
+              </a:spcAft>
+            </a:pPr>
+            <a:r>
+              <a:rPr lang="it-IT" sz="1400" dirty="0">
+                <a:solidFill>
+                  <a:srgbClr val="D4D4D4"/>
+                </a:solidFill>
+                <a:latin typeface="Consolas" panose="020B0609020204030204" pitchFamily="49" charset="0"/>
+                <a:ea typeface="Times New Roman" panose="02020603050405020304" pitchFamily="18" charset="0"/>
+                <a:cs typeface="Times New Roman" panose="02020603050405020304" pitchFamily="18" charset="0"/>
+              </a:rPr>
+              <a:t>	}</a:t>
+            </a:r>
+            <a:endParaRPr lang="it-IT" sz="1400" dirty="0">
+              <a:latin typeface="Consolas" panose="020B0609020204030204" pitchFamily="49" charset="0"/>
+              <a:ea typeface="Calibri" panose="020F0502020204030204" pitchFamily="34" charset="0"/>
+              <a:cs typeface="Times New Roman" panose="02020603050405020304" pitchFamily="18" charset="0"/>
+            </a:endParaRPr>
+          </a:p>
+          <a:p>
+            <a:pPr>
+              <a:lnSpc>
+                <a:spcPct val="120000"/>
+              </a:lnSpc>
+              <a:spcAft>
+                <a:spcPts val="0"/>
+              </a:spcAft>
+            </a:pPr>
+            <a:r>
+              <a:rPr lang="it-IT" sz="1400" dirty="0">
+                <a:solidFill>
+                  <a:srgbClr val="D4D4D4"/>
+                </a:solidFill>
+                <a:latin typeface="Consolas" panose="020B0609020204030204" pitchFamily="49" charset="0"/>
+                <a:ea typeface="Times New Roman" panose="02020603050405020304" pitchFamily="18" charset="0"/>
+                <a:cs typeface="Times New Roman" panose="02020603050405020304" pitchFamily="18" charset="0"/>
+              </a:rPr>
+              <a:t>}</a:t>
+            </a:r>
+            <a:endParaRPr lang="it-IT" sz="1400" dirty="0">
+              <a:latin typeface="Consolas" panose="020B0609020204030204" pitchFamily="49" charset="0"/>
+              <a:ea typeface="Calibri" panose="020F0502020204030204" pitchFamily="34" charset="0"/>
+              <a:cs typeface="Times New Roman" panose="02020603050405020304" pitchFamily="18" charset="0"/>
+            </a:endParaRPr>
+          </a:p>
+        </p:txBody>
+      </p:sp>
+      <p:sp>
+        <p:nvSpPr>
+          <p:cNvPr id="5" name="Rettangolo con angoli arrotondati 4">
+            <a:extLst>
+              <a:ext uri="{FF2B5EF4-FFF2-40B4-BE49-F238E27FC236}">
+                <a16:creationId xmlns:a16="http://schemas.microsoft.com/office/drawing/2014/main" id="{D7CA7163-CE4B-4F88-9969-3F9B9A1F17CC}"/>
+              </a:ext>
+            </a:extLst>
+          </p:cNvPr>
+          <p:cNvSpPr/>
+          <p:nvPr/>
+        </p:nvSpPr>
+        <p:spPr>
+          <a:xfrm>
+            <a:off x="7526077" y="3904179"/>
+            <a:ext cx="2509286" cy="981592"/>
+          </a:xfrm>
+          <a:prstGeom prst="roundRect">
+            <a:avLst/>
+          </a:prstGeom>
+          <a:solidFill>
+            <a:schemeClr val="accent4"/>
+          </a:solidFill>
+          <a:ln>
+            <a:solidFill>
+              <a:schemeClr val="accent4"/>
+            </a:solidFill>
+          </a:ln>
+        </p:spPr>
+        <p:style>
+          <a:lnRef idx="2">
+            <a:schemeClr val="accent1">
+              <a:shade val="50000"/>
+            </a:schemeClr>
+          </a:lnRef>
+          <a:fillRef idx="1">
+            <a:schemeClr val="accent1"/>
+          </a:fillRef>
+          <a:effectRef idx="0">
+            <a:schemeClr val="accent1"/>
+          </a:effectRef>
+          <a:fontRef idx="minor">
+            <a:schemeClr val="lt1"/>
+          </a:fontRef>
+        </p:style>
+        <p:txBody>
+          <a:bodyPr rtlCol="0" anchor="ctr"/>
+          <a:lstStyle/>
+          <a:p>
+            <a:pPr algn="just"/>
+            <a:r>
+              <a:rPr lang="it-IT" sz="1400" dirty="0">
+                <a:solidFill>
+                  <a:schemeClr val="tx1"/>
+                </a:solidFill>
+                <a:latin typeface="Avenir Next LT Pro Light" panose="020B0304020202020204" pitchFamily="34" charset="0"/>
+              </a:rPr>
+              <a:t>Variante dell’algoritmo per leggere e scrivere sulla </a:t>
+            </a:r>
+            <a:r>
+              <a:rPr lang="it-IT" sz="1400" dirty="0" err="1">
+                <a:solidFill>
+                  <a:schemeClr val="tx1"/>
+                </a:solidFill>
+                <a:latin typeface="Avenir Next LT Pro Light" panose="020B0304020202020204" pitchFamily="34" charset="0"/>
+              </a:rPr>
+              <a:t>socket</a:t>
+            </a:r>
+            <a:r>
+              <a:rPr lang="it-IT" sz="1400" dirty="0">
+                <a:solidFill>
+                  <a:schemeClr val="tx1"/>
+                </a:solidFill>
+                <a:latin typeface="Avenir Next LT Pro Light" panose="020B0304020202020204" pitchFamily="34" charset="0"/>
+              </a:rPr>
+              <a:t> usando un buffer da 256 caratteri.</a:t>
+            </a:r>
+          </a:p>
+        </p:txBody>
+      </p:sp>
+    </p:spTree>
+    <p:extLst>
+      <p:ext uri="{BB962C8B-B14F-4D97-AF65-F5344CB8AC3E}">
+        <p14:creationId xmlns:p14="http://schemas.microsoft.com/office/powerpoint/2010/main" val="143152469"/>
+      </p:ext>
+    </p:extLst>
+  </p:cSld>
+  <p:clrMapOvr>
+    <a:masterClrMapping/>
+  </p:clrMapOvr>
+</p:sld>
+</file>
+
+<file path=ppt/slides/slide9.xml><?xml version="1.0" encoding="utf-8"?>
+<p:sld xmlns:a="http://schemas.openxmlformats.org/drawingml/2006/main" xmlns:r="http://schemas.openxmlformats.org/officeDocument/2006/relationships" xmlns:p="http://schemas.openxmlformats.org/presentationml/2006/main">
+  <p:cSld>
+    <p:bg>
+      <p:bgPr>
+        <a:solidFill>
+          <a:srgbClr val="2A2A2A"/>
+        </a:solidFill>
+        <a:effectLst/>
+      </p:bgPr>
+    </p:bg>
+    <p:spTree>
+      <p:nvGrpSpPr>
+        <p:cNvPr id="1" name=""/>
+        <p:cNvGrpSpPr/>
+        <p:nvPr/>
+      </p:nvGrpSpPr>
+      <p:grpSpPr>
+        <a:xfrm>
+          <a:off x="0" y="0"/>
+          <a:ext cx="0" cy="0"/>
+          <a:chOff x="0" y="0"/>
+          <a:chExt cx="0" cy="0"/>
+        </a:xfrm>
+      </p:grpSpPr>
+      <p:sp>
+        <p:nvSpPr>
+          <p:cNvPr id="2" name="Titolo 1">
+            <a:extLst>
+              <a:ext uri="{FF2B5EF4-FFF2-40B4-BE49-F238E27FC236}">
+                <a16:creationId xmlns:a16="http://schemas.microsoft.com/office/drawing/2014/main" id="{F1DDE7A4-1A5F-4F0D-B842-7798EDC6EDA8}"/>
+              </a:ext>
+            </a:extLst>
+          </p:cNvPr>
+          <p:cNvSpPr>
+            <a:spLocks noGrp="1"/>
+          </p:cNvSpPr>
+          <p:nvPr>
+            <p:ph type="title"/>
+          </p:nvPr>
+        </p:nvSpPr>
+        <p:spPr>
+          <a:xfrm>
+            <a:off x="166048" y="92077"/>
+            <a:ext cx="11859904" cy="911224"/>
+          </a:xfrm>
+        </p:spPr>
+        <p:txBody>
+          <a:bodyPr>
+            <a:normAutofit/>
+          </a:bodyPr>
+          <a:lstStyle/>
+          <a:p>
+            <a:pPr algn="ctr"/>
+            <a:r>
+              <a:rPr lang="it-IT" dirty="0">
+                <a:solidFill>
+                  <a:schemeClr val="bg1"/>
+                </a:solidFill>
+                <a:latin typeface="Avenir Next LT Pro Light" panose="020B0304020202020204" pitchFamily="34" charset="0"/>
+              </a:rPr>
+              <a:t>Conclusione</a:t>
+            </a:r>
+          </a:p>
+        </p:txBody>
+      </p:sp>
+      <p:sp>
+        <p:nvSpPr>
+          <p:cNvPr id="3" name="Segnaposto numero diapositiva 2">
+            <a:extLst>
+              <a:ext uri="{FF2B5EF4-FFF2-40B4-BE49-F238E27FC236}">
+                <a16:creationId xmlns:a16="http://schemas.microsoft.com/office/drawing/2014/main" id="{A47D4834-59E8-435C-A95B-F4D997DED51E}"/>
+              </a:ext>
+            </a:extLst>
+          </p:cNvPr>
+          <p:cNvSpPr>
+            <a:spLocks noGrp="1"/>
+          </p:cNvSpPr>
+          <p:nvPr>
+            <p:ph type="sldNum" sz="quarter" idx="12"/>
+          </p:nvPr>
+        </p:nvSpPr>
+        <p:spPr/>
+        <p:txBody>
+          <a:bodyPr/>
+          <a:lstStyle/>
+          <a:p>
+            <a:fld id="{4A6DC286-705F-4A37-A21F-B485E3A29C72}" type="slidenum">
+              <a:rPr lang="it-IT" smtClean="0"/>
+              <a:t>9</a:t>
+            </a:fld>
+            <a:endParaRPr lang="it-IT"/>
+          </a:p>
+        </p:txBody>
+      </p:sp>
+      <p:sp>
+        <p:nvSpPr>
           <p:cNvPr id="4" name="CasellaDiTesto 3">
             <a:extLst>
               <a:ext uri="{FF2B5EF4-FFF2-40B4-BE49-F238E27FC236}">
@@ -5679,7 +10986,7 @@
         <p:spPr>
           <a:xfrm>
             <a:off x="979080" y="1003301"/>
-            <a:ext cx="10233837" cy="461088"/>
+            <a:ext cx="10233837" cy="1292085"/>
           </a:xfrm>
           <a:prstGeom prst="rect">
             <a:avLst/>
@@ -5709,18 +11016,18 @@
                 <a:ea typeface="Calibri" panose="020F0502020204030204" pitchFamily="34" charset="0"/>
                 <a:cs typeface="Times New Roman" panose="02020603050405020304" pitchFamily="18" charset="0"/>
               </a:rPr>
-              <a:t>To </a:t>
-            </a:r>
-            <a:r>
-              <a:rPr lang="it-IT" dirty="0">
-                <a:solidFill>
-                  <a:srgbClr val="00B0F0"/>
+              <a:t>I test di performance dei due algoritmi usati nel Server TCP hanno evidenziato una diminuzione del tempo di risposta del Server, per il singolo Client, nel caso di lettura dalla </a:t>
+            </a:r>
+            <a:r>
+              <a:rPr lang="it-IT" dirty="0" err="1">
+                <a:solidFill>
+                  <a:schemeClr val="bg1"/>
                 </a:solidFill>
                 <a:latin typeface="Avenir Next LT Pro Light" panose="020B0304020202020204" pitchFamily="34" charset="0"/>
                 <a:ea typeface="Calibri" panose="020F0502020204030204" pitchFamily="34" charset="0"/>
                 <a:cs typeface="Times New Roman" panose="02020603050405020304" pitchFamily="18" charset="0"/>
               </a:rPr>
-              <a:t>be</a:t>
+              <a:t>socket</a:t>
             </a:r>
             <a:r>
               <a:rPr lang="it-IT" dirty="0">
@@ -5731,30 +11038,201 @@
                 <a:ea typeface="Calibri" panose="020F0502020204030204" pitchFamily="34" charset="0"/>
                 <a:cs typeface="Times New Roman" panose="02020603050405020304" pitchFamily="18" charset="0"/>
               </a:rPr>
-              <a:t> </a:t>
-            </a:r>
-            <a:r>
-              <a:rPr lang="it-IT" dirty="0" err="1">
-                <a:solidFill>
-                  <a:schemeClr val="bg1"/>
-                </a:solidFill>
-                <a:latin typeface="Avenir Next LT Pro Light" panose="020B0304020202020204" pitchFamily="34" charset="0"/>
-                <a:ea typeface="Calibri" panose="020F0502020204030204" pitchFamily="34" charset="0"/>
-                <a:cs typeface="Times New Roman" panose="02020603050405020304" pitchFamily="18" charset="0"/>
-              </a:rPr>
-              <a:t>defined</a:t>
-            </a:r>
-            <a:endParaRPr lang="it-IT" dirty="0">
-              <a:solidFill>
-                <a:schemeClr val="bg1"/>
-              </a:solidFill>
-              <a:latin typeface="Avenir Next LT Pro Light" panose="020B0304020202020204" pitchFamily="34" charset="0"/>
-              <a:ea typeface="Calibri" panose="020F0502020204030204" pitchFamily="34" charset="0"/>
-              <a:cs typeface="Times New Roman" panose="02020603050405020304" pitchFamily="18" charset="0"/>
-            </a:endParaRPr>
-          </a:p>
-        </p:txBody>
-      </p:sp>
+              <a:t> con buffer da 256 caratteri.</a:t>
+            </a:r>
+          </a:p>
+        </p:txBody>
+      </p:sp>
+      <p:graphicFrame>
+        <p:nvGraphicFramePr>
+          <p:cNvPr id="5" name="Tabella 5">
+            <a:extLst>
+              <a:ext uri="{FF2B5EF4-FFF2-40B4-BE49-F238E27FC236}">
+                <a16:creationId xmlns:a16="http://schemas.microsoft.com/office/drawing/2014/main" id="{CA79D04B-AC1F-476F-B7A0-1C488465314C}"/>
+              </a:ext>
+            </a:extLst>
+          </p:cNvPr>
+          <p:cNvGraphicFramePr>
+            <a:graphicFrameLocks noGrp="1"/>
+          </p:cNvGraphicFramePr>
+          <p:nvPr>
+            <p:extLst>
+              <p:ext uri="{D42A27DB-BD31-4B8C-83A1-F6EECF244321}">
+                <p14:modId xmlns:p14="http://schemas.microsoft.com/office/powerpoint/2010/main" val="2362385772"/>
+              </p:ext>
+            </p:extLst>
+          </p:nvPr>
+        </p:nvGraphicFramePr>
+        <p:xfrm>
+          <a:off x="979079" y="2835770"/>
+          <a:ext cx="10233837" cy="741680"/>
+        </p:xfrm>
+        <a:graphic>
+          <a:graphicData uri="http://schemas.openxmlformats.org/drawingml/2006/table">
+            <a:tbl>
+              <a:tblPr firstRow="1" bandRow="1">
+                <a:tableStyleId>{6E25E649-3F16-4E02-A733-19D2CDBF48F0}</a:tableStyleId>
+              </a:tblPr>
+              <a:tblGrid>
+                <a:gridCol w="3411279">
+                  <a:extLst>
+                    <a:ext uri="{9D8B030D-6E8A-4147-A177-3AD203B41FA5}">
+                      <a16:colId xmlns:a16="http://schemas.microsoft.com/office/drawing/2014/main" val="3461508120"/>
+                    </a:ext>
+                  </a:extLst>
+                </a:gridCol>
+                <a:gridCol w="3411279">
+                  <a:extLst>
+                    <a:ext uri="{9D8B030D-6E8A-4147-A177-3AD203B41FA5}">
+                      <a16:colId xmlns:a16="http://schemas.microsoft.com/office/drawing/2014/main" val="1449633221"/>
+                    </a:ext>
+                  </a:extLst>
+                </a:gridCol>
+                <a:gridCol w="3411279">
+                  <a:extLst>
+                    <a:ext uri="{9D8B030D-6E8A-4147-A177-3AD203B41FA5}">
+                      <a16:colId xmlns:a16="http://schemas.microsoft.com/office/drawing/2014/main" val="2318056460"/>
+                    </a:ext>
+                  </a:extLst>
+                </a:gridCol>
+              </a:tblGrid>
+              <a:tr h="370840">
+                <a:tc>
+                  <a:txBody>
+                    <a:bodyPr/>
+                    <a:lstStyle/>
+                    <a:p>
+                      <a:endParaRPr lang="it-IT" dirty="0"/>
+                    </a:p>
+                  </a:txBody>
+                  <a:tcPr/>
+                </a:tc>
+                <a:tc>
+                  <a:txBody>
+                    <a:bodyPr/>
+                    <a:lstStyle/>
+                    <a:p>
+                      <a:pPr algn="ctr"/>
+                      <a:r>
+                        <a:rPr lang="it-IT" sz="1600" dirty="0">
+                          <a:solidFill>
+                            <a:schemeClr val="tx1"/>
+                          </a:solidFill>
+                          <a:latin typeface="Avenir Next LT Pro Light" panose="020B0304020202020204" pitchFamily="34" charset="0"/>
+                        </a:rPr>
+                        <a:t>Buffer da 1 carattere</a:t>
+                      </a:r>
+                    </a:p>
+                  </a:txBody>
+                  <a:tcPr/>
+                </a:tc>
+                <a:tc>
+                  <a:txBody>
+                    <a:bodyPr/>
+                    <a:lstStyle/>
+                    <a:p>
+                      <a:pPr algn="ctr"/>
+                      <a:r>
+                        <a:rPr lang="it-IT" sz="1600" dirty="0">
+                          <a:solidFill>
+                            <a:schemeClr val="tx1"/>
+                          </a:solidFill>
+                          <a:latin typeface="Avenir Next LT Pro Light" panose="020B0304020202020204" pitchFamily="34" charset="0"/>
+                        </a:rPr>
+                        <a:t>Buffer da 256 caratteri</a:t>
+                      </a:r>
+                    </a:p>
+                  </a:txBody>
+                  <a:tcPr/>
+                </a:tc>
+                <a:extLst>
+                  <a:ext uri="{0D108BD9-81ED-4DB2-BD59-A6C34878D82A}">
+                    <a16:rowId xmlns:a16="http://schemas.microsoft.com/office/drawing/2014/main" val="2262861192"/>
+                  </a:ext>
+                </a:extLst>
+              </a:tr>
+              <a:tr h="370840">
+                <a:tc>
+                  <a:txBody>
+                    <a:bodyPr/>
+                    <a:lstStyle/>
+                    <a:p>
+                      <a:r>
+                        <a:rPr lang="it-IT" sz="1600" dirty="0"/>
+                        <a:t>Lettura e scrittura su </a:t>
+                      </a:r>
+                      <a:r>
+                        <a:rPr lang="it-IT" sz="1600" dirty="0" err="1"/>
+                        <a:t>Socket</a:t>
+                      </a:r>
+                      <a:r>
+                        <a:rPr lang="it-IT" sz="1600" dirty="0"/>
+                        <a:t> in TCP</a:t>
+                      </a:r>
+                    </a:p>
+                  </a:txBody>
+                  <a:tcPr/>
+                </a:tc>
+                <a:tc>
+                  <a:txBody>
+                    <a:bodyPr/>
+                    <a:lstStyle/>
+                    <a:p>
+                      <a:pPr algn="ctr"/>
+                      <a:r>
+                        <a:rPr lang="it-IT" sz="1600" dirty="0">
+                          <a:latin typeface="Avenir Next LT Pro Light" panose="020B0304020202020204" pitchFamily="34" charset="0"/>
+                        </a:rPr>
+                        <a:t>~105 </a:t>
+                      </a:r>
+                      <a:r>
+                        <a:rPr lang="it-IT" sz="1600" dirty="0" err="1">
+                          <a:latin typeface="Avenir Next LT Pro Light" panose="020B0304020202020204" pitchFamily="34" charset="0"/>
+                        </a:rPr>
+                        <a:t>ms</a:t>
+                      </a:r>
+                      <a:endParaRPr lang="it-IT" sz="1600" dirty="0">
+                        <a:latin typeface="Avenir Next LT Pro Light" panose="020B0304020202020204" pitchFamily="34" charset="0"/>
+                      </a:endParaRPr>
+                    </a:p>
+                  </a:txBody>
+                  <a:tcPr/>
+                </a:tc>
+                <a:tc>
+                  <a:txBody>
+                    <a:bodyPr/>
+                    <a:lstStyle/>
+                    <a:p>
+                      <a:pPr algn="ctr"/>
+                      <a:r>
+                        <a:rPr lang="it-IT" sz="1600" dirty="0">
+                          <a:latin typeface="Avenir Next LT Pro Light" panose="020B0304020202020204" pitchFamily="34" charset="0"/>
+                        </a:rPr>
+                        <a:t>~60 </a:t>
+                      </a:r>
+                      <a:r>
+                        <a:rPr lang="it-IT" sz="1600" dirty="0" err="1">
+                          <a:latin typeface="Avenir Next LT Pro Light" panose="020B0304020202020204" pitchFamily="34" charset="0"/>
+                        </a:rPr>
+                        <a:t>ms</a:t>
+                      </a:r>
+                      <a:endParaRPr lang="it-IT" sz="1600" dirty="0">
+                        <a:latin typeface="Avenir Next LT Pro Light" panose="020B0304020202020204" pitchFamily="34" charset="0"/>
+                      </a:endParaRPr>
+                    </a:p>
+                  </a:txBody>
+                  <a:tcPr/>
+                </a:tc>
+                <a:extLst>
+                  <a:ext uri="{0D108BD9-81ED-4DB2-BD59-A6C34878D82A}">
+                    <a16:rowId xmlns:a16="http://schemas.microsoft.com/office/drawing/2014/main" val="2367173363"/>
+                  </a:ext>
+                </a:extLst>
+              </a:tr>
+            </a:tbl>
+          </a:graphicData>
+        </a:graphic>
+      </p:graphicFrame>
     </p:spTree>
     <p:extLst>
       <p:ext uri="{BB962C8B-B14F-4D97-AF65-F5344CB8AC3E}">
